--- a/Presentations/Midterm-TCPs.pptx
+++ b/Presentations/Midterm-TCPs.pptx
@@ -5,18 +5,19 @@
     <p:sldMasterId id="2147483648" r:id="rId1"/>
   </p:sldMasterIdLst>
   <p:notesMasterIdLst>
-    <p:notesMasterId r:id="rId11"/>
+    <p:notesMasterId r:id="rId12"/>
   </p:notesMasterIdLst>
   <p:sldIdLst>
     <p:sldId id="256" r:id="rId2"/>
     <p:sldId id="270" r:id="rId3"/>
     <p:sldId id="269" r:id="rId4"/>
-    <p:sldId id="275" r:id="rId5"/>
-    <p:sldId id="276" r:id="rId6"/>
-    <p:sldId id="277" r:id="rId7"/>
-    <p:sldId id="278" r:id="rId8"/>
-    <p:sldId id="271" r:id="rId9"/>
-    <p:sldId id="272" r:id="rId10"/>
+    <p:sldId id="276" r:id="rId5"/>
+    <p:sldId id="271" r:id="rId6"/>
+    <p:sldId id="279" r:id="rId7"/>
+    <p:sldId id="281" r:id="rId8"/>
+    <p:sldId id="275" r:id="rId9"/>
+    <p:sldId id="280" r:id="rId10"/>
+    <p:sldId id="272" r:id="rId11"/>
   </p:sldIdLst>
   <p:sldSz cx="12192000" cy="6858000"/>
   <p:notesSz cx="6858000" cy="9144000"/>
@@ -670,7 +671,7 @@
           <a:p>
             <a:fld id="{FAB9B78D-3E5E-564E-A601-8989A842ECCF}" type="slidenum">
               <a:rPr lang="en-KR" smtClean="0"/>
-              <a:t>8</a:t>
+              <a:t>5</a:t>
             </a:fld>
             <a:endParaRPr lang="en-KR"/>
           </a:p>
@@ -4078,6 +4079,80 @@
 </p:sld>
 </file>
 
+<file path=ppt/slides/slide10.xml><?xml version="1.0" encoding="utf-8"?>
+<p:sld xmlns:a="http://schemas.openxmlformats.org/drawingml/2006/main" xmlns:r="http://schemas.openxmlformats.org/officeDocument/2006/relationships" xmlns:p="http://schemas.openxmlformats.org/presentationml/2006/main">
+  <p:cSld>
+    <p:spTree>
+      <p:nvGrpSpPr>
+        <p:cNvPr id="1" name="">
+          <a:extLst>
+            <a:ext uri="{FF2B5EF4-FFF2-40B4-BE49-F238E27FC236}">
+              <a16:creationId xmlns:a16="http://schemas.microsoft.com/office/drawing/2014/main" id="{A0F33974-3058-FD8E-ABE0-7B10E1833833}"/>
+            </a:ext>
+          </a:extLst>
+        </p:cNvPr>
+        <p:cNvGrpSpPr/>
+        <p:nvPr/>
+      </p:nvGrpSpPr>
+      <p:grpSpPr>
+        <a:xfrm>
+          <a:off x="0" y="0"/>
+          <a:ext cx="0" cy="0"/>
+          <a:chOff x="0" y="0"/>
+          <a:chExt cx="0" cy="0"/>
+        </a:xfrm>
+      </p:grpSpPr>
+      <p:sp>
+        <p:nvSpPr>
+          <p:cNvPr id="8" name="TextBox 7">
+            <a:extLst>
+              <a:ext uri="{FF2B5EF4-FFF2-40B4-BE49-F238E27FC236}">
+                <a16:creationId xmlns:a16="http://schemas.microsoft.com/office/drawing/2014/main" id="{EBA30D0E-D0AD-48C1-C7EB-552439655DC3}"/>
+              </a:ext>
+            </a:extLst>
+          </p:cNvPr>
+          <p:cNvSpPr txBox="1"/>
+          <p:nvPr/>
+        </p:nvSpPr>
+        <p:spPr>
+          <a:xfrm>
+            <a:off x="2670048" y="3044279"/>
+            <a:ext cx="6851904" cy="769441"/>
+          </a:xfrm>
+          <a:prstGeom prst="rect">
+            <a:avLst/>
+          </a:prstGeom>
+          <a:noFill/>
+        </p:spPr>
+        <p:txBody>
+          <a:bodyPr wrap="square" rtlCol="0">
+            <a:spAutoFit/>
+          </a:bodyPr>
+          <a:lstStyle/>
+          <a:p>
+            <a:pPr algn="ctr"/>
+            <a:r>
+              <a:rPr lang="en-KR" sz="4400" b="1" dirty="0">
+                <a:latin typeface="Avenir Next LT Pro" panose="020B0504020202020204" pitchFamily="34" charset="77"/>
+              </a:rPr>
+              <a:t>Thanks for Listening!</a:t>
+            </a:r>
+          </a:p>
+        </p:txBody>
+      </p:sp>
+    </p:spTree>
+    <p:extLst>
+      <p:ext uri="{BB962C8B-B14F-4D97-AF65-F5344CB8AC3E}">
+        <p14:creationId xmlns:p14="http://schemas.microsoft.com/office/powerpoint/2010/main" val="2587172812"/>
+      </p:ext>
+    </p:extLst>
+  </p:cSld>
+  <p:clrMapOvr>
+    <a:masterClrMapping/>
+  </p:clrMapOvr>
+</p:sld>
+</file>
+
 <file path=ppt/slides/slide2.xml><?xml version="1.0" encoding="utf-8"?>
 <p:sld xmlns:a="http://schemas.openxmlformats.org/drawingml/2006/main" xmlns:r="http://schemas.openxmlformats.org/officeDocument/2006/relationships" xmlns:p="http://schemas.openxmlformats.org/presentationml/2006/main">
   <p:cSld>
@@ -4883,207 +4958,6 @@
   <p:cSld>
     <p:spTree>
       <p:nvGrpSpPr>
-        <p:cNvPr id="1" name="">
-          <a:extLst>
-            <a:ext uri="{FF2B5EF4-FFF2-40B4-BE49-F238E27FC236}">
-              <a16:creationId xmlns:a16="http://schemas.microsoft.com/office/drawing/2014/main" id="{EC746D0F-4896-FD57-0288-267EA0C4106E}"/>
-            </a:ext>
-          </a:extLst>
-        </p:cNvPr>
-        <p:cNvGrpSpPr/>
-        <p:nvPr/>
-      </p:nvGrpSpPr>
-      <p:grpSpPr>
-        <a:xfrm>
-          <a:off x="0" y="0"/>
-          <a:ext cx="0" cy="0"/>
-          <a:chOff x="0" y="0"/>
-          <a:chExt cx="0" cy="0"/>
-        </a:xfrm>
-      </p:grpSpPr>
-      <p:sp>
-        <p:nvSpPr>
-          <p:cNvPr id="2" name="Title 1">
-            <a:extLst>
-              <a:ext uri="{FF2B5EF4-FFF2-40B4-BE49-F238E27FC236}">
-                <a16:creationId xmlns:a16="http://schemas.microsoft.com/office/drawing/2014/main" id="{50F29B50-638B-2276-F847-51546D59FDA5}"/>
-              </a:ext>
-            </a:extLst>
-          </p:cNvPr>
-          <p:cNvSpPr>
-            <a:spLocks noGrp="1"/>
-          </p:cNvSpPr>
-          <p:nvPr>
-            <p:ph type="title"/>
-          </p:nvPr>
-        </p:nvSpPr>
-        <p:spPr/>
-        <p:txBody>
-          <a:bodyPr/>
-          <a:lstStyle/>
-          <a:p>
-            <a:r>
-              <a:rPr lang="en-US" b="1" dirty="0">
-                <a:latin typeface="Avenir Next LT Pro" panose="020B0504020202020204" pitchFamily="34" charset="77"/>
-              </a:rPr>
-              <a:t>Basic</a:t>
-            </a:r>
-            <a:r>
-              <a:rPr lang="ko-KR" altLang="en-US" b="1" dirty="0">
-                <a:latin typeface="Avenir Next LT Pro" panose="020B0504020202020204" pitchFamily="34" charset="77"/>
-              </a:rPr>
-              <a:t> </a:t>
-            </a:r>
-            <a:r>
-              <a:rPr lang="en-US" altLang="ko-KR" b="1" dirty="0">
-                <a:latin typeface="Avenir Next LT Pro" panose="020B0504020202020204" pitchFamily="34" charset="77"/>
-              </a:rPr>
-              <a:t>UI</a:t>
-            </a:r>
-            <a:endParaRPr lang="en-KR" b="1" dirty="0">
-              <a:latin typeface="Avenir Next LT Pro" panose="020B0504020202020204" pitchFamily="34" charset="77"/>
-            </a:endParaRPr>
-          </a:p>
-        </p:txBody>
-      </p:sp>
-      <p:pic>
-        <p:nvPicPr>
-          <p:cNvPr id="12" name="그림 11">
-            <a:extLst>
-              <a:ext uri="{FF2B5EF4-FFF2-40B4-BE49-F238E27FC236}">
-                <a16:creationId xmlns:a16="http://schemas.microsoft.com/office/drawing/2014/main" id="{C99254BA-6F4B-CCB5-C71B-A1D73D78884F}"/>
-              </a:ext>
-            </a:extLst>
-          </p:cNvPr>
-          <p:cNvPicPr>
-            <a:picLocks noChangeAspect="1"/>
-          </p:cNvPicPr>
-          <p:nvPr/>
-        </p:nvPicPr>
-        <p:blipFill>
-          <a:blip r:embed="rId2"/>
-          <a:stretch>
-            <a:fillRect/>
-          </a:stretch>
-        </p:blipFill>
-        <p:spPr>
-          <a:xfrm>
-            <a:off x="1659477" y="1988820"/>
-            <a:ext cx="1696916" cy="3600000"/>
-          </a:xfrm>
-          <a:prstGeom prst="rect">
-            <a:avLst/>
-          </a:prstGeom>
-        </p:spPr>
-      </p:pic>
-      <p:pic>
-        <p:nvPicPr>
-          <p:cNvPr id="14" name="그림 13">
-            <a:extLst>
-              <a:ext uri="{FF2B5EF4-FFF2-40B4-BE49-F238E27FC236}">
-                <a16:creationId xmlns:a16="http://schemas.microsoft.com/office/drawing/2014/main" id="{33A6F238-0829-6232-D3B2-B0F0AEA9A261}"/>
-              </a:ext>
-            </a:extLst>
-          </p:cNvPr>
-          <p:cNvPicPr>
-            <a:picLocks noChangeAspect="1"/>
-          </p:cNvPicPr>
-          <p:nvPr/>
-        </p:nvPicPr>
-        <p:blipFill>
-          <a:blip r:embed="rId3"/>
-          <a:stretch>
-            <a:fillRect/>
-          </a:stretch>
-        </p:blipFill>
-        <p:spPr>
-          <a:xfrm>
-            <a:off x="8817087" y="1988820"/>
-            <a:ext cx="1696916" cy="3600000"/>
-          </a:xfrm>
-          <a:prstGeom prst="rect">
-            <a:avLst/>
-          </a:prstGeom>
-        </p:spPr>
-      </p:pic>
-      <p:pic>
-        <p:nvPicPr>
-          <p:cNvPr id="16" name="그림 15">
-            <a:extLst>
-              <a:ext uri="{FF2B5EF4-FFF2-40B4-BE49-F238E27FC236}">
-                <a16:creationId xmlns:a16="http://schemas.microsoft.com/office/drawing/2014/main" id="{442D3C68-B237-9012-0E0D-BACC2BAA54EB}"/>
-              </a:ext>
-            </a:extLst>
-          </p:cNvPr>
-          <p:cNvPicPr>
-            <a:picLocks noChangeAspect="1"/>
-          </p:cNvPicPr>
-          <p:nvPr/>
-        </p:nvPicPr>
-        <p:blipFill>
-          <a:blip r:embed="rId4"/>
-          <a:stretch>
-            <a:fillRect/>
-          </a:stretch>
-        </p:blipFill>
-        <p:spPr>
-          <a:xfrm>
-            <a:off x="6431217" y="1988820"/>
-            <a:ext cx="1696916" cy="3600000"/>
-          </a:xfrm>
-          <a:prstGeom prst="rect">
-            <a:avLst/>
-          </a:prstGeom>
-        </p:spPr>
-      </p:pic>
-      <p:pic>
-        <p:nvPicPr>
-          <p:cNvPr id="18" name="그림 17">
-            <a:extLst>
-              <a:ext uri="{FF2B5EF4-FFF2-40B4-BE49-F238E27FC236}">
-                <a16:creationId xmlns:a16="http://schemas.microsoft.com/office/drawing/2014/main" id="{AE3DB46D-4068-6677-6813-F41D425AB394}"/>
-              </a:ext>
-            </a:extLst>
-          </p:cNvPr>
-          <p:cNvPicPr>
-            <a:picLocks noChangeAspect="1"/>
-          </p:cNvPicPr>
-          <p:nvPr/>
-        </p:nvPicPr>
-        <p:blipFill>
-          <a:blip r:embed="rId5"/>
-          <a:stretch>
-            <a:fillRect/>
-          </a:stretch>
-        </p:blipFill>
-        <p:spPr>
-          <a:xfrm>
-            <a:off x="4045347" y="1988820"/>
-            <a:ext cx="1696916" cy="3600000"/>
-          </a:xfrm>
-          <a:prstGeom prst="rect">
-            <a:avLst/>
-          </a:prstGeom>
-        </p:spPr>
-      </p:pic>
-    </p:spTree>
-    <p:extLst>
-      <p:ext uri="{BB962C8B-B14F-4D97-AF65-F5344CB8AC3E}">
-        <p14:creationId xmlns:p14="http://schemas.microsoft.com/office/powerpoint/2010/main" val="3293891069"/>
-      </p:ext>
-    </p:extLst>
-  </p:cSld>
-  <p:clrMapOvr>
-    <a:masterClrMapping/>
-  </p:clrMapOvr>
-</p:sld>
-</file>
-
-<file path=ppt/slides/slide5.xml><?xml version="1.0" encoding="utf-8"?>
-<p:sld xmlns:a="http://schemas.openxmlformats.org/drawingml/2006/main" xmlns:r="http://schemas.openxmlformats.org/officeDocument/2006/relationships" xmlns:p="http://schemas.openxmlformats.org/presentationml/2006/main">
-  <p:cSld>
-    <p:spTree>
-      <p:nvGrpSpPr>
         <p:cNvPr id="1" name=""/>
         <p:cNvGrpSpPr/>
         <p:nvPr/>
@@ -5131,6 +5005,224 @@
             <a:endParaRPr lang="en-KR" b="1" dirty="0">
               <a:latin typeface="Avenir Next LT Pro" panose="020B0504020202020204" pitchFamily="34" charset="77"/>
             </a:endParaRPr>
+          </a:p>
+        </p:txBody>
+      </p:sp>
+      <p:sp>
+        <p:nvSpPr>
+          <p:cNvPr id="2" name="TextBox 1">
+            <a:extLst>
+              <a:ext uri="{FF2B5EF4-FFF2-40B4-BE49-F238E27FC236}">
+                <a16:creationId xmlns:a16="http://schemas.microsoft.com/office/drawing/2014/main" id="{44B100E6-0260-2602-2278-1011F2B98FBF}"/>
+              </a:ext>
+            </a:extLst>
+          </p:cNvPr>
+          <p:cNvSpPr txBox="1"/>
+          <p:nvPr/>
+        </p:nvSpPr>
+        <p:spPr>
+          <a:xfrm>
+            <a:off x="1203469" y="4247536"/>
+            <a:ext cx="5049847" cy="369332"/>
+          </a:xfrm>
+          <a:prstGeom prst="rect">
+            <a:avLst/>
+          </a:prstGeom>
+          <a:noFill/>
+        </p:spPr>
+        <p:txBody>
+          <a:bodyPr wrap="square" rtlCol="0">
+            <a:spAutoFit/>
+          </a:bodyPr>
+          <a:lstStyle/>
+          <a:p>
+            <a:r>
+              <a:rPr lang="ko-KR" altLang="en-US" dirty="0"/>
+              <a:t>전체적인 구현 </a:t>
+            </a:r>
+            <a:r>
+              <a:rPr lang="en-US" altLang="ko-KR" dirty="0"/>
+              <a:t>&amp; Haptic </a:t>
+            </a:r>
+            <a:r>
+              <a:rPr lang="ko-KR" altLang="en-US" dirty="0"/>
+              <a:t>설명</a:t>
+            </a:r>
+          </a:p>
+        </p:txBody>
+      </p:sp>
+      <p:sp>
+        <p:nvSpPr>
+          <p:cNvPr id="3" name="TextBox 2">
+            <a:extLst>
+              <a:ext uri="{FF2B5EF4-FFF2-40B4-BE49-F238E27FC236}">
+                <a16:creationId xmlns:a16="http://schemas.microsoft.com/office/drawing/2014/main" id="{B94D37D6-F8C9-3CBA-B5D2-C08639D6E1AB}"/>
+              </a:ext>
+            </a:extLst>
+          </p:cNvPr>
+          <p:cNvSpPr txBox="1"/>
+          <p:nvPr/>
+        </p:nvSpPr>
+        <p:spPr>
+          <a:xfrm>
+            <a:off x="1046153" y="1804220"/>
+            <a:ext cx="8440010" cy="1477328"/>
+          </a:xfrm>
+          <a:prstGeom prst="rect">
+            <a:avLst/>
+          </a:prstGeom>
+          <a:noFill/>
+        </p:spPr>
+        <p:txBody>
+          <a:bodyPr wrap="square" rtlCol="0">
+            <a:spAutoFit/>
+          </a:bodyPr>
+          <a:lstStyle/>
+          <a:p>
+            <a:r>
+              <a:rPr lang="ko-KR" altLang="en-US" dirty="0"/>
+              <a:t>발표 흐름</a:t>
+            </a:r>
+            <a:br>
+              <a:rPr lang="en-US" altLang="ko-KR" dirty="0"/>
+            </a:br>
+            <a:r>
+              <a:rPr lang="en-US" altLang="ko-KR" dirty="0"/>
+              <a:t>1. </a:t>
+            </a:r>
+            <a:r>
+              <a:rPr lang="ko-KR" altLang="en-US" dirty="0"/>
+              <a:t>지난 번에 우리가 </a:t>
+            </a:r>
+            <a:r>
+              <a:rPr lang="en-US" altLang="ko-KR" dirty="0"/>
+              <a:t>Haptic Fitness </a:t>
+            </a:r>
+            <a:r>
+              <a:rPr lang="ko-KR" altLang="en-US" dirty="0"/>
+              <a:t>한다고 했음</a:t>
+            </a:r>
+            <a:endParaRPr lang="en-US" altLang="ko-KR" dirty="0"/>
+          </a:p>
+          <a:p>
+            <a:r>
+              <a:rPr lang="en-US" altLang="ko-KR" dirty="0"/>
+              <a:t>2.</a:t>
+            </a:r>
+            <a:r>
+              <a:rPr lang="ko-KR" altLang="en-US" dirty="0"/>
+              <a:t> 그때 </a:t>
+            </a:r>
+            <a:r>
+              <a:rPr lang="ko-KR" altLang="en-US" dirty="0" err="1"/>
+              <a:t>햅틱에</a:t>
+            </a:r>
+            <a:r>
+              <a:rPr lang="ko-KR" altLang="en-US" dirty="0"/>
+              <a:t> 대해 </a:t>
+            </a:r>
+            <a:r>
+              <a:rPr lang="ko-KR" altLang="en-US" dirty="0" err="1"/>
+              <a:t>이렇게이렇게</a:t>
+            </a:r>
+            <a:r>
+              <a:rPr lang="ko-KR" altLang="en-US" dirty="0"/>
+              <a:t> 적용하겠다 했는데 그래서 </a:t>
+            </a:r>
+            <a:r>
+              <a:rPr lang="ko-KR" altLang="en-US" dirty="0" err="1"/>
+              <a:t>구현한거</a:t>
+            </a:r>
+            <a:r>
+              <a:rPr lang="ko-KR" altLang="en-US" dirty="0"/>
+              <a:t> 설명함</a:t>
+            </a:r>
+            <a:endParaRPr lang="en-US" altLang="ko-KR" dirty="0"/>
+          </a:p>
+          <a:p>
+            <a:r>
+              <a:rPr lang="en-US" altLang="ko-KR" dirty="0"/>
+              <a:t>3. </a:t>
+            </a:r>
+            <a:r>
+              <a:rPr lang="ko-KR" altLang="en-US" dirty="0"/>
+              <a:t>구현 설명 끝나면 실제 예시 </a:t>
+            </a:r>
+            <a:r>
+              <a:rPr lang="en-US" altLang="ko-KR" dirty="0"/>
+              <a:t>(</a:t>
+            </a:r>
+            <a:r>
+              <a:rPr lang="ko-KR" altLang="en-US" dirty="0" err="1"/>
+              <a:t>허리피기</a:t>
+            </a:r>
+            <a:r>
+              <a:rPr lang="ko-KR" altLang="en-US" dirty="0"/>
+              <a:t> </a:t>
+            </a:r>
+            <a:r>
+              <a:rPr lang="ko-KR" altLang="en-US" dirty="0" err="1"/>
+              <a:t>만든거</a:t>
+            </a:r>
+            <a:r>
+              <a:rPr lang="en-US" altLang="ko-KR" dirty="0"/>
+              <a:t>) </a:t>
+            </a:r>
+            <a:r>
+              <a:rPr lang="ko-KR" altLang="en-US" dirty="0"/>
+              <a:t>보여주거나 직접 시키며 소개</a:t>
+            </a:r>
+            <a:endParaRPr lang="en-US" altLang="ko-KR" dirty="0"/>
+          </a:p>
+          <a:p>
+            <a:r>
+              <a:rPr lang="en-US" altLang="ko-KR" dirty="0"/>
+              <a:t>4. Next Plan (</a:t>
+            </a:r>
+            <a:r>
+              <a:rPr lang="ko-KR" altLang="en-US" dirty="0"/>
+              <a:t>앞으로 할 것들</a:t>
+            </a:r>
+            <a:r>
+              <a:rPr lang="en-US" altLang="ko-KR" dirty="0"/>
+              <a:t>) – </a:t>
+            </a:r>
+            <a:r>
+              <a:rPr lang="ko-KR" altLang="en-US" dirty="0"/>
+              <a:t>이 때 </a:t>
+            </a:r>
+            <a:r>
+              <a:rPr lang="en-US" altLang="ko-KR" dirty="0"/>
+              <a:t>Activity </a:t>
+            </a:r>
+            <a:r>
+              <a:rPr lang="ko-KR" altLang="en-US" dirty="0"/>
+              <a:t>추가 </a:t>
+            </a:r>
+            <a:r>
+              <a:rPr lang="en-US" altLang="ko-KR" dirty="0"/>
+              <a:t>/ UI </a:t>
+            </a:r>
+            <a:r>
+              <a:rPr lang="ko-KR" altLang="en-US" dirty="0"/>
+              <a:t>개선 </a:t>
+            </a:r>
+            <a:r>
+              <a:rPr lang="en-US" altLang="ko-KR" dirty="0"/>
+              <a:t>/ </a:t>
+            </a:r>
+            <a:r>
+              <a:rPr lang="ko-KR" altLang="en-US" dirty="0"/>
+              <a:t>음악 도입</a:t>
+            </a:r>
+            <a:r>
+              <a:rPr lang="en-US" altLang="ko-KR" dirty="0"/>
+              <a:t>? </a:t>
+            </a:r>
+            <a:r>
+              <a:rPr lang="ko-KR" altLang="en-US" dirty="0"/>
+              <a:t>설명 예정</a:t>
+            </a:r>
           </a:p>
         </p:txBody>
       </p:sp>
@@ -5147,155 +5239,7 @@
 </p:sld>
 </file>
 
-<file path=ppt/slides/slide6.xml><?xml version="1.0" encoding="utf-8"?>
-<p:sld xmlns:a="http://schemas.openxmlformats.org/drawingml/2006/main" xmlns:r="http://schemas.openxmlformats.org/officeDocument/2006/relationships" xmlns:p="http://schemas.openxmlformats.org/presentationml/2006/main">
-  <p:cSld>
-    <p:spTree>
-      <p:nvGrpSpPr>
-        <p:cNvPr id="1" name="">
-          <a:extLst>
-            <a:ext uri="{FF2B5EF4-FFF2-40B4-BE49-F238E27FC236}">
-              <a16:creationId xmlns:a16="http://schemas.microsoft.com/office/drawing/2014/main" id="{4462C46C-8C66-873C-77AB-74FF6F4E98E0}"/>
-            </a:ext>
-          </a:extLst>
-        </p:cNvPr>
-        <p:cNvGrpSpPr/>
-        <p:nvPr/>
-      </p:nvGrpSpPr>
-      <p:grpSpPr>
-        <a:xfrm>
-          <a:off x="0" y="0"/>
-          <a:ext cx="0" cy="0"/>
-          <a:chOff x="0" y="0"/>
-          <a:chExt cx="0" cy="0"/>
-        </a:xfrm>
-      </p:grpSpPr>
-      <p:sp>
-        <p:nvSpPr>
-          <p:cNvPr id="4" name="Title 1">
-            <a:extLst>
-              <a:ext uri="{FF2B5EF4-FFF2-40B4-BE49-F238E27FC236}">
-                <a16:creationId xmlns:a16="http://schemas.microsoft.com/office/drawing/2014/main" id="{7B084534-1D2C-49B4-D6AD-48EFC4F0A53B}"/>
-              </a:ext>
-            </a:extLst>
-          </p:cNvPr>
-          <p:cNvSpPr>
-            <a:spLocks noGrp="1"/>
-          </p:cNvSpPr>
-          <p:nvPr>
-            <p:ph type="title"/>
-          </p:nvPr>
-        </p:nvSpPr>
-        <p:spPr>
-          <a:xfrm>
-            <a:off x="838200" y="365125"/>
-            <a:ext cx="10515600" cy="1325563"/>
-          </a:xfrm>
-        </p:spPr>
-        <p:txBody>
-          <a:bodyPr/>
-          <a:lstStyle/>
-          <a:p>
-            <a:r>
-              <a:rPr lang="en-US" b="1" dirty="0">
-                <a:latin typeface="Avenir Next LT Pro" panose="020B0504020202020204" pitchFamily="34" charset="77"/>
-              </a:rPr>
-              <a:t>Code Implementation</a:t>
-            </a:r>
-            <a:endParaRPr lang="en-KR" b="1" dirty="0">
-              <a:latin typeface="Avenir Next LT Pro" panose="020B0504020202020204" pitchFamily="34" charset="77"/>
-            </a:endParaRPr>
-          </a:p>
-        </p:txBody>
-      </p:sp>
-    </p:spTree>
-    <p:extLst>
-      <p:ext uri="{BB962C8B-B14F-4D97-AF65-F5344CB8AC3E}">
-        <p14:creationId xmlns:p14="http://schemas.microsoft.com/office/powerpoint/2010/main" val="97900691"/>
-      </p:ext>
-    </p:extLst>
-  </p:cSld>
-  <p:clrMapOvr>
-    <a:masterClrMapping/>
-  </p:clrMapOvr>
-</p:sld>
-</file>
-
-<file path=ppt/slides/slide7.xml><?xml version="1.0" encoding="utf-8"?>
-<p:sld xmlns:a="http://schemas.openxmlformats.org/drawingml/2006/main" xmlns:r="http://schemas.openxmlformats.org/officeDocument/2006/relationships" xmlns:p="http://schemas.openxmlformats.org/presentationml/2006/main">
-  <p:cSld>
-    <p:spTree>
-      <p:nvGrpSpPr>
-        <p:cNvPr id="1" name="">
-          <a:extLst>
-            <a:ext uri="{FF2B5EF4-FFF2-40B4-BE49-F238E27FC236}">
-              <a16:creationId xmlns:a16="http://schemas.microsoft.com/office/drawing/2014/main" id="{BF97BFD3-3568-80AC-4CBD-E199CB7055BA}"/>
-            </a:ext>
-          </a:extLst>
-        </p:cNvPr>
-        <p:cNvGrpSpPr/>
-        <p:nvPr/>
-      </p:nvGrpSpPr>
-      <p:grpSpPr>
-        <a:xfrm>
-          <a:off x="0" y="0"/>
-          <a:ext cx="0" cy="0"/>
-          <a:chOff x="0" y="0"/>
-          <a:chExt cx="0" cy="0"/>
-        </a:xfrm>
-      </p:grpSpPr>
-      <p:sp>
-        <p:nvSpPr>
-          <p:cNvPr id="4" name="Title 1">
-            <a:extLst>
-              <a:ext uri="{FF2B5EF4-FFF2-40B4-BE49-F238E27FC236}">
-                <a16:creationId xmlns:a16="http://schemas.microsoft.com/office/drawing/2014/main" id="{21FED819-AB7B-7710-5239-277F990B72CB}"/>
-              </a:ext>
-            </a:extLst>
-          </p:cNvPr>
-          <p:cNvSpPr>
-            <a:spLocks noGrp="1"/>
-          </p:cNvSpPr>
-          <p:nvPr>
-            <p:ph type="title"/>
-          </p:nvPr>
-        </p:nvSpPr>
-        <p:spPr>
-          <a:xfrm>
-            <a:off x="838200" y="365125"/>
-            <a:ext cx="10515600" cy="1325563"/>
-          </a:xfrm>
-        </p:spPr>
-        <p:txBody>
-          <a:bodyPr/>
-          <a:lstStyle/>
-          <a:p>
-            <a:r>
-              <a:rPr lang="en-US" b="1" dirty="0">
-                <a:latin typeface="Avenir Next LT Pro" panose="020B0504020202020204" pitchFamily="34" charset="77"/>
-              </a:rPr>
-              <a:t>Code Implementation</a:t>
-            </a:r>
-            <a:endParaRPr lang="en-KR" b="1" dirty="0">
-              <a:latin typeface="Avenir Next LT Pro" panose="020B0504020202020204" pitchFamily="34" charset="77"/>
-            </a:endParaRPr>
-          </a:p>
-        </p:txBody>
-      </p:sp>
-    </p:spTree>
-    <p:extLst>
-      <p:ext uri="{BB962C8B-B14F-4D97-AF65-F5344CB8AC3E}">
-        <p14:creationId xmlns:p14="http://schemas.microsoft.com/office/powerpoint/2010/main" val="423723013"/>
-      </p:ext>
-    </p:extLst>
-  </p:cSld>
-  <p:clrMapOvr>
-    <a:masterClrMapping/>
-  </p:clrMapOvr>
-</p:sld>
-</file>
-
-<file path=ppt/slides/slide8.xml><?xml version="1.0" encoding="utf-8"?>
+<file path=ppt/slides/slide5.xml><?xml version="1.0" encoding="utf-8"?>
 <p:sld xmlns:a="http://schemas.openxmlformats.org/drawingml/2006/main" xmlns:r="http://schemas.openxmlformats.org/officeDocument/2006/relationships" xmlns:p="http://schemas.openxmlformats.org/presentationml/2006/main">
   <p:cSld>
     <p:spTree>
@@ -6584,7 +6528,7 @@
 </p:sld>
 </file>
 
-<file path=ppt/slides/slide9.xml><?xml version="1.0" encoding="utf-8"?>
+<file path=ppt/slides/slide6.xml><?xml version="1.0" encoding="utf-8"?>
 <p:sld xmlns:a="http://schemas.openxmlformats.org/drawingml/2006/main" xmlns:r="http://schemas.openxmlformats.org/officeDocument/2006/relationships" xmlns:p="http://schemas.openxmlformats.org/presentationml/2006/main">
   <p:cSld>
     <p:spTree>
@@ -6592,7 +6536,7 @@
         <p:cNvPr id="1" name="">
           <a:extLst>
             <a:ext uri="{FF2B5EF4-FFF2-40B4-BE49-F238E27FC236}">
-              <a16:creationId xmlns:a16="http://schemas.microsoft.com/office/drawing/2014/main" id="{A0F33974-3058-FD8E-ABE0-7B10E1833833}"/>
+              <a16:creationId xmlns:a16="http://schemas.microsoft.com/office/drawing/2014/main" id="{12324099-33D2-8299-4E88-25F55F8257C2}"/>
             </a:ext>
           </a:extLst>
         </p:cNvPr>
@@ -6609,10 +6553,327 @@
       </p:grpSpPr>
       <p:sp>
         <p:nvSpPr>
-          <p:cNvPr id="8" name="TextBox 7">
-            <a:extLst>
-              <a:ext uri="{FF2B5EF4-FFF2-40B4-BE49-F238E27FC236}">
-                <a16:creationId xmlns:a16="http://schemas.microsoft.com/office/drawing/2014/main" id="{EBA30D0E-D0AD-48C1-C7EB-552439655DC3}"/>
+          <p:cNvPr id="4" name="Title 1">
+            <a:extLst>
+              <a:ext uri="{FF2B5EF4-FFF2-40B4-BE49-F238E27FC236}">
+                <a16:creationId xmlns:a16="http://schemas.microsoft.com/office/drawing/2014/main" id="{3CE6C280-376E-9B32-18BE-776A21EF08AB}"/>
+              </a:ext>
+            </a:extLst>
+          </p:cNvPr>
+          <p:cNvSpPr>
+            <a:spLocks noGrp="1"/>
+          </p:cNvSpPr>
+          <p:nvPr>
+            <p:ph type="title"/>
+          </p:nvPr>
+        </p:nvSpPr>
+        <p:spPr>
+          <a:xfrm>
+            <a:off x="838200" y="365125"/>
+            <a:ext cx="10515600" cy="1325563"/>
+          </a:xfrm>
+        </p:spPr>
+        <p:txBody>
+          <a:bodyPr/>
+          <a:lstStyle/>
+          <a:p>
+            <a:r>
+              <a:rPr lang="en-US" b="1" dirty="0">
+                <a:latin typeface="Avenir Next LT Pro" panose="020B0504020202020204" pitchFamily="34" charset="77"/>
+              </a:rPr>
+              <a:t>Next Plan</a:t>
+            </a:r>
+            <a:endParaRPr lang="en-KR" b="1" dirty="0">
+              <a:latin typeface="Avenir Next LT Pro" panose="020B0504020202020204" pitchFamily="34" charset="77"/>
+            </a:endParaRPr>
+          </a:p>
+        </p:txBody>
+      </p:sp>
+      <p:sp>
+        <p:nvSpPr>
+          <p:cNvPr id="2" name="Rectangle 48">
+            <a:extLst>
+              <a:ext uri="{FF2B5EF4-FFF2-40B4-BE49-F238E27FC236}">
+                <a16:creationId xmlns:a16="http://schemas.microsoft.com/office/drawing/2014/main" id="{3F8EB58C-F722-BD19-2F41-1BF57AD372DE}"/>
+              </a:ext>
+            </a:extLst>
+          </p:cNvPr>
+          <p:cNvSpPr/>
+          <p:nvPr/>
+        </p:nvSpPr>
+        <p:spPr>
+          <a:xfrm>
+            <a:off x="1426390" y="2032601"/>
+            <a:ext cx="5357868" cy="917076"/>
+          </a:xfrm>
+          <a:prstGeom prst="rect">
+            <a:avLst/>
+          </a:prstGeom>
+          <a:noFill/>
+          <a:ln>
+            <a:noFill/>
+          </a:ln>
+        </p:spPr>
+        <p:style>
+          <a:lnRef idx="2">
+            <a:schemeClr val="accent1">
+              <a:shade val="15000"/>
+            </a:schemeClr>
+          </a:lnRef>
+          <a:fillRef idx="1">
+            <a:schemeClr val="accent1"/>
+          </a:fillRef>
+          <a:effectRef idx="0">
+            <a:schemeClr val="accent1"/>
+          </a:effectRef>
+          <a:fontRef idx="minor">
+            <a:schemeClr val="lt1"/>
+          </a:fontRef>
+        </p:style>
+        <p:txBody>
+          <a:bodyPr rtlCol="0" anchor="ctr"/>
+          <a:lstStyle/>
+          <a:p>
+            <a:pPr>
+              <a:lnSpc>
+                <a:spcPct val="150000"/>
+              </a:lnSpc>
+            </a:pPr>
+            <a:r>
+              <a:rPr lang="en-US" sz="2400" b="1" dirty="0">
+                <a:solidFill>
+                  <a:schemeClr val="tx1"/>
+                </a:solidFill>
+                <a:latin typeface="Noto Sans KR" panose="020B0200000000000000" pitchFamily="34" charset="-128"/>
+                <a:ea typeface="Noto Sans KR" panose="020B0200000000000000" pitchFamily="34" charset="-128"/>
+              </a:rPr>
+              <a:t>Apply on various Fitness Activities</a:t>
+            </a:r>
+            <a:endParaRPr lang="en-KR" dirty="0">
+              <a:solidFill>
+                <a:schemeClr val="tx1"/>
+              </a:solidFill>
+              <a:latin typeface="Noto Sans KR" panose="020B0200000000000000" pitchFamily="34" charset="-128"/>
+              <a:ea typeface="Noto Sans KR" panose="020B0200000000000000" pitchFamily="34" charset="-128"/>
+            </a:endParaRPr>
+          </a:p>
+        </p:txBody>
+      </p:sp>
+      <p:sp>
+        <p:nvSpPr>
+          <p:cNvPr id="3" name="Rectangle 48">
+            <a:extLst>
+              <a:ext uri="{FF2B5EF4-FFF2-40B4-BE49-F238E27FC236}">
+                <a16:creationId xmlns:a16="http://schemas.microsoft.com/office/drawing/2014/main" id="{8B1BC571-8A70-8BED-1270-76783EFB8DFC}"/>
+              </a:ext>
+            </a:extLst>
+          </p:cNvPr>
+          <p:cNvSpPr/>
+          <p:nvPr/>
+        </p:nvSpPr>
+        <p:spPr>
+          <a:xfrm>
+            <a:off x="1426390" y="3429000"/>
+            <a:ext cx="5357868" cy="917076"/>
+          </a:xfrm>
+          <a:prstGeom prst="rect">
+            <a:avLst/>
+          </a:prstGeom>
+          <a:noFill/>
+          <a:ln>
+            <a:noFill/>
+          </a:ln>
+        </p:spPr>
+        <p:style>
+          <a:lnRef idx="2">
+            <a:schemeClr val="accent1">
+              <a:shade val="15000"/>
+            </a:schemeClr>
+          </a:lnRef>
+          <a:fillRef idx="1">
+            <a:schemeClr val="accent1"/>
+          </a:fillRef>
+          <a:effectRef idx="0">
+            <a:schemeClr val="accent1"/>
+          </a:effectRef>
+          <a:fontRef idx="minor">
+            <a:schemeClr val="lt1"/>
+          </a:fontRef>
+        </p:style>
+        <p:txBody>
+          <a:bodyPr rtlCol="0" anchor="ctr"/>
+          <a:lstStyle/>
+          <a:p>
+            <a:pPr>
+              <a:lnSpc>
+                <a:spcPct val="150000"/>
+              </a:lnSpc>
+            </a:pPr>
+            <a:r>
+              <a:rPr lang="en-US" sz="2400" b="1" dirty="0">
+                <a:solidFill>
+                  <a:schemeClr val="tx1"/>
+                </a:solidFill>
+                <a:latin typeface="Noto Sans KR" panose="020B0200000000000000" pitchFamily="34" charset="-128"/>
+                <a:ea typeface="Noto Sans KR" panose="020B0200000000000000" pitchFamily="34" charset="-128"/>
+              </a:rPr>
+              <a:t>Implement Basic UI</a:t>
+            </a:r>
+            <a:endParaRPr lang="en-KR" dirty="0">
+              <a:solidFill>
+                <a:schemeClr val="tx1"/>
+              </a:solidFill>
+              <a:latin typeface="Noto Sans KR" panose="020B0200000000000000" pitchFamily="34" charset="-128"/>
+              <a:ea typeface="Noto Sans KR" panose="020B0200000000000000" pitchFamily="34" charset="-128"/>
+            </a:endParaRPr>
+          </a:p>
+        </p:txBody>
+      </p:sp>
+      <p:sp>
+        <p:nvSpPr>
+          <p:cNvPr id="5" name="Rectangle 48">
+            <a:extLst>
+              <a:ext uri="{FF2B5EF4-FFF2-40B4-BE49-F238E27FC236}">
+                <a16:creationId xmlns:a16="http://schemas.microsoft.com/office/drawing/2014/main" id="{3CBCD009-871A-2EE3-F31E-0225B0B281D3}"/>
+              </a:ext>
+            </a:extLst>
+          </p:cNvPr>
+          <p:cNvSpPr/>
+          <p:nvPr/>
+        </p:nvSpPr>
+        <p:spPr>
+          <a:xfrm>
+            <a:off x="1426390" y="4825399"/>
+            <a:ext cx="5357868" cy="917076"/>
+          </a:xfrm>
+          <a:prstGeom prst="rect">
+            <a:avLst/>
+          </a:prstGeom>
+          <a:noFill/>
+          <a:ln>
+            <a:noFill/>
+          </a:ln>
+        </p:spPr>
+        <p:style>
+          <a:lnRef idx="2">
+            <a:schemeClr val="accent1">
+              <a:shade val="15000"/>
+            </a:schemeClr>
+          </a:lnRef>
+          <a:fillRef idx="1">
+            <a:schemeClr val="accent1"/>
+          </a:fillRef>
+          <a:effectRef idx="0">
+            <a:schemeClr val="accent1"/>
+          </a:effectRef>
+          <a:fontRef idx="minor">
+            <a:schemeClr val="lt1"/>
+          </a:fontRef>
+        </p:style>
+        <p:txBody>
+          <a:bodyPr rtlCol="0" anchor="ctr"/>
+          <a:lstStyle/>
+          <a:p>
+            <a:pPr>
+              <a:lnSpc>
+                <a:spcPct val="150000"/>
+              </a:lnSpc>
+            </a:pPr>
+            <a:r>
+              <a:rPr lang="en-US" sz="2400" b="1" dirty="0">
+                <a:solidFill>
+                  <a:schemeClr val="tx1"/>
+                </a:solidFill>
+                <a:latin typeface="Noto Sans KR" panose="020B0200000000000000" pitchFamily="34" charset="-128"/>
+                <a:ea typeface="Noto Sans KR" panose="020B0200000000000000" pitchFamily="34" charset="-128"/>
+              </a:rPr>
+              <a:t>Adding Sound – Rhythm Haptic?</a:t>
+            </a:r>
+            <a:endParaRPr lang="en-KR" dirty="0">
+              <a:solidFill>
+                <a:schemeClr val="tx1"/>
+              </a:solidFill>
+              <a:latin typeface="Noto Sans KR" panose="020B0200000000000000" pitchFamily="34" charset="-128"/>
+              <a:ea typeface="Noto Sans KR" panose="020B0200000000000000" pitchFamily="34" charset="-128"/>
+            </a:endParaRPr>
+          </a:p>
+        </p:txBody>
+      </p:sp>
+    </p:spTree>
+    <p:extLst>
+      <p:ext uri="{BB962C8B-B14F-4D97-AF65-F5344CB8AC3E}">
+        <p14:creationId xmlns:p14="http://schemas.microsoft.com/office/powerpoint/2010/main" val="2350842830"/>
+      </p:ext>
+    </p:extLst>
+  </p:cSld>
+  <p:clrMapOvr>
+    <a:masterClrMapping/>
+  </p:clrMapOvr>
+</p:sld>
+</file>
+
+<file path=ppt/slides/slide7.xml><?xml version="1.0" encoding="utf-8"?>
+<p:sld xmlns:a="http://schemas.openxmlformats.org/drawingml/2006/main" xmlns:r="http://schemas.openxmlformats.org/officeDocument/2006/relationships" xmlns:p="http://schemas.openxmlformats.org/presentationml/2006/main">
+  <p:cSld>
+    <p:spTree>
+      <p:nvGrpSpPr>
+        <p:cNvPr id="1" name="">
+          <a:extLst>
+            <a:ext uri="{FF2B5EF4-FFF2-40B4-BE49-F238E27FC236}">
+              <a16:creationId xmlns:a16="http://schemas.microsoft.com/office/drawing/2014/main" id="{72624A2C-F85A-1B4D-DBF6-6BC514EB33A9}"/>
+            </a:ext>
+          </a:extLst>
+        </p:cNvPr>
+        <p:cNvGrpSpPr/>
+        <p:nvPr/>
+      </p:nvGrpSpPr>
+      <p:grpSpPr>
+        <a:xfrm>
+          <a:off x="0" y="0"/>
+          <a:ext cx="0" cy="0"/>
+          <a:chOff x="0" y="0"/>
+          <a:chExt cx="0" cy="0"/>
+        </a:xfrm>
+      </p:grpSpPr>
+      <p:sp>
+        <p:nvSpPr>
+          <p:cNvPr id="2" name="Title 1">
+            <a:extLst>
+              <a:ext uri="{FF2B5EF4-FFF2-40B4-BE49-F238E27FC236}">
+                <a16:creationId xmlns:a16="http://schemas.microsoft.com/office/drawing/2014/main" id="{53694A58-3A36-2E0B-7BDC-D3C57AA665A4}"/>
+              </a:ext>
+            </a:extLst>
+          </p:cNvPr>
+          <p:cNvSpPr>
+            <a:spLocks noGrp="1"/>
+          </p:cNvSpPr>
+          <p:nvPr>
+            <p:ph type="title"/>
+          </p:nvPr>
+        </p:nvSpPr>
+        <p:spPr/>
+        <p:txBody>
+          <a:bodyPr/>
+          <a:lstStyle/>
+          <a:p>
+            <a:r>
+              <a:rPr lang="en-US" b="1" dirty="0">
+                <a:latin typeface="Avenir Next LT Pro" panose="020B0504020202020204" pitchFamily="34" charset="77"/>
+              </a:rPr>
+              <a:t>Fitness Activities</a:t>
+            </a:r>
+            <a:endParaRPr lang="en-KR" b="1" dirty="0">
+              <a:latin typeface="Avenir Next LT Pro" panose="020B0504020202020204" pitchFamily="34" charset="77"/>
+            </a:endParaRPr>
+          </a:p>
+        </p:txBody>
+      </p:sp>
+      <p:sp>
+        <p:nvSpPr>
+          <p:cNvPr id="3" name="TextBox 2">
+            <a:extLst>
+              <a:ext uri="{FF2B5EF4-FFF2-40B4-BE49-F238E27FC236}">
+                <a16:creationId xmlns:a16="http://schemas.microsoft.com/office/drawing/2014/main" id="{134D251D-1090-EC30-898A-E8E1AEDBB2DA}"/>
               </a:ext>
             </a:extLst>
           </p:cNvPr>
@@ -6621,8 +6882,8 @@
         </p:nvSpPr>
         <p:spPr>
           <a:xfrm>
-            <a:off x="2670048" y="3044279"/>
-            <a:ext cx="6851904" cy="769441"/>
+            <a:off x="2819892" y="2625213"/>
+            <a:ext cx="5049847" cy="369332"/>
           </a:xfrm>
           <a:prstGeom prst="rect">
             <a:avLst/>
@@ -6635,20 +6896,576 @@
           </a:bodyPr>
           <a:lstStyle/>
           <a:p>
-            <a:pPr algn="ctr"/>
-            <a:r>
-              <a:rPr lang="en-KR" sz="4400" b="1" dirty="0">
-                <a:latin typeface="Avenir Next LT Pro" panose="020B0504020202020204" pitchFamily="34" charset="77"/>
-              </a:rPr>
-              <a:t>Thanks for Listening!</a:t>
-            </a:r>
+            <a:r>
+              <a:rPr lang="ko-KR" altLang="en-US" dirty="0"/>
+              <a:t>이때까지 </a:t>
+            </a:r>
+            <a:r>
+              <a:rPr lang="ko-KR" altLang="en-US" dirty="0" err="1"/>
+              <a:t>개발한거</a:t>
+            </a:r>
+            <a:r>
+              <a:rPr lang="ko-KR" altLang="en-US" dirty="0"/>
+              <a:t> 적용 가능한 </a:t>
+            </a:r>
+            <a:r>
+              <a:rPr lang="en-US" altLang="ko-KR" dirty="0"/>
+              <a:t>Activity icons</a:t>
+            </a:r>
+            <a:endParaRPr lang="ko-KR" altLang="en-US" dirty="0"/>
           </a:p>
         </p:txBody>
       </p:sp>
     </p:spTree>
     <p:extLst>
       <p:ext uri="{BB962C8B-B14F-4D97-AF65-F5344CB8AC3E}">
-        <p14:creationId xmlns:p14="http://schemas.microsoft.com/office/powerpoint/2010/main" val="2587172812"/>
+        <p14:creationId xmlns:p14="http://schemas.microsoft.com/office/powerpoint/2010/main" val="148227782"/>
+      </p:ext>
+    </p:extLst>
+  </p:cSld>
+  <p:clrMapOvr>
+    <a:masterClrMapping/>
+  </p:clrMapOvr>
+</p:sld>
+</file>
+
+<file path=ppt/slides/slide8.xml><?xml version="1.0" encoding="utf-8"?>
+<p:sld xmlns:a="http://schemas.openxmlformats.org/drawingml/2006/main" xmlns:r="http://schemas.openxmlformats.org/officeDocument/2006/relationships" xmlns:p="http://schemas.openxmlformats.org/presentationml/2006/main">
+  <p:cSld>
+    <p:spTree>
+      <p:nvGrpSpPr>
+        <p:cNvPr id="1" name="">
+          <a:extLst>
+            <a:ext uri="{FF2B5EF4-FFF2-40B4-BE49-F238E27FC236}">
+              <a16:creationId xmlns:a16="http://schemas.microsoft.com/office/drawing/2014/main" id="{EC746D0F-4896-FD57-0288-267EA0C4106E}"/>
+            </a:ext>
+          </a:extLst>
+        </p:cNvPr>
+        <p:cNvGrpSpPr/>
+        <p:nvPr/>
+      </p:nvGrpSpPr>
+      <p:grpSpPr>
+        <a:xfrm>
+          <a:off x="0" y="0"/>
+          <a:ext cx="0" cy="0"/>
+          <a:chOff x="0" y="0"/>
+          <a:chExt cx="0" cy="0"/>
+        </a:xfrm>
+      </p:grpSpPr>
+      <p:sp>
+        <p:nvSpPr>
+          <p:cNvPr id="2" name="Title 1">
+            <a:extLst>
+              <a:ext uri="{FF2B5EF4-FFF2-40B4-BE49-F238E27FC236}">
+                <a16:creationId xmlns:a16="http://schemas.microsoft.com/office/drawing/2014/main" id="{50F29B50-638B-2276-F847-51546D59FDA5}"/>
+              </a:ext>
+            </a:extLst>
+          </p:cNvPr>
+          <p:cNvSpPr>
+            <a:spLocks noGrp="1"/>
+          </p:cNvSpPr>
+          <p:nvPr>
+            <p:ph type="title"/>
+          </p:nvPr>
+        </p:nvSpPr>
+        <p:spPr/>
+        <p:txBody>
+          <a:bodyPr/>
+          <a:lstStyle/>
+          <a:p>
+            <a:r>
+              <a:rPr lang="en-US" b="1" dirty="0">
+                <a:latin typeface="Avenir Next LT Pro" panose="020B0504020202020204" pitchFamily="34" charset="77"/>
+              </a:rPr>
+              <a:t>Basic</a:t>
+            </a:r>
+            <a:r>
+              <a:rPr lang="ko-KR" altLang="en-US" b="1" dirty="0">
+                <a:latin typeface="Avenir Next LT Pro" panose="020B0504020202020204" pitchFamily="34" charset="77"/>
+              </a:rPr>
+              <a:t> </a:t>
+            </a:r>
+            <a:r>
+              <a:rPr lang="en-US" altLang="ko-KR" b="1" dirty="0">
+                <a:latin typeface="Avenir Next LT Pro" panose="020B0504020202020204" pitchFamily="34" charset="77"/>
+              </a:rPr>
+              <a:t>UI</a:t>
+            </a:r>
+            <a:endParaRPr lang="en-KR" b="1" dirty="0">
+              <a:latin typeface="Avenir Next LT Pro" panose="020B0504020202020204" pitchFamily="34" charset="77"/>
+            </a:endParaRPr>
+          </a:p>
+        </p:txBody>
+      </p:sp>
+      <p:pic>
+        <p:nvPicPr>
+          <p:cNvPr id="12" name="그림 11">
+            <a:extLst>
+              <a:ext uri="{FF2B5EF4-FFF2-40B4-BE49-F238E27FC236}">
+                <a16:creationId xmlns:a16="http://schemas.microsoft.com/office/drawing/2014/main" id="{C99254BA-6F4B-CCB5-C71B-A1D73D78884F}"/>
+              </a:ext>
+            </a:extLst>
+          </p:cNvPr>
+          <p:cNvPicPr>
+            <a:picLocks noChangeAspect="1"/>
+          </p:cNvPicPr>
+          <p:nvPr/>
+        </p:nvPicPr>
+        <p:blipFill>
+          <a:blip r:embed="rId2"/>
+          <a:stretch>
+            <a:fillRect/>
+          </a:stretch>
+        </p:blipFill>
+        <p:spPr>
+          <a:xfrm>
+            <a:off x="1659477" y="1988820"/>
+            <a:ext cx="1696916" cy="3600000"/>
+          </a:xfrm>
+          <a:prstGeom prst="rect">
+            <a:avLst/>
+          </a:prstGeom>
+        </p:spPr>
+      </p:pic>
+      <p:pic>
+        <p:nvPicPr>
+          <p:cNvPr id="14" name="그림 13">
+            <a:extLst>
+              <a:ext uri="{FF2B5EF4-FFF2-40B4-BE49-F238E27FC236}">
+                <a16:creationId xmlns:a16="http://schemas.microsoft.com/office/drawing/2014/main" id="{33A6F238-0829-6232-D3B2-B0F0AEA9A261}"/>
+              </a:ext>
+            </a:extLst>
+          </p:cNvPr>
+          <p:cNvPicPr>
+            <a:picLocks noChangeAspect="1"/>
+          </p:cNvPicPr>
+          <p:nvPr/>
+        </p:nvPicPr>
+        <p:blipFill>
+          <a:blip r:embed="rId3"/>
+          <a:stretch>
+            <a:fillRect/>
+          </a:stretch>
+        </p:blipFill>
+        <p:spPr>
+          <a:xfrm>
+            <a:off x="8817087" y="1988820"/>
+            <a:ext cx="1696916" cy="3600000"/>
+          </a:xfrm>
+          <a:prstGeom prst="rect">
+            <a:avLst/>
+          </a:prstGeom>
+        </p:spPr>
+      </p:pic>
+      <p:pic>
+        <p:nvPicPr>
+          <p:cNvPr id="16" name="그림 15">
+            <a:extLst>
+              <a:ext uri="{FF2B5EF4-FFF2-40B4-BE49-F238E27FC236}">
+                <a16:creationId xmlns:a16="http://schemas.microsoft.com/office/drawing/2014/main" id="{442D3C68-B237-9012-0E0D-BACC2BAA54EB}"/>
+              </a:ext>
+            </a:extLst>
+          </p:cNvPr>
+          <p:cNvPicPr>
+            <a:picLocks noChangeAspect="1"/>
+          </p:cNvPicPr>
+          <p:nvPr/>
+        </p:nvPicPr>
+        <p:blipFill>
+          <a:blip r:embed="rId4"/>
+          <a:stretch>
+            <a:fillRect/>
+          </a:stretch>
+        </p:blipFill>
+        <p:spPr>
+          <a:xfrm>
+            <a:off x="6431217" y="1988820"/>
+            <a:ext cx="1696916" cy="3600000"/>
+          </a:xfrm>
+          <a:prstGeom prst="rect">
+            <a:avLst/>
+          </a:prstGeom>
+        </p:spPr>
+      </p:pic>
+      <p:pic>
+        <p:nvPicPr>
+          <p:cNvPr id="18" name="그림 17">
+            <a:extLst>
+              <a:ext uri="{FF2B5EF4-FFF2-40B4-BE49-F238E27FC236}">
+                <a16:creationId xmlns:a16="http://schemas.microsoft.com/office/drawing/2014/main" id="{AE3DB46D-4068-6677-6813-F41D425AB394}"/>
+              </a:ext>
+            </a:extLst>
+          </p:cNvPr>
+          <p:cNvPicPr>
+            <a:picLocks noChangeAspect="1"/>
+          </p:cNvPicPr>
+          <p:nvPr/>
+        </p:nvPicPr>
+        <p:blipFill>
+          <a:blip r:embed="rId5"/>
+          <a:stretch>
+            <a:fillRect/>
+          </a:stretch>
+        </p:blipFill>
+        <p:spPr>
+          <a:xfrm>
+            <a:off x="4045347" y="1988820"/>
+            <a:ext cx="1696916" cy="3600000"/>
+          </a:xfrm>
+          <a:prstGeom prst="rect">
+            <a:avLst/>
+          </a:prstGeom>
+        </p:spPr>
+      </p:pic>
+    </p:spTree>
+    <p:extLst>
+      <p:ext uri="{BB962C8B-B14F-4D97-AF65-F5344CB8AC3E}">
+        <p14:creationId xmlns:p14="http://schemas.microsoft.com/office/powerpoint/2010/main" val="3293891069"/>
+      </p:ext>
+    </p:extLst>
+  </p:cSld>
+  <p:clrMapOvr>
+    <a:masterClrMapping/>
+  </p:clrMapOvr>
+</p:sld>
+</file>
+
+<file path=ppt/slides/slide9.xml><?xml version="1.0" encoding="utf-8"?>
+<p:sld xmlns:a="http://schemas.openxmlformats.org/drawingml/2006/main" xmlns:r="http://schemas.openxmlformats.org/officeDocument/2006/relationships" xmlns:p="http://schemas.openxmlformats.org/presentationml/2006/main">
+  <p:cSld>
+    <p:spTree>
+      <p:nvGrpSpPr>
+        <p:cNvPr id="1" name="">
+          <a:extLst>
+            <a:ext uri="{FF2B5EF4-FFF2-40B4-BE49-F238E27FC236}">
+              <a16:creationId xmlns:a16="http://schemas.microsoft.com/office/drawing/2014/main" id="{8F35F517-E1AD-4D83-7441-FD8E44D49F6A}"/>
+            </a:ext>
+          </a:extLst>
+        </p:cNvPr>
+        <p:cNvGrpSpPr/>
+        <p:nvPr/>
+      </p:nvGrpSpPr>
+      <p:grpSpPr>
+        <a:xfrm>
+          <a:off x="0" y="0"/>
+          <a:ext cx="0" cy="0"/>
+          <a:chOff x="0" y="0"/>
+          <a:chExt cx="0" cy="0"/>
+        </a:xfrm>
+      </p:grpSpPr>
+      <p:sp>
+        <p:nvSpPr>
+          <p:cNvPr id="2" name="Title 1">
+            <a:extLst>
+              <a:ext uri="{FF2B5EF4-FFF2-40B4-BE49-F238E27FC236}">
+                <a16:creationId xmlns:a16="http://schemas.microsoft.com/office/drawing/2014/main" id="{AAA9076E-9BD7-78D4-3AFC-4BC8667F6D70}"/>
+              </a:ext>
+            </a:extLst>
+          </p:cNvPr>
+          <p:cNvSpPr>
+            <a:spLocks noGrp="1"/>
+          </p:cNvSpPr>
+          <p:nvPr>
+            <p:ph type="title"/>
+          </p:nvPr>
+        </p:nvSpPr>
+        <p:spPr/>
+        <p:txBody>
+          <a:bodyPr/>
+          <a:lstStyle/>
+          <a:p>
+            <a:r>
+              <a:rPr lang="en-US" b="1" dirty="0">
+                <a:latin typeface="Avenir Next LT Pro" panose="020B0504020202020204" pitchFamily="34" charset="77"/>
+              </a:rPr>
+              <a:t>Rhythm Fitness?</a:t>
+            </a:r>
+            <a:endParaRPr lang="en-KR" b="1" dirty="0">
+              <a:latin typeface="Avenir Next LT Pro" panose="020B0504020202020204" pitchFamily="34" charset="77"/>
+            </a:endParaRPr>
+          </a:p>
+        </p:txBody>
+      </p:sp>
+      <p:grpSp>
+        <p:nvGrpSpPr>
+          <p:cNvPr id="3" name="Group 8">
+            <a:extLst>
+              <a:ext uri="{FF2B5EF4-FFF2-40B4-BE49-F238E27FC236}">
+                <a16:creationId xmlns:a16="http://schemas.microsoft.com/office/drawing/2014/main" id="{57EE9961-D03B-698A-1471-EC6CF3216CBE}"/>
+              </a:ext>
+            </a:extLst>
+          </p:cNvPr>
+          <p:cNvGrpSpPr/>
+          <p:nvPr/>
+        </p:nvGrpSpPr>
+        <p:grpSpPr>
+          <a:xfrm>
+            <a:off x="1806388" y="1480835"/>
+            <a:ext cx="3835117" cy="5209970"/>
+            <a:chOff x="846425" y="1648030"/>
+            <a:chExt cx="3835117" cy="5209970"/>
+          </a:xfrm>
+        </p:grpSpPr>
+        <p:pic>
+          <p:nvPicPr>
+            <p:cNvPr id="4" name="Picture 2" descr="Rhythm Heaven Fever">
+              <a:extLst>
+                <a:ext uri="{FF2B5EF4-FFF2-40B4-BE49-F238E27FC236}">
+                  <a16:creationId xmlns:a16="http://schemas.microsoft.com/office/drawing/2014/main" id="{66F22B09-5CF3-3257-D033-F64824834682}"/>
+                </a:ext>
+              </a:extLst>
+            </p:cNvPr>
+            <p:cNvPicPr>
+              <a:picLocks noChangeAspect="1" noChangeArrowheads="1"/>
+            </p:cNvPicPr>
+            <p:nvPr/>
+          </p:nvPicPr>
+          <p:blipFill>
+            <a:blip r:embed="rId2">
+              <a:extLst>
+                <a:ext uri="{28A0092B-C50C-407E-A947-70E740481C1C}">
+                  <a14:useLocalDpi xmlns:a14="http://schemas.microsoft.com/office/drawing/2010/main" val="0"/>
+                </a:ext>
+              </a:extLst>
+            </a:blip>
+            <a:srcRect/>
+            <a:stretch>
+              <a:fillRect/>
+            </a:stretch>
+          </p:blipFill>
+          <p:spPr bwMode="auto">
+            <a:xfrm>
+              <a:off x="846425" y="1648030"/>
+              <a:ext cx="3835117" cy="5209970"/>
+            </a:xfrm>
+            <a:prstGeom prst="rect">
+              <a:avLst/>
+            </a:prstGeom>
+            <a:noFill/>
+            <a:extLst>
+              <a:ext uri="{909E8E84-426E-40DD-AFC4-6F175D3DCCD1}">
+                <a14:hiddenFill xmlns:a14="http://schemas.microsoft.com/office/drawing/2010/main">
+                  <a:solidFill>
+                    <a:srgbClr val="FFFFFF"/>
+                  </a:solidFill>
+                </a14:hiddenFill>
+              </a:ext>
+            </a:extLst>
+          </p:spPr>
+        </p:pic>
+        <p:sp>
+          <p:nvSpPr>
+            <p:cNvPr id="5" name="Rectangle 7">
+              <a:extLst>
+                <a:ext uri="{FF2B5EF4-FFF2-40B4-BE49-F238E27FC236}">
+                  <a16:creationId xmlns:a16="http://schemas.microsoft.com/office/drawing/2014/main" id="{80CA8E3C-DB5D-672D-535B-AA070EC0ABEC}"/>
+                </a:ext>
+              </a:extLst>
+            </p:cNvPr>
+            <p:cNvSpPr/>
+            <p:nvPr/>
+          </p:nvSpPr>
+          <p:spPr>
+            <a:xfrm rot="21323285">
+              <a:off x="3156594" y="2637184"/>
+              <a:ext cx="1013070" cy="582569"/>
+            </a:xfrm>
+            <a:prstGeom prst="rect">
+              <a:avLst/>
+            </a:prstGeom>
+            <a:solidFill>
+              <a:schemeClr val="tx1"/>
+            </a:solidFill>
+            <a:ln>
+              <a:noFill/>
+            </a:ln>
+          </p:spPr>
+          <p:style>
+            <a:lnRef idx="2">
+              <a:schemeClr val="accent1">
+                <a:shade val="15000"/>
+              </a:schemeClr>
+            </a:lnRef>
+            <a:fillRef idx="1">
+              <a:schemeClr val="accent1"/>
+            </a:fillRef>
+            <a:effectRef idx="0">
+              <a:schemeClr val="accent1"/>
+            </a:effectRef>
+            <a:fontRef idx="minor">
+              <a:schemeClr val="lt1"/>
+            </a:fontRef>
+          </p:style>
+          <p:txBody>
+            <a:bodyPr lIns="0" tIns="0" rIns="0" bIns="0" rtlCol="0" anchor="ctr"/>
+            <a:lstStyle/>
+            <a:p>
+              <a:r>
+                <a:rPr lang="en-US" sz="3200" b="1" dirty="0">
+                  <a:solidFill>
+                    <a:srgbClr val="FFFF00"/>
+                  </a:solidFill>
+                  <a:latin typeface="Abadi MT Condensed Extra Bold" panose="020B0306030101010103" pitchFamily="34" charset="77"/>
+                  <a:ea typeface="Noto Sans KR" panose="020B0200000000000000" pitchFamily="34" charset="-128"/>
+                </a:rPr>
+                <a:t>APTIC</a:t>
+              </a:r>
+              <a:endParaRPr lang="en-KR" sz="3200" b="1" dirty="0">
+                <a:solidFill>
+                  <a:srgbClr val="FFFF00"/>
+                </a:solidFill>
+                <a:latin typeface="Abadi MT Condensed Extra Bold" panose="020B0306030101010103" pitchFamily="34" charset="77"/>
+                <a:ea typeface="Noto Sans KR" panose="020B0200000000000000" pitchFamily="34" charset="-128"/>
+              </a:endParaRPr>
+            </a:p>
+          </p:txBody>
+        </p:sp>
+      </p:grpSp>
+      <p:grpSp>
+        <p:nvGrpSpPr>
+          <p:cNvPr id="6" name="Group 11">
+            <a:extLst>
+              <a:ext uri="{FF2B5EF4-FFF2-40B4-BE49-F238E27FC236}">
+                <a16:creationId xmlns:a16="http://schemas.microsoft.com/office/drawing/2014/main" id="{FB0AEFCB-F1A0-7100-6E89-ED0C6335E6E2}"/>
+              </a:ext>
+            </a:extLst>
+          </p:cNvPr>
+          <p:cNvGrpSpPr/>
+          <p:nvPr/>
+        </p:nvGrpSpPr>
+        <p:grpSpPr>
+          <a:xfrm>
+            <a:off x="6805346" y="1774129"/>
+            <a:ext cx="3393937" cy="4600670"/>
+            <a:chOff x="6542914" y="2077943"/>
+            <a:chExt cx="3393937" cy="4600670"/>
+          </a:xfrm>
+        </p:grpSpPr>
+        <p:pic>
+          <p:nvPicPr>
+            <p:cNvPr id="7" name="Picture 9">
+              <a:extLst>
+                <a:ext uri="{FF2B5EF4-FFF2-40B4-BE49-F238E27FC236}">
+                  <a16:creationId xmlns:a16="http://schemas.microsoft.com/office/drawing/2014/main" id="{890CE321-638E-2EC4-65D2-E84DFCA311B4}"/>
+                </a:ext>
+              </a:extLst>
+            </p:cNvPr>
+            <p:cNvPicPr>
+              <a:picLocks noChangeAspect="1"/>
+            </p:cNvPicPr>
+            <p:nvPr/>
+          </p:nvPicPr>
+          <p:blipFill>
+            <a:blip r:embed="rId3"/>
+            <a:stretch>
+              <a:fillRect/>
+            </a:stretch>
+          </p:blipFill>
+          <p:spPr>
+            <a:xfrm>
+              <a:off x="6542914" y="2077943"/>
+              <a:ext cx="3393937" cy="4600670"/>
+            </a:xfrm>
+            <a:prstGeom prst="rect">
+              <a:avLst/>
+            </a:prstGeom>
+          </p:spPr>
+        </p:pic>
+        <p:pic>
+          <p:nvPicPr>
+            <p:cNvPr id="8" name="Graphic 10" descr="Smart Phone with solid fill">
+              <a:extLst>
+                <a:ext uri="{FF2B5EF4-FFF2-40B4-BE49-F238E27FC236}">
+                  <a16:creationId xmlns:a16="http://schemas.microsoft.com/office/drawing/2014/main" id="{10C14350-FFC0-46DE-5058-25BE7D9A06F0}"/>
+                </a:ext>
+              </a:extLst>
+            </p:cNvPr>
+            <p:cNvPicPr>
+              <a:picLocks noChangeAspect="1"/>
+            </p:cNvPicPr>
+            <p:nvPr/>
+          </p:nvPicPr>
+          <p:blipFill>
+            <a:blip r:embed="rId4">
+              <a:extLst>
+                <a:ext uri="{96DAC541-7B7A-43D3-8B79-37D633B846F1}">
+                  <asvg:svgBlip xmlns:asvg="http://schemas.microsoft.com/office/drawing/2016/SVG/main" r:embed="rId5"/>
+                </a:ext>
+              </a:extLst>
+            </a:blip>
+            <a:stretch>
+              <a:fillRect/>
+            </a:stretch>
+          </p:blipFill>
+          <p:spPr>
+            <a:xfrm rot="19189882">
+              <a:off x="7365337" y="2215618"/>
+              <a:ext cx="849988" cy="849988"/>
+            </a:xfrm>
+            <a:prstGeom prst="rect">
+              <a:avLst/>
+            </a:prstGeom>
+          </p:spPr>
+        </p:pic>
+      </p:grpSp>
+      <p:sp>
+        <p:nvSpPr>
+          <p:cNvPr id="9" name="Arc 16">
+            <a:extLst>
+              <a:ext uri="{FF2B5EF4-FFF2-40B4-BE49-F238E27FC236}">
+                <a16:creationId xmlns:a16="http://schemas.microsoft.com/office/drawing/2014/main" id="{DF1BE1F7-D7F4-76DA-5866-86EE01DB382C}"/>
+              </a:ext>
+            </a:extLst>
+          </p:cNvPr>
+          <p:cNvSpPr/>
+          <p:nvPr/>
+        </p:nvSpPr>
+        <p:spPr>
+          <a:xfrm>
+            <a:off x="6805346" y="2336798"/>
+            <a:ext cx="3580266" cy="3580266"/>
+          </a:xfrm>
+          <a:prstGeom prst="arc">
+            <a:avLst>
+              <a:gd name="adj1" fmla="val 16200000"/>
+              <a:gd name="adj2" fmla="val 2484093"/>
+            </a:avLst>
+          </a:prstGeom>
+          <a:ln w="38100">
+            <a:solidFill>
+              <a:srgbClr val="FF0000"/>
+            </a:solidFill>
+            <a:headEnd type="arrow" w="med" len="med"/>
+            <a:tailEnd type="arrow" w="med" len="med"/>
+          </a:ln>
+        </p:spPr>
+        <p:style>
+          <a:lnRef idx="2">
+            <a:schemeClr val="accent1"/>
+          </a:lnRef>
+          <a:fillRef idx="0">
+            <a:schemeClr val="accent1"/>
+          </a:fillRef>
+          <a:effectRef idx="1">
+            <a:schemeClr val="accent1"/>
+          </a:effectRef>
+          <a:fontRef idx="minor">
+            <a:schemeClr val="tx1"/>
+          </a:fontRef>
+        </p:style>
+        <p:txBody>
+          <a:bodyPr rtlCol="0" anchor="ctr"/>
+          <a:lstStyle/>
+          <a:p>
+            <a:pPr algn="ctr"/>
+            <a:endParaRPr lang="en-KR" dirty="0"/>
+          </a:p>
+        </p:txBody>
+      </p:sp>
+    </p:spTree>
+    <p:extLst>
+      <p:ext uri="{BB962C8B-B14F-4D97-AF65-F5344CB8AC3E}">
+        <p14:creationId xmlns:p14="http://schemas.microsoft.com/office/powerpoint/2010/main" val="1173906709"/>
       </p:ext>
     </p:extLst>
   </p:cSld>

--- a/Presentations/Midterm-TCPs.pptx
+++ b/Presentations/Midterm-TCPs.pptx
@@ -5,19 +5,27 @@
     <p:sldMasterId id="2147483648" r:id="rId1"/>
   </p:sldMasterIdLst>
   <p:notesMasterIdLst>
-    <p:notesMasterId r:id="rId12"/>
+    <p:notesMasterId r:id="rId20"/>
   </p:notesMasterIdLst>
   <p:sldIdLst>
     <p:sldId id="256" r:id="rId2"/>
     <p:sldId id="270" r:id="rId3"/>
     <p:sldId id="269" r:id="rId4"/>
     <p:sldId id="276" r:id="rId5"/>
-    <p:sldId id="271" r:id="rId6"/>
-    <p:sldId id="279" r:id="rId7"/>
-    <p:sldId id="281" r:id="rId8"/>
-    <p:sldId id="275" r:id="rId9"/>
-    <p:sldId id="280" r:id="rId10"/>
-    <p:sldId id="272" r:id="rId11"/>
+    <p:sldId id="282" r:id="rId6"/>
+    <p:sldId id="285" r:id="rId7"/>
+    <p:sldId id="283" r:id="rId8"/>
+    <p:sldId id="286" r:id="rId9"/>
+    <p:sldId id="287" r:id="rId10"/>
+    <p:sldId id="271" r:id="rId11"/>
+    <p:sldId id="279" r:id="rId12"/>
+    <p:sldId id="289" r:id="rId13"/>
+    <p:sldId id="288" r:id="rId14"/>
+    <p:sldId id="290" r:id="rId15"/>
+    <p:sldId id="275" r:id="rId16"/>
+    <p:sldId id="280" r:id="rId17"/>
+    <p:sldId id="284" r:id="rId18"/>
+    <p:sldId id="272" r:id="rId19"/>
   </p:sldIdLst>
   <p:sldSz cx="12192000" cy="6858000"/>
   <p:notesSz cx="6858000" cy="9144000"/>
@@ -206,7 +214,7 @@
           <a:p>
             <a:fld id="{3FB54B0F-403A-8249-B152-245AA338A746}" type="datetimeFigureOut">
               <a:rPr lang="en-KR" smtClean="0"/>
-              <a:t>11/20/2024</a:t>
+              <a:t>11/20/24</a:t>
             </a:fld>
             <a:endParaRPr lang="en-KR"/>
           </a:p>
@@ -671,7 +679,7 @@
           <a:p>
             <a:fld id="{FAB9B78D-3E5E-564E-A601-8989A842ECCF}" type="slidenum">
               <a:rPr lang="en-KR" smtClean="0"/>
-              <a:t>5</a:t>
+              <a:t>10</a:t>
             </a:fld>
             <a:endParaRPr lang="en-KR"/>
           </a:p>
@@ -839,7 +847,7 @@
           <a:p>
             <a:fld id="{09301BE2-276A-0643-9E06-75E6FE76E8D1}" type="datetimeFigureOut">
               <a:rPr lang="en-KR" smtClean="0"/>
-              <a:t>11/20/2024</a:t>
+              <a:t>11/20/24</a:t>
             </a:fld>
             <a:endParaRPr lang="en-KR"/>
           </a:p>
@@ -1039,7 +1047,7 @@
           <a:p>
             <a:fld id="{09301BE2-276A-0643-9E06-75E6FE76E8D1}" type="datetimeFigureOut">
               <a:rPr lang="en-KR" smtClean="0"/>
-              <a:t>11/20/2024</a:t>
+              <a:t>11/20/24</a:t>
             </a:fld>
             <a:endParaRPr lang="en-KR"/>
           </a:p>
@@ -1249,7 +1257,7 @@
           <a:p>
             <a:fld id="{09301BE2-276A-0643-9E06-75E6FE76E8D1}" type="datetimeFigureOut">
               <a:rPr lang="en-KR" smtClean="0"/>
-              <a:t>11/20/2024</a:t>
+              <a:t>11/20/24</a:t>
             </a:fld>
             <a:endParaRPr lang="en-KR"/>
           </a:p>
@@ -1449,7 +1457,7 @@
           <a:p>
             <a:fld id="{09301BE2-276A-0643-9E06-75E6FE76E8D1}" type="datetimeFigureOut">
               <a:rPr lang="en-KR" smtClean="0"/>
-              <a:t>11/20/2024</a:t>
+              <a:t>11/20/24</a:t>
             </a:fld>
             <a:endParaRPr lang="en-KR"/>
           </a:p>
@@ -1725,7 +1733,7 @@
           <a:p>
             <a:fld id="{09301BE2-276A-0643-9E06-75E6FE76E8D1}" type="datetimeFigureOut">
               <a:rPr lang="en-KR" smtClean="0"/>
-              <a:t>11/20/2024</a:t>
+              <a:t>11/20/24</a:t>
             </a:fld>
             <a:endParaRPr lang="en-KR"/>
           </a:p>
@@ -1993,7 +2001,7 @@
           <a:p>
             <a:fld id="{09301BE2-276A-0643-9E06-75E6FE76E8D1}" type="datetimeFigureOut">
               <a:rPr lang="en-KR" smtClean="0"/>
-              <a:t>11/20/2024</a:t>
+              <a:t>11/20/24</a:t>
             </a:fld>
             <a:endParaRPr lang="en-KR"/>
           </a:p>
@@ -2408,7 +2416,7 @@
           <a:p>
             <a:fld id="{09301BE2-276A-0643-9E06-75E6FE76E8D1}" type="datetimeFigureOut">
               <a:rPr lang="en-KR" smtClean="0"/>
-              <a:t>11/20/2024</a:t>
+              <a:t>11/20/24</a:t>
             </a:fld>
             <a:endParaRPr lang="en-KR"/>
           </a:p>
@@ -2550,7 +2558,7 @@
           <a:p>
             <a:fld id="{09301BE2-276A-0643-9E06-75E6FE76E8D1}" type="datetimeFigureOut">
               <a:rPr lang="en-KR" smtClean="0"/>
-              <a:t>11/20/2024</a:t>
+              <a:t>11/20/24</a:t>
             </a:fld>
             <a:endParaRPr lang="en-KR"/>
           </a:p>
@@ -2663,7 +2671,7 @@
           <a:p>
             <a:fld id="{09301BE2-276A-0643-9E06-75E6FE76E8D1}" type="datetimeFigureOut">
               <a:rPr lang="en-KR" smtClean="0"/>
-              <a:t>11/20/2024</a:t>
+              <a:t>11/20/24</a:t>
             </a:fld>
             <a:endParaRPr lang="en-KR"/>
           </a:p>
@@ -2976,7 +2984,7 @@
           <a:p>
             <a:fld id="{09301BE2-276A-0643-9E06-75E6FE76E8D1}" type="datetimeFigureOut">
               <a:rPr lang="en-KR" smtClean="0"/>
-              <a:t>11/20/2024</a:t>
+              <a:t>11/20/24</a:t>
             </a:fld>
             <a:endParaRPr lang="en-KR"/>
           </a:p>
@@ -3265,7 +3273,7 @@
           <a:p>
             <a:fld id="{09301BE2-276A-0643-9E06-75E6FE76E8D1}" type="datetimeFigureOut">
               <a:rPr lang="en-KR" smtClean="0"/>
-              <a:t>11/20/2024</a:t>
+              <a:t>11/20/24</a:t>
             </a:fld>
             <a:endParaRPr lang="en-KR"/>
           </a:p>
@@ -3508,7 +3516,7 @@
           <a:p>
             <a:fld id="{09301BE2-276A-0643-9E06-75E6FE76E8D1}" type="datetimeFigureOut">
               <a:rPr lang="en-KR" smtClean="0"/>
-              <a:t>11/20/2024</a:t>
+              <a:t>11/20/24</a:t>
             </a:fld>
             <a:endParaRPr lang="en-KR"/>
           </a:p>
@@ -4080,1166 +4088,6 @@
 </file>
 
 <file path=ppt/slides/slide10.xml><?xml version="1.0" encoding="utf-8"?>
-<p:sld xmlns:a="http://schemas.openxmlformats.org/drawingml/2006/main" xmlns:r="http://schemas.openxmlformats.org/officeDocument/2006/relationships" xmlns:p="http://schemas.openxmlformats.org/presentationml/2006/main">
-  <p:cSld>
-    <p:spTree>
-      <p:nvGrpSpPr>
-        <p:cNvPr id="1" name="">
-          <a:extLst>
-            <a:ext uri="{FF2B5EF4-FFF2-40B4-BE49-F238E27FC236}">
-              <a16:creationId xmlns:a16="http://schemas.microsoft.com/office/drawing/2014/main" id="{A0F33974-3058-FD8E-ABE0-7B10E1833833}"/>
-            </a:ext>
-          </a:extLst>
-        </p:cNvPr>
-        <p:cNvGrpSpPr/>
-        <p:nvPr/>
-      </p:nvGrpSpPr>
-      <p:grpSpPr>
-        <a:xfrm>
-          <a:off x="0" y="0"/>
-          <a:ext cx="0" cy="0"/>
-          <a:chOff x="0" y="0"/>
-          <a:chExt cx="0" cy="0"/>
-        </a:xfrm>
-      </p:grpSpPr>
-      <p:sp>
-        <p:nvSpPr>
-          <p:cNvPr id="8" name="TextBox 7">
-            <a:extLst>
-              <a:ext uri="{FF2B5EF4-FFF2-40B4-BE49-F238E27FC236}">
-                <a16:creationId xmlns:a16="http://schemas.microsoft.com/office/drawing/2014/main" id="{EBA30D0E-D0AD-48C1-C7EB-552439655DC3}"/>
-              </a:ext>
-            </a:extLst>
-          </p:cNvPr>
-          <p:cNvSpPr txBox="1"/>
-          <p:nvPr/>
-        </p:nvSpPr>
-        <p:spPr>
-          <a:xfrm>
-            <a:off x="2670048" y="3044279"/>
-            <a:ext cx="6851904" cy="769441"/>
-          </a:xfrm>
-          <a:prstGeom prst="rect">
-            <a:avLst/>
-          </a:prstGeom>
-          <a:noFill/>
-        </p:spPr>
-        <p:txBody>
-          <a:bodyPr wrap="square" rtlCol="0">
-            <a:spAutoFit/>
-          </a:bodyPr>
-          <a:lstStyle/>
-          <a:p>
-            <a:pPr algn="ctr"/>
-            <a:r>
-              <a:rPr lang="en-KR" sz="4400" b="1" dirty="0">
-                <a:latin typeface="Avenir Next LT Pro" panose="020B0504020202020204" pitchFamily="34" charset="77"/>
-              </a:rPr>
-              <a:t>Thanks for Listening!</a:t>
-            </a:r>
-          </a:p>
-        </p:txBody>
-      </p:sp>
-    </p:spTree>
-    <p:extLst>
-      <p:ext uri="{BB962C8B-B14F-4D97-AF65-F5344CB8AC3E}">
-        <p14:creationId xmlns:p14="http://schemas.microsoft.com/office/powerpoint/2010/main" val="2587172812"/>
-      </p:ext>
-    </p:extLst>
-  </p:cSld>
-  <p:clrMapOvr>
-    <a:masterClrMapping/>
-  </p:clrMapOvr>
-</p:sld>
-</file>
-
-<file path=ppt/slides/slide2.xml><?xml version="1.0" encoding="utf-8"?>
-<p:sld xmlns:a="http://schemas.openxmlformats.org/drawingml/2006/main" xmlns:r="http://schemas.openxmlformats.org/officeDocument/2006/relationships" xmlns:p="http://schemas.openxmlformats.org/presentationml/2006/main">
-  <p:cSld>
-    <p:spTree>
-      <p:nvGrpSpPr>
-        <p:cNvPr id="1" name="">
-          <a:extLst>
-            <a:ext uri="{FF2B5EF4-FFF2-40B4-BE49-F238E27FC236}">
-              <a16:creationId xmlns:a16="http://schemas.microsoft.com/office/drawing/2014/main" id="{6C84E150-D495-104F-0B6F-85A6CCB2A686}"/>
-            </a:ext>
-          </a:extLst>
-        </p:cNvPr>
-        <p:cNvGrpSpPr/>
-        <p:nvPr/>
-      </p:nvGrpSpPr>
-      <p:grpSpPr>
-        <a:xfrm>
-          <a:off x="0" y="0"/>
-          <a:ext cx="0" cy="0"/>
-          <a:chOff x="0" y="0"/>
-          <a:chExt cx="0" cy="0"/>
-        </a:xfrm>
-      </p:grpSpPr>
-      <p:sp>
-        <p:nvSpPr>
-          <p:cNvPr id="2" name="Title 1">
-            <a:extLst>
-              <a:ext uri="{FF2B5EF4-FFF2-40B4-BE49-F238E27FC236}">
-                <a16:creationId xmlns:a16="http://schemas.microsoft.com/office/drawing/2014/main" id="{65D73F1C-19F7-3004-3D40-89AAF0D3A6E7}"/>
-              </a:ext>
-            </a:extLst>
-          </p:cNvPr>
-          <p:cNvSpPr>
-            <a:spLocks noGrp="1"/>
-          </p:cNvSpPr>
-          <p:nvPr>
-            <p:ph type="title"/>
-          </p:nvPr>
-        </p:nvSpPr>
-        <p:spPr/>
-        <p:txBody>
-          <a:bodyPr/>
-          <a:lstStyle/>
-          <a:p>
-            <a:r>
-              <a:rPr lang="en-US" altLang="ko-KR" b="1" dirty="0">
-                <a:solidFill>
-                  <a:schemeClr val="accent2"/>
-                </a:solidFill>
-                <a:latin typeface="Avenir Next LT Pro" panose="020B0504020202020204" pitchFamily="34" charset="77"/>
-              </a:rPr>
-              <a:t>Haptic</a:t>
-            </a:r>
-            <a:r>
-              <a:rPr lang="en-US" altLang="ko-KR" b="1" dirty="0">
-                <a:latin typeface="Avenir Next LT Pro" panose="020B0504020202020204" pitchFamily="34" charset="77"/>
-              </a:rPr>
-              <a:t> feedback to user’s action</a:t>
-            </a:r>
-            <a:endParaRPr lang="en-KR" b="1" dirty="0">
-              <a:latin typeface="Avenir Next LT Pro" panose="020B0504020202020204" pitchFamily="34" charset="77"/>
-            </a:endParaRPr>
-          </a:p>
-        </p:txBody>
-      </p:sp>
-      <p:grpSp>
-        <p:nvGrpSpPr>
-          <p:cNvPr id="11" name="Group 10">
-            <a:extLst>
-              <a:ext uri="{FF2B5EF4-FFF2-40B4-BE49-F238E27FC236}">
-                <a16:creationId xmlns:a16="http://schemas.microsoft.com/office/drawing/2014/main" id="{1CC73016-E507-22BD-E72F-612AE6F935EC}"/>
-              </a:ext>
-            </a:extLst>
-          </p:cNvPr>
-          <p:cNvGrpSpPr/>
-          <p:nvPr/>
-        </p:nvGrpSpPr>
-        <p:grpSpPr>
-          <a:xfrm>
-            <a:off x="838200" y="1883421"/>
-            <a:ext cx="1822305" cy="1822305"/>
-            <a:chOff x="1950182" y="1883421"/>
-            <a:chExt cx="3091158" cy="3091158"/>
-          </a:xfrm>
-        </p:grpSpPr>
-        <p:sp>
-          <p:nvSpPr>
-            <p:cNvPr id="4" name="Oval 3">
-              <a:extLst>
-                <a:ext uri="{FF2B5EF4-FFF2-40B4-BE49-F238E27FC236}">
-                  <a16:creationId xmlns:a16="http://schemas.microsoft.com/office/drawing/2014/main" id="{E37683D6-93EA-1E23-2708-748602A993D6}"/>
-                </a:ext>
-              </a:extLst>
-            </p:cNvPr>
-            <p:cNvSpPr/>
-            <p:nvPr/>
-          </p:nvSpPr>
-          <p:spPr>
-            <a:xfrm>
-              <a:off x="1950182" y="1883421"/>
-              <a:ext cx="3091158" cy="3091158"/>
-            </a:xfrm>
-            <a:prstGeom prst="ellipse">
-              <a:avLst/>
-            </a:prstGeom>
-            <a:noFill/>
-            <a:ln w="76200">
-              <a:solidFill>
-                <a:schemeClr val="tx1"/>
-              </a:solidFill>
-            </a:ln>
-          </p:spPr>
-          <p:style>
-            <a:lnRef idx="2">
-              <a:schemeClr val="accent1">
-                <a:shade val="15000"/>
-              </a:schemeClr>
-            </a:lnRef>
-            <a:fillRef idx="1">
-              <a:schemeClr val="accent1"/>
-            </a:fillRef>
-            <a:effectRef idx="0">
-              <a:schemeClr val="accent1"/>
-            </a:effectRef>
-            <a:fontRef idx="minor">
-              <a:schemeClr val="lt1"/>
-            </a:fontRef>
-          </p:style>
-          <p:txBody>
-            <a:bodyPr rtlCol="0" anchor="ctr"/>
-            <a:lstStyle/>
-            <a:p>
-              <a:pPr algn="ctr"/>
-              <a:endParaRPr lang="en-KR"/>
-            </a:p>
-          </p:txBody>
-        </p:sp>
-        <p:pic>
-          <p:nvPicPr>
-            <p:cNvPr id="9" name="Graphic 8" descr="Stopwatch with solid fill">
-              <a:extLst>
-                <a:ext uri="{FF2B5EF4-FFF2-40B4-BE49-F238E27FC236}">
-                  <a16:creationId xmlns:a16="http://schemas.microsoft.com/office/drawing/2014/main" id="{A1BD2B4B-03A9-45BD-470F-E3AF1397EC26}"/>
-                </a:ext>
-              </a:extLst>
-            </p:cNvPr>
-            <p:cNvPicPr>
-              <a:picLocks noChangeAspect="1"/>
-            </p:cNvPicPr>
-            <p:nvPr/>
-          </p:nvPicPr>
-          <p:blipFill>
-            <a:blip r:embed="rId2">
-              <a:extLst>
-                <a:ext uri="{96DAC541-7B7A-43D3-8B79-37D633B846F1}">
-                  <asvg:svgBlip xmlns:asvg="http://schemas.microsoft.com/office/drawing/2016/SVG/main" r:embed="rId3"/>
-                </a:ext>
-              </a:extLst>
-            </a:blip>
-            <a:stretch>
-              <a:fillRect/>
-            </a:stretch>
-          </p:blipFill>
-          <p:spPr>
-            <a:xfrm>
-              <a:off x="2362078" y="2295317"/>
-              <a:ext cx="2267366" cy="2267366"/>
-            </a:xfrm>
-            <a:prstGeom prst="rect">
-              <a:avLst/>
-            </a:prstGeom>
-          </p:spPr>
-        </p:pic>
-      </p:grpSp>
-      <p:grpSp>
-        <p:nvGrpSpPr>
-          <p:cNvPr id="29" name="Group 28">
-            <a:extLst>
-              <a:ext uri="{FF2B5EF4-FFF2-40B4-BE49-F238E27FC236}">
-                <a16:creationId xmlns:a16="http://schemas.microsoft.com/office/drawing/2014/main" id="{098904F2-F508-DAC5-3402-A636450362E8}"/>
-              </a:ext>
-            </a:extLst>
-          </p:cNvPr>
-          <p:cNvGrpSpPr/>
-          <p:nvPr/>
-        </p:nvGrpSpPr>
-        <p:grpSpPr>
-          <a:xfrm>
-            <a:off x="838200" y="4105253"/>
-            <a:ext cx="1822305" cy="1822305"/>
-            <a:chOff x="838200" y="4105253"/>
-            <a:chExt cx="1822305" cy="1822305"/>
-          </a:xfrm>
-        </p:grpSpPr>
-        <p:sp>
-          <p:nvSpPr>
-            <p:cNvPr id="25" name="Oval 24">
-              <a:extLst>
-                <a:ext uri="{FF2B5EF4-FFF2-40B4-BE49-F238E27FC236}">
-                  <a16:creationId xmlns:a16="http://schemas.microsoft.com/office/drawing/2014/main" id="{C808A716-80EC-C233-BD9E-F81DEB7E23B4}"/>
-                </a:ext>
-              </a:extLst>
-            </p:cNvPr>
-            <p:cNvSpPr/>
-            <p:nvPr/>
-          </p:nvSpPr>
-          <p:spPr>
-            <a:xfrm>
-              <a:off x="838200" y="4105253"/>
-              <a:ext cx="1822305" cy="1822305"/>
-            </a:xfrm>
-            <a:prstGeom prst="ellipse">
-              <a:avLst/>
-            </a:prstGeom>
-            <a:noFill/>
-            <a:ln w="76200">
-              <a:solidFill>
-                <a:schemeClr val="tx1"/>
-              </a:solidFill>
-            </a:ln>
-          </p:spPr>
-          <p:style>
-            <a:lnRef idx="2">
-              <a:schemeClr val="accent1">
-                <a:shade val="15000"/>
-              </a:schemeClr>
-            </a:lnRef>
-            <a:fillRef idx="1">
-              <a:schemeClr val="accent1"/>
-            </a:fillRef>
-            <a:effectRef idx="0">
-              <a:schemeClr val="accent1"/>
-            </a:effectRef>
-            <a:fontRef idx="minor">
-              <a:schemeClr val="lt1"/>
-            </a:fontRef>
-          </p:style>
-          <p:txBody>
-            <a:bodyPr rtlCol="0" anchor="ctr"/>
-            <a:lstStyle/>
-            <a:p>
-              <a:pPr algn="ctr"/>
-              <a:endParaRPr lang="en-KR"/>
-            </a:p>
-          </p:txBody>
-        </p:sp>
-        <p:pic>
-          <p:nvPicPr>
-            <p:cNvPr id="28" name="Graphic 27" descr="Lightbulb with solid fill">
-              <a:extLst>
-                <a:ext uri="{FF2B5EF4-FFF2-40B4-BE49-F238E27FC236}">
-                  <a16:creationId xmlns:a16="http://schemas.microsoft.com/office/drawing/2014/main" id="{C1DCC7F8-E518-0144-3EBD-F232FC4D2B22}"/>
-                </a:ext>
-              </a:extLst>
-            </p:cNvPr>
-            <p:cNvPicPr>
-              <a:picLocks noChangeAspect="1"/>
-            </p:cNvPicPr>
-            <p:nvPr/>
-          </p:nvPicPr>
-          <p:blipFill>
-            <a:blip r:embed="rId4">
-              <a:extLst>
-                <a:ext uri="{96DAC541-7B7A-43D3-8B79-37D633B846F1}">
-                  <asvg:svgBlip xmlns:asvg="http://schemas.microsoft.com/office/drawing/2016/SVG/main" r:embed="rId5"/>
-                </a:ext>
-              </a:extLst>
-            </a:blip>
-            <a:stretch>
-              <a:fillRect/>
-            </a:stretch>
-          </p:blipFill>
-          <p:spPr>
-            <a:xfrm>
-              <a:off x="1092388" y="4359441"/>
-              <a:ext cx="1313928" cy="1313928"/>
-            </a:xfrm>
-            <a:prstGeom prst="rect">
-              <a:avLst/>
-            </a:prstGeom>
-          </p:spPr>
-        </p:pic>
-      </p:grpSp>
-      <p:sp>
-        <p:nvSpPr>
-          <p:cNvPr id="30" name="TextBox 29">
-            <a:extLst>
-              <a:ext uri="{FF2B5EF4-FFF2-40B4-BE49-F238E27FC236}">
-                <a16:creationId xmlns:a16="http://schemas.microsoft.com/office/drawing/2014/main" id="{C7461A76-9C88-2AEA-912A-7B1D59D1CA1B}"/>
-              </a:ext>
-            </a:extLst>
-          </p:cNvPr>
-          <p:cNvSpPr txBox="1"/>
-          <p:nvPr/>
-        </p:nvSpPr>
-        <p:spPr>
-          <a:xfrm>
-            <a:off x="2903327" y="1883421"/>
-            <a:ext cx="6064481" cy="954107"/>
-          </a:xfrm>
-          <a:prstGeom prst="rect">
-            <a:avLst/>
-          </a:prstGeom>
-          <a:noFill/>
-        </p:spPr>
-        <p:txBody>
-          <a:bodyPr wrap="none" rtlCol="0">
-            <a:spAutoFit/>
-          </a:bodyPr>
-          <a:lstStyle/>
-          <a:p>
-            <a:r>
-              <a:rPr lang="en-KR" sz="3200" b="1" dirty="0">
-                <a:latin typeface="Avenir Next LT Pro" panose="020B0504020202020204" pitchFamily="34" charset="77"/>
-              </a:rPr>
-              <a:t>Real-time</a:t>
-            </a:r>
-          </a:p>
-          <a:p>
-            <a:pPr marL="342900" indent="-342900">
-              <a:buFont typeface="Arial" panose="020B0604020202020204" pitchFamily="34" charset="0"/>
-              <a:buChar char="•"/>
-            </a:pPr>
-            <a:r>
-              <a:rPr lang="en-US" altLang="ko-KR" sz="2400" b="1" dirty="0">
-                <a:solidFill>
-                  <a:schemeClr val="accent2"/>
-                </a:solidFill>
-                <a:latin typeface="Noto Sans KR" panose="020B0200000000000000" pitchFamily="34" charset="-128"/>
-                <a:ea typeface="Noto Sans KR" panose="020B0200000000000000" pitchFamily="34" charset="-128"/>
-              </a:rPr>
-              <a:t>No delay</a:t>
-            </a:r>
-            <a:r>
-              <a:rPr lang="en-US" altLang="ko-KR" sz="2400" b="1" dirty="0">
-                <a:latin typeface="Noto Sans KR" panose="020B0200000000000000" pitchFamily="34" charset="-128"/>
-                <a:ea typeface="Noto Sans KR" panose="020B0200000000000000" pitchFamily="34" charset="-128"/>
-              </a:rPr>
-              <a:t> </a:t>
-            </a:r>
-            <a:r>
-              <a:rPr lang="en-US" altLang="ko-KR" sz="2400" dirty="0">
-                <a:latin typeface="Noto Sans KR" panose="020B0200000000000000" pitchFamily="34" charset="-128"/>
-                <a:ea typeface="Noto Sans KR" panose="020B0200000000000000" pitchFamily="34" charset="-128"/>
-              </a:rPr>
-              <a:t>between vibratory feedbacks</a:t>
-            </a:r>
-          </a:p>
-        </p:txBody>
-      </p:sp>
-      <p:sp>
-        <p:nvSpPr>
-          <p:cNvPr id="31" name="TextBox 30">
-            <a:extLst>
-              <a:ext uri="{FF2B5EF4-FFF2-40B4-BE49-F238E27FC236}">
-                <a16:creationId xmlns:a16="http://schemas.microsoft.com/office/drawing/2014/main" id="{0A970673-BBF0-5E7F-03B8-F35B168499A2}"/>
-              </a:ext>
-            </a:extLst>
-          </p:cNvPr>
-          <p:cNvSpPr txBox="1"/>
-          <p:nvPr/>
-        </p:nvSpPr>
-        <p:spPr>
-          <a:xfrm>
-            <a:off x="2903326" y="4067053"/>
-            <a:ext cx="7345281" cy="2185214"/>
-          </a:xfrm>
-          <a:prstGeom prst="rect">
-            <a:avLst/>
-          </a:prstGeom>
-          <a:noFill/>
-        </p:spPr>
-        <p:txBody>
-          <a:bodyPr wrap="none" rtlCol="0">
-            <a:spAutoFit/>
-          </a:bodyPr>
-          <a:lstStyle/>
-          <a:p>
-            <a:r>
-              <a:rPr lang="en-KR" sz="3200" b="1" dirty="0">
-                <a:latin typeface="Avenir Next LT Pro" panose="020B0504020202020204" pitchFamily="34" charset="77"/>
-              </a:rPr>
-              <a:t>Directive</a:t>
-            </a:r>
-          </a:p>
-          <a:p>
-            <a:pPr marL="342900" indent="-342900">
-              <a:buFont typeface="Arial" panose="020B0604020202020204" pitchFamily="34" charset="0"/>
-              <a:buChar char="•"/>
-            </a:pPr>
-            <a:r>
-              <a:rPr lang="en-US" altLang="ko-KR" sz="2400" b="1" dirty="0">
-                <a:solidFill>
-                  <a:schemeClr val="accent2"/>
-                </a:solidFill>
-                <a:latin typeface="Noto Sans KR" panose="020B0200000000000000" pitchFamily="34" charset="-128"/>
-                <a:ea typeface="Noto Sans KR" panose="020B0200000000000000" pitchFamily="34" charset="-128"/>
-              </a:rPr>
-              <a:t>Various haptic patterns</a:t>
-            </a:r>
-            <a:r>
-              <a:rPr lang="en-US" altLang="ko-KR" sz="2400" b="1" dirty="0">
-                <a:latin typeface="Noto Sans KR" panose="020B0200000000000000" pitchFamily="34" charset="-128"/>
-                <a:ea typeface="Noto Sans KR" panose="020B0200000000000000" pitchFamily="34" charset="-128"/>
-              </a:rPr>
-              <a:t> </a:t>
-            </a:r>
-            <a:r>
-              <a:rPr lang="en-US" altLang="ko-KR" sz="2400" dirty="0">
-                <a:latin typeface="Noto Sans KR" panose="020B0200000000000000" pitchFamily="34" charset="-128"/>
-                <a:ea typeface="Noto Sans KR" panose="020B0200000000000000" pitchFamily="34" charset="-128"/>
-              </a:rPr>
-              <a:t>provided by system</a:t>
-            </a:r>
-          </a:p>
-          <a:p>
-            <a:pPr marL="342900" indent="-342900">
-              <a:buFont typeface="Arial" panose="020B0604020202020204" pitchFamily="34" charset="0"/>
-              <a:buChar char="•"/>
-            </a:pPr>
-            <a:r>
-              <a:rPr lang="en-US" altLang="ko-KR" sz="2400" b="1" dirty="0">
-                <a:solidFill>
-                  <a:schemeClr val="accent2"/>
-                </a:solidFill>
-                <a:latin typeface="Noto Sans KR" panose="020B0200000000000000" pitchFamily="34" charset="-128"/>
-                <a:ea typeface="Noto Sans KR" panose="020B0200000000000000" pitchFamily="34" charset="-128"/>
-              </a:rPr>
-              <a:t>Dynamic feedback</a:t>
-            </a:r>
-            <a:r>
-              <a:rPr lang="en-US" altLang="ko-KR" sz="2400" dirty="0">
-                <a:latin typeface="Noto Sans KR" panose="020B0200000000000000" pitchFamily="34" charset="-128"/>
-                <a:ea typeface="Noto Sans KR" panose="020B0200000000000000" pitchFamily="34" charset="-128"/>
-              </a:rPr>
-              <a:t> on specific event, interval…</a:t>
-            </a:r>
-          </a:p>
-          <a:p>
-            <a:pPr marL="342900" indent="-342900">
-              <a:buFont typeface="Arial" panose="020B0604020202020204" pitchFamily="34" charset="0"/>
-              <a:buChar char="•"/>
-            </a:pPr>
-            <a:r>
-              <a:rPr lang="en-US" altLang="ko-KR" sz="2400" b="1" dirty="0">
-                <a:solidFill>
-                  <a:schemeClr val="accent2"/>
-                </a:solidFill>
-                <a:latin typeface="Noto Sans KR" panose="020B0200000000000000" pitchFamily="34" charset="-128"/>
-                <a:ea typeface="Noto Sans KR" panose="020B0200000000000000" pitchFamily="34" charset="-128"/>
-              </a:rPr>
-              <a:t>Attach on the body</a:t>
-            </a:r>
-            <a:r>
-              <a:rPr lang="en-US" altLang="ko-KR" sz="2400" dirty="0">
-                <a:latin typeface="Noto Sans KR" panose="020B0200000000000000" pitchFamily="34" charset="-128"/>
-                <a:ea typeface="Noto Sans KR" panose="020B0200000000000000" pitchFamily="34" charset="-128"/>
-              </a:rPr>
-              <a:t> to fetch user’s position</a:t>
-            </a:r>
-            <a:endParaRPr lang="en-US" altLang="ko-KR" sz="2400" b="1" dirty="0">
-              <a:latin typeface="Noto Sans KR" panose="020B0200000000000000" pitchFamily="34" charset="-128"/>
-              <a:ea typeface="Noto Sans KR" panose="020B0200000000000000" pitchFamily="34" charset="-128"/>
-            </a:endParaRPr>
-          </a:p>
-          <a:p>
-            <a:pPr marL="457200" indent="-457200">
-              <a:buFont typeface="Arial" panose="020B0604020202020204" pitchFamily="34" charset="0"/>
-              <a:buChar char="•"/>
-            </a:pPr>
-            <a:endParaRPr lang="en-KR" sz="3200" b="1" dirty="0">
-              <a:latin typeface="Avenir Next LT Pro" panose="020B0504020202020204" pitchFamily="34" charset="77"/>
-            </a:endParaRPr>
-          </a:p>
-        </p:txBody>
-      </p:sp>
-    </p:spTree>
-    <p:extLst>
-      <p:ext uri="{BB962C8B-B14F-4D97-AF65-F5344CB8AC3E}">
-        <p14:creationId xmlns:p14="http://schemas.microsoft.com/office/powerpoint/2010/main" val="1792872491"/>
-      </p:ext>
-    </p:extLst>
-  </p:cSld>
-  <p:clrMapOvr>
-    <a:masterClrMapping/>
-  </p:clrMapOvr>
-</p:sld>
-</file>
-
-<file path=ppt/slides/slide3.xml><?xml version="1.0" encoding="utf-8"?>
-<p:sld xmlns:a="http://schemas.openxmlformats.org/drawingml/2006/main" xmlns:r="http://schemas.openxmlformats.org/officeDocument/2006/relationships" xmlns:p="http://schemas.openxmlformats.org/presentationml/2006/main">
-  <p:cSld>
-    <p:spTree>
-      <p:nvGrpSpPr>
-        <p:cNvPr id="1" name="">
-          <a:extLst>
-            <a:ext uri="{FF2B5EF4-FFF2-40B4-BE49-F238E27FC236}">
-              <a16:creationId xmlns:a16="http://schemas.microsoft.com/office/drawing/2014/main" id="{3D3DD692-6B18-7E45-B86C-6FAC4AEE5519}"/>
-            </a:ext>
-          </a:extLst>
-        </p:cNvPr>
-        <p:cNvGrpSpPr/>
-        <p:nvPr/>
-      </p:nvGrpSpPr>
-      <p:grpSpPr>
-        <a:xfrm>
-          <a:off x="0" y="0"/>
-          <a:ext cx="0" cy="0"/>
-          <a:chOff x="0" y="0"/>
-          <a:chExt cx="0" cy="0"/>
-        </a:xfrm>
-      </p:grpSpPr>
-      <p:sp>
-        <p:nvSpPr>
-          <p:cNvPr id="2" name="Title 1">
-            <a:extLst>
-              <a:ext uri="{FF2B5EF4-FFF2-40B4-BE49-F238E27FC236}">
-                <a16:creationId xmlns:a16="http://schemas.microsoft.com/office/drawing/2014/main" id="{72CEECB8-F38E-5C48-3633-8048E7CCA137}"/>
-              </a:ext>
-            </a:extLst>
-          </p:cNvPr>
-          <p:cNvSpPr>
-            <a:spLocks noGrp="1"/>
-          </p:cNvSpPr>
-          <p:nvPr>
-            <p:ph type="title"/>
-          </p:nvPr>
-        </p:nvSpPr>
-        <p:spPr/>
-        <p:txBody>
-          <a:bodyPr/>
-          <a:lstStyle/>
-          <a:p>
-            <a:r>
-              <a:rPr lang="en-US" altLang="ko-KR" b="1" dirty="0">
-                <a:solidFill>
-                  <a:schemeClr val="accent2"/>
-                </a:solidFill>
-                <a:latin typeface="Avenir Next LT Pro" panose="020B0504020202020204" pitchFamily="34" charset="77"/>
-              </a:rPr>
-              <a:t>Haptic</a:t>
-            </a:r>
-            <a:r>
-              <a:rPr lang="en-US" altLang="ko-KR" b="1" dirty="0">
-                <a:latin typeface="Avenir Next LT Pro" panose="020B0504020202020204" pitchFamily="34" charset="77"/>
-              </a:rPr>
-              <a:t> feedback to user’s action</a:t>
-            </a:r>
-            <a:endParaRPr lang="en-KR" b="1" dirty="0">
-              <a:latin typeface="Avenir Next LT Pro" panose="020B0504020202020204" pitchFamily="34" charset="77"/>
-            </a:endParaRPr>
-          </a:p>
-        </p:txBody>
-      </p:sp>
-      <p:grpSp>
-        <p:nvGrpSpPr>
-          <p:cNvPr id="12" name="Group 11">
-            <a:extLst>
-              <a:ext uri="{FF2B5EF4-FFF2-40B4-BE49-F238E27FC236}">
-                <a16:creationId xmlns:a16="http://schemas.microsoft.com/office/drawing/2014/main" id="{F6602527-AB9C-6212-62F0-A169DBF395EF}"/>
-              </a:ext>
-            </a:extLst>
-          </p:cNvPr>
-          <p:cNvGrpSpPr/>
-          <p:nvPr/>
-        </p:nvGrpSpPr>
-        <p:grpSpPr>
-          <a:xfrm>
-            <a:off x="838200" y="2517847"/>
-            <a:ext cx="1822305" cy="1822305"/>
-            <a:chOff x="5184847" y="1883421"/>
-            <a:chExt cx="1822305" cy="1822305"/>
-          </a:xfrm>
-        </p:grpSpPr>
-        <p:sp>
-          <p:nvSpPr>
-            <p:cNvPr id="6" name="Oval 5">
-              <a:extLst>
-                <a:ext uri="{FF2B5EF4-FFF2-40B4-BE49-F238E27FC236}">
-                  <a16:creationId xmlns:a16="http://schemas.microsoft.com/office/drawing/2014/main" id="{B6B0C716-D3D9-7FC9-EC15-B4F98158BAF3}"/>
-                </a:ext>
-              </a:extLst>
-            </p:cNvPr>
-            <p:cNvSpPr/>
-            <p:nvPr/>
-          </p:nvSpPr>
-          <p:spPr>
-            <a:xfrm>
-              <a:off x="5184847" y="1883421"/>
-              <a:ext cx="1822305" cy="1822305"/>
-            </a:xfrm>
-            <a:prstGeom prst="ellipse">
-              <a:avLst/>
-            </a:prstGeom>
-            <a:noFill/>
-            <a:ln w="76200">
-              <a:solidFill>
-                <a:schemeClr val="accent2"/>
-              </a:solidFill>
-            </a:ln>
-          </p:spPr>
-          <p:style>
-            <a:lnRef idx="2">
-              <a:schemeClr val="accent1">
-                <a:shade val="15000"/>
-              </a:schemeClr>
-            </a:lnRef>
-            <a:fillRef idx="1">
-              <a:schemeClr val="accent1"/>
-            </a:fillRef>
-            <a:effectRef idx="0">
-              <a:schemeClr val="accent1"/>
-            </a:effectRef>
-            <a:fontRef idx="minor">
-              <a:schemeClr val="lt1"/>
-            </a:fontRef>
-          </p:style>
-          <p:txBody>
-            <a:bodyPr rtlCol="0" anchor="ctr"/>
-            <a:lstStyle/>
-            <a:p>
-              <a:pPr algn="ctr"/>
-              <a:endParaRPr lang="en-KR"/>
-            </a:p>
-          </p:txBody>
-        </p:sp>
-        <p:pic>
-          <p:nvPicPr>
-            <p:cNvPr id="10" name="Graphic 9" descr="Phone Vibration with solid fill">
-              <a:extLst>
-                <a:ext uri="{FF2B5EF4-FFF2-40B4-BE49-F238E27FC236}">
-                  <a16:creationId xmlns:a16="http://schemas.microsoft.com/office/drawing/2014/main" id="{BE4DC624-CBC1-ACD7-1DE7-B373D247B3DD}"/>
-                </a:ext>
-              </a:extLst>
-            </p:cNvPr>
-            <p:cNvPicPr>
-              <a:picLocks noChangeAspect="1"/>
-            </p:cNvPicPr>
-            <p:nvPr/>
-          </p:nvPicPr>
-          <p:blipFill>
-            <a:blip r:embed="rId3">
-              <a:extLst>
-                <a:ext uri="{96DAC541-7B7A-43D3-8B79-37D633B846F1}">
-                  <asvg:svgBlip xmlns:asvg="http://schemas.microsoft.com/office/drawing/2016/SVG/main" r:embed="rId4"/>
-                </a:ext>
-              </a:extLst>
-            </a:blip>
-            <a:stretch>
-              <a:fillRect/>
-            </a:stretch>
-          </p:blipFill>
-          <p:spPr>
-            <a:xfrm>
-              <a:off x="5399312" y="2097886"/>
-              <a:ext cx="1393374" cy="1393374"/>
-            </a:xfrm>
-            <a:prstGeom prst="rect">
-              <a:avLst/>
-            </a:prstGeom>
-          </p:spPr>
-        </p:pic>
-      </p:grpSp>
-      <p:sp>
-        <p:nvSpPr>
-          <p:cNvPr id="13" name="TextBox 12">
-            <a:extLst>
-              <a:ext uri="{FF2B5EF4-FFF2-40B4-BE49-F238E27FC236}">
-                <a16:creationId xmlns:a16="http://schemas.microsoft.com/office/drawing/2014/main" id="{3B632F91-7C87-BA4B-FFA5-9130DAB72E76}"/>
-              </a:ext>
-            </a:extLst>
-          </p:cNvPr>
-          <p:cNvSpPr txBox="1"/>
-          <p:nvPr/>
-        </p:nvSpPr>
-        <p:spPr>
-          <a:xfrm>
-            <a:off x="911622" y="4447291"/>
-            <a:ext cx="1675459" cy="584775"/>
-          </a:xfrm>
-          <a:prstGeom prst="rect">
-            <a:avLst/>
-          </a:prstGeom>
-          <a:noFill/>
-        </p:spPr>
-        <p:txBody>
-          <a:bodyPr wrap="none" rtlCol="0">
-            <a:spAutoFit/>
-          </a:bodyPr>
-          <a:lstStyle/>
-          <a:p>
-            <a:r>
-              <a:rPr lang="en-KR" sz="3200" b="1" dirty="0">
-                <a:solidFill>
-                  <a:schemeClr val="accent2"/>
-                </a:solidFill>
-                <a:latin typeface="Avenir Next LT Pro" panose="020B0504020202020204" pitchFamily="34" charset="77"/>
-              </a:rPr>
-              <a:t>Haptics</a:t>
-            </a:r>
-          </a:p>
-        </p:txBody>
-      </p:sp>
-      <p:pic>
-        <p:nvPicPr>
-          <p:cNvPr id="3" name="Picture 2">
-            <a:extLst>
-              <a:ext uri="{FF2B5EF4-FFF2-40B4-BE49-F238E27FC236}">
-                <a16:creationId xmlns:a16="http://schemas.microsoft.com/office/drawing/2014/main" id="{AED0FFA5-43F4-061F-4AD9-519135BF9206}"/>
-              </a:ext>
-            </a:extLst>
-          </p:cNvPr>
-          <p:cNvPicPr>
-            <a:picLocks noChangeAspect="1"/>
-          </p:cNvPicPr>
-          <p:nvPr/>
-        </p:nvPicPr>
-        <p:blipFill>
-          <a:blip r:embed="rId5"/>
-          <a:stretch>
-            <a:fillRect/>
-          </a:stretch>
-        </p:blipFill>
-        <p:spPr>
-          <a:xfrm>
-            <a:off x="3507978" y="1929529"/>
-            <a:ext cx="7772400" cy="2998939"/>
-          </a:xfrm>
-          <a:prstGeom prst="rect">
-            <a:avLst/>
-          </a:prstGeom>
-        </p:spPr>
-      </p:pic>
-      <p:sp>
-        <p:nvSpPr>
-          <p:cNvPr id="5" name="TextBox 4">
-            <a:extLst>
-              <a:ext uri="{FF2B5EF4-FFF2-40B4-BE49-F238E27FC236}">
-                <a16:creationId xmlns:a16="http://schemas.microsoft.com/office/drawing/2014/main" id="{5899A47A-FCDA-0A29-CCA3-EAA27492DD07}"/>
-              </a:ext>
-            </a:extLst>
-          </p:cNvPr>
-          <p:cNvSpPr txBox="1"/>
-          <p:nvPr/>
-        </p:nvSpPr>
-        <p:spPr>
-          <a:xfrm>
-            <a:off x="3507978" y="5032066"/>
-            <a:ext cx="7192995" cy="769441"/>
-          </a:xfrm>
-          <a:prstGeom prst="rect">
-            <a:avLst/>
-          </a:prstGeom>
-          <a:noFill/>
-        </p:spPr>
-        <p:txBody>
-          <a:bodyPr wrap="none" rtlCol="0">
-            <a:spAutoFit/>
-          </a:bodyPr>
-          <a:lstStyle/>
-          <a:p>
-            <a:r>
-              <a:rPr lang="en-KR" sz="2400" b="1" dirty="0">
-                <a:latin typeface="Avenir Next LT Pro" panose="020B0504020202020204" pitchFamily="34" charset="77"/>
-              </a:rPr>
-              <a:t>Pre-“designed” Haptic Patterns</a:t>
-            </a:r>
-          </a:p>
-          <a:p>
-            <a:r>
-              <a:rPr lang="en-KR" sz="2000" dirty="0">
-                <a:latin typeface="Noto Sans KR" panose="020B0200000000000000" pitchFamily="34" charset="-128"/>
-                <a:ea typeface="Noto Sans KR" panose="020B0200000000000000" pitchFamily="34" charset="-128"/>
-              </a:rPr>
-              <a:t>- Available at </a:t>
-            </a:r>
-            <a:r>
-              <a:rPr lang="en-KR" sz="2000" dirty="0">
-                <a:latin typeface="Cascadia Code Light" panose="020B0609020000020004" pitchFamily="34" charset="0"/>
-                <a:ea typeface="Cascadia Code Light" panose="020B0609020000020004" pitchFamily="34" charset="0"/>
-                <a:cs typeface="Cascadia Code Light" panose="020B0609020000020004" pitchFamily="34" charset="0"/>
-              </a:rPr>
-              <a:t>android.view.HapticFeedbackConstants</a:t>
-            </a:r>
-          </a:p>
-        </p:txBody>
-      </p:sp>
-    </p:spTree>
-    <p:extLst>
-      <p:ext uri="{BB962C8B-B14F-4D97-AF65-F5344CB8AC3E}">
-        <p14:creationId xmlns:p14="http://schemas.microsoft.com/office/powerpoint/2010/main" val="2825762308"/>
-      </p:ext>
-    </p:extLst>
-  </p:cSld>
-  <p:clrMapOvr>
-    <a:masterClrMapping/>
-  </p:clrMapOvr>
-</p:sld>
-</file>
-
-<file path=ppt/slides/slide4.xml><?xml version="1.0" encoding="utf-8"?>
-<p:sld xmlns:a="http://schemas.openxmlformats.org/drawingml/2006/main" xmlns:r="http://schemas.openxmlformats.org/officeDocument/2006/relationships" xmlns:p="http://schemas.openxmlformats.org/presentationml/2006/main">
-  <p:cSld>
-    <p:spTree>
-      <p:nvGrpSpPr>
-        <p:cNvPr id="1" name=""/>
-        <p:cNvGrpSpPr/>
-        <p:nvPr/>
-      </p:nvGrpSpPr>
-      <p:grpSpPr>
-        <a:xfrm>
-          <a:off x="0" y="0"/>
-          <a:ext cx="0" cy="0"/>
-          <a:chOff x="0" y="0"/>
-          <a:chExt cx="0" cy="0"/>
-        </a:xfrm>
-      </p:grpSpPr>
-      <p:sp>
-        <p:nvSpPr>
-          <p:cNvPr id="4" name="Title 1">
-            <a:extLst>
-              <a:ext uri="{FF2B5EF4-FFF2-40B4-BE49-F238E27FC236}">
-                <a16:creationId xmlns:a16="http://schemas.microsoft.com/office/drawing/2014/main" id="{797916CB-4FBF-6EFB-6462-0E3F49AB28C0}"/>
-              </a:ext>
-            </a:extLst>
-          </p:cNvPr>
-          <p:cNvSpPr>
-            <a:spLocks noGrp="1"/>
-          </p:cNvSpPr>
-          <p:nvPr>
-            <p:ph type="title"/>
-          </p:nvPr>
-        </p:nvSpPr>
-        <p:spPr>
-          <a:xfrm>
-            <a:off x="838200" y="365125"/>
-            <a:ext cx="10515600" cy="1325563"/>
-          </a:xfrm>
-        </p:spPr>
-        <p:txBody>
-          <a:bodyPr/>
-          <a:lstStyle/>
-          <a:p>
-            <a:r>
-              <a:rPr lang="en-US" b="1" dirty="0">
-                <a:latin typeface="Avenir Next LT Pro" panose="020B0504020202020204" pitchFamily="34" charset="77"/>
-              </a:rPr>
-              <a:t>Code Implementation</a:t>
-            </a:r>
-            <a:endParaRPr lang="en-KR" b="1" dirty="0">
-              <a:latin typeface="Avenir Next LT Pro" panose="020B0504020202020204" pitchFamily="34" charset="77"/>
-            </a:endParaRPr>
-          </a:p>
-        </p:txBody>
-      </p:sp>
-      <p:sp>
-        <p:nvSpPr>
-          <p:cNvPr id="2" name="TextBox 1">
-            <a:extLst>
-              <a:ext uri="{FF2B5EF4-FFF2-40B4-BE49-F238E27FC236}">
-                <a16:creationId xmlns:a16="http://schemas.microsoft.com/office/drawing/2014/main" id="{44B100E6-0260-2602-2278-1011F2B98FBF}"/>
-              </a:ext>
-            </a:extLst>
-          </p:cNvPr>
-          <p:cNvSpPr txBox="1"/>
-          <p:nvPr/>
-        </p:nvSpPr>
-        <p:spPr>
-          <a:xfrm>
-            <a:off x="1203469" y="4247536"/>
-            <a:ext cx="5049847" cy="369332"/>
-          </a:xfrm>
-          <a:prstGeom prst="rect">
-            <a:avLst/>
-          </a:prstGeom>
-          <a:noFill/>
-        </p:spPr>
-        <p:txBody>
-          <a:bodyPr wrap="square" rtlCol="0">
-            <a:spAutoFit/>
-          </a:bodyPr>
-          <a:lstStyle/>
-          <a:p>
-            <a:r>
-              <a:rPr lang="ko-KR" altLang="en-US" dirty="0"/>
-              <a:t>전체적인 구현 </a:t>
-            </a:r>
-            <a:r>
-              <a:rPr lang="en-US" altLang="ko-KR" dirty="0"/>
-              <a:t>&amp; Haptic </a:t>
-            </a:r>
-            <a:r>
-              <a:rPr lang="ko-KR" altLang="en-US" dirty="0"/>
-              <a:t>설명</a:t>
-            </a:r>
-          </a:p>
-        </p:txBody>
-      </p:sp>
-      <p:sp>
-        <p:nvSpPr>
-          <p:cNvPr id="3" name="TextBox 2">
-            <a:extLst>
-              <a:ext uri="{FF2B5EF4-FFF2-40B4-BE49-F238E27FC236}">
-                <a16:creationId xmlns:a16="http://schemas.microsoft.com/office/drawing/2014/main" id="{B94D37D6-F8C9-3CBA-B5D2-C08639D6E1AB}"/>
-              </a:ext>
-            </a:extLst>
-          </p:cNvPr>
-          <p:cNvSpPr txBox="1"/>
-          <p:nvPr/>
-        </p:nvSpPr>
-        <p:spPr>
-          <a:xfrm>
-            <a:off x="1046153" y="1804220"/>
-            <a:ext cx="8440010" cy="1477328"/>
-          </a:xfrm>
-          <a:prstGeom prst="rect">
-            <a:avLst/>
-          </a:prstGeom>
-          <a:noFill/>
-        </p:spPr>
-        <p:txBody>
-          <a:bodyPr wrap="square" rtlCol="0">
-            <a:spAutoFit/>
-          </a:bodyPr>
-          <a:lstStyle/>
-          <a:p>
-            <a:r>
-              <a:rPr lang="ko-KR" altLang="en-US" dirty="0"/>
-              <a:t>발표 흐름</a:t>
-            </a:r>
-            <a:br>
-              <a:rPr lang="en-US" altLang="ko-KR" dirty="0"/>
-            </a:br>
-            <a:r>
-              <a:rPr lang="en-US" altLang="ko-KR" dirty="0"/>
-              <a:t>1. </a:t>
-            </a:r>
-            <a:r>
-              <a:rPr lang="ko-KR" altLang="en-US" dirty="0"/>
-              <a:t>지난 번에 우리가 </a:t>
-            </a:r>
-            <a:r>
-              <a:rPr lang="en-US" altLang="ko-KR" dirty="0"/>
-              <a:t>Haptic Fitness </a:t>
-            </a:r>
-            <a:r>
-              <a:rPr lang="ko-KR" altLang="en-US" dirty="0"/>
-              <a:t>한다고 했음</a:t>
-            </a:r>
-            <a:endParaRPr lang="en-US" altLang="ko-KR" dirty="0"/>
-          </a:p>
-          <a:p>
-            <a:r>
-              <a:rPr lang="en-US" altLang="ko-KR" dirty="0"/>
-              <a:t>2.</a:t>
-            </a:r>
-            <a:r>
-              <a:rPr lang="ko-KR" altLang="en-US" dirty="0"/>
-              <a:t> 그때 </a:t>
-            </a:r>
-            <a:r>
-              <a:rPr lang="ko-KR" altLang="en-US" dirty="0" err="1"/>
-              <a:t>햅틱에</a:t>
-            </a:r>
-            <a:r>
-              <a:rPr lang="ko-KR" altLang="en-US" dirty="0"/>
-              <a:t> 대해 </a:t>
-            </a:r>
-            <a:r>
-              <a:rPr lang="ko-KR" altLang="en-US" dirty="0" err="1"/>
-              <a:t>이렇게이렇게</a:t>
-            </a:r>
-            <a:r>
-              <a:rPr lang="ko-KR" altLang="en-US" dirty="0"/>
-              <a:t> 적용하겠다 했는데 그래서 </a:t>
-            </a:r>
-            <a:r>
-              <a:rPr lang="ko-KR" altLang="en-US" dirty="0" err="1"/>
-              <a:t>구현한거</a:t>
-            </a:r>
-            <a:r>
-              <a:rPr lang="ko-KR" altLang="en-US" dirty="0"/>
-              <a:t> 설명함</a:t>
-            </a:r>
-            <a:endParaRPr lang="en-US" altLang="ko-KR" dirty="0"/>
-          </a:p>
-          <a:p>
-            <a:r>
-              <a:rPr lang="en-US" altLang="ko-KR" dirty="0"/>
-              <a:t>3. </a:t>
-            </a:r>
-            <a:r>
-              <a:rPr lang="ko-KR" altLang="en-US" dirty="0"/>
-              <a:t>구현 설명 끝나면 실제 예시 </a:t>
-            </a:r>
-            <a:r>
-              <a:rPr lang="en-US" altLang="ko-KR" dirty="0"/>
-              <a:t>(</a:t>
-            </a:r>
-            <a:r>
-              <a:rPr lang="ko-KR" altLang="en-US" dirty="0" err="1"/>
-              <a:t>허리피기</a:t>
-            </a:r>
-            <a:r>
-              <a:rPr lang="ko-KR" altLang="en-US" dirty="0"/>
-              <a:t> </a:t>
-            </a:r>
-            <a:r>
-              <a:rPr lang="ko-KR" altLang="en-US" dirty="0" err="1"/>
-              <a:t>만든거</a:t>
-            </a:r>
-            <a:r>
-              <a:rPr lang="en-US" altLang="ko-KR" dirty="0"/>
-              <a:t>) </a:t>
-            </a:r>
-            <a:r>
-              <a:rPr lang="ko-KR" altLang="en-US" dirty="0"/>
-              <a:t>보여주거나 직접 시키며 소개</a:t>
-            </a:r>
-            <a:endParaRPr lang="en-US" altLang="ko-KR" dirty="0"/>
-          </a:p>
-          <a:p>
-            <a:r>
-              <a:rPr lang="en-US" altLang="ko-KR" dirty="0"/>
-              <a:t>4. Next Plan (</a:t>
-            </a:r>
-            <a:r>
-              <a:rPr lang="ko-KR" altLang="en-US" dirty="0"/>
-              <a:t>앞으로 할 것들</a:t>
-            </a:r>
-            <a:r>
-              <a:rPr lang="en-US" altLang="ko-KR" dirty="0"/>
-              <a:t>) – </a:t>
-            </a:r>
-            <a:r>
-              <a:rPr lang="ko-KR" altLang="en-US" dirty="0"/>
-              <a:t>이 때 </a:t>
-            </a:r>
-            <a:r>
-              <a:rPr lang="en-US" altLang="ko-KR" dirty="0"/>
-              <a:t>Activity </a:t>
-            </a:r>
-            <a:r>
-              <a:rPr lang="ko-KR" altLang="en-US" dirty="0"/>
-              <a:t>추가 </a:t>
-            </a:r>
-            <a:r>
-              <a:rPr lang="en-US" altLang="ko-KR" dirty="0"/>
-              <a:t>/ UI </a:t>
-            </a:r>
-            <a:r>
-              <a:rPr lang="ko-KR" altLang="en-US" dirty="0"/>
-              <a:t>개선 </a:t>
-            </a:r>
-            <a:r>
-              <a:rPr lang="en-US" altLang="ko-KR" dirty="0"/>
-              <a:t>/ </a:t>
-            </a:r>
-            <a:r>
-              <a:rPr lang="ko-KR" altLang="en-US" dirty="0"/>
-              <a:t>음악 도입</a:t>
-            </a:r>
-            <a:r>
-              <a:rPr lang="en-US" altLang="ko-KR" dirty="0"/>
-              <a:t>? </a:t>
-            </a:r>
-            <a:r>
-              <a:rPr lang="ko-KR" altLang="en-US" dirty="0"/>
-              <a:t>설명 예정</a:t>
-            </a:r>
-          </a:p>
-        </p:txBody>
-      </p:sp>
-    </p:spTree>
-    <p:extLst>
-      <p:ext uri="{BB962C8B-B14F-4D97-AF65-F5344CB8AC3E}">
-        <p14:creationId xmlns:p14="http://schemas.microsoft.com/office/powerpoint/2010/main" val="3885175903"/>
-      </p:ext>
-    </p:extLst>
-  </p:cSld>
-  <p:clrMapOvr>
-    <a:masterClrMapping/>
-  </p:clrMapOvr>
-</p:sld>
-</file>
-
-<file path=ppt/slides/slide5.xml><?xml version="1.0" encoding="utf-8"?>
 <p:sld xmlns:a="http://schemas.openxmlformats.org/drawingml/2006/main" xmlns:r="http://schemas.openxmlformats.org/officeDocument/2006/relationships" xmlns:p="http://schemas.openxmlformats.org/presentationml/2006/main">
   <p:cSld>
     <p:spTree>
@@ -6528,7 +5376,7 @@
 </p:sld>
 </file>
 
-<file path=ppt/slides/slide6.xml><?xml version="1.0" encoding="utf-8"?>
+<file path=ppt/slides/slide11.xml><?xml version="1.0" encoding="utf-8"?>
 <p:sld xmlns:a="http://schemas.openxmlformats.org/drawingml/2006/main" xmlns:r="http://schemas.openxmlformats.org/officeDocument/2006/relationships" xmlns:p="http://schemas.openxmlformats.org/presentationml/2006/main">
   <p:cSld>
     <p:spTree>
@@ -6603,8 +5451,8 @@
         </p:nvSpPr>
         <p:spPr>
           <a:xfrm>
-            <a:off x="1426390" y="2032601"/>
-            <a:ext cx="5357868" cy="917076"/>
+            <a:off x="1426389" y="2032601"/>
+            <a:ext cx="9164446" cy="917076"/>
           </a:xfrm>
           <a:prstGeom prst="rect">
             <a:avLst/>
@@ -6649,13 +5497,43 @@
               </a:rPr>
               <a:t>Apply on various Fitness Activities</a:t>
             </a:r>
-            <a:endParaRPr lang="en-KR" dirty="0">
-              <a:solidFill>
-                <a:schemeClr val="tx1"/>
-              </a:solidFill>
-              <a:latin typeface="Noto Sans KR" panose="020B0200000000000000" pitchFamily="34" charset="-128"/>
-              <a:ea typeface="Noto Sans KR" panose="020B0200000000000000" pitchFamily="34" charset="-128"/>
-            </a:endParaRPr>
+            <a:r>
+              <a:rPr lang="ko-KR" altLang="en-US" sz="2400" b="1" dirty="0">
+                <a:solidFill>
+                  <a:schemeClr val="tx1"/>
+                </a:solidFill>
+                <a:latin typeface="Noto Sans KR" panose="020B0200000000000000" pitchFamily="34" charset="-128"/>
+                <a:ea typeface="Noto Sans KR" panose="020B0200000000000000" pitchFamily="34" charset="-128"/>
+              </a:rPr>
+              <a:t> </a:t>
+            </a:r>
+            <a:r>
+              <a:rPr lang="en-US" altLang="ko-KR" sz="2400" b="1" dirty="0">
+                <a:solidFill>
+                  <a:schemeClr val="tx1"/>
+                </a:solidFill>
+                <a:latin typeface="Noto Sans KR" panose="020B0200000000000000" pitchFamily="34" charset="-128"/>
+                <a:ea typeface="Noto Sans KR" panose="020B0200000000000000" pitchFamily="34" charset="-128"/>
+              </a:rPr>
+              <a:t>and Vibration Patterns</a:t>
+            </a:r>
+          </a:p>
+          <a:p>
+            <a:pPr>
+              <a:lnSpc>
+                <a:spcPct val="150000"/>
+              </a:lnSpc>
+            </a:pPr>
+            <a:r>
+              <a:rPr lang="en-US" dirty="0">
+                <a:solidFill>
+                  <a:schemeClr val="tx1"/>
+                </a:solidFill>
+                <a:latin typeface="Noto Sans KR" panose="020B0200000000000000" pitchFamily="34" charset="-128"/>
+                <a:ea typeface="Noto Sans KR" panose="020B0200000000000000" pitchFamily="34" charset="-128"/>
+              </a:rPr>
+              <a:t>Implement various functions of type (Acceleration Condition) → (Vibration Pattern?)</a:t>
+            </a:r>
           </a:p>
         </p:txBody>
       </p:sp>
@@ -6812,7 +5690,7 @@
 </p:sld>
 </file>
 
-<file path=ppt/slides/slide7.xml><?xml version="1.0" encoding="utf-8"?>
+<file path=ppt/slides/slide12.xml><?xml version="1.0" encoding="utf-8"?>
 <p:sld xmlns:a="http://schemas.openxmlformats.org/drawingml/2006/main" xmlns:r="http://schemas.openxmlformats.org/officeDocument/2006/relationships" xmlns:p="http://schemas.openxmlformats.org/presentationml/2006/main">
   <p:cSld>
     <p:spTree>
@@ -6820,7 +5698,7 @@
         <p:cNvPr id="1" name="">
           <a:extLst>
             <a:ext uri="{FF2B5EF4-FFF2-40B4-BE49-F238E27FC236}">
-              <a16:creationId xmlns:a16="http://schemas.microsoft.com/office/drawing/2014/main" id="{72624A2C-F85A-1B4D-DBF6-6BC514EB33A9}"/>
+              <a16:creationId xmlns:a16="http://schemas.microsoft.com/office/drawing/2014/main" id="{3F2945A0-D3AF-44D3-092E-10A255B0CFAF}"/>
             </a:ext>
           </a:extLst>
         </p:cNvPr>
@@ -6840,7 +5718,7 @@
           <p:cNvPr id="2" name="Title 1">
             <a:extLst>
               <a:ext uri="{FF2B5EF4-FFF2-40B4-BE49-F238E27FC236}">
-                <a16:creationId xmlns:a16="http://schemas.microsoft.com/office/drawing/2014/main" id="{53694A58-3A36-2E0B-7BDC-D3C57AA665A4}"/>
+                <a16:creationId xmlns:a16="http://schemas.microsoft.com/office/drawing/2014/main" id="{F6D3830E-A5C8-8746-0C2C-F4F559F32536}"/>
               </a:ext>
             </a:extLst>
           </p:cNvPr>
@@ -6857,10 +5735,10 @@
           <a:lstStyle/>
           <a:p>
             <a:r>
-              <a:rPr lang="en-US" b="1" dirty="0">
+              <a:rPr lang="en-US" altLang="ko-KR" b="1" dirty="0">
                 <a:latin typeface="Avenir Next LT Pro" panose="020B0504020202020204" pitchFamily="34" charset="77"/>
               </a:rPr>
-              <a:t>Fitness Activities</a:t>
+              <a:t>Current Implementations</a:t>
             </a:r>
             <a:endParaRPr lang="en-KR" b="1" dirty="0">
               <a:latin typeface="Avenir Next LT Pro" panose="020B0504020202020204" pitchFamily="34" charset="77"/>
@@ -6870,10 +5748,114 @@
       </p:sp>
       <p:sp>
         <p:nvSpPr>
-          <p:cNvPr id="3" name="TextBox 2">
-            <a:extLst>
-              <a:ext uri="{FF2B5EF4-FFF2-40B4-BE49-F238E27FC236}">
-                <a16:creationId xmlns:a16="http://schemas.microsoft.com/office/drawing/2014/main" id="{134D251D-1090-EC30-898A-E8E1AEDBB2DA}"/>
+          <p:cNvPr id="4" name="Oval 3">
+            <a:extLst>
+              <a:ext uri="{FF2B5EF4-FFF2-40B4-BE49-F238E27FC236}">
+                <a16:creationId xmlns:a16="http://schemas.microsoft.com/office/drawing/2014/main" id="{02A7798D-B04D-1FC6-FDAE-94A7CA7BD8F1}"/>
+              </a:ext>
+            </a:extLst>
+          </p:cNvPr>
+          <p:cNvSpPr/>
+          <p:nvPr/>
+        </p:nvSpPr>
+        <p:spPr>
+          <a:xfrm>
+            <a:off x="838200" y="1883421"/>
+            <a:ext cx="1822305" cy="1822305"/>
+          </a:xfrm>
+          <a:prstGeom prst="ellipse">
+            <a:avLst/>
+          </a:prstGeom>
+          <a:noFill/>
+          <a:ln w="76200">
+            <a:solidFill>
+              <a:schemeClr val="tx1"/>
+            </a:solidFill>
+          </a:ln>
+        </p:spPr>
+        <p:style>
+          <a:lnRef idx="2">
+            <a:schemeClr val="accent1">
+              <a:shade val="15000"/>
+            </a:schemeClr>
+          </a:lnRef>
+          <a:fillRef idx="1">
+            <a:schemeClr val="accent1"/>
+          </a:fillRef>
+          <a:effectRef idx="0">
+            <a:schemeClr val="accent1"/>
+          </a:effectRef>
+          <a:fontRef idx="minor">
+            <a:schemeClr val="lt1"/>
+          </a:fontRef>
+        </p:style>
+        <p:txBody>
+          <a:bodyPr rtlCol="0" anchor="ctr"/>
+          <a:lstStyle/>
+          <a:p>
+            <a:pPr algn="ctr"/>
+            <a:endParaRPr lang="en-KR"/>
+          </a:p>
+        </p:txBody>
+      </p:sp>
+      <p:sp>
+        <p:nvSpPr>
+          <p:cNvPr id="25" name="Oval 24">
+            <a:extLst>
+              <a:ext uri="{FF2B5EF4-FFF2-40B4-BE49-F238E27FC236}">
+                <a16:creationId xmlns:a16="http://schemas.microsoft.com/office/drawing/2014/main" id="{6B4350DD-AF6E-AAE1-9EF6-6331A232E135}"/>
+              </a:ext>
+            </a:extLst>
+          </p:cNvPr>
+          <p:cNvSpPr/>
+          <p:nvPr/>
+        </p:nvSpPr>
+        <p:spPr>
+          <a:xfrm>
+            <a:off x="838200" y="4105253"/>
+            <a:ext cx="1822305" cy="1822305"/>
+          </a:xfrm>
+          <a:prstGeom prst="ellipse">
+            <a:avLst/>
+          </a:prstGeom>
+          <a:noFill/>
+          <a:ln w="76200">
+            <a:solidFill>
+              <a:schemeClr val="tx1"/>
+            </a:solidFill>
+          </a:ln>
+        </p:spPr>
+        <p:style>
+          <a:lnRef idx="2">
+            <a:schemeClr val="accent1">
+              <a:shade val="15000"/>
+            </a:schemeClr>
+          </a:lnRef>
+          <a:fillRef idx="1">
+            <a:schemeClr val="accent1"/>
+          </a:fillRef>
+          <a:effectRef idx="0">
+            <a:schemeClr val="accent1"/>
+          </a:effectRef>
+          <a:fontRef idx="minor">
+            <a:schemeClr val="lt1"/>
+          </a:fontRef>
+        </p:style>
+        <p:txBody>
+          <a:bodyPr rtlCol="0" anchor="ctr"/>
+          <a:lstStyle/>
+          <a:p>
+            <a:pPr algn="ctr"/>
+            <a:endParaRPr lang="en-KR"/>
+          </a:p>
+        </p:txBody>
+      </p:sp>
+      <p:sp>
+        <p:nvSpPr>
+          <p:cNvPr id="30" name="TextBox 29">
+            <a:extLst>
+              <a:ext uri="{FF2B5EF4-FFF2-40B4-BE49-F238E27FC236}">
+                <a16:creationId xmlns:a16="http://schemas.microsoft.com/office/drawing/2014/main" id="{C3B85E71-C500-1E06-B578-F31238218306}"/>
               </a:ext>
             </a:extLst>
           </p:cNvPr>
@@ -6882,8 +5864,8 @@
         </p:nvSpPr>
         <p:spPr>
           <a:xfrm>
-            <a:off x="2819892" y="2625213"/>
-            <a:ext cx="5049847" cy="369332"/>
+            <a:off x="2903327" y="1883421"/>
+            <a:ext cx="7774885" cy="954107"/>
           </a:xfrm>
           <a:prstGeom prst="rect">
             <a:avLst/>
@@ -6891,35 +5873,202 @@
           <a:noFill/>
         </p:spPr>
         <p:txBody>
-          <a:bodyPr wrap="square" rtlCol="0">
+          <a:bodyPr wrap="none" rtlCol="0">
             <a:spAutoFit/>
           </a:bodyPr>
           <a:lstStyle/>
           <a:p>
             <a:r>
-              <a:rPr lang="ko-KR" altLang="en-US" dirty="0"/>
-              <a:t>이때까지 </a:t>
-            </a:r>
-            <a:r>
-              <a:rPr lang="ko-KR" altLang="en-US" dirty="0" err="1"/>
-              <a:t>개발한거</a:t>
-            </a:r>
-            <a:r>
-              <a:rPr lang="ko-KR" altLang="en-US" dirty="0"/>
-              <a:t> 적용 가능한 </a:t>
-            </a:r>
-            <a:r>
-              <a:rPr lang="en-US" altLang="ko-KR" dirty="0"/>
-              <a:t>Activity icons</a:t>
-            </a:r>
-            <a:endParaRPr lang="ko-KR" altLang="en-US" dirty="0"/>
-          </a:p>
-        </p:txBody>
-      </p:sp>
+              <a:rPr lang="en-KR" sz="3200" b="1" dirty="0">
+                <a:latin typeface="Cascadia Code" panose="020B0609020000020004" pitchFamily="34" charset="0"/>
+                <a:ea typeface="Cascadia Code" panose="020B0609020000020004" pitchFamily="34" charset="0"/>
+                <a:cs typeface="Cascadia Code" panose="020B0609020000020004" pitchFamily="34" charset="0"/>
+              </a:rPr>
+              <a:t>HapticFeedback</a:t>
+            </a:r>
+            <a:r>
+              <a:rPr lang="en-KR" sz="3200" b="1" dirty="0">
+                <a:latin typeface="Avenir Next LT Pro" panose="020B0504020202020204" pitchFamily="34" charset="77"/>
+              </a:rPr>
+              <a:t> to </a:t>
+            </a:r>
+            <a:r>
+              <a:rPr lang="en-KR" sz="3200" b="1" dirty="0">
+                <a:latin typeface="Cascadia Code" panose="020B0609020000020004" pitchFamily="34" charset="0"/>
+                <a:ea typeface="Cascadia Code" panose="020B0609020000020004" pitchFamily="34" charset="0"/>
+                <a:cs typeface="Cascadia Code" panose="020B0609020000020004" pitchFamily="34" charset="0"/>
+              </a:rPr>
+              <a:t>VibrationEffect</a:t>
+            </a:r>
+          </a:p>
+          <a:p>
+            <a:pPr marL="342900" indent="-342900">
+              <a:buFont typeface="Arial" panose="020B0604020202020204" pitchFamily="34" charset="0"/>
+              <a:buChar char="•"/>
+            </a:pPr>
+            <a:r>
+              <a:rPr lang="en-US" altLang="ko-KR" sz="2400" dirty="0">
+                <a:latin typeface="Noto Sans KR" panose="020B0200000000000000" pitchFamily="34" charset="-128"/>
+                <a:ea typeface="Noto Sans KR" panose="020B0200000000000000" pitchFamily="34" charset="-128"/>
+              </a:rPr>
+              <a:t>For various strength of feedback</a:t>
+            </a:r>
+          </a:p>
+        </p:txBody>
+      </p:sp>
+      <p:sp>
+        <p:nvSpPr>
+          <p:cNvPr id="31" name="TextBox 30">
+            <a:extLst>
+              <a:ext uri="{FF2B5EF4-FFF2-40B4-BE49-F238E27FC236}">
+                <a16:creationId xmlns:a16="http://schemas.microsoft.com/office/drawing/2014/main" id="{735672AE-FCE0-AA4A-5A45-6D2516C8B19A}"/>
+              </a:ext>
+            </a:extLst>
+          </p:cNvPr>
+          <p:cNvSpPr txBox="1"/>
+          <p:nvPr/>
+        </p:nvSpPr>
+        <p:spPr>
+          <a:xfrm>
+            <a:off x="2903326" y="4067053"/>
+            <a:ext cx="8196475" cy="1323439"/>
+          </a:xfrm>
+          <a:prstGeom prst="rect">
+            <a:avLst/>
+          </a:prstGeom>
+          <a:noFill/>
+        </p:spPr>
+        <p:txBody>
+          <a:bodyPr wrap="none" rtlCol="0">
+            <a:spAutoFit/>
+          </a:bodyPr>
+          <a:lstStyle/>
+          <a:p>
+            <a:r>
+              <a:rPr lang="en-KR" sz="3200" b="1" dirty="0">
+                <a:latin typeface="Avenir Next LT Pro" panose="020B0504020202020204" pitchFamily="34" charset="77"/>
+              </a:rPr>
+              <a:t>Modular</a:t>
+            </a:r>
+          </a:p>
+          <a:p>
+            <a:pPr marL="457200" indent="-457200">
+              <a:buFont typeface="Arial" panose="020B0604020202020204" pitchFamily="34" charset="0"/>
+              <a:buChar char="•"/>
+            </a:pPr>
+            <a:r>
+              <a:rPr lang="en-US" altLang="ko-KR" sz="2400" dirty="0">
+                <a:latin typeface="Noto Sans KR" panose="020B0200000000000000" pitchFamily="34" charset="-128"/>
+                <a:ea typeface="Noto Sans KR" panose="020B0200000000000000" pitchFamily="34" charset="-128"/>
+              </a:rPr>
+              <a:t>Baseline had implemented!</a:t>
+            </a:r>
+          </a:p>
+          <a:p>
+            <a:pPr marL="914400" lvl="1" indent="-457200">
+              <a:buFont typeface="Arial" panose="020B0604020202020204" pitchFamily="34" charset="0"/>
+              <a:buChar char="•"/>
+            </a:pPr>
+            <a:r>
+              <a:rPr lang="en-US" altLang="ko-KR" sz="2400" b="1" dirty="0">
+                <a:latin typeface="Noto Sans KR" panose="020B0200000000000000" pitchFamily="34" charset="-128"/>
+                <a:ea typeface="Noto Sans KR" panose="020B0200000000000000" pitchFamily="34" charset="-128"/>
+              </a:rPr>
+              <a:t>(Acceleration Condition) </a:t>
+            </a:r>
+            <a:r>
+              <a:rPr lang="ko-KR" altLang="en-US" sz="2400" b="1" dirty="0">
+                <a:latin typeface="Noto Sans KR" panose="020B0200000000000000" pitchFamily="34" charset="-128"/>
+                <a:ea typeface="Noto Sans KR" panose="020B0200000000000000" pitchFamily="34" charset="-128"/>
+              </a:rPr>
+              <a:t>→</a:t>
+            </a:r>
+            <a:r>
+              <a:rPr lang="en-US" altLang="ko-KR" sz="2400" b="1" dirty="0">
+                <a:latin typeface="Noto Sans KR" panose="020B0200000000000000" pitchFamily="34" charset="-128"/>
+                <a:ea typeface="Noto Sans KR" panose="020B0200000000000000" pitchFamily="34" charset="-128"/>
+              </a:rPr>
+              <a:t> (Vibration Pattern?)</a:t>
+            </a:r>
+          </a:p>
+        </p:txBody>
+      </p:sp>
+      <p:pic>
+        <p:nvPicPr>
+          <p:cNvPr id="3" name="Graphic 2" descr="Phone Vibration with solid fill">
+            <a:extLst>
+              <a:ext uri="{FF2B5EF4-FFF2-40B4-BE49-F238E27FC236}">
+                <a16:creationId xmlns:a16="http://schemas.microsoft.com/office/drawing/2014/main" id="{B45FCDE7-0DEF-3432-C5EE-3A6294864F74}"/>
+              </a:ext>
+            </a:extLst>
+          </p:cNvPr>
+          <p:cNvPicPr>
+            <a:picLocks noChangeAspect="1"/>
+          </p:cNvPicPr>
+          <p:nvPr/>
+        </p:nvPicPr>
+        <p:blipFill>
+          <a:blip r:embed="rId2">
+            <a:extLst>
+              <a:ext uri="{96DAC541-7B7A-43D3-8B79-37D633B846F1}">
+                <asvg:svgBlip xmlns:asvg="http://schemas.microsoft.com/office/drawing/2016/SVG/main" r:embed="rId3"/>
+              </a:ext>
+            </a:extLst>
+          </a:blip>
+          <a:stretch>
+            <a:fillRect/>
+          </a:stretch>
+        </p:blipFill>
+        <p:spPr>
+          <a:xfrm>
+            <a:off x="1052665" y="2097886"/>
+            <a:ext cx="1393374" cy="1393374"/>
+          </a:xfrm>
+          <a:prstGeom prst="rect">
+            <a:avLst/>
+          </a:prstGeom>
+        </p:spPr>
+      </p:pic>
+      <p:pic>
+        <p:nvPicPr>
+          <p:cNvPr id="5" name="Graphic 4" descr="Blockchain outline">
+            <a:extLst>
+              <a:ext uri="{FF2B5EF4-FFF2-40B4-BE49-F238E27FC236}">
+                <a16:creationId xmlns:a16="http://schemas.microsoft.com/office/drawing/2014/main" id="{FA49DD53-24E8-E794-6B6B-B7A9E7BC48FF}"/>
+              </a:ext>
+            </a:extLst>
+          </p:cNvPr>
+          <p:cNvPicPr>
+            <a:picLocks noChangeAspect="1"/>
+          </p:cNvPicPr>
+          <p:nvPr/>
+        </p:nvPicPr>
+        <p:blipFill>
+          <a:blip r:embed="rId4">
+            <a:extLst>
+              <a:ext uri="{96DAC541-7B7A-43D3-8B79-37D633B846F1}">
+                <asvg:svgBlip xmlns:asvg="http://schemas.microsoft.com/office/drawing/2016/SVG/main" r:embed="rId5"/>
+              </a:ext>
+            </a:extLst>
+          </a:blip>
+          <a:stretch>
+            <a:fillRect/>
+          </a:stretch>
+        </p:blipFill>
+        <p:spPr>
+          <a:xfrm>
+            <a:off x="963848" y="4230901"/>
+            <a:ext cx="1571008" cy="1571008"/>
+          </a:xfrm>
+          <a:prstGeom prst="rect">
+            <a:avLst/>
+          </a:prstGeom>
+        </p:spPr>
+      </p:pic>
     </p:spTree>
     <p:extLst>
       <p:ext uri="{BB962C8B-B14F-4D97-AF65-F5344CB8AC3E}">
-        <p14:creationId xmlns:p14="http://schemas.microsoft.com/office/powerpoint/2010/main" val="148227782"/>
+        <p14:creationId xmlns:p14="http://schemas.microsoft.com/office/powerpoint/2010/main" val="1568088355"/>
       </p:ext>
     </p:extLst>
   </p:cSld>
@@ -6929,7 +6078,951 @@
 </p:sld>
 </file>
 
-<file path=ppt/slides/slide8.xml><?xml version="1.0" encoding="utf-8"?>
+<file path=ppt/slides/slide13.xml><?xml version="1.0" encoding="utf-8"?>
+<p:sld xmlns:a="http://schemas.openxmlformats.org/drawingml/2006/main" xmlns:r="http://schemas.openxmlformats.org/officeDocument/2006/relationships" xmlns:p="http://schemas.openxmlformats.org/presentationml/2006/main">
+  <p:cSld>
+    <p:spTree>
+      <p:nvGrpSpPr>
+        <p:cNvPr id="1" name="">
+          <a:extLst>
+            <a:ext uri="{FF2B5EF4-FFF2-40B4-BE49-F238E27FC236}">
+              <a16:creationId xmlns:a16="http://schemas.microsoft.com/office/drawing/2014/main" id="{4365EF43-A5F2-2C89-B9CE-F7C96A0ABCA1}"/>
+            </a:ext>
+          </a:extLst>
+        </p:cNvPr>
+        <p:cNvGrpSpPr/>
+        <p:nvPr/>
+      </p:nvGrpSpPr>
+      <p:grpSpPr>
+        <a:xfrm>
+          <a:off x="0" y="0"/>
+          <a:ext cx="0" cy="0"/>
+          <a:chOff x="0" y="0"/>
+          <a:chExt cx="0" cy="0"/>
+        </a:xfrm>
+      </p:grpSpPr>
+      <p:sp>
+        <p:nvSpPr>
+          <p:cNvPr id="4" name="Title 1">
+            <a:extLst>
+              <a:ext uri="{FF2B5EF4-FFF2-40B4-BE49-F238E27FC236}">
+                <a16:creationId xmlns:a16="http://schemas.microsoft.com/office/drawing/2014/main" id="{C8D14919-9DDB-93D7-10C9-083338AD9295}"/>
+              </a:ext>
+            </a:extLst>
+          </p:cNvPr>
+          <p:cNvSpPr>
+            <a:spLocks noGrp="1"/>
+          </p:cNvSpPr>
+          <p:nvPr>
+            <p:ph type="title"/>
+          </p:nvPr>
+        </p:nvSpPr>
+        <p:spPr>
+          <a:xfrm>
+            <a:off x="838200" y="365125"/>
+            <a:ext cx="10515600" cy="1325563"/>
+          </a:xfrm>
+        </p:spPr>
+        <p:txBody>
+          <a:bodyPr/>
+          <a:lstStyle/>
+          <a:p>
+            <a:r>
+              <a:rPr lang="en-US" b="1" dirty="0">
+                <a:latin typeface="Avenir Next LT Pro" panose="020B0504020202020204" pitchFamily="34" charset="77"/>
+              </a:rPr>
+              <a:t>Apply on Activities</a:t>
+            </a:r>
+            <a:endParaRPr lang="en-KR" b="1" dirty="0">
+              <a:latin typeface="Avenir Next LT Pro" panose="020B0504020202020204" pitchFamily="34" charset="77"/>
+            </a:endParaRPr>
+          </a:p>
+        </p:txBody>
+      </p:sp>
+      <p:sp>
+        <p:nvSpPr>
+          <p:cNvPr id="10" name="TextBox 9">
+            <a:extLst>
+              <a:ext uri="{FF2B5EF4-FFF2-40B4-BE49-F238E27FC236}">
+                <a16:creationId xmlns:a16="http://schemas.microsoft.com/office/drawing/2014/main" id="{76821C0E-11A0-6610-C32B-1293B1762689}"/>
+              </a:ext>
+            </a:extLst>
+          </p:cNvPr>
+          <p:cNvSpPr txBox="1"/>
+          <p:nvPr/>
+        </p:nvSpPr>
+        <p:spPr>
+          <a:xfrm>
+            <a:off x="1875099" y="2141316"/>
+            <a:ext cx="2539478" cy="523220"/>
+          </a:xfrm>
+          <a:prstGeom prst="rect">
+            <a:avLst/>
+          </a:prstGeom>
+          <a:noFill/>
+        </p:spPr>
+        <p:txBody>
+          <a:bodyPr wrap="none" rtlCol="0">
+            <a:spAutoFit/>
+          </a:bodyPr>
+          <a:lstStyle/>
+          <a:p>
+            <a:r>
+              <a:rPr lang="en-KR" sz="2800" b="1" dirty="0">
+                <a:latin typeface="Noto Sans KR" panose="020B0200000000000000" pitchFamily="34" charset="-128"/>
+                <a:ea typeface="Noto Sans KR" panose="020B0200000000000000" pitchFamily="34" charset="-128"/>
+              </a:rPr>
+              <a:t>Accelerations</a:t>
+            </a:r>
+          </a:p>
+        </p:txBody>
+      </p:sp>
+      <p:sp>
+        <p:nvSpPr>
+          <p:cNvPr id="11" name="TextBox 10">
+            <a:extLst>
+              <a:ext uri="{FF2B5EF4-FFF2-40B4-BE49-F238E27FC236}">
+                <a16:creationId xmlns:a16="http://schemas.microsoft.com/office/drawing/2014/main" id="{B97BE987-2615-2E69-65A3-7A195AB43DBD}"/>
+              </a:ext>
+            </a:extLst>
+          </p:cNvPr>
+          <p:cNvSpPr txBox="1"/>
+          <p:nvPr/>
+        </p:nvSpPr>
+        <p:spPr>
+          <a:xfrm>
+            <a:off x="7777425" y="2141316"/>
+            <a:ext cx="3198311" cy="523220"/>
+          </a:xfrm>
+          <a:prstGeom prst="rect">
+            <a:avLst/>
+          </a:prstGeom>
+          <a:noFill/>
+        </p:spPr>
+        <p:txBody>
+          <a:bodyPr wrap="none" rtlCol="0">
+            <a:spAutoFit/>
+          </a:bodyPr>
+          <a:lstStyle/>
+          <a:p>
+            <a:r>
+              <a:rPr lang="en-KR" sz="2800" b="1" dirty="0">
+                <a:latin typeface="Noto Sans KR" panose="020B0200000000000000" pitchFamily="34" charset="-128"/>
+                <a:ea typeface="Noto Sans KR" panose="020B0200000000000000" pitchFamily="34" charset="-128"/>
+              </a:rPr>
+              <a:t>Vibration Pattern</a:t>
+            </a:r>
+          </a:p>
+        </p:txBody>
+      </p:sp>
+      <p:cxnSp>
+        <p:nvCxnSpPr>
+          <p:cNvPr id="13" name="Straight Arrow Connector 12">
+            <a:extLst>
+              <a:ext uri="{FF2B5EF4-FFF2-40B4-BE49-F238E27FC236}">
+                <a16:creationId xmlns:a16="http://schemas.microsoft.com/office/drawing/2014/main" id="{9173A4C4-BE34-31C5-6F6A-5BB79026E999}"/>
+              </a:ext>
+            </a:extLst>
+          </p:cNvPr>
+          <p:cNvCxnSpPr>
+            <a:stCxn id="10" idx="3"/>
+            <a:endCxn id="11" idx="1"/>
+          </p:cNvCxnSpPr>
+          <p:nvPr/>
+        </p:nvCxnSpPr>
+        <p:spPr>
+          <a:xfrm>
+            <a:off x="4414577" y="2402926"/>
+            <a:ext cx="3362848" cy="0"/>
+          </a:xfrm>
+          <a:prstGeom prst="straightConnector1">
+            <a:avLst/>
+          </a:prstGeom>
+          <a:ln w="38100">
+            <a:solidFill>
+              <a:schemeClr val="accent2"/>
+            </a:solidFill>
+            <a:headEnd type="none" w="med" len="med"/>
+            <a:tailEnd type="arrow" w="med" len="med"/>
+          </a:ln>
+        </p:spPr>
+        <p:style>
+          <a:lnRef idx="2">
+            <a:schemeClr val="accent1"/>
+          </a:lnRef>
+          <a:fillRef idx="0">
+            <a:schemeClr val="accent1"/>
+          </a:fillRef>
+          <a:effectRef idx="1">
+            <a:schemeClr val="accent1"/>
+          </a:effectRef>
+          <a:fontRef idx="minor">
+            <a:schemeClr val="tx1"/>
+          </a:fontRef>
+        </p:style>
+      </p:cxnSp>
+      <p:pic>
+        <p:nvPicPr>
+          <p:cNvPr id="16" name="Graphic 15" descr="Boxing Glove outline">
+            <a:extLst>
+              <a:ext uri="{FF2B5EF4-FFF2-40B4-BE49-F238E27FC236}">
+                <a16:creationId xmlns:a16="http://schemas.microsoft.com/office/drawing/2014/main" id="{D20503AC-27D3-6010-EF36-B0BDFF16B196}"/>
+              </a:ext>
+            </a:extLst>
+          </p:cNvPr>
+          <p:cNvPicPr>
+            <a:picLocks noChangeAspect="1"/>
+          </p:cNvPicPr>
+          <p:nvPr/>
+        </p:nvPicPr>
+        <p:blipFill>
+          <a:blip r:embed="rId2">
+            <a:extLst>
+              <a:ext uri="{96DAC541-7B7A-43D3-8B79-37D633B846F1}">
+                <asvg:svgBlip xmlns:asvg="http://schemas.microsoft.com/office/drawing/2016/SVG/main" r:embed="rId3"/>
+              </a:ext>
+            </a:extLst>
+          </a:blip>
+          <a:stretch>
+            <a:fillRect/>
+          </a:stretch>
+        </p:blipFill>
+        <p:spPr>
+          <a:xfrm>
+            <a:off x="1417899" y="5255936"/>
+            <a:ext cx="914400" cy="914400"/>
+          </a:xfrm>
+          <a:prstGeom prst="rect">
+            <a:avLst/>
+          </a:prstGeom>
+        </p:spPr>
+      </p:pic>
+      <p:pic>
+        <p:nvPicPr>
+          <p:cNvPr id="18" name="Graphic 17" descr="Crawl outline">
+            <a:extLst>
+              <a:ext uri="{FF2B5EF4-FFF2-40B4-BE49-F238E27FC236}">
+                <a16:creationId xmlns:a16="http://schemas.microsoft.com/office/drawing/2014/main" id="{567A59CF-F4A8-E4C3-CA30-5CDDC2091948}"/>
+              </a:ext>
+            </a:extLst>
+          </p:cNvPr>
+          <p:cNvPicPr>
+            <a:picLocks noChangeAspect="1"/>
+          </p:cNvPicPr>
+          <p:nvPr/>
+        </p:nvPicPr>
+        <p:blipFill>
+          <a:blip r:embed="rId4">
+            <a:extLst>
+              <a:ext uri="{96DAC541-7B7A-43D3-8B79-37D633B846F1}">
+                <asvg:svgBlip xmlns:asvg="http://schemas.microsoft.com/office/drawing/2016/SVG/main" r:embed="rId5"/>
+              </a:ext>
+            </a:extLst>
+          </a:blip>
+          <a:stretch>
+            <a:fillRect/>
+          </a:stretch>
+        </p:blipFill>
+        <p:spPr>
+          <a:xfrm>
+            <a:off x="2350424" y="5210173"/>
+            <a:ext cx="914400" cy="914400"/>
+          </a:xfrm>
+          <a:prstGeom prst="rect">
+            <a:avLst/>
+          </a:prstGeom>
+        </p:spPr>
+      </p:pic>
+      <p:pic>
+        <p:nvPicPr>
+          <p:cNvPr id="20" name="Graphic 19" descr="Skipping Rope outline">
+            <a:extLst>
+              <a:ext uri="{FF2B5EF4-FFF2-40B4-BE49-F238E27FC236}">
+                <a16:creationId xmlns:a16="http://schemas.microsoft.com/office/drawing/2014/main" id="{B981344C-A478-4791-B16A-0F480FF7E0D3}"/>
+              </a:ext>
+            </a:extLst>
+          </p:cNvPr>
+          <p:cNvPicPr>
+            <a:picLocks noChangeAspect="1"/>
+          </p:cNvPicPr>
+          <p:nvPr/>
+        </p:nvPicPr>
+        <p:blipFill>
+          <a:blip r:embed="rId6">
+            <a:extLst>
+              <a:ext uri="{96DAC541-7B7A-43D3-8B79-37D633B846F1}">
+                <asvg:svgBlip xmlns:asvg="http://schemas.microsoft.com/office/drawing/2016/SVG/main" r:embed="rId7"/>
+              </a:ext>
+            </a:extLst>
+          </a:blip>
+          <a:stretch>
+            <a:fillRect/>
+          </a:stretch>
+        </p:blipFill>
+        <p:spPr>
+          <a:xfrm>
+            <a:off x="3368330" y="5255936"/>
+            <a:ext cx="914400" cy="914400"/>
+          </a:xfrm>
+          <a:prstGeom prst="rect">
+            <a:avLst/>
+          </a:prstGeom>
+        </p:spPr>
+      </p:pic>
+      <p:sp>
+        <p:nvSpPr>
+          <p:cNvPr id="21" name="TextBox 20">
+            <a:extLst>
+              <a:ext uri="{FF2B5EF4-FFF2-40B4-BE49-F238E27FC236}">
+                <a16:creationId xmlns:a16="http://schemas.microsoft.com/office/drawing/2014/main" id="{14F48D32-81E1-DB8C-6649-03164CD59D23}"/>
+              </a:ext>
+            </a:extLst>
+          </p:cNvPr>
+          <p:cNvSpPr txBox="1"/>
+          <p:nvPr/>
+        </p:nvSpPr>
+        <p:spPr>
+          <a:xfrm>
+            <a:off x="1184399" y="3167266"/>
+            <a:ext cx="1277914" cy="369332"/>
+          </a:xfrm>
+          <a:prstGeom prst="rect">
+            <a:avLst/>
+          </a:prstGeom>
+          <a:noFill/>
+        </p:spPr>
+        <p:txBody>
+          <a:bodyPr wrap="none" rtlCol="0">
+            <a:spAutoFit/>
+          </a:bodyPr>
+          <a:lstStyle/>
+          <a:p>
+            <a:r>
+              <a:rPr lang="en-KR" b="1" dirty="0">
+                <a:solidFill>
+                  <a:schemeClr val="bg2">
+                    <a:lumMod val="75000"/>
+                  </a:schemeClr>
+                </a:solidFill>
+                <a:latin typeface="Noto Sans KR" panose="020B0200000000000000" pitchFamily="34" charset="-128"/>
+                <a:ea typeface="Noto Sans KR" panose="020B0200000000000000" pitchFamily="34" charset="-128"/>
+              </a:rPr>
+              <a:t>CURRENT</a:t>
+            </a:r>
+          </a:p>
+        </p:txBody>
+      </p:sp>
+      <p:sp>
+        <p:nvSpPr>
+          <p:cNvPr id="22" name="TextBox 21">
+            <a:extLst>
+              <a:ext uri="{FF2B5EF4-FFF2-40B4-BE49-F238E27FC236}">
+                <a16:creationId xmlns:a16="http://schemas.microsoft.com/office/drawing/2014/main" id="{B7E4B819-6D42-649E-05E0-930B82C65ED8}"/>
+              </a:ext>
+            </a:extLst>
+          </p:cNvPr>
+          <p:cNvSpPr txBox="1"/>
+          <p:nvPr/>
+        </p:nvSpPr>
+        <p:spPr>
+          <a:xfrm>
+            <a:off x="330913" y="4023522"/>
+            <a:ext cx="1308371" cy="369332"/>
+          </a:xfrm>
+          <a:prstGeom prst="rect">
+            <a:avLst/>
+          </a:prstGeom>
+          <a:noFill/>
+        </p:spPr>
+        <p:txBody>
+          <a:bodyPr wrap="none" rtlCol="0">
+            <a:spAutoFit/>
+          </a:bodyPr>
+          <a:lstStyle/>
+          <a:p>
+            <a:r>
+              <a:rPr lang="en-KR" b="1" dirty="0">
+                <a:solidFill>
+                  <a:schemeClr val="bg2">
+                    <a:lumMod val="75000"/>
+                  </a:schemeClr>
+                </a:solidFill>
+                <a:latin typeface="Noto Sans KR" panose="020B0200000000000000" pitchFamily="34" charset="-128"/>
+                <a:ea typeface="Noto Sans KR" panose="020B0200000000000000" pitchFamily="34" charset="-128"/>
+              </a:rPr>
+              <a:t>POSSIBLE</a:t>
+            </a:r>
+          </a:p>
+        </p:txBody>
+      </p:sp>
+      <p:sp>
+        <p:nvSpPr>
+          <p:cNvPr id="23" name="TextBox 22">
+            <a:extLst>
+              <a:ext uri="{FF2B5EF4-FFF2-40B4-BE49-F238E27FC236}">
+                <a16:creationId xmlns:a16="http://schemas.microsoft.com/office/drawing/2014/main" id="{63878E4B-7EF2-F794-5D54-2106CF8E189A}"/>
+              </a:ext>
+            </a:extLst>
+          </p:cNvPr>
+          <p:cNvSpPr txBox="1"/>
+          <p:nvPr/>
+        </p:nvSpPr>
+        <p:spPr>
+          <a:xfrm>
+            <a:off x="2462313" y="2976664"/>
+            <a:ext cx="906017" cy="584775"/>
+          </a:xfrm>
+          <a:prstGeom prst="rect">
+            <a:avLst/>
+          </a:prstGeom>
+          <a:noFill/>
+        </p:spPr>
+        <p:txBody>
+          <a:bodyPr wrap="none" rtlCol="0">
+            <a:spAutoFit/>
+          </a:bodyPr>
+          <a:lstStyle/>
+          <a:p>
+            <a:r>
+              <a:rPr lang="en-KR" sz="3200" dirty="0">
+                <a:latin typeface="Cascadia Code" panose="020B0609020000020004" pitchFamily="34" charset="0"/>
+                <a:ea typeface="Cascadia Code" panose="020B0609020000020004" pitchFamily="34" charset="0"/>
+                <a:cs typeface="Cascadia Code" panose="020B0609020000020004" pitchFamily="34" charset="0"/>
+              </a:rPr>
+              <a:t>Int</a:t>
+            </a:r>
+          </a:p>
+        </p:txBody>
+      </p:sp>
+      <p:sp>
+        <p:nvSpPr>
+          <p:cNvPr id="24" name="TextBox 23">
+            <a:extLst>
+              <a:ext uri="{FF2B5EF4-FFF2-40B4-BE49-F238E27FC236}">
+                <a16:creationId xmlns:a16="http://schemas.microsoft.com/office/drawing/2014/main" id="{433C479E-1E13-4D54-4A1A-3C662568D5C2}"/>
+              </a:ext>
+            </a:extLst>
+          </p:cNvPr>
+          <p:cNvSpPr txBox="1"/>
+          <p:nvPr/>
+        </p:nvSpPr>
+        <p:spPr>
+          <a:xfrm>
+            <a:off x="1547913" y="3873567"/>
+            <a:ext cx="2589170" cy="584775"/>
+          </a:xfrm>
+          <a:prstGeom prst="rect">
+            <a:avLst/>
+          </a:prstGeom>
+          <a:noFill/>
+        </p:spPr>
+        <p:txBody>
+          <a:bodyPr wrap="none" rtlCol="0">
+            <a:spAutoFit/>
+          </a:bodyPr>
+          <a:lstStyle/>
+          <a:p>
+            <a:r>
+              <a:rPr lang="en-KR" sz="3200" dirty="0">
+                <a:latin typeface="Cascadia Code" panose="020B0609020000020004" pitchFamily="34" charset="0"/>
+                <a:ea typeface="Cascadia Code" panose="020B0609020000020004" pitchFamily="34" charset="0"/>
+                <a:cs typeface="Cascadia Code" panose="020B0609020000020004" pitchFamily="34" charset="0"/>
+              </a:rPr>
+              <a:t>FloatArray</a:t>
+            </a:r>
+          </a:p>
+        </p:txBody>
+      </p:sp>
+      <p:sp>
+        <p:nvSpPr>
+          <p:cNvPr id="25" name="TextBox 24">
+            <a:extLst>
+              <a:ext uri="{FF2B5EF4-FFF2-40B4-BE49-F238E27FC236}">
+                <a16:creationId xmlns:a16="http://schemas.microsoft.com/office/drawing/2014/main" id="{4D22A470-D40C-A20B-5D50-99957F67AE8E}"/>
+              </a:ext>
+            </a:extLst>
+          </p:cNvPr>
+          <p:cNvSpPr txBox="1"/>
+          <p:nvPr/>
+        </p:nvSpPr>
+        <p:spPr>
+          <a:xfrm>
+            <a:off x="1457229" y="4559917"/>
+            <a:ext cx="2916183" cy="338554"/>
+          </a:xfrm>
+          <a:prstGeom prst="rect">
+            <a:avLst/>
+          </a:prstGeom>
+          <a:noFill/>
+        </p:spPr>
+        <p:txBody>
+          <a:bodyPr wrap="none" rtlCol="0">
+            <a:spAutoFit/>
+          </a:bodyPr>
+          <a:lstStyle/>
+          <a:p>
+            <a:r>
+              <a:rPr lang="en-US" sz="1600" dirty="0">
+                <a:latin typeface="Noto Sans KR" panose="020B0200000000000000" pitchFamily="34" charset="-128"/>
+                <a:ea typeface="Noto Sans KR" panose="020B0200000000000000" pitchFamily="34" charset="-128"/>
+              </a:rPr>
+              <a:t>3D A</a:t>
+            </a:r>
+            <a:r>
+              <a:rPr lang="en-KR" sz="1600" dirty="0">
+                <a:latin typeface="Noto Sans KR" panose="020B0200000000000000" pitchFamily="34" charset="-128"/>
+                <a:ea typeface="Noto Sans KR" panose="020B0200000000000000" pitchFamily="34" charset="-128"/>
+              </a:rPr>
+              <a:t>ngle, 3D Acceleration ….</a:t>
+            </a:r>
+          </a:p>
+        </p:txBody>
+      </p:sp>
+      <p:sp>
+        <p:nvSpPr>
+          <p:cNvPr id="26" name="TextBox 25">
+            <a:extLst>
+              <a:ext uri="{FF2B5EF4-FFF2-40B4-BE49-F238E27FC236}">
+                <a16:creationId xmlns:a16="http://schemas.microsoft.com/office/drawing/2014/main" id="{16CE7344-41A1-0E89-6AEE-F3BD24F1D72B}"/>
+              </a:ext>
+            </a:extLst>
+          </p:cNvPr>
+          <p:cNvSpPr txBox="1"/>
+          <p:nvPr/>
+        </p:nvSpPr>
+        <p:spPr>
+          <a:xfrm>
+            <a:off x="7480868" y="2998902"/>
+            <a:ext cx="3791423" cy="584775"/>
+          </a:xfrm>
+          <a:prstGeom prst="rect">
+            <a:avLst/>
+          </a:prstGeom>
+          <a:noFill/>
+        </p:spPr>
+        <p:txBody>
+          <a:bodyPr wrap="none" rtlCol="0">
+            <a:spAutoFit/>
+          </a:bodyPr>
+          <a:lstStyle/>
+          <a:p>
+            <a:r>
+              <a:rPr lang="en-KR" sz="3200" dirty="0">
+                <a:latin typeface="Cascadia Code" panose="020B0609020000020004" pitchFamily="34" charset="0"/>
+                <a:ea typeface="Cascadia Code" panose="020B0609020000020004" pitchFamily="34" charset="0"/>
+                <a:cs typeface="Cascadia Code" panose="020B0609020000020004" pitchFamily="34" charset="0"/>
+              </a:rPr>
+              <a:t>createOneShot()</a:t>
+            </a:r>
+          </a:p>
+        </p:txBody>
+      </p:sp>
+      <p:sp>
+        <p:nvSpPr>
+          <p:cNvPr id="27" name="TextBox 26">
+            <a:extLst>
+              <a:ext uri="{FF2B5EF4-FFF2-40B4-BE49-F238E27FC236}">
+                <a16:creationId xmlns:a16="http://schemas.microsoft.com/office/drawing/2014/main" id="{37114EF4-0776-9825-BC12-4C484EEB3707}"/>
+              </a:ext>
+            </a:extLst>
+          </p:cNvPr>
+          <p:cNvSpPr txBox="1"/>
+          <p:nvPr/>
+        </p:nvSpPr>
+        <p:spPr>
+          <a:xfrm>
+            <a:off x="6096000" y="3855695"/>
+            <a:ext cx="6136616" cy="830997"/>
+          </a:xfrm>
+          <a:prstGeom prst="rect">
+            <a:avLst/>
+          </a:prstGeom>
+          <a:noFill/>
+        </p:spPr>
+        <p:txBody>
+          <a:bodyPr wrap="none" rtlCol="0">
+            <a:spAutoFit/>
+          </a:bodyPr>
+          <a:lstStyle/>
+          <a:p>
+            <a:pPr algn="ctr"/>
+            <a:r>
+              <a:rPr lang="en-KR" sz="2400" dirty="0">
+                <a:latin typeface="Cascadia Code" panose="020B0609020000020004" pitchFamily="34" charset="0"/>
+                <a:ea typeface="Cascadia Code" panose="020B0609020000020004" pitchFamily="34" charset="0"/>
+                <a:cs typeface="Cascadia Code" panose="020B0609020000020004" pitchFamily="34" charset="0"/>
+              </a:rPr>
+              <a:t>createWaveForm() /</a:t>
+            </a:r>
+          </a:p>
+          <a:p>
+            <a:pPr algn="ctr"/>
+            <a:r>
+              <a:rPr lang="en-KR" sz="2400" dirty="0">
+                <a:latin typeface="Cascadia Code" panose="020B0609020000020004" pitchFamily="34" charset="0"/>
+                <a:ea typeface="Cascadia Code" panose="020B0609020000020004" pitchFamily="34" charset="0"/>
+                <a:cs typeface="Cascadia Code" panose="020B0609020000020004" pitchFamily="34" charset="0"/>
+              </a:rPr>
+              <a:t>startComposition().addPrimitive()</a:t>
+            </a:r>
+          </a:p>
+        </p:txBody>
+      </p:sp>
+    </p:spTree>
+    <p:extLst>
+      <p:ext uri="{BB962C8B-B14F-4D97-AF65-F5344CB8AC3E}">
+        <p14:creationId xmlns:p14="http://schemas.microsoft.com/office/powerpoint/2010/main" val="1177322466"/>
+      </p:ext>
+    </p:extLst>
+  </p:cSld>
+  <p:clrMapOvr>
+    <a:masterClrMapping/>
+  </p:clrMapOvr>
+</p:sld>
+</file>
+
+<file path=ppt/slides/slide14.xml><?xml version="1.0" encoding="utf-8"?>
+<p:sld xmlns:a="http://schemas.openxmlformats.org/drawingml/2006/main" xmlns:r="http://schemas.openxmlformats.org/officeDocument/2006/relationships" xmlns:p="http://schemas.openxmlformats.org/presentationml/2006/main">
+  <p:cSld>
+    <p:spTree>
+      <p:nvGrpSpPr>
+        <p:cNvPr id="1" name="">
+          <a:extLst>
+            <a:ext uri="{FF2B5EF4-FFF2-40B4-BE49-F238E27FC236}">
+              <a16:creationId xmlns:a16="http://schemas.microsoft.com/office/drawing/2014/main" id="{47817CDC-0423-1F2D-22BB-1E42E1BD143B}"/>
+            </a:ext>
+          </a:extLst>
+        </p:cNvPr>
+        <p:cNvGrpSpPr/>
+        <p:nvPr/>
+      </p:nvGrpSpPr>
+      <p:grpSpPr>
+        <a:xfrm>
+          <a:off x="0" y="0"/>
+          <a:ext cx="0" cy="0"/>
+          <a:chOff x="0" y="0"/>
+          <a:chExt cx="0" cy="0"/>
+        </a:xfrm>
+      </p:grpSpPr>
+      <p:sp>
+        <p:nvSpPr>
+          <p:cNvPr id="4" name="Title 1">
+            <a:extLst>
+              <a:ext uri="{FF2B5EF4-FFF2-40B4-BE49-F238E27FC236}">
+                <a16:creationId xmlns:a16="http://schemas.microsoft.com/office/drawing/2014/main" id="{245714AD-D14E-B511-5BEB-DC88FB8D9369}"/>
+              </a:ext>
+            </a:extLst>
+          </p:cNvPr>
+          <p:cNvSpPr>
+            <a:spLocks noGrp="1"/>
+          </p:cNvSpPr>
+          <p:nvPr>
+            <p:ph type="title"/>
+          </p:nvPr>
+        </p:nvSpPr>
+        <p:spPr>
+          <a:xfrm>
+            <a:off x="838200" y="365125"/>
+            <a:ext cx="10515600" cy="1325563"/>
+          </a:xfrm>
+        </p:spPr>
+        <p:txBody>
+          <a:bodyPr/>
+          <a:lstStyle/>
+          <a:p>
+            <a:r>
+              <a:rPr lang="en-US" b="1" dirty="0">
+                <a:latin typeface="Avenir Next LT Pro" panose="020B0504020202020204" pitchFamily="34" charset="77"/>
+              </a:rPr>
+              <a:t>Apply on Activities</a:t>
+            </a:r>
+            <a:br>
+              <a:rPr lang="en-US" b="1" dirty="0">
+                <a:latin typeface="Avenir Next LT Pro" panose="020B0504020202020204" pitchFamily="34" charset="77"/>
+              </a:rPr>
+            </a:br>
+            <a:r>
+              <a:rPr lang="en-US" sz="3200" b="1" dirty="0">
+                <a:latin typeface="Avenir Next LT Pro" panose="020B0504020202020204" pitchFamily="34" charset="77"/>
+              </a:rPr>
+              <a:t>Vibration Pattern Creation</a:t>
+            </a:r>
+            <a:endParaRPr lang="en-KR" b="1" dirty="0">
+              <a:latin typeface="Cascadia Code" panose="020B0609020000020004" pitchFamily="34" charset="0"/>
+              <a:ea typeface="Cascadia Code" panose="020B0609020000020004" pitchFamily="34" charset="0"/>
+              <a:cs typeface="Cascadia Code" panose="020B0609020000020004" pitchFamily="34" charset="0"/>
+            </a:endParaRPr>
+          </a:p>
+        </p:txBody>
+      </p:sp>
+      <p:sp>
+        <p:nvSpPr>
+          <p:cNvPr id="27" name="TextBox 26">
+            <a:extLst>
+              <a:ext uri="{FF2B5EF4-FFF2-40B4-BE49-F238E27FC236}">
+                <a16:creationId xmlns:a16="http://schemas.microsoft.com/office/drawing/2014/main" id="{6039CB5D-2863-CE88-18F9-91B4728D141A}"/>
+              </a:ext>
+            </a:extLst>
+          </p:cNvPr>
+          <p:cNvSpPr txBox="1"/>
+          <p:nvPr/>
+        </p:nvSpPr>
+        <p:spPr>
+          <a:xfrm>
+            <a:off x="795853" y="1770182"/>
+            <a:ext cx="4714752" cy="1569660"/>
+          </a:xfrm>
+          <a:prstGeom prst="rect">
+            <a:avLst/>
+          </a:prstGeom>
+          <a:noFill/>
+        </p:spPr>
+        <p:txBody>
+          <a:bodyPr wrap="none" rtlCol="0">
+            <a:spAutoFit/>
+          </a:bodyPr>
+          <a:lstStyle/>
+          <a:p>
+            <a:r>
+              <a:rPr lang="en-KR" sz="2400" dirty="0">
+                <a:latin typeface="Cascadia Code" panose="020B0609020000020004" pitchFamily="34" charset="0"/>
+                <a:ea typeface="Cascadia Code" panose="020B0609020000020004" pitchFamily="34" charset="0"/>
+                <a:cs typeface="Cascadia Code" panose="020B0609020000020004" pitchFamily="34" charset="0"/>
+              </a:rPr>
+              <a:t>createWaveForm(</a:t>
+            </a:r>
+          </a:p>
+          <a:p>
+            <a:r>
+              <a:rPr lang="en-KR" sz="2400" i="1" dirty="0">
+                <a:latin typeface="Cascadia Code" panose="020B0609020000020004" pitchFamily="34" charset="0"/>
+                <a:ea typeface="Cascadia Code" panose="020B0609020000020004" pitchFamily="34" charset="0"/>
+                <a:cs typeface="Cascadia Code" panose="020B0609020000020004" pitchFamily="34" charset="0"/>
+              </a:rPr>
+              <a:t>	</a:t>
+            </a:r>
+            <a:r>
+              <a:rPr lang="en-KR" sz="2400" i="1" dirty="0">
+                <a:solidFill>
+                  <a:schemeClr val="bg2">
+                    <a:lumMod val="75000"/>
+                  </a:schemeClr>
+                </a:solidFill>
+                <a:latin typeface="Cascadia Code" panose="020B0609020000020004" pitchFamily="34" charset="0"/>
+                <a:ea typeface="Cascadia Code" panose="020B0609020000020004" pitchFamily="34" charset="0"/>
+                <a:cs typeface="Cascadia Code" panose="020B0609020000020004" pitchFamily="34" charset="0"/>
+              </a:rPr>
+              <a:t>timing: </a:t>
+            </a:r>
+            <a:r>
+              <a:rPr lang="en-KR" sz="2400" i="1" dirty="0">
+                <a:latin typeface="Cascadia Code" panose="020B0609020000020004" pitchFamily="34" charset="0"/>
+                <a:ea typeface="Cascadia Code" panose="020B0609020000020004" pitchFamily="34" charset="0"/>
+                <a:cs typeface="Cascadia Code" panose="020B0609020000020004" pitchFamily="34" charset="0"/>
+              </a:rPr>
+              <a:t>LongArray</a:t>
+            </a:r>
+            <a:r>
+              <a:rPr lang="en-KR" sz="2400" dirty="0">
+                <a:latin typeface="Cascadia Code" panose="020B0609020000020004" pitchFamily="34" charset="0"/>
+                <a:ea typeface="Cascadia Code" panose="020B0609020000020004" pitchFamily="34" charset="0"/>
+                <a:cs typeface="Cascadia Code" panose="020B0609020000020004" pitchFamily="34" charset="0"/>
+              </a:rPr>
+              <a:t>,</a:t>
+            </a:r>
+          </a:p>
+          <a:p>
+            <a:r>
+              <a:rPr lang="en-KR" sz="2400" i="1" dirty="0">
+                <a:latin typeface="Cascadia Code" panose="020B0609020000020004" pitchFamily="34" charset="0"/>
+                <a:ea typeface="Cascadia Code" panose="020B0609020000020004" pitchFamily="34" charset="0"/>
+                <a:cs typeface="Cascadia Code" panose="020B0609020000020004" pitchFamily="34" charset="0"/>
+              </a:rPr>
+              <a:t>	</a:t>
+            </a:r>
+            <a:r>
+              <a:rPr lang="en-KR" sz="2400" i="1" dirty="0">
+                <a:solidFill>
+                  <a:schemeClr val="bg2">
+                    <a:lumMod val="75000"/>
+                  </a:schemeClr>
+                </a:solidFill>
+                <a:latin typeface="Cascadia Code" panose="020B0609020000020004" pitchFamily="34" charset="0"/>
+                <a:ea typeface="Cascadia Code" panose="020B0609020000020004" pitchFamily="34" charset="0"/>
+                <a:cs typeface="Cascadia Code" panose="020B0609020000020004" pitchFamily="34" charset="0"/>
+              </a:rPr>
+              <a:t>amplitudes: </a:t>
+            </a:r>
+            <a:r>
+              <a:rPr lang="en-KR" sz="2400" i="1" dirty="0">
+                <a:latin typeface="Cascadia Code" panose="020B0609020000020004" pitchFamily="34" charset="0"/>
+                <a:ea typeface="Cascadia Code" panose="020B0609020000020004" pitchFamily="34" charset="0"/>
+                <a:cs typeface="Cascadia Code" panose="020B0609020000020004" pitchFamily="34" charset="0"/>
+              </a:rPr>
+              <a:t>IntArray</a:t>
+            </a:r>
+          </a:p>
+          <a:p>
+            <a:r>
+              <a:rPr lang="en-KR" sz="2400" dirty="0">
+                <a:latin typeface="Cascadia Code" panose="020B0609020000020004" pitchFamily="34" charset="0"/>
+                <a:ea typeface="Cascadia Code" panose="020B0609020000020004" pitchFamily="34" charset="0"/>
+                <a:cs typeface="Cascadia Code" panose="020B0609020000020004" pitchFamily="34" charset="0"/>
+              </a:rPr>
+              <a:t>)</a:t>
+            </a:r>
+          </a:p>
+        </p:txBody>
+      </p:sp>
+      <p:pic>
+        <p:nvPicPr>
+          <p:cNvPr id="2" name="Picture 1">
+            <a:extLst>
+              <a:ext uri="{FF2B5EF4-FFF2-40B4-BE49-F238E27FC236}">
+                <a16:creationId xmlns:a16="http://schemas.microsoft.com/office/drawing/2014/main" id="{71F05AD4-FB92-A7EB-FE29-E7E42867A20D}"/>
+              </a:ext>
+            </a:extLst>
+          </p:cNvPr>
+          <p:cNvPicPr>
+            <a:picLocks noChangeAspect="1"/>
+          </p:cNvPicPr>
+          <p:nvPr/>
+        </p:nvPicPr>
+        <p:blipFill>
+          <a:blip r:embed="rId2"/>
+          <a:stretch>
+            <a:fillRect/>
+          </a:stretch>
+        </p:blipFill>
+        <p:spPr>
+          <a:xfrm>
+            <a:off x="2539679" y="4356261"/>
+            <a:ext cx="6628436" cy="2263936"/>
+          </a:xfrm>
+          <a:prstGeom prst="rect">
+            <a:avLst/>
+          </a:prstGeom>
+        </p:spPr>
+      </p:pic>
+      <p:pic>
+        <p:nvPicPr>
+          <p:cNvPr id="3" name="Picture 2">
+            <a:extLst>
+              <a:ext uri="{FF2B5EF4-FFF2-40B4-BE49-F238E27FC236}">
+                <a16:creationId xmlns:a16="http://schemas.microsoft.com/office/drawing/2014/main" id="{68BE9265-F16E-ACA2-195C-7FDBA3369479}"/>
+              </a:ext>
+            </a:extLst>
+          </p:cNvPr>
+          <p:cNvPicPr>
+            <a:picLocks noChangeAspect="1"/>
+          </p:cNvPicPr>
+          <p:nvPr/>
+        </p:nvPicPr>
+        <p:blipFill>
+          <a:blip r:embed="rId3"/>
+          <a:stretch>
+            <a:fillRect/>
+          </a:stretch>
+        </p:blipFill>
+        <p:spPr>
+          <a:xfrm>
+            <a:off x="6120115" y="2228850"/>
+            <a:ext cx="6096000" cy="2400300"/>
+          </a:xfrm>
+          <a:prstGeom prst="rect">
+            <a:avLst/>
+          </a:prstGeom>
+        </p:spPr>
+      </p:pic>
+      <p:sp>
+        <p:nvSpPr>
+          <p:cNvPr id="6" name="TextBox 5">
+            <a:extLst>
+              <a:ext uri="{FF2B5EF4-FFF2-40B4-BE49-F238E27FC236}">
+                <a16:creationId xmlns:a16="http://schemas.microsoft.com/office/drawing/2014/main" id="{0147102B-EA84-5A79-D821-3F80C3890496}"/>
+              </a:ext>
+            </a:extLst>
+          </p:cNvPr>
+          <p:cNvSpPr txBox="1"/>
+          <p:nvPr/>
+        </p:nvSpPr>
+        <p:spPr>
+          <a:xfrm>
+            <a:off x="6096000" y="1767185"/>
+            <a:ext cx="6096000" cy="461665"/>
+          </a:xfrm>
+          <a:prstGeom prst="rect">
+            <a:avLst/>
+          </a:prstGeom>
+          <a:noFill/>
+        </p:spPr>
+        <p:txBody>
+          <a:bodyPr wrap="square">
+            <a:spAutoFit/>
+          </a:bodyPr>
+          <a:lstStyle/>
+          <a:p>
+            <a:r>
+              <a:rPr lang="en-KR" sz="2400" dirty="0">
+                <a:latin typeface="Cascadia Code" panose="020B0609020000020004" pitchFamily="34" charset="0"/>
+                <a:ea typeface="Cascadia Code" panose="020B0609020000020004" pitchFamily="34" charset="0"/>
+                <a:cs typeface="Cascadia Code" panose="020B0609020000020004" pitchFamily="34" charset="0"/>
+              </a:rPr>
+              <a:t>startComposition().addPrimitive()</a:t>
+            </a:r>
+            <a:endParaRPr lang="en-KR" sz="2400" dirty="0"/>
+          </a:p>
+        </p:txBody>
+      </p:sp>
+      <p:sp>
+        <p:nvSpPr>
+          <p:cNvPr id="7" name="TextBox 6">
+            <a:extLst>
+              <a:ext uri="{FF2B5EF4-FFF2-40B4-BE49-F238E27FC236}">
+                <a16:creationId xmlns:a16="http://schemas.microsoft.com/office/drawing/2014/main" id="{79FA8BF3-E924-7953-FE32-C42BD9A74280}"/>
+              </a:ext>
+            </a:extLst>
+          </p:cNvPr>
+          <p:cNvSpPr txBox="1"/>
+          <p:nvPr/>
+        </p:nvSpPr>
+        <p:spPr>
+          <a:xfrm>
+            <a:off x="5510605" y="6250865"/>
+            <a:ext cx="3966535" cy="369332"/>
+          </a:xfrm>
+          <a:prstGeom prst="rect">
+            <a:avLst/>
+          </a:prstGeom>
+          <a:noFill/>
+        </p:spPr>
+        <p:txBody>
+          <a:bodyPr wrap="none" rtlCol="0">
+            <a:spAutoFit/>
+          </a:bodyPr>
+          <a:lstStyle/>
+          <a:p>
+            <a:r>
+              <a:rPr lang="en-KR" b="1" dirty="0"/>
+              <a:t>“Wobble” Effect of Android Example</a:t>
+            </a:r>
+          </a:p>
+        </p:txBody>
+      </p:sp>
+    </p:spTree>
+    <p:extLst>
+      <p:ext uri="{BB962C8B-B14F-4D97-AF65-F5344CB8AC3E}">
+        <p14:creationId xmlns:p14="http://schemas.microsoft.com/office/powerpoint/2010/main" val="1670617954"/>
+      </p:ext>
+    </p:extLst>
+  </p:cSld>
+  <p:clrMapOvr>
+    <a:masterClrMapping/>
+  </p:clrMapOvr>
+</p:sld>
+</file>
+
+<file path=ppt/slides/slide15.xml><?xml version="1.0" encoding="utf-8"?>
 <p:sld xmlns:a="http://schemas.openxmlformats.org/drawingml/2006/main" xmlns:r="http://schemas.openxmlformats.org/officeDocument/2006/relationships" xmlns:p="http://schemas.openxmlformats.org/presentationml/2006/main">
   <p:cSld>
     <p:spTree>
@@ -7130,7 +7223,7 @@
 </p:sld>
 </file>
 
-<file path=ppt/slides/slide9.xml><?xml version="1.0" encoding="utf-8"?>
+<file path=ppt/slides/slide16.xml><?xml version="1.0" encoding="utf-8"?>
 <p:sld xmlns:a="http://schemas.openxmlformats.org/drawingml/2006/main" xmlns:r="http://schemas.openxmlformats.org/officeDocument/2006/relationships" xmlns:p="http://schemas.openxmlformats.org/presentationml/2006/main">
   <p:cSld>
     <p:spTree>
@@ -7466,6 +7559,6252 @@
     <p:extLst>
       <p:ext uri="{BB962C8B-B14F-4D97-AF65-F5344CB8AC3E}">
         <p14:creationId xmlns:p14="http://schemas.microsoft.com/office/powerpoint/2010/main" val="1173906709"/>
+      </p:ext>
+    </p:extLst>
+  </p:cSld>
+  <p:clrMapOvr>
+    <a:masterClrMapping/>
+  </p:clrMapOvr>
+</p:sld>
+</file>
+
+<file path=ppt/slides/slide17.xml><?xml version="1.0" encoding="utf-8"?>
+<p:sld xmlns:a="http://schemas.openxmlformats.org/drawingml/2006/main" xmlns:r="http://schemas.openxmlformats.org/officeDocument/2006/relationships" xmlns:p="http://schemas.openxmlformats.org/presentationml/2006/main">
+  <p:cSld>
+    <p:spTree>
+      <p:nvGrpSpPr>
+        <p:cNvPr id="1" name="">
+          <a:extLst>
+            <a:ext uri="{FF2B5EF4-FFF2-40B4-BE49-F238E27FC236}">
+              <a16:creationId xmlns:a16="http://schemas.microsoft.com/office/drawing/2014/main" id="{00AA3C73-01AC-8064-9A95-3DF7630FFAC0}"/>
+            </a:ext>
+          </a:extLst>
+        </p:cNvPr>
+        <p:cNvGrpSpPr/>
+        <p:nvPr/>
+      </p:nvGrpSpPr>
+      <p:grpSpPr>
+        <a:xfrm>
+          <a:off x="0" y="0"/>
+          <a:ext cx="0" cy="0"/>
+          <a:chOff x="0" y="0"/>
+          <a:chExt cx="0" cy="0"/>
+        </a:xfrm>
+      </p:grpSpPr>
+      <p:sp>
+        <p:nvSpPr>
+          <p:cNvPr id="2" name="Title 1">
+            <a:extLst>
+              <a:ext uri="{FF2B5EF4-FFF2-40B4-BE49-F238E27FC236}">
+                <a16:creationId xmlns:a16="http://schemas.microsoft.com/office/drawing/2014/main" id="{FD3E0382-03DD-DB50-24A7-C9368D9E1C1E}"/>
+              </a:ext>
+            </a:extLst>
+          </p:cNvPr>
+          <p:cNvSpPr>
+            <a:spLocks noGrp="1"/>
+          </p:cNvSpPr>
+          <p:nvPr>
+            <p:ph type="title"/>
+          </p:nvPr>
+        </p:nvSpPr>
+        <p:spPr/>
+        <p:txBody>
+          <a:bodyPr/>
+          <a:lstStyle/>
+          <a:p>
+            <a:r>
+              <a:rPr lang="en-US" b="1" dirty="0">
+                <a:latin typeface="Avenir Next LT Pro" panose="020B0504020202020204" pitchFamily="34" charset="77"/>
+              </a:rPr>
+              <a:t>Demo with device!</a:t>
+            </a:r>
+            <a:endParaRPr lang="en-KR" b="1" dirty="0">
+              <a:latin typeface="Avenir Next LT Pro" panose="020B0504020202020204" pitchFamily="34" charset="77"/>
+            </a:endParaRPr>
+          </a:p>
+        </p:txBody>
+      </p:sp>
+    </p:spTree>
+    <p:extLst>
+      <p:ext uri="{BB962C8B-B14F-4D97-AF65-F5344CB8AC3E}">
+        <p14:creationId xmlns:p14="http://schemas.microsoft.com/office/powerpoint/2010/main" val="3409569638"/>
+      </p:ext>
+    </p:extLst>
+  </p:cSld>
+  <p:clrMapOvr>
+    <a:masterClrMapping/>
+  </p:clrMapOvr>
+</p:sld>
+</file>
+
+<file path=ppt/slides/slide18.xml><?xml version="1.0" encoding="utf-8"?>
+<p:sld xmlns:a="http://schemas.openxmlformats.org/drawingml/2006/main" xmlns:r="http://schemas.openxmlformats.org/officeDocument/2006/relationships" xmlns:p="http://schemas.openxmlformats.org/presentationml/2006/main">
+  <p:cSld>
+    <p:spTree>
+      <p:nvGrpSpPr>
+        <p:cNvPr id="1" name="">
+          <a:extLst>
+            <a:ext uri="{FF2B5EF4-FFF2-40B4-BE49-F238E27FC236}">
+              <a16:creationId xmlns:a16="http://schemas.microsoft.com/office/drawing/2014/main" id="{A0F33974-3058-FD8E-ABE0-7B10E1833833}"/>
+            </a:ext>
+          </a:extLst>
+        </p:cNvPr>
+        <p:cNvGrpSpPr/>
+        <p:nvPr/>
+      </p:nvGrpSpPr>
+      <p:grpSpPr>
+        <a:xfrm>
+          <a:off x="0" y="0"/>
+          <a:ext cx="0" cy="0"/>
+          <a:chOff x="0" y="0"/>
+          <a:chExt cx="0" cy="0"/>
+        </a:xfrm>
+      </p:grpSpPr>
+      <p:sp>
+        <p:nvSpPr>
+          <p:cNvPr id="8" name="TextBox 7">
+            <a:extLst>
+              <a:ext uri="{FF2B5EF4-FFF2-40B4-BE49-F238E27FC236}">
+                <a16:creationId xmlns:a16="http://schemas.microsoft.com/office/drawing/2014/main" id="{EBA30D0E-D0AD-48C1-C7EB-552439655DC3}"/>
+              </a:ext>
+            </a:extLst>
+          </p:cNvPr>
+          <p:cNvSpPr txBox="1"/>
+          <p:nvPr/>
+        </p:nvSpPr>
+        <p:spPr>
+          <a:xfrm>
+            <a:off x="2670048" y="3044279"/>
+            <a:ext cx="6851904" cy="769441"/>
+          </a:xfrm>
+          <a:prstGeom prst="rect">
+            <a:avLst/>
+          </a:prstGeom>
+          <a:noFill/>
+        </p:spPr>
+        <p:txBody>
+          <a:bodyPr wrap="square" rtlCol="0">
+            <a:spAutoFit/>
+          </a:bodyPr>
+          <a:lstStyle/>
+          <a:p>
+            <a:pPr algn="ctr"/>
+            <a:r>
+              <a:rPr lang="en-KR" sz="4400" b="1" dirty="0">
+                <a:latin typeface="Avenir Next LT Pro" panose="020B0504020202020204" pitchFamily="34" charset="77"/>
+              </a:rPr>
+              <a:t>Thanks for Listening!</a:t>
+            </a:r>
+          </a:p>
+        </p:txBody>
+      </p:sp>
+    </p:spTree>
+    <p:extLst>
+      <p:ext uri="{BB962C8B-B14F-4D97-AF65-F5344CB8AC3E}">
+        <p14:creationId xmlns:p14="http://schemas.microsoft.com/office/powerpoint/2010/main" val="2587172812"/>
+      </p:ext>
+    </p:extLst>
+  </p:cSld>
+  <p:clrMapOvr>
+    <a:masterClrMapping/>
+  </p:clrMapOvr>
+</p:sld>
+</file>
+
+<file path=ppt/slides/slide2.xml><?xml version="1.0" encoding="utf-8"?>
+<p:sld xmlns:a="http://schemas.openxmlformats.org/drawingml/2006/main" xmlns:r="http://schemas.openxmlformats.org/officeDocument/2006/relationships" xmlns:p="http://schemas.openxmlformats.org/presentationml/2006/main">
+  <p:cSld>
+    <p:spTree>
+      <p:nvGrpSpPr>
+        <p:cNvPr id="1" name="">
+          <a:extLst>
+            <a:ext uri="{FF2B5EF4-FFF2-40B4-BE49-F238E27FC236}">
+              <a16:creationId xmlns:a16="http://schemas.microsoft.com/office/drawing/2014/main" id="{6C84E150-D495-104F-0B6F-85A6CCB2A686}"/>
+            </a:ext>
+          </a:extLst>
+        </p:cNvPr>
+        <p:cNvGrpSpPr/>
+        <p:nvPr/>
+      </p:nvGrpSpPr>
+      <p:grpSpPr>
+        <a:xfrm>
+          <a:off x="0" y="0"/>
+          <a:ext cx="0" cy="0"/>
+          <a:chOff x="0" y="0"/>
+          <a:chExt cx="0" cy="0"/>
+        </a:xfrm>
+      </p:grpSpPr>
+      <p:sp>
+        <p:nvSpPr>
+          <p:cNvPr id="2" name="Title 1">
+            <a:extLst>
+              <a:ext uri="{FF2B5EF4-FFF2-40B4-BE49-F238E27FC236}">
+                <a16:creationId xmlns:a16="http://schemas.microsoft.com/office/drawing/2014/main" id="{65D73F1C-19F7-3004-3D40-89AAF0D3A6E7}"/>
+              </a:ext>
+            </a:extLst>
+          </p:cNvPr>
+          <p:cNvSpPr>
+            <a:spLocks noGrp="1"/>
+          </p:cNvSpPr>
+          <p:nvPr>
+            <p:ph type="title"/>
+          </p:nvPr>
+        </p:nvSpPr>
+        <p:spPr/>
+        <p:txBody>
+          <a:bodyPr/>
+          <a:lstStyle/>
+          <a:p>
+            <a:r>
+              <a:rPr lang="en-US" altLang="ko-KR" b="1" dirty="0">
+                <a:solidFill>
+                  <a:schemeClr val="accent2"/>
+                </a:solidFill>
+                <a:latin typeface="Avenir Next LT Pro" panose="020B0504020202020204" pitchFamily="34" charset="77"/>
+              </a:rPr>
+              <a:t>Haptic</a:t>
+            </a:r>
+            <a:r>
+              <a:rPr lang="en-US" altLang="ko-KR" b="1" dirty="0">
+                <a:latin typeface="Avenir Next LT Pro" panose="020B0504020202020204" pitchFamily="34" charset="77"/>
+              </a:rPr>
+              <a:t> feedback to user’s action</a:t>
+            </a:r>
+            <a:endParaRPr lang="en-KR" b="1" dirty="0">
+              <a:latin typeface="Avenir Next LT Pro" panose="020B0504020202020204" pitchFamily="34" charset="77"/>
+            </a:endParaRPr>
+          </a:p>
+        </p:txBody>
+      </p:sp>
+      <p:grpSp>
+        <p:nvGrpSpPr>
+          <p:cNvPr id="11" name="Group 10">
+            <a:extLst>
+              <a:ext uri="{FF2B5EF4-FFF2-40B4-BE49-F238E27FC236}">
+                <a16:creationId xmlns:a16="http://schemas.microsoft.com/office/drawing/2014/main" id="{1CC73016-E507-22BD-E72F-612AE6F935EC}"/>
+              </a:ext>
+            </a:extLst>
+          </p:cNvPr>
+          <p:cNvGrpSpPr/>
+          <p:nvPr/>
+        </p:nvGrpSpPr>
+        <p:grpSpPr>
+          <a:xfrm>
+            <a:off x="838200" y="1883421"/>
+            <a:ext cx="1822305" cy="1822305"/>
+            <a:chOff x="1950182" y="1883421"/>
+            <a:chExt cx="3091158" cy="3091158"/>
+          </a:xfrm>
+        </p:grpSpPr>
+        <p:sp>
+          <p:nvSpPr>
+            <p:cNvPr id="4" name="Oval 3">
+              <a:extLst>
+                <a:ext uri="{FF2B5EF4-FFF2-40B4-BE49-F238E27FC236}">
+                  <a16:creationId xmlns:a16="http://schemas.microsoft.com/office/drawing/2014/main" id="{E37683D6-93EA-1E23-2708-748602A993D6}"/>
+                </a:ext>
+              </a:extLst>
+            </p:cNvPr>
+            <p:cNvSpPr/>
+            <p:nvPr/>
+          </p:nvSpPr>
+          <p:spPr>
+            <a:xfrm>
+              <a:off x="1950182" y="1883421"/>
+              <a:ext cx="3091158" cy="3091158"/>
+            </a:xfrm>
+            <a:prstGeom prst="ellipse">
+              <a:avLst/>
+            </a:prstGeom>
+            <a:noFill/>
+            <a:ln w="76200">
+              <a:solidFill>
+                <a:schemeClr val="tx1"/>
+              </a:solidFill>
+            </a:ln>
+          </p:spPr>
+          <p:style>
+            <a:lnRef idx="2">
+              <a:schemeClr val="accent1">
+                <a:shade val="15000"/>
+              </a:schemeClr>
+            </a:lnRef>
+            <a:fillRef idx="1">
+              <a:schemeClr val="accent1"/>
+            </a:fillRef>
+            <a:effectRef idx="0">
+              <a:schemeClr val="accent1"/>
+            </a:effectRef>
+            <a:fontRef idx="minor">
+              <a:schemeClr val="lt1"/>
+            </a:fontRef>
+          </p:style>
+          <p:txBody>
+            <a:bodyPr rtlCol="0" anchor="ctr"/>
+            <a:lstStyle/>
+            <a:p>
+              <a:pPr algn="ctr"/>
+              <a:endParaRPr lang="en-KR"/>
+            </a:p>
+          </p:txBody>
+        </p:sp>
+        <p:pic>
+          <p:nvPicPr>
+            <p:cNvPr id="9" name="Graphic 8" descr="Stopwatch with solid fill">
+              <a:extLst>
+                <a:ext uri="{FF2B5EF4-FFF2-40B4-BE49-F238E27FC236}">
+                  <a16:creationId xmlns:a16="http://schemas.microsoft.com/office/drawing/2014/main" id="{A1BD2B4B-03A9-45BD-470F-E3AF1397EC26}"/>
+                </a:ext>
+              </a:extLst>
+            </p:cNvPr>
+            <p:cNvPicPr>
+              <a:picLocks noChangeAspect="1"/>
+            </p:cNvPicPr>
+            <p:nvPr/>
+          </p:nvPicPr>
+          <p:blipFill>
+            <a:blip r:embed="rId2">
+              <a:extLst>
+                <a:ext uri="{96DAC541-7B7A-43D3-8B79-37D633B846F1}">
+                  <asvg:svgBlip xmlns:asvg="http://schemas.microsoft.com/office/drawing/2016/SVG/main" r:embed="rId3"/>
+                </a:ext>
+              </a:extLst>
+            </a:blip>
+            <a:stretch>
+              <a:fillRect/>
+            </a:stretch>
+          </p:blipFill>
+          <p:spPr>
+            <a:xfrm>
+              <a:off x="2362078" y="2295317"/>
+              <a:ext cx="2267366" cy="2267366"/>
+            </a:xfrm>
+            <a:prstGeom prst="rect">
+              <a:avLst/>
+            </a:prstGeom>
+          </p:spPr>
+        </p:pic>
+      </p:grpSp>
+      <p:grpSp>
+        <p:nvGrpSpPr>
+          <p:cNvPr id="29" name="Group 28">
+            <a:extLst>
+              <a:ext uri="{FF2B5EF4-FFF2-40B4-BE49-F238E27FC236}">
+                <a16:creationId xmlns:a16="http://schemas.microsoft.com/office/drawing/2014/main" id="{098904F2-F508-DAC5-3402-A636450362E8}"/>
+              </a:ext>
+            </a:extLst>
+          </p:cNvPr>
+          <p:cNvGrpSpPr/>
+          <p:nvPr/>
+        </p:nvGrpSpPr>
+        <p:grpSpPr>
+          <a:xfrm>
+            <a:off x="838200" y="4105253"/>
+            <a:ext cx="1822305" cy="1822305"/>
+            <a:chOff x="838200" y="4105253"/>
+            <a:chExt cx="1822305" cy="1822305"/>
+          </a:xfrm>
+        </p:grpSpPr>
+        <p:sp>
+          <p:nvSpPr>
+            <p:cNvPr id="25" name="Oval 24">
+              <a:extLst>
+                <a:ext uri="{FF2B5EF4-FFF2-40B4-BE49-F238E27FC236}">
+                  <a16:creationId xmlns:a16="http://schemas.microsoft.com/office/drawing/2014/main" id="{C808A716-80EC-C233-BD9E-F81DEB7E23B4}"/>
+                </a:ext>
+              </a:extLst>
+            </p:cNvPr>
+            <p:cNvSpPr/>
+            <p:nvPr/>
+          </p:nvSpPr>
+          <p:spPr>
+            <a:xfrm>
+              <a:off x="838200" y="4105253"/>
+              <a:ext cx="1822305" cy="1822305"/>
+            </a:xfrm>
+            <a:prstGeom prst="ellipse">
+              <a:avLst/>
+            </a:prstGeom>
+            <a:noFill/>
+            <a:ln w="76200">
+              <a:solidFill>
+                <a:schemeClr val="tx1"/>
+              </a:solidFill>
+            </a:ln>
+          </p:spPr>
+          <p:style>
+            <a:lnRef idx="2">
+              <a:schemeClr val="accent1">
+                <a:shade val="15000"/>
+              </a:schemeClr>
+            </a:lnRef>
+            <a:fillRef idx="1">
+              <a:schemeClr val="accent1"/>
+            </a:fillRef>
+            <a:effectRef idx="0">
+              <a:schemeClr val="accent1"/>
+            </a:effectRef>
+            <a:fontRef idx="minor">
+              <a:schemeClr val="lt1"/>
+            </a:fontRef>
+          </p:style>
+          <p:txBody>
+            <a:bodyPr rtlCol="0" anchor="ctr"/>
+            <a:lstStyle/>
+            <a:p>
+              <a:pPr algn="ctr"/>
+              <a:endParaRPr lang="en-KR"/>
+            </a:p>
+          </p:txBody>
+        </p:sp>
+        <p:pic>
+          <p:nvPicPr>
+            <p:cNvPr id="28" name="Graphic 27" descr="Lightbulb with solid fill">
+              <a:extLst>
+                <a:ext uri="{FF2B5EF4-FFF2-40B4-BE49-F238E27FC236}">
+                  <a16:creationId xmlns:a16="http://schemas.microsoft.com/office/drawing/2014/main" id="{C1DCC7F8-E518-0144-3EBD-F232FC4D2B22}"/>
+                </a:ext>
+              </a:extLst>
+            </p:cNvPr>
+            <p:cNvPicPr>
+              <a:picLocks noChangeAspect="1"/>
+            </p:cNvPicPr>
+            <p:nvPr/>
+          </p:nvPicPr>
+          <p:blipFill>
+            <a:blip r:embed="rId4">
+              <a:extLst>
+                <a:ext uri="{96DAC541-7B7A-43D3-8B79-37D633B846F1}">
+                  <asvg:svgBlip xmlns:asvg="http://schemas.microsoft.com/office/drawing/2016/SVG/main" r:embed="rId5"/>
+                </a:ext>
+              </a:extLst>
+            </a:blip>
+            <a:stretch>
+              <a:fillRect/>
+            </a:stretch>
+          </p:blipFill>
+          <p:spPr>
+            <a:xfrm>
+              <a:off x="1092388" y="4359441"/>
+              <a:ext cx="1313928" cy="1313928"/>
+            </a:xfrm>
+            <a:prstGeom prst="rect">
+              <a:avLst/>
+            </a:prstGeom>
+          </p:spPr>
+        </p:pic>
+      </p:grpSp>
+      <p:sp>
+        <p:nvSpPr>
+          <p:cNvPr id="30" name="TextBox 29">
+            <a:extLst>
+              <a:ext uri="{FF2B5EF4-FFF2-40B4-BE49-F238E27FC236}">
+                <a16:creationId xmlns:a16="http://schemas.microsoft.com/office/drawing/2014/main" id="{C7461A76-9C88-2AEA-912A-7B1D59D1CA1B}"/>
+              </a:ext>
+            </a:extLst>
+          </p:cNvPr>
+          <p:cNvSpPr txBox="1"/>
+          <p:nvPr/>
+        </p:nvSpPr>
+        <p:spPr>
+          <a:xfrm>
+            <a:off x="2903327" y="1883421"/>
+            <a:ext cx="6064481" cy="954107"/>
+          </a:xfrm>
+          <a:prstGeom prst="rect">
+            <a:avLst/>
+          </a:prstGeom>
+          <a:noFill/>
+        </p:spPr>
+        <p:txBody>
+          <a:bodyPr wrap="none" rtlCol="0">
+            <a:spAutoFit/>
+          </a:bodyPr>
+          <a:lstStyle/>
+          <a:p>
+            <a:r>
+              <a:rPr lang="en-KR" sz="3200" b="1" dirty="0">
+                <a:latin typeface="Avenir Next LT Pro" panose="020B0504020202020204" pitchFamily="34" charset="77"/>
+              </a:rPr>
+              <a:t>Real-time</a:t>
+            </a:r>
+          </a:p>
+          <a:p>
+            <a:pPr marL="342900" indent="-342900">
+              <a:buFont typeface="Arial" panose="020B0604020202020204" pitchFamily="34" charset="0"/>
+              <a:buChar char="•"/>
+            </a:pPr>
+            <a:r>
+              <a:rPr lang="en-US" altLang="ko-KR" sz="2400" b="1" dirty="0">
+                <a:solidFill>
+                  <a:schemeClr val="accent2"/>
+                </a:solidFill>
+                <a:latin typeface="Noto Sans KR" panose="020B0200000000000000" pitchFamily="34" charset="-128"/>
+                <a:ea typeface="Noto Sans KR" panose="020B0200000000000000" pitchFamily="34" charset="-128"/>
+              </a:rPr>
+              <a:t>No delay</a:t>
+            </a:r>
+            <a:r>
+              <a:rPr lang="en-US" altLang="ko-KR" sz="2400" b="1" dirty="0">
+                <a:latin typeface="Noto Sans KR" panose="020B0200000000000000" pitchFamily="34" charset="-128"/>
+                <a:ea typeface="Noto Sans KR" panose="020B0200000000000000" pitchFamily="34" charset="-128"/>
+              </a:rPr>
+              <a:t> </a:t>
+            </a:r>
+            <a:r>
+              <a:rPr lang="en-US" altLang="ko-KR" sz="2400" dirty="0">
+                <a:latin typeface="Noto Sans KR" panose="020B0200000000000000" pitchFamily="34" charset="-128"/>
+                <a:ea typeface="Noto Sans KR" panose="020B0200000000000000" pitchFamily="34" charset="-128"/>
+              </a:rPr>
+              <a:t>between vibratory feedbacks</a:t>
+            </a:r>
+          </a:p>
+        </p:txBody>
+      </p:sp>
+      <p:sp>
+        <p:nvSpPr>
+          <p:cNvPr id="31" name="TextBox 30">
+            <a:extLst>
+              <a:ext uri="{FF2B5EF4-FFF2-40B4-BE49-F238E27FC236}">
+                <a16:creationId xmlns:a16="http://schemas.microsoft.com/office/drawing/2014/main" id="{0A970673-BBF0-5E7F-03B8-F35B168499A2}"/>
+              </a:ext>
+            </a:extLst>
+          </p:cNvPr>
+          <p:cNvSpPr txBox="1"/>
+          <p:nvPr/>
+        </p:nvSpPr>
+        <p:spPr>
+          <a:xfrm>
+            <a:off x="2903326" y="4067053"/>
+            <a:ext cx="7345281" cy="2185214"/>
+          </a:xfrm>
+          <a:prstGeom prst="rect">
+            <a:avLst/>
+          </a:prstGeom>
+          <a:noFill/>
+        </p:spPr>
+        <p:txBody>
+          <a:bodyPr wrap="none" rtlCol="0">
+            <a:spAutoFit/>
+          </a:bodyPr>
+          <a:lstStyle/>
+          <a:p>
+            <a:r>
+              <a:rPr lang="en-KR" sz="3200" b="1" dirty="0">
+                <a:latin typeface="Avenir Next LT Pro" panose="020B0504020202020204" pitchFamily="34" charset="77"/>
+              </a:rPr>
+              <a:t>Directive</a:t>
+            </a:r>
+          </a:p>
+          <a:p>
+            <a:pPr marL="342900" indent="-342900">
+              <a:buFont typeface="Arial" panose="020B0604020202020204" pitchFamily="34" charset="0"/>
+              <a:buChar char="•"/>
+            </a:pPr>
+            <a:r>
+              <a:rPr lang="en-US" altLang="ko-KR" sz="2400" b="1" dirty="0">
+                <a:solidFill>
+                  <a:schemeClr val="accent2"/>
+                </a:solidFill>
+                <a:latin typeface="Noto Sans KR" panose="020B0200000000000000" pitchFamily="34" charset="-128"/>
+                <a:ea typeface="Noto Sans KR" panose="020B0200000000000000" pitchFamily="34" charset="-128"/>
+              </a:rPr>
+              <a:t>Various haptic patterns</a:t>
+            </a:r>
+            <a:r>
+              <a:rPr lang="en-US" altLang="ko-KR" sz="2400" b="1" dirty="0">
+                <a:latin typeface="Noto Sans KR" panose="020B0200000000000000" pitchFamily="34" charset="-128"/>
+                <a:ea typeface="Noto Sans KR" panose="020B0200000000000000" pitchFamily="34" charset="-128"/>
+              </a:rPr>
+              <a:t> </a:t>
+            </a:r>
+            <a:r>
+              <a:rPr lang="en-US" altLang="ko-KR" sz="2400" dirty="0">
+                <a:latin typeface="Noto Sans KR" panose="020B0200000000000000" pitchFamily="34" charset="-128"/>
+                <a:ea typeface="Noto Sans KR" panose="020B0200000000000000" pitchFamily="34" charset="-128"/>
+              </a:rPr>
+              <a:t>provided by system</a:t>
+            </a:r>
+          </a:p>
+          <a:p>
+            <a:pPr marL="342900" indent="-342900">
+              <a:buFont typeface="Arial" panose="020B0604020202020204" pitchFamily="34" charset="0"/>
+              <a:buChar char="•"/>
+            </a:pPr>
+            <a:r>
+              <a:rPr lang="en-US" altLang="ko-KR" sz="2400" b="1" dirty="0">
+                <a:solidFill>
+                  <a:schemeClr val="accent2"/>
+                </a:solidFill>
+                <a:latin typeface="Noto Sans KR" panose="020B0200000000000000" pitchFamily="34" charset="-128"/>
+                <a:ea typeface="Noto Sans KR" panose="020B0200000000000000" pitchFamily="34" charset="-128"/>
+              </a:rPr>
+              <a:t>Dynamic feedback</a:t>
+            </a:r>
+            <a:r>
+              <a:rPr lang="en-US" altLang="ko-KR" sz="2400" dirty="0">
+                <a:latin typeface="Noto Sans KR" panose="020B0200000000000000" pitchFamily="34" charset="-128"/>
+                <a:ea typeface="Noto Sans KR" panose="020B0200000000000000" pitchFamily="34" charset="-128"/>
+              </a:rPr>
+              <a:t> on specific event, interval…</a:t>
+            </a:r>
+          </a:p>
+          <a:p>
+            <a:pPr marL="342900" indent="-342900">
+              <a:buFont typeface="Arial" panose="020B0604020202020204" pitchFamily="34" charset="0"/>
+              <a:buChar char="•"/>
+            </a:pPr>
+            <a:r>
+              <a:rPr lang="en-US" altLang="ko-KR" sz="2400" b="1" dirty="0">
+                <a:solidFill>
+                  <a:schemeClr val="accent2"/>
+                </a:solidFill>
+                <a:latin typeface="Noto Sans KR" panose="020B0200000000000000" pitchFamily="34" charset="-128"/>
+                <a:ea typeface="Noto Sans KR" panose="020B0200000000000000" pitchFamily="34" charset="-128"/>
+              </a:rPr>
+              <a:t>Attach on the body</a:t>
+            </a:r>
+            <a:r>
+              <a:rPr lang="en-US" altLang="ko-KR" sz="2400" dirty="0">
+                <a:latin typeface="Noto Sans KR" panose="020B0200000000000000" pitchFamily="34" charset="-128"/>
+                <a:ea typeface="Noto Sans KR" panose="020B0200000000000000" pitchFamily="34" charset="-128"/>
+              </a:rPr>
+              <a:t> to fetch user’s position</a:t>
+            </a:r>
+            <a:endParaRPr lang="en-US" altLang="ko-KR" sz="2400" b="1" dirty="0">
+              <a:latin typeface="Noto Sans KR" panose="020B0200000000000000" pitchFamily="34" charset="-128"/>
+              <a:ea typeface="Noto Sans KR" panose="020B0200000000000000" pitchFamily="34" charset="-128"/>
+            </a:endParaRPr>
+          </a:p>
+          <a:p>
+            <a:pPr marL="457200" indent="-457200">
+              <a:buFont typeface="Arial" panose="020B0604020202020204" pitchFamily="34" charset="0"/>
+              <a:buChar char="•"/>
+            </a:pPr>
+            <a:endParaRPr lang="en-KR" sz="3200" b="1" dirty="0">
+              <a:latin typeface="Avenir Next LT Pro" panose="020B0504020202020204" pitchFamily="34" charset="77"/>
+            </a:endParaRPr>
+          </a:p>
+        </p:txBody>
+      </p:sp>
+    </p:spTree>
+    <p:extLst>
+      <p:ext uri="{BB962C8B-B14F-4D97-AF65-F5344CB8AC3E}">
+        <p14:creationId xmlns:p14="http://schemas.microsoft.com/office/powerpoint/2010/main" val="1792872491"/>
+      </p:ext>
+    </p:extLst>
+  </p:cSld>
+  <p:clrMapOvr>
+    <a:masterClrMapping/>
+  </p:clrMapOvr>
+</p:sld>
+</file>
+
+<file path=ppt/slides/slide3.xml><?xml version="1.0" encoding="utf-8"?>
+<p:sld xmlns:a="http://schemas.openxmlformats.org/drawingml/2006/main" xmlns:r="http://schemas.openxmlformats.org/officeDocument/2006/relationships" xmlns:p="http://schemas.openxmlformats.org/presentationml/2006/main">
+  <p:cSld>
+    <p:spTree>
+      <p:nvGrpSpPr>
+        <p:cNvPr id="1" name="">
+          <a:extLst>
+            <a:ext uri="{FF2B5EF4-FFF2-40B4-BE49-F238E27FC236}">
+              <a16:creationId xmlns:a16="http://schemas.microsoft.com/office/drawing/2014/main" id="{3D3DD692-6B18-7E45-B86C-6FAC4AEE5519}"/>
+            </a:ext>
+          </a:extLst>
+        </p:cNvPr>
+        <p:cNvGrpSpPr/>
+        <p:nvPr/>
+      </p:nvGrpSpPr>
+      <p:grpSpPr>
+        <a:xfrm>
+          <a:off x="0" y="0"/>
+          <a:ext cx="0" cy="0"/>
+          <a:chOff x="0" y="0"/>
+          <a:chExt cx="0" cy="0"/>
+        </a:xfrm>
+      </p:grpSpPr>
+      <p:sp>
+        <p:nvSpPr>
+          <p:cNvPr id="2" name="Title 1">
+            <a:extLst>
+              <a:ext uri="{FF2B5EF4-FFF2-40B4-BE49-F238E27FC236}">
+                <a16:creationId xmlns:a16="http://schemas.microsoft.com/office/drawing/2014/main" id="{72CEECB8-F38E-5C48-3633-8048E7CCA137}"/>
+              </a:ext>
+            </a:extLst>
+          </p:cNvPr>
+          <p:cNvSpPr>
+            <a:spLocks noGrp="1"/>
+          </p:cNvSpPr>
+          <p:nvPr>
+            <p:ph type="title"/>
+          </p:nvPr>
+        </p:nvSpPr>
+        <p:spPr/>
+        <p:txBody>
+          <a:bodyPr/>
+          <a:lstStyle/>
+          <a:p>
+            <a:r>
+              <a:rPr lang="en-US" altLang="ko-KR" b="1" dirty="0">
+                <a:solidFill>
+                  <a:schemeClr val="accent2"/>
+                </a:solidFill>
+                <a:latin typeface="Avenir Next LT Pro" panose="020B0504020202020204" pitchFamily="34" charset="77"/>
+              </a:rPr>
+              <a:t>Haptic</a:t>
+            </a:r>
+            <a:r>
+              <a:rPr lang="en-US" altLang="ko-KR" b="1" dirty="0">
+                <a:latin typeface="Avenir Next LT Pro" panose="020B0504020202020204" pitchFamily="34" charset="77"/>
+              </a:rPr>
+              <a:t> feedback to user’s action</a:t>
+            </a:r>
+            <a:endParaRPr lang="en-KR" b="1" dirty="0">
+              <a:latin typeface="Avenir Next LT Pro" panose="020B0504020202020204" pitchFamily="34" charset="77"/>
+            </a:endParaRPr>
+          </a:p>
+        </p:txBody>
+      </p:sp>
+      <p:grpSp>
+        <p:nvGrpSpPr>
+          <p:cNvPr id="12" name="Group 11">
+            <a:extLst>
+              <a:ext uri="{FF2B5EF4-FFF2-40B4-BE49-F238E27FC236}">
+                <a16:creationId xmlns:a16="http://schemas.microsoft.com/office/drawing/2014/main" id="{F6602527-AB9C-6212-62F0-A169DBF395EF}"/>
+              </a:ext>
+            </a:extLst>
+          </p:cNvPr>
+          <p:cNvGrpSpPr/>
+          <p:nvPr/>
+        </p:nvGrpSpPr>
+        <p:grpSpPr>
+          <a:xfrm>
+            <a:off x="838200" y="2517847"/>
+            <a:ext cx="1822305" cy="1822305"/>
+            <a:chOff x="5184847" y="1883421"/>
+            <a:chExt cx="1822305" cy="1822305"/>
+          </a:xfrm>
+        </p:grpSpPr>
+        <p:sp>
+          <p:nvSpPr>
+            <p:cNvPr id="6" name="Oval 5">
+              <a:extLst>
+                <a:ext uri="{FF2B5EF4-FFF2-40B4-BE49-F238E27FC236}">
+                  <a16:creationId xmlns:a16="http://schemas.microsoft.com/office/drawing/2014/main" id="{B6B0C716-D3D9-7FC9-EC15-B4F98158BAF3}"/>
+                </a:ext>
+              </a:extLst>
+            </p:cNvPr>
+            <p:cNvSpPr/>
+            <p:nvPr/>
+          </p:nvSpPr>
+          <p:spPr>
+            <a:xfrm>
+              <a:off x="5184847" y="1883421"/>
+              <a:ext cx="1822305" cy="1822305"/>
+            </a:xfrm>
+            <a:prstGeom prst="ellipse">
+              <a:avLst/>
+            </a:prstGeom>
+            <a:noFill/>
+            <a:ln w="76200">
+              <a:solidFill>
+                <a:schemeClr val="accent2"/>
+              </a:solidFill>
+            </a:ln>
+          </p:spPr>
+          <p:style>
+            <a:lnRef idx="2">
+              <a:schemeClr val="accent1">
+                <a:shade val="15000"/>
+              </a:schemeClr>
+            </a:lnRef>
+            <a:fillRef idx="1">
+              <a:schemeClr val="accent1"/>
+            </a:fillRef>
+            <a:effectRef idx="0">
+              <a:schemeClr val="accent1"/>
+            </a:effectRef>
+            <a:fontRef idx="minor">
+              <a:schemeClr val="lt1"/>
+            </a:fontRef>
+          </p:style>
+          <p:txBody>
+            <a:bodyPr rtlCol="0" anchor="ctr"/>
+            <a:lstStyle/>
+            <a:p>
+              <a:pPr algn="ctr"/>
+              <a:endParaRPr lang="en-KR"/>
+            </a:p>
+          </p:txBody>
+        </p:sp>
+        <p:pic>
+          <p:nvPicPr>
+            <p:cNvPr id="10" name="Graphic 9" descr="Phone Vibration with solid fill">
+              <a:extLst>
+                <a:ext uri="{FF2B5EF4-FFF2-40B4-BE49-F238E27FC236}">
+                  <a16:creationId xmlns:a16="http://schemas.microsoft.com/office/drawing/2014/main" id="{BE4DC624-CBC1-ACD7-1DE7-B373D247B3DD}"/>
+                </a:ext>
+              </a:extLst>
+            </p:cNvPr>
+            <p:cNvPicPr>
+              <a:picLocks noChangeAspect="1"/>
+            </p:cNvPicPr>
+            <p:nvPr/>
+          </p:nvPicPr>
+          <p:blipFill>
+            <a:blip r:embed="rId3">
+              <a:extLst>
+                <a:ext uri="{96DAC541-7B7A-43D3-8B79-37D633B846F1}">
+                  <asvg:svgBlip xmlns:asvg="http://schemas.microsoft.com/office/drawing/2016/SVG/main" r:embed="rId4"/>
+                </a:ext>
+              </a:extLst>
+            </a:blip>
+            <a:stretch>
+              <a:fillRect/>
+            </a:stretch>
+          </p:blipFill>
+          <p:spPr>
+            <a:xfrm>
+              <a:off x="5399312" y="2097886"/>
+              <a:ext cx="1393374" cy="1393374"/>
+            </a:xfrm>
+            <a:prstGeom prst="rect">
+              <a:avLst/>
+            </a:prstGeom>
+          </p:spPr>
+        </p:pic>
+      </p:grpSp>
+      <p:sp>
+        <p:nvSpPr>
+          <p:cNvPr id="13" name="TextBox 12">
+            <a:extLst>
+              <a:ext uri="{FF2B5EF4-FFF2-40B4-BE49-F238E27FC236}">
+                <a16:creationId xmlns:a16="http://schemas.microsoft.com/office/drawing/2014/main" id="{3B632F91-7C87-BA4B-FFA5-9130DAB72E76}"/>
+              </a:ext>
+            </a:extLst>
+          </p:cNvPr>
+          <p:cNvSpPr txBox="1"/>
+          <p:nvPr/>
+        </p:nvSpPr>
+        <p:spPr>
+          <a:xfrm>
+            <a:off x="911622" y="4447291"/>
+            <a:ext cx="1675459" cy="584775"/>
+          </a:xfrm>
+          <a:prstGeom prst="rect">
+            <a:avLst/>
+          </a:prstGeom>
+          <a:noFill/>
+        </p:spPr>
+        <p:txBody>
+          <a:bodyPr wrap="none" rtlCol="0">
+            <a:spAutoFit/>
+          </a:bodyPr>
+          <a:lstStyle/>
+          <a:p>
+            <a:r>
+              <a:rPr lang="en-KR" sz="3200" b="1" dirty="0">
+                <a:solidFill>
+                  <a:schemeClr val="accent2"/>
+                </a:solidFill>
+                <a:latin typeface="Avenir Next LT Pro" panose="020B0504020202020204" pitchFamily="34" charset="77"/>
+              </a:rPr>
+              <a:t>Haptics</a:t>
+            </a:r>
+          </a:p>
+        </p:txBody>
+      </p:sp>
+      <p:pic>
+        <p:nvPicPr>
+          <p:cNvPr id="3" name="Picture 2">
+            <a:extLst>
+              <a:ext uri="{FF2B5EF4-FFF2-40B4-BE49-F238E27FC236}">
+                <a16:creationId xmlns:a16="http://schemas.microsoft.com/office/drawing/2014/main" id="{AED0FFA5-43F4-061F-4AD9-519135BF9206}"/>
+              </a:ext>
+            </a:extLst>
+          </p:cNvPr>
+          <p:cNvPicPr>
+            <a:picLocks noChangeAspect="1"/>
+          </p:cNvPicPr>
+          <p:nvPr/>
+        </p:nvPicPr>
+        <p:blipFill>
+          <a:blip r:embed="rId5"/>
+          <a:stretch>
+            <a:fillRect/>
+          </a:stretch>
+        </p:blipFill>
+        <p:spPr>
+          <a:xfrm>
+            <a:off x="3507978" y="1929529"/>
+            <a:ext cx="7772400" cy="2998939"/>
+          </a:xfrm>
+          <a:prstGeom prst="rect">
+            <a:avLst/>
+          </a:prstGeom>
+        </p:spPr>
+      </p:pic>
+      <p:sp>
+        <p:nvSpPr>
+          <p:cNvPr id="5" name="TextBox 4">
+            <a:extLst>
+              <a:ext uri="{FF2B5EF4-FFF2-40B4-BE49-F238E27FC236}">
+                <a16:creationId xmlns:a16="http://schemas.microsoft.com/office/drawing/2014/main" id="{5899A47A-FCDA-0A29-CCA3-EAA27492DD07}"/>
+              </a:ext>
+            </a:extLst>
+          </p:cNvPr>
+          <p:cNvSpPr txBox="1"/>
+          <p:nvPr/>
+        </p:nvSpPr>
+        <p:spPr>
+          <a:xfrm>
+            <a:off x="3507978" y="5032066"/>
+            <a:ext cx="7192995" cy="769441"/>
+          </a:xfrm>
+          <a:prstGeom prst="rect">
+            <a:avLst/>
+          </a:prstGeom>
+          <a:noFill/>
+        </p:spPr>
+        <p:txBody>
+          <a:bodyPr wrap="none" rtlCol="0">
+            <a:spAutoFit/>
+          </a:bodyPr>
+          <a:lstStyle/>
+          <a:p>
+            <a:r>
+              <a:rPr lang="en-KR" sz="2400" b="1" dirty="0">
+                <a:latin typeface="Avenir Next LT Pro" panose="020B0504020202020204" pitchFamily="34" charset="77"/>
+              </a:rPr>
+              <a:t>Pre-“designed” Haptic Patterns</a:t>
+            </a:r>
+          </a:p>
+          <a:p>
+            <a:r>
+              <a:rPr lang="en-KR" sz="2000" dirty="0">
+                <a:latin typeface="Noto Sans KR" panose="020B0200000000000000" pitchFamily="34" charset="-128"/>
+                <a:ea typeface="Noto Sans KR" panose="020B0200000000000000" pitchFamily="34" charset="-128"/>
+              </a:rPr>
+              <a:t>- Available at </a:t>
+            </a:r>
+            <a:r>
+              <a:rPr lang="en-KR" sz="2000" dirty="0">
+                <a:latin typeface="Cascadia Code Light" panose="020B0609020000020004" pitchFamily="34" charset="0"/>
+                <a:ea typeface="Cascadia Code Light" panose="020B0609020000020004" pitchFamily="34" charset="0"/>
+                <a:cs typeface="Cascadia Code Light" panose="020B0609020000020004" pitchFamily="34" charset="0"/>
+              </a:rPr>
+              <a:t>android.view.HapticFeedbackConstants</a:t>
+            </a:r>
+          </a:p>
+        </p:txBody>
+      </p:sp>
+    </p:spTree>
+    <p:extLst>
+      <p:ext uri="{BB962C8B-B14F-4D97-AF65-F5344CB8AC3E}">
+        <p14:creationId xmlns:p14="http://schemas.microsoft.com/office/powerpoint/2010/main" val="2825762308"/>
+      </p:ext>
+    </p:extLst>
+  </p:cSld>
+  <p:clrMapOvr>
+    <a:masterClrMapping/>
+  </p:clrMapOvr>
+</p:sld>
+</file>
+
+<file path=ppt/slides/slide4.xml><?xml version="1.0" encoding="utf-8"?>
+<p:sld xmlns:a="http://schemas.openxmlformats.org/drawingml/2006/main" xmlns:r="http://schemas.openxmlformats.org/officeDocument/2006/relationships" xmlns:p="http://schemas.openxmlformats.org/presentationml/2006/main">
+  <p:cSld>
+    <p:spTree>
+      <p:nvGrpSpPr>
+        <p:cNvPr id="1" name=""/>
+        <p:cNvGrpSpPr/>
+        <p:nvPr/>
+      </p:nvGrpSpPr>
+      <p:grpSpPr>
+        <a:xfrm>
+          <a:off x="0" y="0"/>
+          <a:ext cx="0" cy="0"/>
+          <a:chOff x="0" y="0"/>
+          <a:chExt cx="0" cy="0"/>
+        </a:xfrm>
+      </p:grpSpPr>
+      <p:sp>
+        <p:nvSpPr>
+          <p:cNvPr id="4" name="Title 1">
+            <a:extLst>
+              <a:ext uri="{FF2B5EF4-FFF2-40B4-BE49-F238E27FC236}">
+                <a16:creationId xmlns:a16="http://schemas.microsoft.com/office/drawing/2014/main" id="{797916CB-4FBF-6EFB-6462-0E3F49AB28C0}"/>
+              </a:ext>
+            </a:extLst>
+          </p:cNvPr>
+          <p:cNvSpPr>
+            <a:spLocks noGrp="1"/>
+          </p:cNvSpPr>
+          <p:nvPr>
+            <p:ph type="title"/>
+          </p:nvPr>
+        </p:nvSpPr>
+        <p:spPr>
+          <a:xfrm>
+            <a:off x="838200" y="365125"/>
+            <a:ext cx="10515600" cy="1325563"/>
+          </a:xfrm>
+        </p:spPr>
+        <p:txBody>
+          <a:bodyPr/>
+          <a:lstStyle/>
+          <a:p>
+            <a:r>
+              <a:rPr lang="en-US" altLang="ko-KR" b="1" strike="sngStrike" dirty="0">
+                <a:solidFill>
+                  <a:schemeClr val="accent2"/>
+                </a:solidFill>
+                <a:latin typeface="Avenir Next LT Pro" panose="020B0504020202020204" pitchFamily="34" charset="77"/>
+              </a:rPr>
+              <a:t>Haptic</a:t>
+            </a:r>
+            <a:r>
+              <a:rPr lang="en-US" altLang="ko-KR" b="1" dirty="0">
+                <a:latin typeface="Avenir Next LT Pro" panose="020B0504020202020204" pitchFamily="34" charset="77"/>
+              </a:rPr>
+              <a:t> feedback to user’s action</a:t>
+            </a:r>
+            <a:endParaRPr lang="en-KR" b="1" dirty="0">
+              <a:latin typeface="Avenir Next LT Pro" panose="020B0504020202020204" pitchFamily="34" charset="77"/>
+            </a:endParaRPr>
+          </a:p>
+        </p:txBody>
+      </p:sp>
+      <p:pic>
+        <p:nvPicPr>
+          <p:cNvPr id="5" name="Picture 4">
+            <a:extLst>
+              <a:ext uri="{FF2B5EF4-FFF2-40B4-BE49-F238E27FC236}">
+                <a16:creationId xmlns:a16="http://schemas.microsoft.com/office/drawing/2014/main" id="{0AF2E635-673C-9E0A-5FD7-FDBFE2D34CBE}"/>
+              </a:ext>
+            </a:extLst>
+          </p:cNvPr>
+          <p:cNvPicPr>
+            <a:picLocks noChangeAspect="1"/>
+          </p:cNvPicPr>
+          <p:nvPr/>
+        </p:nvPicPr>
+        <p:blipFill>
+          <a:blip r:embed="rId2"/>
+          <a:stretch>
+            <a:fillRect/>
+          </a:stretch>
+        </p:blipFill>
+        <p:spPr>
+          <a:xfrm>
+            <a:off x="838200" y="1929530"/>
+            <a:ext cx="7772400" cy="2998939"/>
+          </a:xfrm>
+          <a:prstGeom prst="rect">
+            <a:avLst/>
+          </a:prstGeom>
+        </p:spPr>
+      </p:pic>
+      <p:sp>
+        <p:nvSpPr>
+          <p:cNvPr id="6" name="TextBox 5">
+            <a:extLst>
+              <a:ext uri="{FF2B5EF4-FFF2-40B4-BE49-F238E27FC236}">
+                <a16:creationId xmlns:a16="http://schemas.microsoft.com/office/drawing/2014/main" id="{BB698496-AE9E-5AA6-3626-4D4029DC15BD}"/>
+              </a:ext>
+            </a:extLst>
+          </p:cNvPr>
+          <p:cNvSpPr txBox="1"/>
+          <p:nvPr/>
+        </p:nvSpPr>
+        <p:spPr>
+          <a:xfrm>
+            <a:off x="838200" y="5316279"/>
+            <a:ext cx="8220520" cy="892552"/>
+          </a:xfrm>
+          <a:prstGeom prst="rect">
+            <a:avLst/>
+          </a:prstGeom>
+          <a:noFill/>
+        </p:spPr>
+        <p:txBody>
+          <a:bodyPr wrap="none" rtlCol="0">
+            <a:spAutoFit/>
+          </a:bodyPr>
+          <a:lstStyle/>
+          <a:p>
+            <a:r>
+              <a:rPr lang="en-KR" sz="2400" dirty="0">
+                <a:latin typeface="Noto Sans KR" panose="020B0200000000000000" pitchFamily="34" charset="-128"/>
+                <a:ea typeface="Noto Sans KR" panose="020B0200000000000000" pitchFamily="34" charset="-128"/>
+              </a:rPr>
+              <a:t>Supposed to implement haptic with</a:t>
+            </a:r>
+          </a:p>
+          <a:p>
+            <a:r>
+              <a:rPr lang="en-KR" sz="2400" dirty="0">
+                <a:latin typeface="Cascadia Code" panose="020B0609020000020004" pitchFamily="34" charset="0"/>
+                <a:ea typeface="Cascadia Code" panose="020B0609020000020004" pitchFamily="34" charset="0"/>
+                <a:cs typeface="Cascadia Code" panose="020B0609020000020004" pitchFamily="34" charset="0"/>
+              </a:rPr>
+              <a:t>android.view.performHapticFeedback </a:t>
+            </a:r>
+            <a:r>
+              <a:rPr lang="en-KR" sz="2800" b="1" dirty="0">
+                <a:solidFill>
+                  <a:srgbClr val="FF0000"/>
+                </a:solidFill>
+                <a:latin typeface="Noto Sans KR" panose="020B0200000000000000" pitchFamily="34" charset="-128"/>
+                <a:ea typeface="Noto Sans KR" panose="020B0200000000000000" pitchFamily="34" charset="-128"/>
+              </a:rPr>
+              <a:t>→ Failed!</a:t>
+            </a:r>
+            <a:r>
+              <a:rPr lang="ko-KR" altLang="en-US" sz="2800" b="1" dirty="0">
+                <a:solidFill>
+                  <a:srgbClr val="FF0000"/>
+                </a:solidFill>
+                <a:latin typeface="Noto Sans KR" panose="020B0200000000000000" pitchFamily="34" charset="-128"/>
+                <a:ea typeface="Noto Sans KR" panose="020B0200000000000000" pitchFamily="34" charset="-128"/>
+              </a:rPr>
+              <a:t> </a:t>
+            </a:r>
+            <a:endParaRPr lang="en-KR" sz="2400" b="1" dirty="0">
+              <a:solidFill>
+                <a:srgbClr val="FF0000"/>
+              </a:solidFill>
+              <a:latin typeface="Noto Sans KR" panose="020B0200000000000000" pitchFamily="34" charset="-128"/>
+              <a:ea typeface="Noto Sans KR" panose="020B0200000000000000" pitchFamily="34" charset="-128"/>
+            </a:endParaRPr>
+          </a:p>
+        </p:txBody>
+      </p:sp>
+    </p:spTree>
+    <p:extLst>
+      <p:ext uri="{BB962C8B-B14F-4D97-AF65-F5344CB8AC3E}">
+        <p14:creationId xmlns:p14="http://schemas.microsoft.com/office/powerpoint/2010/main" val="3885175903"/>
+      </p:ext>
+    </p:extLst>
+  </p:cSld>
+  <p:clrMapOvr>
+    <a:masterClrMapping/>
+  </p:clrMapOvr>
+</p:sld>
+</file>
+
+<file path=ppt/slides/slide5.xml><?xml version="1.0" encoding="utf-8"?>
+<p:sld xmlns:a="http://schemas.openxmlformats.org/drawingml/2006/main" xmlns:r="http://schemas.openxmlformats.org/officeDocument/2006/relationships" xmlns:p="http://schemas.openxmlformats.org/presentationml/2006/main">
+  <p:cSld>
+    <p:spTree>
+      <p:nvGrpSpPr>
+        <p:cNvPr id="1" name="">
+          <a:extLst>
+            <a:ext uri="{FF2B5EF4-FFF2-40B4-BE49-F238E27FC236}">
+              <a16:creationId xmlns:a16="http://schemas.microsoft.com/office/drawing/2014/main" id="{22C18A3D-29AD-814C-4AFE-35C5BE041CD8}"/>
+            </a:ext>
+          </a:extLst>
+        </p:cNvPr>
+        <p:cNvGrpSpPr/>
+        <p:nvPr/>
+      </p:nvGrpSpPr>
+      <p:grpSpPr>
+        <a:xfrm>
+          <a:off x="0" y="0"/>
+          <a:ext cx="0" cy="0"/>
+          <a:chOff x="0" y="0"/>
+          <a:chExt cx="0" cy="0"/>
+        </a:xfrm>
+      </p:grpSpPr>
+      <p:sp>
+        <p:nvSpPr>
+          <p:cNvPr id="4" name="Title 1">
+            <a:extLst>
+              <a:ext uri="{FF2B5EF4-FFF2-40B4-BE49-F238E27FC236}">
+                <a16:creationId xmlns:a16="http://schemas.microsoft.com/office/drawing/2014/main" id="{A5E4C91B-A2A1-969D-F62A-724D42E0E77D}"/>
+              </a:ext>
+            </a:extLst>
+          </p:cNvPr>
+          <p:cNvSpPr>
+            <a:spLocks noGrp="1"/>
+          </p:cNvSpPr>
+          <p:nvPr>
+            <p:ph type="title"/>
+          </p:nvPr>
+        </p:nvSpPr>
+        <p:spPr>
+          <a:xfrm>
+            <a:off x="838200" y="365125"/>
+            <a:ext cx="10515600" cy="1325563"/>
+          </a:xfrm>
+        </p:spPr>
+        <p:txBody>
+          <a:bodyPr/>
+          <a:lstStyle/>
+          <a:p>
+            <a:r>
+              <a:rPr lang="en-US" altLang="ko-KR" b="1" dirty="0">
+                <a:solidFill>
+                  <a:schemeClr val="accent2"/>
+                </a:solidFill>
+                <a:latin typeface="Avenir Next LT Pro" panose="020B0504020202020204" pitchFamily="34" charset="77"/>
+              </a:rPr>
+              <a:t>Vibration</a:t>
+            </a:r>
+            <a:r>
+              <a:rPr lang="en-US" altLang="ko-KR" b="1" dirty="0">
+                <a:latin typeface="Avenir Next LT Pro" panose="020B0504020202020204" pitchFamily="34" charset="77"/>
+              </a:rPr>
+              <a:t> feedback</a:t>
+            </a:r>
+            <a:br>
+              <a:rPr lang="en-US" b="1" dirty="0">
+                <a:latin typeface="Avenir Next LT Pro" panose="020B0504020202020204" pitchFamily="34" charset="77"/>
+              </a:rPr>
+            </a:br>
+            <a:r>
+              <a:rPr lang="en-US" sz="2000" b="1" dirty="0" err="1">
+                <a:latin typeface="Cascadia Code" panose="020B0609020000020004" pitchFamily="34" charset="0"/>
+                <a:ea typeface="Cascadia Code" panose="020B0609020000020004" pitchFamily="34" charset="0"/>
+                <a:cs typeface="Cascadia Code" panose="020B0609020000020004" pitchFamily="34" charset="0"/>
+              </a:rPr>
+              <a:t>performHapticFeedback</a:t>
+            </a:r>
+            <a:r>
+              <a:rPr lang="en-US" sz="2000" b="1" dirty="0">
+                <a:latin typeface="Cascadia Code" panose="020B0609020000020004" pitchFamily="34" charset="0"/>
+                <a:ea typeface="Cascadia Code" panose="020B0609020000020004" pitchFamily="34" charset="0"/>
+                <a:cs typeface="Cascadia Code" panose="020B0609020000020004" pitchFamily="34" charset="0"/>
+              </a:rPr>
+              <a:t> </a:t>
+            </a:r>
+            <a:r>
+              <a:rPr lang="en-US" sz="2000" b="1" dirty="0">
+                <a:latin typeface="Avenir Next LT Pro" panose="020B0504020202020204" pitchFamily="34" charset="77"/>
+              </a:rPr>
+              <a:t>Failure</a:t>
+            </a:r>
+            <a:endParaRPr lang="en-KR" b="1" dirty="0">
+              <a:latin typeface="Avenir Next LT Pro" panose="020B0504020202020204" pitchFamily="34" charset="77"/>
+            </a:endParaRPr>
+          </a:p>
+        </p:txBody>
+      </p:sp>
+      <p:pic>
+        <p:nvPicPr>
+          <p:cNvPr id="2" name="Picture 1">
+            <a:extLst>
+              <a:ext uri="{FF2B5EF4-FFF2-40B4-BE49-F238E27FC236}">
+                <a16:creationId xmlns:a16="http://schemas.microsoft.com/office/drawing/2014/main" id="{1AC91BD4-8C60-04D0-78E3-7A9821904E61}"/>
+              </a:ext>
+            </a:extLst>
+          </p:cNvPr>
+          <p:cNvPicPr>
+            <a:picLocks noChangeAspect="1"/>
+          </p:cNvPicPr>
+          <p:nvPr/>
+        </p:nvPicPr>
+        <p:blipFill>
+          <a:blip r:embed="rId2"/>
+          <a:stretch>
+            <a:fillRect/>
+          </a:stretch>
+        </p:blipFill>
+        <p:spPr>
+          <a:xfrm>
+            <a:off x="8867553" y="365125"/>
+            <a:ext cx="2998530" cy="6269654"/>
+          </a:xfrm>
+          <a:prstGeom prst="rect">
+            <a:avLst/>
+          </a:prstGeom>
+        </p:spPr>
+      </p:pic>
+      <p:sp>
+        <p:nvSpPr>
+          <p:cNvPr id="3" name="Rectangle 2">
+            <a:extLst>
+              <a:ext uri="{FF2B5EF4-FFF2-40B4-BE49-F238E27FC236}">
+                <a16:creationId xmlns:a16="http://schemas.microsoft.com/office/drawing/2014/main" id="{702A8DA8-C9C5-7AD4-41D3-A78A7172977F}"/>
+              </a:ext>
+            </a:extLst>
+          </p:cNvPr>
+          <p:cNvSpPr/>
+          <p:nvPr/>
+        </p:nvSpPr>
+        <p:spPr>
+          <a:xfrm>
+            <a:off x="8867553" y="5273749"/>
+            <a:ext cx="2998530" cy="723014"/>
+          </a:xfrm>
+          <a:prstGeom prst="rect">
+            <a:avLst/>
+          </a:prstGeom>
+          <a:noFill/>
+          <a:ln w="38100">
+            <a:solidFill>
+              <a:srgbClr val="FF0000"/>
+            </a:solidFill>
+          </a:ln>
+        </p:spPr>
+        <p:style>
+          <a:lnRef idx="2">
+            <a:schemeClr val="accent1">
+              <a:shade val="15000"/>
+            </a:schemeClr>
+          </a:lnRef>
+          <a:fillRef idx="1">
+            <a:schemeClr val="accent1"/>
+          </a:fillRef>
+          <a:effectRef idx="0">
+            <a:schemeClr val="accent1"/>
+          </a:effectRef>
+          <a:fontRef idx="minor">
+            <a:schemeClr val="lt1"/>
+          </a:fontRef>
+        </p:style>
+        <p:txBody>
+          <a:bodyPr rtlCol="0" anchor="ctr"/>
+          <a:lstStyle/>
+          <a:p>
+            <a:pPr algn="ctr"/>
+            <a:endParaRPr lang="en-KR"/>
+          </a:p>
+        </p:txBody>
+      </p:sp>
+      <p:sp>
+        <p:nvSpPr>
+          <p:cNvPr id="7" name="TextBox 6">
+            <a:extLst>
+              <a:ext uri="{FF2B5EF4-FFF2-40B4-BE49-F238E27FC236}">
+                <a16:creationId xmlns:a16="http://schemas.microsoft.com/office/drawing/2014/main" id="{E9538D33-1648-3704-C362-FF087FDF830F}"/>
+              </a:ext>
+            </a:extLst>
+          </p:cNvPr>
+          <p:cNvSpPr txBox="1"/>
+          <p:nvPr/>
+        </p:nvSpPr>
+        <p:spPr>
+          <a:xfrm>
+            <a:off x="265518" y="3009014"/>
+            <a:ext cx="8602035" cy="1815882"/>
+          </a:xfrm>
+          <a:prstGeom prst="rect">
+            <a:avLst/>
+          </a:prstGeom>
+          <a:noFill/>
+        </p:spPr>
+        <p:txBody>
+          <a:bodyPr wrap="none" rtlCol="0">
+            <a:spAutoFit/>
+          </a:bodyPr>
+          <a:lstStyle/>
+          <a:p>
+            <a:pPr algn="ctr"/>
+            <a:r>
+              <a:rPr lang="en-KR" sz="2800" dirty="0">
+                <a:latin typeface="Noto Sans KR" panose="020B0200000000000000" pitchFamily="34" charset="-128"/>
+                <a:ea typeface="Noto Sans KR" panose="020B0200000000000000" pitchFamily="34" charset="-128"/>
+              </a:rPr>
+              <a:t>Strength of haptic feedback is globally controlled.</a:t>
+            </a:r>
+          </a:p>
+          <a:p>
+            <a:pPr algn="ctr"/>
+            <a:r>
+              <a:rPr lang="en-KR" sz="2800" dirty="0">
+                <a:latin typeface="Noto Sans KR" panose="020B0200000000000000" pitchFamily="34" charset="-128"/>
+                <a:ea typeface="Noto Sans KR" panose="020B0200000000000000" pitchFamily="34" charset="-128"/>
+              </a:rPr>
+              <a:t>(Cannot apply </a:t>
+            </a:r>
+            <a:r>
+              <a:rPr lang="en-US" sz="2800" dirty="0">
+                <a:latin typeface="Noto Sans KR" panose="020B0200000000000000" pitchFamily="34" charset="-128"/>
+                <a:ea typeface="Noto Sans KR" panose="020B0200000000000000" pitchFamily="34" charset="-128"/>
+              </a:rPr>
+              <a:t>various strength of haptic feedback)</a:t>
+            </a:r>
+            <a:endParaRPr lang="en-KR" sz="2800" dirty="0">
+              <a:latin typeface="Noto Sans KR" panose="020B0200000000000000" pitchFamily="34" charset="-128"/>
+              <a:ea typeface="Noto Sans KR" panose="020B0200000000000000" pitchFamily="34" charset="-128"/>
+            </a:endParaRPr>
+          </a:p>
+          <a:p>
+            <a:pPr algn="ctr"/>
+            <a:r>
+              <a:rPr lang="en-KR" sz="2800" dirty="0">
+                <a:latin typeface="Noto Sans KR" panose="020B0200000000000000" pitchFamily="34" charset="-128"/>
+                <a:ea typeface="Noto Sans KR" panose="020B0200000000000000" pitchFamily="34" charset="-128"/>
+              </a:rPr>
+              <a:t>↓</a:t>
+            </a:r>
+          </a:p>
+          <a:p>
+            <a:pPr algn="ctr"/>
+            <a:r>
+              <a:rPr lang="en-KR" sz="2800" dirty="0">
+                <a:latin typeface="Noto Sans KR" panose="020B0200000000000000" pitchFamily="34" charset="-128"/>
+                <a:ea typeface="Noto Sans KR" panose="020B0200000000000000" pitchFamily="34" charset="-128"/>
+              </a:rPr>
+              <a:t>Use </a:t>
+            </a:r>
+            <a:r>
+              <a:rPr lang="en-KR" sz="2800" b="1" dirty="0">
+                <a:latin typeface="Noto Sans KR" panose="020B0200000000000000" pitchFamily="34" charset="-128"/>
+                <a:ea typeface="Noto Sans KR" panose="020B0200000000000000" pitchFamily="34" charset="-128"/>
+              </a:rPr>
+              <a:t>Vibration</a:t>
+            </a:r>
+            <a:r>
+              <a:rPr lang="en-KR" sz="2800" dirty="0">
+                <a:latin typeface="Noto Sans KR" panose="020B0200000000000000" pitchFamily="34" charset="-128"/>
+                <a:ea typeface="Noto Sans KR" panose="020B0200000000000000" pitchFamily="34" charset="-128"/>
+              </a:rPr>
+              <a:t> instead of Haptics!</a:t>
+            </a:r>
+          </a:p>
+        </p:txBody>
+      </p:sp>
+    </p:spTree>
+    <p:extLst>
+      <p:ext uri="{BB962C8B-B14F-4D97-AF65-F5344CB8AC3E}">
+        <p14:creationId xmlns:p14="http://schemas.microsoft.com/office/powerpoint/2010/main" val="1579172551"/>
+      </p:ext>
+    </p:extLst>
+  </p:cSld>
+  <p:clrMapOvr>
+    <a:masterClrMapping/>
+  </p:clrMapOvr>
+</p:sld>
+</file>
+
+<file path=ppt/slides/slide6.xml><?xml version="1.0" encoding="utf-8"?>
+<p:sld xmlns:a="http://schemas.openxmlformats.org/drawingml/2006/main" xmlns:r="http://schemas.openxmlformats.org/officeDocument/2006/relationships" xmlns:p="http://schemas.openxmlformats.org/presentationml/2006/main">
+  <p:cSld>
+    <p:spTree>
+      <p:nvGrpSpPr>
+        <p:cNvPr id="1" name="">
+          <a:extLst>
+            <a:ext uri="{FF2B5EF4-FFF2-40B4-BE49-F238E27FC236}">
+              <a16:creationId xmlns:a16="http://schemas.microsoft.com/office/drawing/2014/main" id="{CE60F8E0-2A98-573F-9DDE-B36E69CFAE7E}"/>
+            </a:ext>
+          </a:extLst>
+        </p:cNvPr>
+        <p:cNvGrpSpPr/>
+        <p:nvPr/>
+      </p:nvGrpSpPr>
+      <p:grpSpPr>
+        <a:xfrm>
+          <a:off x="0" y="0"/>
+          <a:ext cx="0" cy="0"/>
+          <a:chOff x="0" y="0"/>
+          <a:chExt cx="0" cy="0"/>
+        </a:xfrm>
+      </p:grpSpPr>
+      <p:sp>
+        <p:nvSpPr>
+          <p:cNvPr id="4" name="Title 1">
+            <a:extLst>
+              <a:ext uri="{FF2B5EF4-FFF2-40B4-BE49-F238E27FC236}">
+                <a16:creationId xmlns:a16="http://schemas.microsoft.com/office/drawing/2014/main" id="{6C346F8C-01A0-5F02-FA8D-A9931FB077D8}"/>
+              </a:ext>
+            </a:extLst>
+          </p:cNvPr>
+          <p:cNvSpPr>
+            <a:spLocks noGrp="1"/>
+          </p:cNvSpPr>
+          <p:nvPr>
+            <p:ph type="title"/>
+          </p:nvPr>
+        </p:nvSpPr>
+        <p:spPr>
+          <a:xfrm>
+            <a:off x="838200" y="365125"/>
+            <a:ext cx="10515600" cy="1325563"/>
+          </a:xfrm>
+        </p:spPr>
+        <p:txBody>
+          <a:bodyPr/>
+          <a:lstStyle/>
+          <a:p>
+            <a:r>
+              <a:rPr lang="en-US" b="1" dirty="0">
+                <a:latin typeface="Avenir Next LT Pro" panose="020B0504020202020204" pitchFamily="34" charset="77"/>
+              </a:rPr>
+              <a:t>Code Implementation</a:t>
+            </a:r>
+            <a:endParaRPr lang="en-KR" b="1" dirty="0">
+              <a:latin typeface="Avenir Next LT Pro" panose="020B0504020202020204" pitchFamily="34" charset="77"/>
+            </a:endParaRPr>
+          </a:p>
+        </p:txBody>
+      </p:sp>
+      <p:sp>
+        <p:nvSpPr>
+          <p:cNvPr id="5" name="Oval 4">
+            <a:extLst>
+              <a:ext uri="{FF2B5EF4-FFF2-40B4-BE49-F238E27FC236}">
+                <a16:creationId xmlns:a16="http://schemas.microsoft.com/office/drawing/2014/main" id="{95C31576-B857-3F83-81C9-57D797D74538}"/>
+              </a:ext>
+            </a:extLst>
+          </p:cNvPr>
+          <p:cNvSpPr/>
+          <p:nvPr/>
+        </p:nvSpPr>
+        <p:spPr>
+          <a:xfrm>
+            <a:off x="5588631" y="2711191"/>
+            <a:ext cx="457200" cy="457200"/>
+          </a:xfrm>
+          <a:prstGeom prst="ellipse">
+            <a:avLst/>
+          </a:prstGeom>
+        </p:spPr>
+        <p:style>
+          <a:lnRef idx="2">
+            <a:schemeClr val="accent1">
+              <a:shade val="15000"/>
+            </a:schemeClr>
+          </a:lnRef>
+          <a:fillRef idx="1">
+            <a:schemeClr val="accent1"/>
+          </a:fillRef>
+          <a:effectRef idx="0">
+            <a:schemeClr val="accent1"/>
+          </a:effectRef>
+          <a:fontRef idx="minor">
+            <a:schemeClr val="lt1"/>
+          </a:fontRef>
+        </p:style>
+        <p:txBody>
+          <a:bodyPr rtlCol="0" anchor="ctr"/>
+          <a:lstStyle/>
+          <a:p>
+            <a:pPr algn="ctr"/>
+            <a:endParaRPr lang="en-KR"/>
+          </a:p>
+        </p:txBody>
+      </p:sp>
+      <p:sp>
+        <p:nvSpPr>
+          <p:cNvPr id="6" name="TextBox 5">
+            <a:extLst>
+              <a:ext uri="{FF2B5EF4-FFF2-40B4-BE49-F238E27FC236}">
+                <a16:creationId xmlns:a16="http://schemas.microsoft.com/office/drawing/2014/main" id="{9B5DBDC0-4B0E-C938-3621-D9EA7866DF17}"/>
+              </a:ext>
+            </a:extLst>
+          </p:cNvPr>
+          <p:cNvSpPr txBox="1"/>
+          <p:nvPr/>
+        </p:nvSpPr>
+        <p:spPr>
+          <a:xfrm>
+            <a:off x="6060349" y="2755125"/>
+            <a:ext cx="1531188" cy="369332"/>
+          </a:xfrm>
+          <a:prstGeom prst="rect">
+            <a:avLst/>
+          </a:prstGeom>
+          <a:noFill/>
+        </p:spPr>
+        <p:txBody>
+          <a:bodyPr wrap="none" rtlCol="0">
+            <a:spAutoFit/>
+          </a:bodyPr>
+          <a:lstStyle/>
+          <a:p>
+            <a:r>
+              <a:rPr lang="en-KR" dirty="0">
+                <a:latin typeface="Cascadia Code" panose="020B0609020000020004" pitchFamily="34" charset="0"/>
+                <a:ea typeface="Cascadia Code" panose="020B0609020000020004" pitchFamily="34" charset="0"/>
+                <a:cs typeface="Cascadia Code" panose="020B0609020000020004" pitchFamily="34" charset="0"/>
+              </a:rPr>
+              <a:t>CreateView</a:t>
+            </a:r>
+          </a:p>
+        </p:txBody>
+      </p:sp>
+      <p:sp>
+        <p:nvSpPr>
+          <p:cNvPr id="8" name="Rectangle 7">
+            <a:extLst>
+              <a:ext uri="{FF2B5EF4-FFF2-40B4-BE49-F238E27FC236}">
+                <a16:creationId xmlns:a16="http://schemas.microsoft.com/office/drawing/2014/main" id="{A6413534-BF24-F951-69B9-579DFFD50EDB}"/>
+              </a:ext>
+            </a:extLst>
+          </p:cNvPr>
+          <p:cNvSpPr/>
+          <p:nvPr/>
+        </p:nvSpPr>
+        <p:spPr>
+          <a:xfrm>
+            <a:off x="5152695" y="3739542"/>
+            <a:ext cx="1329071" cy="457200"/>
+          </a:xfrm>
+          <a:prstGeom prst="rect">
+            <a:avLst/>
+          </a:prstGeom>
+        </p:spPr>
+        <p:style>
+          <a:lnRef idx="2">
+            <a:schemeClr val="accent1">
+              <a:shade val="15000"/>
+            </a:schemeClr>
+          </a:lnRef>
+          <a:fillRef idx="1">
+            <a:schemeClr val="accent1"/>
+          </a:fillRef>
+          <a:effectRef idx="0">
+            <a:schemeClr val="accent1"/>
+          </a:effectRef>
+          <a:fontRef idx="minor">
+            <a:schemeClr val="lt1"/>
+          </a:fontRef>
+        </p:style>
+        <p:txBody>
+          <a:bodyPr rtlCol="0" anchor="ctr"/>
+          <a:lstStyle/>
+          <a:p>
+            <a:pPr algn="ctr"/>
+            <a:r>
+              <a:rPr lang="en-KR" sz="1400" dirty="0">
+                <a:latin typeface="Noto Sans KR" panose="020B0200000000000000" pitchFamily="34" charset="-128"/>
+                <a:ea typeface="Noto Sans KR" panose="020B0200000000000000" pitchFamily="34" charset="-128"/>
+              </a:rPr>
+              <a:t>Sensor Init</a:t>
+            </a:r>
+          </a:p>
+        </p:txBody>
+      </p:sp>
+      <p:sp>
+        <p:nvSpPr>
+          <p:cNvPr id="9" name="Rectangle 8">
+            <a:extLst>
+              <a:ext uri="{FF2B5EF4-FFF2-40B4-BE49-F238E27FC236}">
+                <a16:creationId xmlns:a16="http://schemas.microsoft.com/office/drawing/2014/main" id="{C2789B1C-450C-0D58-1AB4-5A41FEC06299}"/>
+              </a:ext>
+            </a:extLst>
+          </p:cNvPr>
+          <p:cNvSpPr/>
+          <p:nvPr/>
+        </p:nvSpPr>
+        <p:spPr>
+          <a:xfrm>
+            <a:off x="5152695" y="4305709"/>
+            <a:ext cx="1329071" cy="457200"/>
+          </a:xfrm>
+          <a:prstGeom prst="rect">
+            <a:avLst/>
+          </a:prstGeom>
+        </p:spPr>
+        <p:style>
+          <a:lnRef idx="2">
+            <a:schemeClr val="accent1">
+              <a:shade val="15000"/>
+            </a:schemeClr>
+          </a:lnRef>
+          <a:fillRef idx="1">
+            <a:schemeClr val="accent1"/>
+          </a:fillRef>
+          <a:effectRef idx="0">
+            <a:schemeClr val="accent1"/>
+          </a:effectRef>
+          <a:fontRef idx="minor">
+            <a:schemeClr val="lt1"/>
+          </a:fontRef>
+        </p:style>
+        <p:txBody>
+          <a:bodyPr rtlCol="0" anchor="ctr"/>
+          <a:lstStyle/>
+          <a:p>
+            <a:pPr algn="ctr"/>
+            <a:r>
+              <a:rPr lang="en-KR" sz="1400" dirty="0">
+                <a:latin typeface="Noto Sans KR" panose="020B0200000000000000" pitchFamily="34" charset="-128"/>
+                <a:ea typeface="Noto Sans KR" panose="020B0200000000000000" pitchFamily="34" charset="-128"/>
+              </a:rPr>
+              <a:t>Vibrator Init</a:t>
+            </a:r>
+          </a:p>
+        </p:txBody>
+      </p:sp>
+      <p:sp>
+        <p:nvSpPr>
+          <p:cNvPr id="36" name="Rectangle 35">
+            <a:extLst>
+              <a:ext uri="{FF2B5EF4-FFF2-40B4-BE49-F238E27FC236}">
+                <a16:creationId xmlns:a16="http://schemas.microsoft.com/office/drawing/2014/main" id="{2E149A47-D869-20BC-74EB-2A7C85E16E97}"/>
+              </a:ext>
+            </a:extLst>
+          </p:cNvPr>
+          <p:cNvSpPr/>
+          <p:nvPr/>
+        </p:nvSpPr>
+        <p:spPr>
+          <a:xfrm>
+            <a:off x="5152694" y="4871876"/>
+            <a:ext cx="1329071" cy="457200"/>
+          </a:xfrm>
+          <a:prstGeom prst="rect">
+            <a:avLst/>
+          </a:prstGeom>
+        </p:spPr>
+        <p:style>
+          <a:lnRef idx="2">
+            <a:schemeClr val="accent1">
+              <a:shade val="15000"/>
+            </a:schemeClr>
+          </a:lnRef>
+          <a:fillRef idx="1">
+            <a:schemeClr val="accent1"/>
+          </a:fillRef>
+          <a:effectRef idx="0">
+            <a:schemeClr val="accent1"/>
+          </a:effectRef>
+          <a:fontRef idx="minor">
+            <a:schemeClr val="lt1"/>
+          </a:fontRef>
+        </p:style>
+        <p:txBody>
+          <a:bodyPr rtlCol="0" anchor="ctr"/>
+          <a:lstStyle/>
+          <a:p>
+            <a:pPr algn="ctr"/>
+            <a:r>
+              <a:rPr lang="en-KR" sz="1400" dirty="0">
+                <a:latin typeface="Noto Sans KR" panose="020B0200000000000000" pitchFamily="34" charset="-128"/>
+                <a:ea typeface="Noto Sans KR" panose="020B0200000000000000" pitchFamily="34" charset="-128"/>
+              </a:rPr>
+              <a:t>Thread Init</a:t>
+            </a:r>
+          </a:p>
+        </p:txBody>
+      </p:sp>
+      <p:cxnSp>
+        <p:nvCxnSpPr>
+          <p:cNvPr id="38" name="Straight Connector 37">
+            <a:extLst>
+              <a:ext uri="{FF2B5EF4-FFF2-40B4-BE49-F238E27FC236}">
+                <a16:creationId xmlns:a16="http://schemas.microsoft.com/office/drawing/2014/main" id="{218C0F3B-6D1C-A756-3F5C-EF5CBE540409}"/>
+              </a:ext>
+            </a:extLst>
+          </p:cNvPr>
+          <p:cNvCxnSpPr>
+            <a:cxnSpLocks/>
+          </p:cNvCxnSpPr>
+          <p:nvPr/>
+        </p:nvCxnSpPr>
+        <p:spPr>
+          <a:xfrm>
+            <a:off x="5504451" y="5318099"/>
+            <a:ext cx="0" cy="912218"/>
+          </a:xfrm>
+          <a:prstGeom prst="line">
+            <a:avLst/>
+          </a:prstGeom>
+          <a:ln w="57150">
+            <a:prstDash val="sysDash"/>
+          </a:ln>
+        </p:spPr>
+        <p:style>
+          <a:lnRef idx="2">
+            <a:schemeClr val="accent1"/>
+          </a:lnRef>
+          <a:fillRef idx="0">
+            <a:schemeClr val="accent1"/>
+          </a:fillRef>
+          <a:effectRef idx="1">
+            <a:schemeClr val="accent1"/>
+          </a:effectRef>
+          <a:fontRef idx="minor">
+            <a:schemeClr val="tx1"/>
+          </a:fontRef>
+        </p:style>
+      </p:cxnSp>
+      <p:cxnSp>
+        <p:nvCxnSpPr>
+          <p:cNvPr id="39" name="Straight Connector 38">
+            <a:extLst>
+              <a:ext uri="{FF2B5EF4-FFF2-40B4-BE49-F238E27FC236}">
+                <a16:creationId xmlns:a16="http://schemas.microsoft.com/office/drawing/2014/main" id="{4382E57F-EA89-5F01-7D9E-7DBD0FC71802}"/>
+              </a:ext>
+            </a:extLst>
+          </p:cNvPr>
+          <p:cNvCxnSpPr>
+            <a:cxnSpLocks/>
+          </p:cNvCxnSpPr>
+          <p:nvPr/>
+        </p:nvCxnSpPr>
+        <p:spPr>
+          <a:xfrm>
+            <a:off x="6096000" y="5329076"/>
+            <a:ext cx="0" cy="901241"/>
+          </a:xfrm>
+          <a:prstGeom prst="line">
+            <a:avLst/>
+          </a:prstGeom>
+          <a:ln w="57150">
+            <a:prstDash val="sysDash"/>
+          </a:ln>
+        </p:spPr>
+        <p:style>
+          <a:lnRef idx="2">
+            <a:schemeClr val="accent1"/>
+          </a:lnRef>
+          <a:fillRef idx="0">
+            <a:schemeClr val="accent1"/>
+          </a:fillRef>
+          <a:effectRef idx="1">
+            <a:schemeClr val="accent1"/>
+          </a:effectRef>
+          <a:fontRef idx="minor">
+            <a:schemeClr val="tx1"/>
+          </a:fontRef>
+        </p:style>
+      </p:cxnSp>
+      <p:cxnSp>
+        <p:nvCxnSpPr>
+          <p:cNvPr id="41" name="Straight Arrow Connector 40">
+            <a:extLst>
+              <a:ext uri="{FF2B5EF4-FFF2-40B4-BE49-F238E27FC236}">
+                <a16:creationId xmlns:a16="http://schemas.microsoft.com/office/drawing/2014/main" id="{35979968-C8A5-1658-9687-61098F14E923}"/>
+              </a:ext>
+            </a:extLst>
+          </p:cNvPr>
+          <p:cNvCxnSpPr>
+            <a:stCxn id="5" idx="4"/>
+            <a:endCxn id="8" idx="0"/>
+          </p:cNvCxnSpPr>
+          <p:nvPr/>
+        </p:nvCxnSpPr>
+        <p:spPr>
+          <a:xfrm>
+            <a:off x="5817231" y="3168391"/>
+            <a:ext cx="0" cy="571151"/>
+          </a:xfrm>
+          <a:prstGeom prst="straightConnector1">
+            <a:avLst/>
+          </a:prstGeom>
+          <a:ln>
+            <a:tailEnd type="triangle"/>
+          </a:ln>
+        </p:spPr>
+        <p:style>
+          <a:lnRef idx="2">
+            <a:schemeClr val="accent1"/>
+          </a:lnRef>
+          <a:fillRef idx="0">
+            <a:schemeClr val="accent1"/>
+          </a:fillRef>
+          <a:effectRef idx="1">
+            <a:schemeClr val="accent1"/>
+          </a:effectRef>
+          <a:fontRef idx="minor">
+            <a:schemeClr val="tx1"/>
+          </a:fontRef>
+        </p:style>
+      </p:cxnSp>
+      <p:cxnSp>
+        <p:nvCxnSpPr>
+          <p:cNvPr id="44" name="Straight Arrow Connector 43">
+            <a:extLst>
+              <a:ext uri="{FF2B5EF4-FFF2-40B4-BE49-F238E27FC236}">
+                <a16:creationId xmlns:a16="http://schemas.microsoft.com/office/drawing/2014/main" id="{CAA7AD1F-5387-AAB2-49B3-D4869EDBD041}"/>
+              </a:ext>
+            </a:extLst>
+          </p:cNvPr>
+          <p:cNvCxnSpPr>
+            <a:stCxn id="8" idx="2"/>
+            <a:endCxn id="9" idx="0"/>
+          </p:cNvCxnSpPr>
+          <p:nvPr/>
+        </p:nvCxnSpPr>
+        <p:spPr>
+          <a:xfrm>
+            <a:off x="5817231" y="4196742"/>
+            <a:ext cx="0" cy="108967"/>
+          </a:xfrm>
+          <a:prstGeom prst="straightConnector1">
+            <a:avLst/>
+          </a:prstGeom>
+          <a:ln>
+            <a:tailEnd type="triangle"/>
+          </a:ln>
+        </p:spPr>
+        <p:style>
+          <a:lnRef idx="2">
+            <a:schemeClr val="accent1"/>
+          </a:lnRef>
+          <a:fillRef idx="0">
+            <a:schemeClr val="accent1"/>
+          </a:fillRef>
+          <a:effectRef idx="1">
+            <a:schemeClr val="accent1"/>
+          </a:effectRef>
+          <a:fontRef idx="minor">
+            <a:schemeClr val="tx1"/>
+          </a:fontRef>
+        </p:style>
+      </p:cxnSp>
+      <p:cxnSp>
+        <p:nvCxnSpPr>
+          <p:cNvPr id="46" name="Straight Arrow Connector 45">
+            <a:extLst>
+              <a:ext uri="{FF2B5EF4-FFF2-40B4-BE49-F238E27FC236}">
+                <a16:creationId xmlns:a16="http://schemas.microsoft.com/office/drawing/2014/main" id="{AE4F85EA-3CEE-AE0F-C511-BD1132C7E8E1}"/>
+              </a:ext>
+            </a:extLst>
+          </p:cNvPr>
+          <p:cNvCxnSpPr>
+            <a:stCxn id="9" idx="2"/>
+            <a:endCxn id="36" idx="0"/>
+          </p:cNvCxnSpPr>
+          <p:nvPr/>
+        </p:nvCxnSpPr>
+        <p:spPr>
+          <a:xfrm flipH="1">
+            <a:off x="5817230" y="4762909"/>
+            <a:ext cx="1" cy="108967"/>
+          </a:xfrm>
+          <a:prstGeom prst="straightConnector1">
+            <a:avLst/>
+          </a:prstGeom>
+          <a:ln>
+            <a:tailEnd type="triangle"/>
+          </a:ln>
+        </p:spPr>
+        <p:style>
+          <a:lnRef idx="2">
+            <a:schemeClr val="accent1"/>
+          </a:lnRef>
+          <a:fillRef idx="0">
+            <a:schemeClr val="accent1"/>
+          </a:fillRef>
+          <a:effectRef idx="1">
+            <a:schemeClr val="accent1"/>
+          </a:effectRef>
+          <a:fontRef idx="minor">
+            <a:schemeClr val="tx1"/>
+          </a:fontRef>
+        </p:style>
+      </p:cxnSp>
+      <p:cxnSp>
+        <p:nvCxnSpPr>
+          <p:cNvPr id="12" name="Straight Connector 11">
+            <a:extLst>
+              <a:ext uri="{FF2B5EF4-FFF2-40B4-BE49-F238E27FC236}">
+                <a16:creationId xmlns:a16="http://schemas.microsoft.com/office/drawing/2014/main" id="{28A7FF8B-5273-A378-D976-4D0068524305}"/>
+              </a:ext>
+            </a:extLst>
+          </p:cNvPr>
+          <p:cNvCxnSpPr/>
+          <p:nvPr/>
+        </p:nvCxnSpPr>
+        <p:spPr>
+          <a:xfrm>
+            <a:off x="5152694" y="6230317"/>
+            <a:ext cx="1329071" cy="0"/>
+          </a:xfrm>
+          <a:prstGeom prst="line">
+            <a:avLst/>
+          </a:prstGeom>
+        </p:spPr>
+        <p:style>
+          <a:lnRef idx="2">
+            <a:schemeClr val="accent1"/>
+          </a:lnRef>
+          <a:fillRef idx="0">
+            <a:schemeClr val="accent1"/>
+          </a:fillRef>
+          <a:effectRef idx="1">
+            <a:schemeClr val="accent1"/>
+          </a:effectRef>
+          <a:fontRef idx="minor">
+            <a:schemeClr val="tx1"/>
+          </a:fontRef>
+        </p:style>
+      </p:cxnSp>
+      <p:sp>
+        <p:nvSpPr>
+          <p:cNvPr id="15" name="TextBox 14">
+            <a:extLst>
+              <a:ext uri="{FF2B5EF4-FFF2-40B4-BE49-F238E27FC236}">
+                <a16:creationId xmlns:a16="http://schemas.microsoft.com/office/drawing/2014/main" id="{07389CA9-9D82-FDAD-21F5-A7CD88449808}"/>
+              </a:ext>
+            </a:extLst>
+          </p:cNvPr>
+          <p:cNvSpPr txBox="1"/>
+          <p:nvPr/>
+        </p:nvSpPr>
+        <p:spPr>
+          <a:xfrm>
+            <a:off x="5051635" y="6245596"/>
+            <a:ext cx="1665841" cy="369332"/>
+          </a:xfrm>
+          <a:prstGeom prst="rect">
+            <a:avLst/>
+          </a:prstGeom>
+          <a:noFill/>
+        </p:spPr>
+        <p:txBody>
+          <a:bodyPr wrap="none" rtlCol="0">
+            <a:spAutoFit/>
+          </a:bodyPr>
+          <a:lstStyle/>
+          <a:p>
+            <a:r>
+              <a:rPr lang="en-KR" dirty="0">
+                <a:latin typeface="Cascadia Code" panose="020B0609020000020004" pitchFamily="34" charset="0"/>
+                <a:ea typeface="Cascadia Code" panose="020B0609020000020004" pitchFamily="34" charset="0"/>
+                <a:cs typeface="Cascadia Code" panose="020B0609020000020004" pitchFamily="34" charset="0"/>
+              </a:rPr>
+              <a:t>DestroyView</a:t>
+            </a:r>
+          </a:p>
+        </p:txBody>
+      </p:sp>
+      <p:sp>
+        <p:nvSpPr>
+          <p:cNvPr id="18" name="Oval 17">
+            <a:extLst>
+              <a:ext uri="{FF2B5EF4-FFF2-40B4-BE49-F238E27FC236}">
+                <a16:creationId xmlns:a16="http://schemas.microsoft.com/office/drawing/2014/main" id="{2F9D93A9-9DB0-0416-5110-F73C1336BC2B}"/>
+              </a:ext>
+            </a:extLst>
+          </p:cNvPr>
+          <p:cNvSpPr/>
+          <p:nvPr/>
+        </p:nvSpPr>
+        <p:spPr>
+          <a:xfrm>
+            <a:off x="8041992" y="2700214"/>
+            <a:ext cx="457200" cy="457200"/>
+          </a:xfrm>
+          <a:prstGeom prst="ellipse">
+            <a:avLst/>
+          </a:prstGeom>
+          <a:solidFill>
+            <a:schemeClr val="bg2">
+              <a:lumMod val="90000"/>
+            </a:schemeClr>
+          </a:solidFill>
+          <a:ln>
+            <a:solidFill>
+              <a:schemeClr val="bg2">
+                <a:lumMod val="75000"/>
+              </a:schemeClr>
+            </a:solidFill>
+          </a:ln>
+        </p:spPr>
+        <p:style>
+          <a:lnRef idx="2">
+            <a:schemeClr val="accent1">
+              <a:shade val="15000"/>
+            </a:schemeClr>
+          </a:lnRef>
+          <a:fillRef idx="1">
+            <a:schemeClr val="accent1"/>
+          </a:fillRef>
+          <a:effectRef idx="0">
+            <a:schemeClr val="accent1"/>
+          </a:effectRef>
+          <a:fontRef idx="minor">
+            <a:schemeClr val="lt1"/>
+          </a:fontRef>
+        </p:style>
+        <p:txBody>
+          <a:bodyPr rtlCol="0" anchor="ctr"/>
+          <a:lstStyle/>
+          <a:p>
+            <a:pPr algn="ctr"/>
+            <a:endParaRPr lang="en-KR"/>
+          </a:p>
+        </p:txBody>
+      </p:sp>
+      <p:sp>
+        <p:nvSpPr>
+          <p:cNvPr id="25" name="Rectangle 24">
+            <a:extLst>
+              <a:ext uri="{FF2B5EF4-FFF2-40B4-BE49-F238E27FC236}">
+                <a16:creationId xmlns:a16="http://schemas.microsoft.com/office/drawing/2014/main" id="{EF033936-7C44-B672-70FF-5727586FD8C9}"/>
+              </a:ext>
+            </a:extLst>
+          </p:cNvPr>
+          <p:cNvSpPr/>
+          <p:nvPr/>
+        </p:nvSpPr>
+        <p:spPr>
+          <a:xfrm>
+            <a:off x="7606056" y="3728565"/>
+            <a:ext cx="1329071" cy="457200"/>
+          </a:xfrm>
+          <a:prstGeom prst="rect">
+            <a:avLst/>
+          </a:prstGeom>
+          <a:solidFill>
+            <a:schemeClr val="bg2">
+              <a:lumMod val="90000"/>
+            </a:schemeClr>
+          </a:solidFill>
+          <a:ln>
+            <a:solidFill>
+              <a:schemeClr val="bg2">
+                <a:lumMod val="75000"/>
+              </a:schemeClr>
+            </a:solidFill>
+          </a:ln>
+        </p:spPr>
+        <p:style>
+          <a:lnRef idx="2">
+            <a:schemeClr val="accent1">
+              <a:shade val="15000"/>
+            </a:schemeClr>
+          </a:lnRef>
+          <a:fillRef idx="1">
+            <a:schemeClr val="accent1"/>
+          </a:fillRef>
+          <a:effectRef idx="0">
+            <a:schemeClr val="accent1"/>
+          </a:effectRef>
+          <a:fontRef idx="minor">
+            <a:schemeClr val="lt1"/>
+          </a:fontRef>
+        </p:style>
+        <p:txBody>
+          <a:bodyPr rtlCol="0" anchor="ctr"/>
+          <a:lstStyle/>
+          <a:p>
+            <a:pPr algn="ctr"/>
+            <a:r>
+              <a:rPr lang="en-KR" sz="1400" dirty="0">
+                <a:latin typeface="Noto Sans KR" panose="020B0200000000000000" pitchFamily="34" charset="-128"/>
+                <a:ea typeface="Noto Sans KR" panose="020B0200000000000000" pitchFamily="34" charset="-128"/>
+              </a:rPr>
+              <a:t>S</a:t>
+            </a:r>
+          </a:p>
+        </p:txBody>
+      </p:sp>
+      <p:sp>
+        <p:nvSpPr>
+          <p:cNvPr id="26" name="Rectangle 25">
+            <a:extLst>
+              <a:ext uri="{FF2B5EF4-FFF2-40B4-BE49-F238E27FC236}">
+                <a16:creationId xmlns:a16="http://schemas.microsoft.com/office/drawing/2014/main" id="{B2EE2176-0CCD-47C5-18A5-998F24E42672}"/>
+              </a:ext>
+            </a:extLst>
+          </p:cNvPr>
+          <p:cNvSpPr/>
+          <p:nvPr/>
+        </p:nvSpPr>
+        <p:spPr>
+          <a:xfrm>
+            <a:off x="7606056" y="4294732"/>
+            <a:ext cx="1329071" cy="457200"/>
+          </a:xfrm>
+          <a:prstGeom prst="rect">
+            <a:avLst/>
+          </a:prstGeom>
+          <a:solidFill>
+            <a:schemeClr val="bg2">
+              <a:lumMod val="90000"/>
+            </a:schemeClr>
+          </a:solidFill>
+          <a:ln>
+            <a:solidFill>
+              <a:schemeClr val="bg2">
+                <a:lumMod val="75000"/>
+              </a:schemeClr>
+            </a:solidFill>
+          </a:ln>
+        </p:spPr>
+        <p:style>
+          <a:lnRef idx="2">
+            <a:schemeClr val="accent1">
+              <a:shade val="15000"/>
+            </a:schemeClr>
+          </a:lnRef>
+          <a:fillRef idx="1">
+            <a:schemeClr val="accent1"/>
+          </a:fillRef>
+          <a:effectRef idx="0">
+            <a:schemeClr val="accent1"/>
+          </a:effectRef>
+          <a:fontRef idx="minor">
+            <a:schemeClr val="lt1"/>
+          </a:fontRef>
+        </p:style>
+        <p:txBody>
+          <a:bodyPr rtlCol="0" anchor="ctr"/>
+          <a:lstStyle/>
+          <a:p>
+            <a:pPr algn="ctr"/>
+            <a:r>
+              <a:rPr lang="en-US" sz="1400" dirty="0">
+                <a:latin typeface="Noto Sans KR" panose="020B0200000000000000" pitchFamily="34" charset="-128"/>
+                <a:ea typeface="Noto Sans KR" panose="020B0200000000000000" pitchFamily="34" charset="-128"/>
+              </a:rPr>
+              <a:t>V</a:t>
+            </a:r>
+            <a:endParaRPr lang="en-KR" sz="1400" dirty="0">
+              <a:latin typeface="Noto Sans KR" panose="020B0200000000000000" pitchFamily="34" charset="-128"/>
+              <a:ea typeface="Noto Sans KR" panose="020B0200000000000000" pitchFamily="34" charset="-128"/>
+            </a:endParaRPr>
+          </a:p>
+        </p:txBody>
+      </p:sp>
+      <p:sp>
+        <p:nvSpPr>
+          <p:cNvPr id="28" name="Rectangle 27">
+            <a:extLst>
+              <a:ext uri="{FF2B5EF4-FFF2-40B4-BE49-F238E27FC236}">
+                <a16:creationId xmlns:a16="http://schemas.microsoft.com/office/drawing/2014/main" id="{54453633-5DCD-2654-9CAA-31C79E27C007}"/>
+              </a:ext>
+            </a:extLst>
+          </p:cNvPr>
+          <p:cNvSpPr/>
+          <p:nvPr/>
+        </p:nvSpPr>
+        <p:spPr>
+          <a:xfrm>
+            <a:off x="7606055" y="4860899"/>
+            <a:ext cx="1329071" cy="457200"/>
+          </a:xfrm>
+          <a:prstGeom prst="rect">
+            <a:avLst/>
+          </a:prstGeom>
+          <a:solidFill>
+            <a:schemeClr val="bg2">
+              <a:lumMod val="90000"/>
+            </a:schemeClr>
+          </a:solidFill>
+          <a:ln>
+            <a:solidFill>
+              <a:schemeClr val="bg2">
+                <a:lumMod val="75000"/>
+              </a:schemeClr>
+            </a:solidFill>
+          </a:ln>
+        </p:spPr>
+        <p:style>
+          <a:lnRef idx="2">
+            <a:schemeClr val="accent1">
+              <a:shade val="15000"/>
+            </a:schemeClr>
+          </a:lnRef>
+          <a:fillRef idx="1">
+            <a:schemeClr val="accent1"/>
+          </a:fillRef>
+          <a:effectRef idx="0">
+            <a:schemeClr val="accent1"/>
+          </a:effectRef>
+          <a:fontRef idx="minor">
+            <a:schemeClr val="lt1"/>
+          </a:fontRef>
+        </p:style>
+        <p:txBody>
+          <a:bodyPr rtlCol="0" anchor="ctr"/>
+          <a:lstStyle/>
+          <a:p>
+            <a:pPr algn="ctr"/>
+            <a:r>
+              <a:rPr lang="en-KR" sz="1400" dirty="0">
+                <a:latin typeface="Noto Sans KR" panose="020B0200000000000000" pitchFamily="34" charset="-128"/>
+                <a:ea typeface="Noto Sans KR" panose="020B0200000000000000" pitchFamily="34" charset="-128"/>
+              </a:rPr>
+              <a:t>Th</a:t>
+            </a:r>
+          </a:p>
+        </p:txBody>
+      </p:sp>
+      <p:cxnSp>
+        <p:nvCxnSpPr>
+          <p:cNvPr id="30" name="Straight Connector 29">
+            <a:extLst>
+              <a:ext uri="{FF2B5EF4-FFF2-40B4-BE49-F238E27FC236}">
+                <a16:creationId xmlns:a16="http://schemas.microsoft.com/office/drawing/2014/main" id="{8E5191A7-5A12-7643-E507-41E4EBF48F15}"/>
+              </a:ext>
+            </a:extLst>
+          </p:cNvPr>
+          <p:cNvCxnSpPr>
+            <a:cxnSpLocks/>
+          </p:cNvCxnSpPr>
+          <p:nvPr/>
+        </p:nvCxnSpPr>
+        <p:spPr>
+          <a:xfrm>
+            <a:off x="7957812" y="5307122"/>
+            <a:ext cx="0" cy="912218"/>
+          </a:xfrm>
+          <a:prstGeom prst="line">
+            <a:avLst/>
+          </a:prstGeom>
+          <a:ln w="57150">
+            <a:solidFill>
+              <a:schemeClr val="bg2">
+                <a:lumMod val="75000"/>
+              </a:schemeClr>
+            </a:solidFill>
+            <a:prstDash val="sysDash"/>
+          </a:ln>
+        </p:spPr>
+        <p:style>
+          <a:lnRef idx="2">
+            <a:schemeClr val="accent1"/>
+          </a:lnRef>
+          <a:fillRef idx="0">
+            <a:schemeClr val="accent1"/>
+          </a:fillRef>
+          <a:effectRef idx="1">
+            <a:schemeClr val="accent1"/>
+          </a:effectRef>
+          <a:fontRef idx="minor">
+            <a:schemeClr val="tx1"/>
+          </a:fontRef>
+        </p:style>
+      </p:cxnSp>
+      <p:cxnSp>
+        <p:nvCxnSpPr>
+          <p:cNvPr id="32" name="Straight Connector 31">
+            <a:extLst>
+              <a:ext uri="{FF2B5EF4-FFF2-40B4-BE49-F238E27FC236}">
+                <a16:creationId xmlns:a16="http://schemas.microsoft.com/office/drawing/2014/main" id="{4FE0F3FA-B076-3C41-700A-0DA3927823FB}"/>
+              </a:ext>
+            </a:extLst>
+          </p:cNvPr>
+          <p:cNvCxnSpPr>
+            <a:cxnSpLocks/>
+          </p:cNvCxnSpPr>
+          <p:nvPr/>
+        </p:nvCxnSpPr>
+        <p:spPr>
+          <a:xfrm>
+            <a:off x="8549361" y="5318099"/>
+            <a:ext cx="0" cy="901241"/>
+          </a:xfrm>
+          <a:prstGeom prst="line">
+            <a:avLst/>
+          </a:prstGeom>
+          <a:ln w="57150">
+            <a:solidFill>
+              <a:schemeClr val="bg2">
+                <a:lumMod val="75000"/>
+              </a:schemeClr>
+            </a:solidFill>
+            <a:prstDash val="sysDash"/>
+          </a:ln>
+        </p:spPr>
+        <p:style>
+          <a:lnRef idx="2">
+            <a:schemeClr val="accent1"/>
+          </a:lnRef>
+          <a:fillRef idx="0">
+            <a:schemeClr val="accent1"/>
+          </a:fillRef>
+          <a:effectRef idx="1">
+            <a:schemeClr val="accent1"/>
+          </a:effectRef>
+          <a:fontRef idx="minor">
+            <a:schemeClr val="tx1"/>
+          </a:fontRef>
+        </p:style>
+      </p:cxnSp>
+      <p:cxnSp>
+        <p:nvCxnSpPr>
+          <p:cNvPr id="33" name="Straight Arrow Connector 32">
+            <a:extLst>
+              <a:ext uri="{FF2B5EF4-FFF2-40B4-BE49-F238E27FC236}">
+                <a16:creationId xmlns:a16="http://schemas.microsoft.com/office/drawing/2014/main" id="{E5C3BCE1-D64C-3979-10C1-852DAB61E671}"/>
+              </a:ext>
+            </a:extLst>
+          </p:cNvPr>
+          <p:cNvCxnSpPr>
+            <a:stCxn id="18" idx="4"/>
+            <a:endCxn id="25" idx="0"/>
+          </p:cNvCxnSpPr>
+          <p:nvPr/>
+        </p:nvCxnSpPr>
+        <p:spPr>
+          <a:xfrm>
+            <a:off x="8270592" y="3157414"/>
+            <a:ext cx="0" cy="571151"/>
+          </a:xfrm>
+          <a:prstGeom prst="straightConnector1">
+            <a:avLst/>
+          </a:prstGeom>
+          <a:ln>
+            <a:solidFill>
+              <a:schemeClr val="bg2">
+                <a:lumMod val="75000"/>
+              </a:schemeClr>
+            </a:solidFill>
+            <a:tailEnd type="triangle"/>
+          </a:ln>
+        </p:spPr>
+        <p:style>
+          <a:lnRef idx="2">
+            <a:schemeClr val="accent1"/>
+          </a:lnRef>
+          <a:fillRef idx="0">
+            <a:schemeClr val="accent1"/>
+          </a:fillRef>
+          <a:effectRef idx="1">
+            <a:schemeClr val="accent1"/>
+          </a:effectRef>
+          <a:fontRef idx="minor">
+            <a:schemeClr val="tx1"/>
+          </a:fontRef>
+        </p:style>
+      </p:cxnSp>
+      <p:cxnSp>
+        <p:nvCxnSpPr>
+          <p:cNvPr id="34" name="Straight Arrow Connector 33">
+            <a:extLst>
+              <a:ext uri="{FF2B5EF4-FFF2-40B4-BE49-F238E27FC236}">
+                <a16:creationId xmlns:a16="http://schemas.microsoft.com/office/drawing/2014/main" id="{8BC4777B-F874-F39E-F602-62040E5D2D44}"/>
+              </a:ext>
+            </a:extLst>
+          </p:cNvPr>
+          <p:cNvCxnSpPr>
+            <a:stCxn id="25" idx="2"/>
+            <a:endCxn id="26" idx="0"/>
+          </p:cNvCxnSpPr>
+          <p:nvPr/>
+        </p:nvCxnSpPr>
+        <p:spPr>
+          <a:xfrm>
+            <a:off x="8270592" y="4185765"/>
+            <a:ext cx="0" cy="108967"/>
+          </a:xfrm>
+          <a:prstGeom prst="straightConnector1">
+            <a:avLst/>
+          </a:prstGeom>
+          <a:ln>
+            <a:solidFill>
+              <a:schemeClr val="bg2">
+                <a:lumMod val="75000"/>
+              </a:schemeClr>
+            </a:solidFill>
+            <a:tailEnd type="triangle"/>
+          </a:ln>
+        </p:spPr>
+        <p:style>
+          <a:lnRef idx="2">
+            <a:schemeClr val="accent1"/>
+          </a:lnRef>
+          <a:fillRef idx="0">
+            <a:schemeClr val="accent1"/>
+          </a:fillRef>
+          <a:effectRef idx="1">
+            <a:schemeClr val="accent1"/>
+          </a:effectRef>
+          <a:fontRef idx="minor">
+            <a:schemeClr val="tx1"/>
+          </a:fontRef>
+        </p:style>
+      </p:cxnSp>
+      <p:cxnSp>
+        <p:nvCxnSpPr>
+          <p:cNvPr id="37" name="Straight Arrow Connector 36">
+            <a:extLst>
+              <a:ext uri="{FF2B5EF4-FFF2-40B4-BE49-F238E27FC236}">
+                <a16:creationId xmlns:a16="http://schemas.microsoft.com/office/drawing/2014/main" id="{66CB0C05-D65A-E781-5577-D78CD80D6CB4}"/>
+              </a:ext>
+            </a:extLst>
+          </p:cNvPr>
+          <p:cNvCxnSpPr>
+            <a:stCxn id="26" idx="2"/>
+            <a:endCxn id="28" idx="0"/>
+          </p:cNvCxnSpPr>
+          <p:nvPr/>
+        </p:nvCxnSpPr>
+        <p:spPr>
+          <a:xfrm flipH="1">
+            <a:off x="8270591" y="4751932"/>
+            <a:ext cx="1" cy="108967"/>
+          </a:xfrm>
+          <a:prstGeom prst="straightConnector1">
+            <a:avLst/>
+          </a:prstGeom>
+          <a:ln>
+            <a:solidFill>
+              <a:schemeClr val="bg2">
+                <a:lumMod val="75000"/>
+              </a:schemeClr>
+            </a:solidFill>
+            <a:tailEnd type="triangle"/>
+          </a:ln>
+        </p:spPr>
+        <p:style>
+          <a:lnRef idx="2">
+            <a:schemeClr val="accent1"/>
+          </a:lnRef>
+          <a:fillRef idx="0">
+            <a:schemeClr val="accent1"/>
+          </a:fillRef>
+          <a:effectRef idx="1">
+            <a:schemeClr val="accent1"/>
+          </a:effectRef>
+          <a:fontRef idx="minor">
+            <a:schemeClr val="tx1"/>
+          </a:fontRef>
+        </p:style>
+      </p:cxnSp>
+      <p:cxnSp>
+        <p:nvCxnSpPr>
+          <p:cNvPr id="40" name="Straight Connector 39">
+            <a:extLst>
+              <a:ext uri="{FF2B5EF4-FFF2-40B4-BE49-F238E27FC236}">
+                <a16:creationId xmlns:a16="http://schemas.microsoft.com/office/drawing/2014/main" id="{418AC178-F621-DC1D-3E4D-3359606FC226}"/>
+              </a:ext>
+            </a:extLst>
+          </p:cNvPr>
+          <p:cNvCxnSpPr/>
+          <p:nvPr/>
+        </p:nvCxnSpPr>
+        <p:spPr>
+          <a:xfrm>
+            <a:off x="7606055" y="6219340"/>
+            <a:ext cx="1329071" cy="0"/>
+          </a:xfrm>
+          <a:prstGeom prst="line">
+            <a:avLst/>
+          </a:prstGeom>
+          <a:ln>
+            <a:solidFill>
+              <a:schemeClr val="bg2">
+                <a:lumMod val="75000"/>
+              </a:schemeClr>
+            </a:solidFill>
+          </a:ln>
+        </p:spPr>
+        <p:style>
+          <a:lnRef idx="2">
+            <a:schemeClr val="accent1"/>
+          </a:lnRef>
+          <a:fillRef idx="0">
+            <a:schemeClr val="accent1"/>
+          </a:fillRef>
+          <a:effectRef idx="1">
+            <a:schemeClr val="accent1"/>
+          </a:effectRef>
+          <a:fontRef idx="minor">
+            <a:schemeClr val="tx1"/>
+          </a:fontRef>
+        </p:style>
+      </p:cxnSp>
+      <p:sp>
+        <p:nvSpPr>
+          <p:cNvPr id="47" name="Oval 46">
+            <a:extLst>
+              <a:ext uri="{FF2B5EF4-FFF2-40B4-BE49-F238E27FC236}">
+                <a16:creationId xmlns:a16="http://schemas.microsoft.com/office/drawing/2014/main" id="{9BCC0E9B-BEA0-9C69-40E8-38FA96FFD480}"/>
+              </a:ext>
+            </a:extLst>
+          </p:cNvPr>
+          <p:cNvSpPr/>
+          <p:nvPr/>
+        </p:nvSpPr>
+        <p:spPr>
+          <a:xfrm>
+            <a:off x="9722820" y="2700214"/>
+            <a:ext cx="457200" cy="457200"/>
+          </a:xfrm>
+          <a:prstGeom prst="ellipse">
+            <a:avLst/>
+          </a:prstGeom>
+          <a:solidFill>
+            <a:schemeClr val="bg2">
+              <a:lumMod val="90000"/>
+            </a:schemeClr>
+          </a:solidFill>
+          <a:ln>
+            <a:solidFill>
+              <a:schemeClr val="bg2">
+                <a:lumMod val="75000"/>
+              </a:schemeClr>
+            </a:solidFill>
+          </a:ln>
+        </p:spPr>
+        <p:style>
+          <a:lnRef idx="2">
+            <a:schemeClr val="accent1">
+              <a:shade val="15000"/>
+            </a:schemeClr>
+          </a:lnRef>
+          <a:fillRef idx="1">
+            <a:schemeClr val="accent1"/>
+          </a:fillRef>
+          <a:effectRef idx="0">
+            <a:schemeClr val="accent1"/>
+          </a:effectRef>
+          <a:fontRef idx="minor">
+            <a:schemeClr val="lt1"/>
+          </a:fontRef>
+        </p:style>
+        <p:txBody>
+          <a:bodyPr rtlCol="0" anchor="ctr"/>
+          <a:lstStyle/>
+          <a:p>
+            <a:pPr algn="ctr"/>
+            <a:endParaRPr lang="en-KR"/>
+          </a:p>
+        </p:txBody>
+      </p:sp>
+      <p:sp>
+        <p:nvSpPr>
+          <p:cNvPr id="48" name="Rectangle 47">
+            <a:extLst>
+              <a:ext uri="{FF2B5EF4-FFF2-40B4-BE49-F238E27FC236}">
+                <a16:creationId xmlns:a16="http://schemas.microsoft.com/office/drawing/2014/main" id="{AEA0F6B4-0155-9D94-5D3C-24C9959C9114}"/>
+              </a:ext>
+            </a:extLst>
+          </p:cNvPr>
+          <p:cNvSpPr/>
+          <p:nvPr/>
+        </p:nvSpPr>
+        <p:spPr>
+          <a:xfrm>
+            <a:off x="9286884" y="3728565"/>
+            <a:ext cx="1329071" cy="457200"/>
+          </a:xfrm>
+          <a:prstGeom prst="rect">
+            <a:avLst/>
+          </a:prstGeom>
+          <a:solidFill>
+            <a:schemeClr val="bg2">
+              <a:lumMod val="90000"/>
+            </a:schemeClr>
+          </a:solidFill>
+          <a:ln>
+            <a:solidFill>
+              <a:schemeClr val="bg2">
+                <a:lumMod val="75000"/>
+              </a:schemeClr>
+            </a:solidFill>
+          </a:ln>
+        </p:spPr>
+        <p:style>
+          <a:lnRef idx="2">
+            <a:schemeClr val="accent1">
+              <a:shade val="15000"/>
+            </a:schemeClr>
+          </a:lnRef>
+          <a:fillRef idx="1">
+            <a:schemeClr val="accent1"/>
+          </a:fillRef>
+          <a:effectRef idx="0">
+            <a:schemeClr val="accent1"/>
+          </a:effectRef>
+          <a:fontRef idx="minor">
+            <a:schemeClr val="lt1"/>
+          </a:fontRef>
+        </p:style>
+        <p:txBody>
+          <a:bodyPr rtlCol="0" anchor="ctr"/>
+          <a:lstStyle/>
+          <a:p>
+            <a:pPr algn="ctr"/>
+            <a:r>
+              <a:rPr lang="en-KR" sz="1400" dirty="0">
+                <a:latin typeface="Noto Sans KR" panose="020B0200000000000000" pitchFamily="34" charset="-128"/>
+                <a:ea typeface="Noto Sans KR" panose="020B0200000000000000" pitchFamily="34" charset="-128"/>
+              </a:rPr>
+              <a:t>S</a:t>
+            </a:r>
+          </a:p>
+        </p:txBody>
+      </p:sp>
+      <p:sp>
+        <p:nvSpPr>
+          <p:cNvPr id="49" name="Rectangle 48">
+            <a:extLst>
+              <a:ext uri="{FF2B5EF4-FFF2-40B4-BE49-F238E27FC236}">
+                <a16:creationId xmlns:a16="http://schemas.microsoft.com/office/drawing/2014/main" id="{F1A688D2-A12C-8BAF-59C7-09B470E6FDDB}"/>
+              </a:ext>
+            </a:extLst>
+          </p:cNvPr>
+          <p:cNvSpPr/>
+          <p:nvPr/>
+        </p:nvSpPr>
+        <p:spPr>
+          <a:xfrm>
+            <a:off x="9286884" y="4294732"/>
+            <a:ext cx="1329071" cy="457200"/>
+          </a:xfrm>
+          <a:prstGeom prst="rect">
+            <a:avLst/>
+          </a:prstGeom>
+          <a:solidFill>
+            <a:schemeClr val="bg2">
+              <a:lumMod val="90000"/>
+            </a:schemeClr>
+          </a:solidFill>
+          <a:ln>
+            <a:solidFill>
+              <a:schemeClr val="bg2">
+                <a:lumMod val="75000"/>
+              </a:schemeClr>
+            </a:solidFill>
+          </a:ln>
+        </p:spPr>
+        <p:style>
+          <a:lnRef idx="2">
+            <a:schemeClr val="accent1">
+              <a:shade val="15000"/>
+            </a:schemeClr>
+          </a:lnRef>
+          <a:fillRef idx="1">
+            <a:schemeClr val="accent1"/>
+          </a:fillRef>
+          <a:effectRef idx="0">
+            <a:schemeClr val="accent1"/>
+          </a:effectRef>
+          <a:fontRef idx="minor">
+            <a:schemeClr val="lt1"/>
+          </a:fontRef>
+        </p:style>
+        <p:txBody>
+          <a:bodyPr rtlCol="0" anchor="ctr"/>
+          <a:lstStyle/>
+          <a:p>
+            <a:pPr algn="ctr"/>
+            <a:r>
+              <a:rPr lang="en-US" sz="1400" dirty="0">
+                <a:latin typeface="Noto Sans KR" panose="020B0200000000000000" pitchFamily="34" charset="-128"/>
+                <a:ea typeface="Noto Sans KR" panose="020B0200000000000000" pitchFamily="34" charset="-128"/>
+              </a:rPr>
+              <a:t>V</a:t>
+            </a:r>
+            <a:endParaRPr lang="en-KR" sz="1400" dirty="0">
+              <a:latin typeface="Noto Sans KR" panose="020B0200000000000000" pitchFamily="34" charset="-128"/>
+              <a:ea typeface="Noto Sans KR" panose="020B0200000000000000" pitchFamily="34" charset="-128"/>
+            </a:endParaRPr>
+          </a:p>
+        </p:txBody>
+      </p:sp>
+      <p:sp>
+        <p:nvSpPr>
+          <p:cNvPr id="50" name="Rectangle 49">
+            <a:extLst>
+              <a:ext uri="{FF2B5EF4-FFF2-40B4-BE49-F238E27FC236}">
+                <a16:creationId xmlns:a16="http://schemas.microsoft.com/office/drawing/2014/main" id="{57E2D0F0-3892-E66C-17B1-DB59CC8497CD}"/>
+              </a:ext>
+            </a:extLst>
+          </p:cNvPr>
+          <p:cNvSpPr/>
+          <p:nvPr/>
+        </p:nvSpPr>
+        <p:spPr>
+          <a:xfrm>
+            <a:off x="9286883" y="4860899"/>
+            <a:ext cx="1329071" cy="457200"/>
+          </a:xfrm>
+          <a:prstGeom prst="rect">
+            <a:avLst/>
+          </a:prstGeom>
+          <a:solidFill>
+            <a:schemeClr val="bg2">
+              <a:lumMod val="90000"/>
+            </a:schemeClr>
+          </a:solidFill>
+          <a:ln>
+            <a:solidFill>
+              <a:schemeClr val="bg2">
+                <a:lumMod val="75000"/>
+              </a:schemeClr>
+            </a:solidFill>
+          </a:ln>
+        </p:spPr>
+        <p:style>
+          <a:lnRef idx="2">
+            <a:schemeClr val="accent1">
+              <a:shade val="15000"/>
+            </a:schemeClr>
+          </a:lnRef>
+          <a:fillRef idx="1">
+            <a:schemeClr val="accent1"/>
+          </a:fillRef>
+          <a:effectRef idx="0">
+            <a:schemeClr val="accent1"/>
+          </a:effectRef>
+          <a:fontRef idx="minor">
+            <a:schemeClr val="lt1"/>
+          </a:fontRef>
+        </p:style>
+        <p:txBody>
+          <a:bodyPr rtlCol="0" anchor="ctr"/>
+          <a:lstStyle/>
+          <a:p>
+            <a:pPr algn="ctr"/>
+            <a:r>
+              <a:rPr lang="en-KR" sz="1400" dirty="0">
+                <a:latin typeface="Noto Sans KR" panose="020B0200000000000000" pitchFamily="34" charset="-128"/>
+                <a:ea typeface="Noto Sans KR" panose="020B0200000000000000" pitchFamily="34" charset="-128"/>
+              </a:rPr>
+              <a:t>Th</a:t>
+            </a:r>
+          </a:p>
+        </p:txBody>
+      </p:sp>
+      <p:cxnSp>
+        <p:nvCxnSpPr>
+          <p:cNvPr id="51" name="Straight Connector 50">
+            <a:extLst>
+              <a:ext uri="{FF2B5EF4-FFF2-40B4-BE49-F238E27FC236}">
+                <a16:creationId xmlns:a16="http://schemas.microsoft.com/office/drawing/2014/main" id="{D57888E8-38F0-B449-F260-781027A713DE}"/>
+              </a:ext>
+            </a:extLst>
+          </p:cNvPr>
+          <p:cNvCxnSpPr>
+            <a:cxnSpLocks/>
+          </p:cNvCxnSpPr>
+          <p:nvPr/>
+        </p:nvCxnSpPr>
+        <p:spPr>
+          <a:xfrm>
+            <a:off x="9638640" y="5307122"/>
+            <a:ext cx="0" cy="912218"/>
+          </a:xfrm>
+          <a:prstGeom prst="line">
+            <a:avLst/>
+          </a:prstGeom>
+          <a:ln w="57150">
+            <a:solidFill>
+              <a:schemeClr val="bg2">
+                <a:lumMod val="75000"/>
+              </a:schemeClr>
+            </a:solidFill>
+            <a:prstDash val="sysDash"/>
+          </a:ln>
+        </p:spPr>
+        <p:style>
+          <a:lnRef idx="2">
+            <a:schemeClr val="accent1"/>
+          </a:lnRef>
+          <a:fillRef idx="0">
+            <a:schemeClr val="accent1"/>
+          </a:fillRef>
+          <a:effectRef idx="1">
+            <a:schemeClr val="accent1"/>
+          </a:effectRef>
+          <a:fontRef idx="minor">
+            <a:schemeClr val="tx1"/>
+          </a:fontRef>
+        </p:style>
+      </p:cxnSp>
+      <p:cxnSp>
+        <p:nvCxnSpPr>
+          <p:cNvPr id="52" name="Straight Connector 51">
+            <a:extLst>
+              <a:ext uri="{FF2B5EF4-FFF2-40B4-BE49-F238E27FC236}">
+                <a16:creationId xmlns:a16="http://schemas.microsoft.com/office/drawing/2014/main" id="{4DF50682-DCBF-879D-138E-9633B0EDEF55}"/>
+              </a:ext>
+            </a:extLst>
+          </p:cNvPr>
+          <p:cNvCxnSpPr>
+            <a:cxnSpLocks/>
+          </p:cNvCxnSpPr>
+          <p:nvPr/>
+        </p:nvCxnSpPr>
+        <p:spPr>
+          <a:xfrm>
+            <a:off x="10230189" y="5318099"/>
+            <a:ext cx="0" cy="901241"/>
+          </a:xfrm>
+          <a:prstGeom prst="line">
+            <a:avLst/>
+          </a:prstGeom>
+          <a:ln w="57150">
+            <a:solidFill>
+              <a:schemeClr val="bg2">
+                <a:lumMod val="75000"/>
+              </a:schemeClr>
+            </a:solidFill>
+            <a:prstDash val="sysDash"/>
+          </a:ln>
+        </p:spPr>
+        <p:style>
+          <a:lnRef idx="2">
+            <a:schemeClr val="accent1"/>
+          </a:lnRef>
+          <a:fillRef idx="0">
+            <a:schemeClr val="accent1"/>
+          </a:fillRef>
+          <a:effectRef idx="1">
+            <a:schemeClr val="accent1"/>
+          </a:effectRef>
+          <a:fontRef idx="minor">
+            <a:schemeClr val="tx1"/>
+          </a:fontRef>
+        </p:style>
+      </p:cxnSp>
+      <p:cxnSp>
+        <p:nvCxnSpPr>
+          <p:cNvPr id="53" name="Straight Arrow Connector 52">
+            <a:extLst>
+              <a:ext uri="{FF2B5EF4-FFF2-40B4-BE49-F238E27FC236}">
+                <a16:creationId xmlns:a16="http://schemas.microsoft.com/office/drawing/2014/main" id="{5A819FB3-CA58-31C0-F800-D7E25C4FC32F}"/>
+              </a:ext>
+            </a:extLst>
+          </p:cNvPr>
+          <p:cNvCxnSpPr>
+            <a:stCxn id="47" idx="4"/>
+            <a:endCxn id="48" idx="0"/>
+          </p:cNvCxnSpPr>
+          <p:nvPr/>
+        </p:nvCxnSpPr>
+        <p:spPr>
+          <a:xfrm>
+            <a:off x="9951420" y="3157414"/>
+            <a:ext cx="0" cy="571151"/>
+          </a:xfrm>
+          <a:prstGeom prst="straightConnector1">
+            <a:avLst/>
+          </a:prstGeom>
+          <a:ln>
+            <a:solidFill>
+              <a:schemeClr val="bg2">
+                <a:lumMod val="75000"/>
+              </a:schemeClr>
+            </a:solidFill>
+            <a:tailEnd type="triangle"/>
+          </a:ln>
+        </p:spPr>
+        <p:style>
+          <a:lnRef idx="2">
+            <a:schemeClr val="accent1"/>
+          </a:lnRef>
+          <a:fillRef idx="0">
+            <a:schemeClr val="accent1"/>
+          </a:fillRef>
+          <a:effectRef idx="1">
+            <a:schemeClr val="accent1"/>
+          </a:effectRef>
+          <a:fontRef idx="minor">
+            <a:schemeClr val="tx1"/>
+          </a:fontRef>
+        </p:style>
+      </p:cxnSp>
+      <p:cxnSp>
+        <p:nvCxnSpPr>
+          <p:cNvPr id="54" name="Straight Arrow Connector 53">
+            <a:extLst>
+              <a:ext uri="{FF2B5EF4-FFF2-40B4-BE49-F238E27FC236}">
+                <a16:creationId xmlns:a16="http://schemas.microsoft.com/office/drawing/2014/main" id="{87C5ACA7-8244-6943-281E-CBE11D4D9A99}"/>
+              </a:ext>
+            </a:extLst>
+          </p:cNvPr>
+          <p:cNvCxnSpPr>
+            <a:stCxn id="48" idx="2"/>
+            <a:endCxn id="49" idx="0"/>
+          </p:cNvCxnSpPr>
+          <p:nvPr/>
+        </p:nvCxnSpPr>
+        <p:spPr>
+          <a:xfrm>
+            <a:off x="9951420" y="4185765"/>
+            <a:ext cx="0" cy="108967"/>
+          </a:xfrm>
+          <a:prstGeom prst="straightConnector1">
+            <a:avLst/>
+          </a:prstGeom>
+          <a:ln>
+            <a:solidFill>
+              <a:schemeClr val="bg2">
+                <a:lumMod val="75000"/>
+              </a:schemeClr>
+            </a:solidFill>
+            <a:tailEnd type="triangle"/>
+          </a:ln>
+        </p:spPr>
+        <p:style>
+          <a:lnRef idx="2">
+            <a:schemeClr val="accent1"/>
+          </a:lnRef>
+          <a:fillRef idx="0">
+            <a:schemeClr val="accent1"/>
+          </a:fillRef>
+          <a:effectRef idx="1">
+            <a:schemeClr val="accent1"/>
+          </a:effectRef>
+          <a:fontRef idx="minor">
+            <a:schemeClr val="tx1"/>
+          </a:fontRef>
+        </p:style>
+      </p:cxnSp>
+      <p:cxnSp>
+        <p:nvCxnSpPr>
+          <p:cNvPr id="55" name="Straight Arrow Connector 54">
+            <a:extLst>
+              <a:ext uri="{FF2B5EF4-FFF2-40B4-BE49-F238E27FC236}">
+                <a16:creationId xmlns:a16="http://schemas.microsoft.com/office/drawing/2014/main" id="{D50CEFA7-8EF5-103F-E5C9-B6F89AB78C42}"/>
+              </a:ext>
+            </a:extLst>
+          </p:cNvPr>
+          <p:cNvCxnSpPr>
+            <a:stCxn id="49" idx="2"/>
+            <a:endCxn id="50" idx="0"/>
+          </p:cNvCxnSpPr>
+          <p:nvPr/>
+        </p:nvCxnSpPr>
+        <p:spPr>
+          <a:xfrm flipH="1">
+            <a:off x="9951419" y="4751932"/>
+            <a:ext cx="1" cy="108967"/>
+          </a:xfrm>
+          <a:prstGeom prst="straightConnector1">
+            <a:avLst/>
+          </a:prstGeom>
+          <a:ln>
+            <a:solidFill>
+              <a:schemeClr val="bg2">
+                <a:lumMod val="75000"/>
+              </a:schemeClr>
+            </a:solidFill>
+            <a:tailEnd type="triangle"/>
+          </a:ln>
+        </p:spPr>
+        <p:style>
+          <a:lnRef idx="2">
+            <a:schemeClr val="accent1"/>
+          </a:lnRef>
+          <a:fillRef idx="0">
+            <a:schemeClr val="accent1"/>
+          </a:fillRef>
+          <a:effectRef idx="1">
+            <a:schemeClr val="accent1"/>
+          </a:effectRef>
+          <a:fontRef idx="minor">
+            <a:schemeClr val="tx1"/>
+          </a:fontRef>
+        </p:style>
+      </p:cxnSp>
+      <p:cxnSp>
+        <p:nvCxnSpPr>
+          <p:cNvPr id="56" name="Straight Connector 55">
+            <a:extLst>
+              <a:ext uri="{FF2B5EF4-FFF2-40B4-BE49-F238E27FC236}">
+                <a16:creationId xmlns:a16="http://schemas.microsoft.com/office/drawing/2014/main" id="{AF3BE222-457B-4312-DC6C-D2E9C9408992}"/>
+              </a:ext>
+            </a:extLst>
+          </p:cNvPr>
+          <p:cNvCxnSpPr/>
+          <p:nvPr/>
+        </p:nvCxnSpPr>
+        <p:spPr>
+          <a:xfrm>
+            <a:off x="9286883" y="6219340"/>
+            <a:ext cx="1329071" cy="0"/>
+          </a:xfrm>
+          <a:prstGeom prst="line">
+            <a:avLst/>
+          </a:prstGeom>
+          <a:ln>
+            <a:solidFill>
+              <a:schemeClr val="bg2">
+                <a:lumMod val="75000"/>
+              </a:schemeClr>
+            </a:solidFill>
+          </a:ln>
+        </p:spPr>
+        <p:style>
+          <a:lnRef idx="2">
+            <a:schemeClr val="accent1"/>
+          </a:lnRef>
+          <a:fillRef idx="0">
+            <a:schemeClr val="accent1"/>
+          </a:fillRef>
+          <a:effectRef idx="1">
+            <a:schemeClr val="accent1"/>
+          </a:effectRef>
+          <a:fontRef idx="minor">
+            <a:schemeClr val="tx1"/>
+          </a:fontRef>
+        </p:style>
+      </p:cxnSp>
+      <p:pic>
+        <p:nvPicPr>
+          <p:cNvPr id="57" name="그림 17">
+            <a:extLst>
+              <a:ext uri="{FF2B5EF4-FFF2-40B4-BE49-F238E27FC236}">
+                <a16:creationId xmlns:a16="http://schemas.microsoft.com/office/drawing/2014/main" id="{871B10F0-4E20-D8D2-A051-9D417B61AA15}"/>
+              </a:ext>
+            </a:extLst>
+          </p:cNvPr>
+          <p:cNvPicPr>
+            <a:picLocks noChangeAspect="1"/>
+          </p:cNvPicPr>
+          <p:nvPr/>
+        </p:nvPicPr>
+        <p:blipFill>
+          <a:blip r:embed="rId2"/>
+          <a:stretch>
+            <a:fillRect/>
+          </a:stretch>
+        </p:blipFill>
+        <p:spPr>
+          <a:xfrm>
+            <a:off x="2025962" y="2624220"/>
+            <a:ext cx="1696916" cy="3600000"/>
+          </a:xfrm>
+          <a:prstGeom prst="rect">
+            <a:avLst/>
+          </a:prstGeom>
+        </p:spPr>
+      </p:pic>
+      <p:sp>
+        <p:nvSpPr>
+          <p:cNvPr id="59" name="Freeform 58">
+            <a:extLst>
+              <a:ext uri="{FF2B5EF4-FFF2-40B4-BE49-F238E27FC236}">
+                <a16:creationId xmlns:a16="http://schemas.microsoft.com/office/drawing/2014/main" id="{3CAB96D8-725D-CA34-DACB-6BD504C3CDCE}"/>
+              </a:ext>
+            </a:extLst>
+          </p:cNvPr>
+          <p:cNvSpPr/>
+          <p:nvPr/>
+        </p:nvSpPr>
+        <p:spPr>
+          <a:xfrm>
+            <a:off x="2466753" y="2239749"/>
+            <a:ext cx="3200400" cy="878701"/>
+          </a:xfrm>
+          <a:custGeom>
+            <a:avLst/>
+            <a:gdLst>
+              <a:gd name="connsiteX0" fmla="*/ 0 w 3391786"/>
+              <a:gd name="connsiteY0" fmla="*/ 981916 h 981916"/>
+              <a:gd name="connsiteX1" fmla="*/ 2243470 w 3391786"/>
+              <a:gd name="connsiteY1" fmla="*/ 14353 h 981916"/>
+              <a:gd name="connsiteX2" fmla="*/ 3391786 w 3391786"/>
+              <a:gd name="connsiteY2" fmla="*/ 492818 h 981916"/>
+            </a:gdLst>
+            <a:ahLst/>
+            <a:cxnLst>
+              <a:cxn ang="0">
+                <a:pos x="connsiteX0" y="connsiteY0"/>
+              </a:cxn>
+              <a:cxn ang="0">
+                <a:pos x="connsiteX1" y="connsiteY1"/>
+              </a:cxn>
+              <a:cxn ang="0">
+                <a:pos x="connsiteX2" y="connsiteY2"/>
+              </a:cxn>
+            </a:cxnLst>
+            <a:rect l="l" t="t" r="r" b="b"/>
+            <a:pathLst>
+              <a:path w="3391786" h="981916">
+                <a:moveTo>
+                  <a:pt x="0" y="981916"/>
+                </a:moveTo>
+                <a:cubicBezTo>
+                  <a:pt x="839086" y="538892"/>
+                  <a:pt x="1678172" y="95869"/>
+                  <a:pt x="2243470" y="14353"/>
+                </a:cubicBezTo>
+                <a:cubicBezTo>
+                  <a:pt x="2808768" y="-67163"/>
+                  <a:pt x="3100277" y="212827"/>
+                  <a:pt x="3391786" y="492818"/>
+                </a:cubicBezTo>
+              </a:path>
+            </a:pathLst>
+          </a:custGeom>
+          <a:noFill/>
+          <a:ln>
+            <a:headEnd type="none" w="med" len="med"/>
+            <a:tailEnd type="arrow" w="med" len="med"/>
+          </a:ln>
+        </p:spPr>
+        <p:style>
+          <a:lnRef idx="2">
+            <a:schemeClr val="accent1">
+              <a:shade val="15000"/>
+            </a:schemeClr>
+          </a:lnRef>
+          <a:fillRef idx="1">
+            <a:schemeClr val="accent1"/>
+          </a:fillRef>
+          <a:effectRef idx="0">
+            <a:schemeClr val="accent1"/>
+          </a:effectRef>
+          <a:fontRef idx="minor">
+            <a:schemeClr val="lt1"/>
+          </a:fontRef>
+        </p:style>
+        <p:txBody>
+          <a:bodyPr rtlCol="0" anchor="ctr"/>
+          <a:lstStyle/>
+          <a:p>
+            <a:pPr algn="ctr"/>
+            <a:endParaRPr lang="en-KR"/>
+          </a:p>
+        </p:txBody>
+      </p:sp>
+      <p:sp>
+        <p:nvSpPr>
+          <p:cNvPr id="60" name="Freeform 59">
+            <a:extLst>
+              <a:ext uri="{FF2B5EF4-FFF2-40B4-BE49-F238E27FC236}">
+                <a16:creationId xmlns:a16="http://schemas.microsoft.com/office/drawing/2014/main" id="{C5A6853A-7335-C0C1-593A-648643CFC502}"/>
+              </a:ext>
+            </a:extLst>
+          </p:cNvPr>
+          <p:cNvSpPr/>
+          <p:nvPr/>
+        </p:nvSpPr>
+        <p:spPr>
+          <a:xfrm>
+            <a:off x="3455581" y="1810160"/>
+            <a:ext cx="4731489" cy="1294547"/>
+          </a:xfrm>
+          <a:custGeom>
+            <a:avLst/>
+            <a:gdLst>
+              <a:gd name="connsiteX0" fmla="*/ 0 w 4731489"/>
+              <a:gd name="connsiteY0" fmla="*/ 1294547 h 1294547"/>
+              <a:gd name="connsiteX1" fmla="*/ 3189768 w 4731489"/>
+              <a:gd name="connsiteY1" fmla="*/ 8007 h 1294547"/>
+              <a:gd name="connsiteX2" fmla="*/ 4731489 w 4731489"/>
+              <a:gd name="connsiteY2" fmla="*/ 847980 h 1294547"/>
+            </a:gdLst>
+            <a:ahLst/>
+            <a:cxnLst>
+              <a:cxn ang="0">
+                <a:pos x="connsiteX0" y="connsiteY0"/>
+              </a:cxn>
+              <a:cxn ang="0">
+                <a:pos x="connsiteX1" y="connsiteY1"/>
+              </a:cxn>
+              <a:cxn ang="0">
+                <a:pos x="connsiteX2" y="connsiteY2"/>
+              </a:cxn>
+            </a:cxnLst>
+            <a:rect l="l" t="t" r="r" b="b"/>
+            <a:pathLst>
+              <a:path w="4731489" h="1294547">
+                <a:moveTo>
+                  <a:pt x="0" y="1294547"/>
+                </a:moveTo>
+                <a:cubicBezTo>
+                  <a:pt x="1200593" y="688491"/>
+                  <a:pt x="2401187" y="82435"/>
+                  <a:pt x="3189768" y="8007"/>
+                </a:cubicBezTo>
+                <a:cubicBezTo>
+                  <a:pt x="3978349" y="-66421"/>
+                  <a:pt x="4354919" y="390779"/>
+                  <a:pt x="4731489" y="847980"/>
+                </a:cubicBezTo>
+              </a:path>
+            </a:pathLst>
+          </a:custGeom>
+          <a:noFill/>
+          <a:ln>
+            <a:solidFill>
+              <a:schemeClr val="bg2">
+                <a:lumMod val="75000"/>
+              </a:schemeClr>
+            </a:solidFill>
+            <a:prstDash val="lgDash"/>
+            <a:headEnd type="none" w="med" len="med"/>
+            <a:tailEnd type="arrow" w="med" len="med"/>
+          </a:ln>
+        </p:spPr>
+        <p:style>
+          <a:lnRef idx="2">
+            <a:schemeClr val="accent1">
+              <a:shade val="15000"/>
+            </a:schemeClr>
+          </a:lnRef>
+          <a:fillRef idx="1">
+            <a:schemeClr val="accent1"/>
+          </a:fillRef>
+          <a:effectRef idx="0">
+            <a:schemeClr val="accent1"/>
+          </a:effectRef>
+          <a:fontRef idx="minor">
+            <a:schemeClr val="lt1"/>
+          </a:fontRef>
+        </p:style>
+        <p:txBody>
+          <a:bodyPr rtlCol="0" anchor="ctr"/>
+          <a:lstStyle/>
+          <a:p>
+            <a:pPr algn="ctr"/>
+            <a:endParaRPr lang="en-KR"/>
+          </a:p>
+        </p:txBody>
+      </p:sp>
+    </p:spTree>
+    <p:extLst>
+      <p:ext uri="{BB962C8B-B14F-4D97-AF65-F5344CB8AC3E}">
+        <p14:creationId xmlns:p14="http://schemas.microsoft.com/office/powerpoint/2010/main" val="2559273157"/>
+      </p:ext>
+    </p:extLst>
+  </p:cSld>
+  <p:clrMapOvr>
+    <a:masterClrMapping/>
+  </p:clrMapOvr>
+</p:sld>
+</file>
+
+<file path=ppt/slides/slide7.xml><?xml version="1.0" encoding="utf-8"?>
+<p:sld xmlns:a="http://schemas.openxmlformats.org/drawingml/2006/main" xmlns:r="http://schemas.openxmlformats.org/officeDocument/2006/relationships" xmlns:p="http://schemas.openxmlformats.org/presentationml/2006/main">
+  <p:cSld>
+    <p:spTree>
+      <p:nvGrpSpPr>
+        <p:cNvPr id="1" name="">
+          <a:extLst>
+            <a:ext uri="{FF2B5EF4-FFF2-40B4-BE49-F238E27FC236}">
+              <a16:creationId xmlns:a16="http://schemas.microsoft.com/office/drawing/2014/main" id="{78C57B91-F832-C8CF-19A6-37724090613B}"/>
+            </a:ext>
+          </a:extLst>
+        </p:cNvPr>
+        <p:cNvGrpSpPr/>
+        <p:nvPr/>
+      </p:nvGrpSpPr>
+      <p:grpSpPr>
+        <a:xfrm>
+          <a:off x="0" y="0"/>
+          <a:ext cx="0" cy="0"/>
+          <a:chOff x="0" y="0"/>
+          <a:chExt cx="0" cy="0"/>
+        </a:xfrm>
+      </p:grpSpPr>
+      <p:sp>
+        <p:nvSpPr>
+          <p:cNvPr id="4" name="Title 1">
+            <a:extLst>
+              <a:ext uri="{FF2B5EF4-FFF2-40B4-BE49-F238E27FC236}">
+                <a16:creationId xmlns:a16="http://schemas.microsoft.com/office/drawing/2014/main" id="{6431CBB7-5D0C-F004-8FE5-483B25BFEDCF}"/>
+              </a:ext>
+            </a:extLst>
+          </p:cNvPr>
+          <p:cNvSpPr>
+            <a:spLocks noGrp="1"/>
+          </p:cNvSpPr>
+          <p:nvPr>
+            <p:ph type="title"/>
+          </p:nvPr>
+        </p:nvSpPr>
+        <p:spPr>
+          <a:xfrm>
+            <a:off x="838200" y="365125"/>
+            <a:ext cx="10515600" cy="1325563"/>
+          </a:xfrm>
+        </p:spPr>
+        <p:txBody>
+          <a:bodyPr/>
+          <a:lstStyle/>
+          <a:p>
+            <a:r>
+              <a:rPr lang="en-US" b="1" dirty="0">
+                <a:latin typeface="Avenir Next LT Pro" panose="020B0504020202020204" pitchFamily="34" charset="77"/>
+              </a:rPr>
+              <a:t>Code Implementation</a:t>
+            </a:r>
+            <a:endParaRPr lang="en-KR" b="1" dirty="0">
+              <a:latin typeface="Avenir Next LT Pro" panose="020B0504020202020204" pitchFamily="34" charset="77"/>
+            </a:endParaRPr>
+          </a:p>
+        </p:txBody>
+      </p:sp>
+      <p:sp>
+        <p:nvSpPr>
+          <p:cNvPr id="5" name="Oval 4">
+            <a:extLst>
+              <a:ext uri="{FF2B5EF4-FFF2-40B4-BE49-F238E27FC236}">
+                <a16:creationId xmlns:a16="http://schemas.microsoft.com/office/drawing/2014/main" id="{DD40BA5A-61FD-C5A2-CFDC-7F506CA69A31}"/>
+              </a:ext>
+            </a:extLst>
+          </p:cNvPr>
+          <p:cNvSpPr/>
+          <p:nvPr/>
+        </p:nvSpPr>
+        <p:spPr>
+          <a:xfrm>
+            <a:off x="1679272" y="1722364"/>
+            <a:ext cx="457200" cy="457200"/>
+          </a:xfrm>
+          <a:prstGeom prst="ellipse">
+            <a:avLst/>
+          </a:prstGeom>
+        </p:spPr>
+        <p:style>
+          <a:lnRef idx="2">
+            <a:schemeClr val="accent1">
+              <a:shade val="15000"/>
+            </a:schemeClr>
+          </a:lnRef>
+          <a:fillRef idx="1">
+            <a:schemeClr val="accent1"/>
+          </a:fillRef>
+          <a:effectRef idx="0">
+            <a:schemeClr val="accent1"/>
+          </a:effectRef>
+          <a:fontRef idx="minor">
+            <a:schemeClr val="lt1"/>
+          </a:fontRef>
+        </p:style>
+        <p:txBody>
+          <a:bodyPr rtlCol="0" anchor="ctr"/>
+          <a:lstStyle/>
+          <a:p>
+            <a:pPr algn="ctr"/>
+            <a:endParaRPr lang="en-KR"/>
+          </a:p>
+        </p:txBody>
+      </p:sp>
+      <p:sp>
+        <p:nvSpPr>
+          <p:cNvPr id="6" name="TextBox 5">
+            <a:extLst>
+              <a:ext uri="{FF2B5EF4-FFF2-40B4-BE49-F238E27FC236}">
+                <a16:creationId xmlns:a16="http://schemas.microsoft.com/office/drawing/2014/main" id="{B0F428B5-EFB2-5417-BEDD-E852A3F55283}"/>
+              </a:ext>
+            </a:extLst>
+          </p:cNvPr>
+          <p:cNvSpPr txBox="1"/>
+          <p:nvPr/>
+        </p:nvSpPr>
+        <p:spPr>
+          <a:xfrm>
+            <a:off x="2150990" y="1766298"/>
+            <a:ext cx="1531188" cy="369332"/>
+          </a:xfrm>
+          <a:prstGeom prst="rect">
+            <a:avLst/>
+          </a:prstGeom>
+          <a:noFill/>
+        </p:spPr>
+        <p:txBody>
+          <a:bodyPr wrap="none" rtlCol="0">
+            <a:spAutoFit/>
+          </a:bodyPr>
+          <a:lstStyle/>
+          <a:p>
+            <a:r>
+              <a:rPr lang="en-KR" dirty="0">
+                <a:latin typeface="Cascadia Code" panose="020B0609020000020004" pitchFamily="34" charset="0"/>
+                <a:ea typeface="Cascadia Code" panose="020B0609020000020004" pitchFamily="34" charset="0"/>
+                <a:cs typeface="Cascadia Code" panose="020B0609020000020004" pitchFamily="34" charset="0"/>
+              </a:rPr>
+              <a:t>CreateView</a:t>
+            </a:r>
+          </a:p>
+        </p:txBody>
+      </p:sp>
+      <p:sp>
+        <p:nvSpPr>
+          <p:cNvPr id="8" name="Rectangle 7">
+            <a:extLst>
+              <a:ext uri="{FF2B5EF4-FFF2-40B4-BE49-F238E27FC236}">
+                <a16:creationId xmlns:a16="http://schemas.microsoft.com/office/drawing/2014/main" id="{4F62C7C7-8DC0-D79C-C121-A6C36C795C88}"/>
+              </a:ext>
+            </a:extLst>
+          </p:cNvPr>
+          <p:cNvSpPr/>
+          <p:nvPr/>
+        </p:nvSpPr>
+        <p:spPr>
+          <a:xfrm>
+            <a:off x="1243336" y="2750715"/>
+            <a:ext cx="1329071" cy="457200"/>
+          </a:xfrm>
+          <a:prstGeom prst="rect">
+            <a:avLst/>
+          </a:prstGeom>
+        </p:spPr>
+        <p:style>
+          <a:lnRef idx="2">
+            <a:schemeClr val="accent1">
+              <a:shade val="15000"/>
+            </a:schemeClr>
+          </a:lnRef>
+          <a:fillRef idx="1">
+            <a:schemeClr val="accent1"/>
+          </a:fillRef>
+          <a:effectRef idx="0">
+            <a:schemeClr val="accent1"/>
+          </a:effectRef>
+          <a:fontRef idx="minor">
+            <a:schemeClr val="lt1"/>
+          </a:fontRef>
+        </p:style>
+        <p:txBody>
+          <a:bodyPr rtlCol="0" anchor="ctr"/>
+          <a:lstStyle/>
+          <a:p>
+            <a:pPr algn="ctr"/>
+            <a:r>
+              <a:rPr lang="en-KR" sz="1400" dirty="0">
+                <a:latin typeface="Noto Sans KR" panose="020B0200000000000000" pitchFamily="34" charset="-128"/>
+                <a:ea typeface="Noto Sans KR" panose="020B0200000000000000" pitchFamily="34" charset="-128"/>
+              </a:rPr>
+              <a:t>Sensor Init</a:t>
+            </a:r>
+          </a:p>
+        </p:txBody>
+      </p:sp>
+      <p:sp>
+        <p:nvSpPr>
+          <p:cNvPr id="9" name="Rectangle 8">
+            <a:extLst>
+              <a:ext uri="{FF2B5EF4-FFF2-40B4-BE49-F238E27FC236}">
+                <a16:creationId xmlns:a16="http://schemas.microsoft.com/office/drawing/2014/main" id="{4F9E1345-E66F-4608-8E9A-88B40B78A86E}"/>
+              </a:ext>
+            </a:extLst>
+          </p:cNvPr>
+          <p:cNvSpPr/>
+          <p:nvPr/>
+        </p:nvSpPr>
+        <p:spPr>
+          <a:xfrm>
+            <a:off x="1243336" y="3316882"/>
+            <a:ext cx="1329071" cy="457200"/>
+          </a:xfrm>
+          <a:prstGeom prst="rect">
+            <a:avLst/>
+          </a:prstGeom>
+        </p:spPr>
+        <p:style>
+          <a:lnRef idx="2">
+            <a:schemeClr val="accent1">
+              <a:shade val="15000"/>
+            </a:schemeClr>
+          </a:lnRef>
+          <a:fillRef idx="1">
+            <a:schemeClr val="accent1"/>
+          </a:fillRef>
+          <a:effectRef idx="0">
+            <a:schemeClr val="accent1"/>
+          </a:effectRef>
+          <a:fontRef idx="minor">
+            <a:schemeClr val="lt1"/>
+          </a:fontRef>
+        </p:style>
+        <p:txBody>
+          <a:bodyPr rtlCol="0" anchor="ctr"/>
+          <a:lstStyle/>
+          <a:p>
+            <a:pPr algn="ctr"/>
+            <a:r>
+              <a:rPr lang="en-KR" sz="1400" dirty="0">
+                <a:latin typeface="Noto Sans KR" panose="020B0200000000000000" pitchFamily="34" charset="-128"/>
+                <a:ea typeface="Noto Sans KR" panose="020B0200000000000000" pitchFamily="34" charset="-128"/>
+              </a:rPr>
+              <a:t>Vibrator Init</a:t>
+            </a:r>
+          </a:p>
+        </p:txBody>
+      </p:sp>
+      <p:cxnSp>
+        <p:nvCxnSpPr>
+          <p:cNvPr id="11" name="Straight Connector 10">
+            <a:extLst>
+              <a:ext uri="{FF2B5EF4-FFF2-40B4-BE49-F238E27FC236}">
+                <a16:creationId xmlns:a16="http://schemas.microsoft.com/office/drawing/2014/main" id="{94ED2DA8-B5BA-66F0-96D5-8FBA85289688}"/>
+              </a:ext>
+            </a:extLst>
+          </p:cNvPr>
+          <p:cNvCxnSpPr>
+            <a:cxnSpLocks/>
+          </p:cNvCxnSpPr>
+          <p:nvPr/>
+        </p:nvCxnSpPr>
+        <p:spPr>
+          <a:xfrm>
+            <a:off x="6188149" y="3135345"/>
+            <a:ext cx="0" cy="3132968"/>
+          </a:xfrm>
+          <a:prstGeom prst="line">
+            <a:avLst/>
+          </a:prstGeom>
+        </p:spPr>
+        <p:style>
+          <a:lnRef idx="2">
+            <a:schemeClr val="accent1"/>
+          </a:lnRef>
+          <a:fillRef idx="0">
+            <a:schemeClr val="accent1"/>
+          </a:fillRef>
+          <a:effectRef idx="1">
+            <a:schemeClr val="accent1"/>
+          </a:effectRef>
+          <a:fontRef idx="minor">
+            <a:schemeClr val="tx1"/>
+          </a:fontRef>
+        </p:style>
+      </p:cxnSp>
+      <p:sp>
+        <p:nvSpPr>
+          <p:cNvPr id="14" name="TextBox 13">
+            <a:extLst>
+              <a:ext uri="{FF2B5EF4-FFF2-40B4-BE49-F238E27FC236}">
+                <a16:creationId xmlns:a16="http://schemas.microsoft.com/office/drawing/2014/main" id="{09CC0870-82B9-C6C6-4AAB-62719ECF22BA}"/>
+              </a:ext>
+            </a:extLst>
+          </p:cNvPr>
+          <p:cNvSpPr txBox="1"/>
+          <p:nvPr/>
+        </p:nvSpPr>
+        <p:spPr>
+          <a:xfrm>
+            <a:off x="5158860" y="2437420"/>
+            <a:ext cx="2058577" cy="646331"/>
+          </a:xfrm>
+          <a:prstGeom prst="rect">
+            <a:avLst/>
+          </a:prstGeom>
+          <a:noFill/>
+        </p:spPr>
+        <p:txBody>
+          <a:bodyPr wrap="none" rtlCol="0">
+            <a:spAutoFit/>
+          </a:bodyPr>
+          <a:lstStyle/>
+          <a:p>
+            <a:r>
+              <a:rPr lang="en-KR" b="1" dirty="0">
+                <a:latin typeface="Noto Sans KR" panose="020B0200000000000000" pitchFamily="34" charset="-128"/>
+                <a:ea typeface="Noto Sans KR" panose="020B0200000000000000" pitchFamily="34" charset="-128"/>
+              </a:rPr>
+              <a:t>Sensor Handling</a:t>
+            </a:r>
+          </a:p>
+          <a:p>
+            <a:pPr algn="ctr"/>
+            <a:r>
+              <a:rPr lang="en-KR" dirty="0">
+                <a:latin typeface="Cascadia Code" panose="020B0609020000020004" pitchFamily="34" charset="0"/>
+                <a:ea typeface="Cascadia Code" panose="020B0609020000020004" pitchFamily="34" charset="0"/>
+                <a:cs typeface="Cascadia Code" panose="020B0609020000020004" pitchFamily="34" charset="0"/>
+              </a:rPr>
+              <a:t>Looper</a:t>
+            </a:r>
+          </a:p>
+        </p:txBody>
+      </p:sp>
+      <p:cxnSp>
+        <p:nvCxnSpPr>
+          <p:cNvPr id="16" name="Straight Connector 15">
+            <a:extLst>
+              <a:ext uri="{FF2B5EF4-FFF2-40B4-BE49-F238E27FC236}">
+                <a16:creationId xmlns:a16="http://schemas.microsoft.com/office/drawing/2014/main" id="{569B1B2C-B98B-9B1F-D11F-36650FA8A933}"/>
+              </a:ext>
+            </a:extLst>
+          </p:cNvPr>
+          <p:cNvCxnSpPr>
+            <a:cxnSpLocks/>
+          </p:cNvCxnSpPr>
+          <p:nvPr/>
+        </p:nvCxnSpPr>
+        <p:spPr>
+          <a:xfrm>
+            <a:off x="9506963" y="3135345"/>
+            <a:ext cx="0" cy="3132968"/>
+          </a:xfrm>
+          <a:prstGeom prst="line">
+            <a:avLst/>
+          </a:prstGeom>
+        </p:spPr>
+        <p:style>
+          <a:lnRef idx="2">
+            <a:schemeClr val="accent1"/>
+          </a:lnRef>
+          <a:fillRef idx="0">
+            <a:schemeClr val="accent1"/>
+          </a:fillRef>
+          <a:effectRef idx="1">
+            <a:schemeClr val="accent1"/>
+          </a:effectRef>
+          <a:fontRef idx="minor">
+            <a:schemeClr val="tx1"/>
+          </a:fontRef>
+        </p:style>
+      </p:cxnSp>
+      <p:sp>
+        <p:nvSpPr>
+          <p:cNvPr id="17" name="TextBox 16">
+            <a:extLst>
+              <a:ext uri="{FF2B5EF4-FFF2-40B4-BE49-F238E27FC236}">
+                <a16:creationId xmlns:a16="http://schemas.microsoft.com/office/drawing/2014/main" id="{481EDD61-350E-3419-EEEE-133CF8CDFB10}"/>
+              </a:ext>
+            </a:extLst>
+          </p:cNvPr>
+          <p:cNvSpPr txBox="1"/>
+          <p:nvPr/>
+        </p:nvSpPr>
+        <p:spPr>
+          <a:xfrm>
+            <a:off x="8349434" y="2397509"/>
+            <a:ext cx="2315057" cy="646331"/>
+          </a:xfrm>
+          <a:prstGeom prst="rect">
+            <a:avLst/>
+          </a:prstGeom>
+          <a:noFill/>
+        </p:spPr>
+        <p:txBody>
+          <a:bodyPr wrap="none" rtlCol="0">
+            <a:spAutoFit/>
+          </a:bodyPr>
+          <a:lstStyle/>
+          <a:p>
+            <a:r>
+              <a:rPr lang="en-KR" b="1" dirty="0">
+                <a:latin typeface="Noto Sans KR" panose="020B0200000000000000" pitchFamily="34" charset="-128"/>
+                <a:ea typeface="Noto Sans KR" panose="020B0200000000000000" pitchFamily="34" charset="-128"/>
+              </a:rPr>
+              <a:t>Vibration Generate</a:t>
+            </a:r>
+          </a:p>
+          <a:p>
+            <a:pPr algn="ctr"/>
+            <a:r>
+              <a:rPr lang="en-KR" dirty="0">
+                <a:latin typeface="Cascadia Code" panose="020B0609020000020004" pitchFamily="34" charset="0"/>
+                <a:ea typeface="Cascadia Code" panose="020B0609020000020004" pitchFamily="34" charset="0"/>
+                <a:cs typeface="Cascadia Code" panose="020B0609020000020004" pitchFamily="34" charset="0"/>
+              </a:rPr>
+              <a:t>Looper</a:t>
+            </a:r>
+          </a:p>
+        </p:txBody>
+      </p:sp>
+      <p:sp>
+        <p:nvSpPr>
+          <p:cNvPr id="19" name="TextBox 18">
+            <a:extLst>
+              <a:ext uri="{FF2B5EF4-FFF2-40B4-BE49-F238E27FC236}">
+                <a16:creationId xmlns:a16="http://schemas.microsoft.com/office/drawing/2014/main" id="{CE059AF2-D723-ADFE-374F-A77B437DA3D2}"/>
+              </a:ext>
+            </a:extLst>
+          </p:cNvPr>
+          <p:cNvSpPr txBox="1"/>
+          <p:nvPr/>
+        </p:nvSpPr>
+        <p:spPr>
+          <a:xfrm>
+            <a:off x="3170640" y="3291582"/>
+            <a:ext cx="1988045" cy="338554"/>
+          </a:xfrm>
+          <a:prstGeom prst="rect">
+            <a:avLst/>
+          </a:prstGeom>
+          <a:noFill/>
+        </p:spPr>
+        <p:txBody>
+          <a:bodyPr wrap="none" rtlCol="0">
+            <a:spAutoFit/>
+          </a:bodyPr>
+          <a:lstStyle/>
+          <a:p>
+            <a:r>
+              <a:rPr lang="en-KR" sz="1600" b="1" dirty="0">
+                <a:solidFill>
+                  <a:schemeClr val="accent2"/>
+                </a:solidFill>
+                <a:latin typeface="Cascadia Code" panose="020B0609020000020004" pitchFamily="34" charset="0"/>
+                <a:ea typeface="Cascadia Code" panose="020B0609020000020004" pitchFamily="34" charset="0"/>
+                <a:cs typeface="Cascadia Code" panose="020B0609020000020004" pitchFamily="34" charset="0"/>
+              </a:rPr>
+              <a:t>onSensorChanged</a:t>
+            </a:r>
+          </a:p>
+        </p:txBody>
+      </p:sp>
+      <p:sp>
+        <p:nvSpPr>
+          <p:cNvPr id="20" name="Rectangle 19">
+            <a:extLst>
+              <a:ext uri="{FF2B5EF4-FFF2-40B4-BE49-F238E27FC236}">
+                <a16:creationId xmlns:a16="http://schemas.microsoft.com/office/drawing/2014/main" id="{6D5A9C6F-B0F0-3F2F-0565-4CC84DB71533}"/>
+              </a:ext>
+            </a:extLst>
+          </p:cNvPr>
+          <p:cNvSpPr/>
+          <p:nvPr/>
+        </p:nvSpPr>
+        <p:spPr>
+          <a:xfrm>
+            <a:off x="8736752" y="4087127"/>
+            <a:ext cx="1511687" cy="1251247"/>
+          </a:xfrm>
+          <a:prstGeom prst="rect">
+            <a:avLst/>
+          </a:prstGeom>
+          <a:solidFill>
+            <a:schemeClr val="accent6"/>
+          </a:solidFill>
+          <a:ln>
+            <a:solidFill>
+              <a:schemeClr val="accent6"/>
+            </a:solidFill>
+          </a:ln>
+        </p:spPr>
+        <p:style>
+          <a:lnRef idx="2">
+            <a:schemeClr val="accent1">
+              <a:shade val="15000"/>
+            </a:schemeClr>
+          </a:lnRef>
+          <a:fillRef idx="1">
+            <a:schemeClr val="accent1"/>
+          </a:fillRef>
+          <a:effectRef idx="0">
+            <a:schemeClr val="accent1"/>
+          </a:effectRef>
+          <a:fontRef idx="minor">
+            <a:schemeClr val="lt1"/>
+          </a:fontRef>
+        </p:style>
+        <p:txBody>
+          <a:bodyPr rtlCol="0" anchor="ctr"/>
+          <a:lstStyle/>
+          <a:p>
+            <a:pPr algn="ctr"/>
+            <a:r>
+              <a:rPr lang="en-KR" sz="1100" dirty="0">
+                <a:latin typeface="Cascadia Code" panose="020B0609020000020004" pitchFamily="34" charset="0"/>
+                <a:ea typeface="Cascadia Code" panose="020B0609020000020004" pitchFamily="34" charset="0"/>
+                <a:cs typeface="Cascadia Code" panose="020B0609020000020004" pitchFamily="34" charset="0"/>
+              </a:rPr>
+              <a:t>VibratorManager.</a:t>
+            </a:r>
+            <a:br>
+              <a:rPr lang="en-KR" sz="1600" dirty="0">
+                <a:latin typeface="Cascadia Code" panose="020B0609020000020004" pitchFamily="34" charset="0"/>
+                <a:ea typeface="Cascadia Code" panose="020B0609020000020004" pitchFamily="34" charset="0"/>
+                <a:cs typeface="Cascadia Code" panose="020B0609020000020004" pitchFamily="34" charset="0"/>
+              </a:rPr>
+            </a:br>
+            <a:r>
+              <a:rPr lang="en-KR" dirty="0">
+                <a:latin typeface="Cascadia Code" panose="020B0609020000020004" pitchFamily="34" charset="0"/>
+                <a:ea typeface="Cascadia Code" panose="020B0609020000020004" pitchFamily="34" charset="0"/>
+                <a:cs typeface="Cascadia Code" panose="020B0609020000020004" pitchFamily="34" charset="0"/>
+              </a:rPr>
+              <a:t>vibrate</a:t>
+            </a:r>
+          </a:p>
+        </p:txBody>
+      </p:sp>
+      <p:sp>
+        <p:nvSpPr>
+          <p:cNvPr id="21" name="Rectangle 20">
+            <a:extLst>
+              <a:ext uri="{FF2B5EF4-FFF2-40B4-BE49-F238E27FC236}">
+                <a16:creationId xmlns:a16="http://schemas.microsoft.com/office/drawing/2014/main" id="{F005BF82-35BE-C688-4F02-32758EE3AAD6}"/>
+              </a:ext>
+            </a:extLst>
+          </p:cNvPr>
+          <p:cNvSpPr/>
+          <p:nvPr/>
+        </p:nvSpPr>
+        <p:spPr>
+          <a:xfrm>
+            <a:off x="5603361" y="4087127"/>
+            <a:ext cx="1169576" cy="719172"/>
+          </a:xfrm>
+          <a:prstGeom prst="rect">
+            <a:avLst/>
+          </a:prstGeom>
+        </p:spPr>
+        <p:style>
+          <a:lnRef idx="2">
+            <a:schemeClr val="accent1">
+              <a:shade val="15000"/>
+            </a:schemeClr>
+          </a:lnRef>
+          <a:fillRef idx="1">
+            <a:schemeClr val="accent1"/>
+          </a:fillRef>
+          <a:effectRef idx="0">
+            <a:schemeClr val="accent1"/>
+          </a:effectRef>
+          <a:fontRef idx="minor">
+            <a:schemeClr val="lt1"/>
+          </a:fontRef>
+        </p:style>
+        <p:txBody>
+          <a:bodyPr rtlCol="0" anchor="ctr"/>
+          <a:lstStyle/>
+          <a:p>
+            <a:pPr algn="ctr"/>
+            <a:r>
+              <a:rPr lang="en-KR" sz="1600" dirty="0">
+                <a:solidFill>
+                  <a:schemeClr val="bg1"/>
+                </a:solidFill>
+                <a:latin typeface="Cascadia Code" panose="020B0609020000020004" pitchFamily="34" charset="0"/>
+                <a:ea typeface="Cascadia Code" panose="020B0609020000020004" pitchFamily="34" charset="0"/>
+                <a:cs typeface="Cascadia Code" panose="020B0609020000020004" pitchFamily="34" charset="0"/>
+              </a:rPr>
+              <a:t>Array&lt;&gt;</a:t>
+            </a:r>
+            <a:br>
+              <a:rPr lang="en-KR" sz="1600" dirty="0">
+                <a:solidFill>
+                  <a:schemeClr val="bg1"/>
+                </a:solidFill>
+                <a:latin typeface="Cascadia Code" panose="020B0609020000020004" pitchFamily="34" charset="0"/>
+                <a:ea typeface="Cascadia Code" panose="020B0609020000020004" pitchFamily="34" charset="0"/>
+                <a:cs typeface="Cascadia Code" panose="020B0609020000020004" pitchFamily="34" charset="0"/>
+              </a:rPr>
+            </a:br>
+            <a:r>
+              <a:rPr lang="en-KR" sz="1600" dirty="0">
+                <a:solidFill>
+                  <a:schemeClr val="bg1"/>
+                </a:solidFill>
+                <a:latin typeface="Cascadia Code" panose="020B0609020000020004" pitchFamily="34" charset="0"/>
+                <a:ea typeface="Cascadia Code" panose="020B0609020000020004" pitchFamily="34" charset="0"/>
+                <a:cs typeface="Cascadia Code" panose="020B0609020000020004" pitchFamily="34" charset="0"/>
+              </a:rPr>
+              <a:t>.forEach</a:t>
+            </a:r>
+          </a:p>
+        </p:txBody>
+      </p:sp>
+      <p:cxnSp>
+        <p:nvCxnSpPr>
+          <p:cNvPr id="23" name="Straight Arrow Connector 22">
+            <a:extLst>
+              <a:ext uri="{FF2B5EF4-FFF2-40B4-BE49-F238E27FC236}">
+                <a16:creationId xmlns:a16="http://schemas.microsoft.com/office/drawing/2014/main" id="{A0D9E4CA-6646-EFF6-E7E2-A873205E8913}"/>
+              </a:ext>
+            </a:extLst>
+          </p:cNvPr>
+          <p:cNvCxnSpPr>
+            <a:stCxn id="19" idx="3"/>
+          </p:cNvCxnSpPr>
+          <p:nvPr/>
+        </p:nvCxnSpPr>
+        <p:spPr>
+          <a:xfrm>
+            <a:off x="5158685" y="3460859"/>
+            <a:ext cx="937315" cy="0"/>
+          </a:xfrm>
+          <a:prstGeom prst="straightConnector1">
+            <a:avLst/>
+          </a:prstGeom>
+          <a:ln w="38100">
+            <a:solidFill>
+              <a:schemeClr val="accent2"/>
+            </a:solidFill>
+            <a:headEnd type="none" w="med" len="med"/>
+            <a:tailEnd type="arrow" w="med" len="med"/>
+          </a:ln>
+        </p:spPr>
+        <p:style>
+          <a:lnRef idx="2">
+            <a:schemeClr val="accent1"/>
+          </a:lnRef>
+          <a:fillRef idx="0">
+            <a:schemeClr val="accent1"/>
+          </a:fillRef>
+          <a:effectRef idx="1">
+            <a:schemeClr val="accent1"/>
+          </a:effectRef>
+          <a:fontRef idx="minor">
+            <a:schemeClr val="tx1"/>
+          </a:fontRef>
+        </p:style>
+      </p:cxnSp>
+      <p:sp>
+        <p:nvSpPr>
+          <p:cNvPr id="24" name="TextBox 23">
+            <a:extLst>
+              <a:ext uri="{FF2B5EF4-FFF2-40B4-BE49-F238E27FC236}">
+                <a16:creationId xmlns:a16="http://schemas.microsoft.com/office/drawing/2014/main" id="{7C91E8B4-F39B-067C-D750-F99B0F72116E}"/>
+              </a:ext>
+            </a:extLst>
+          </p:cNvPr>
+          <p:cNvSpPr txBox="1"/>
+          <p:nvPr/>
+        </p:nvSpPr>
+        <p:spPr>
+          <a:xfrm>
+            <a:off x="5250834" y="3509164"/>
+            <a:ext cx="726367" cy="307777"/>
+          </a:xfrm>
+          <a:prstGeom prst="rect">
+            <a:avLst/>
+          </a:prstGeom>
+          <a:noFill/>
+        </p:spPr>
+        <p:txBody>
+          <a:bodyPr wrap="square" rtlCol="0">
+            <a:spAutoFit/>
+          </a:bodyPr>
+          <a:lstStyle/>
+          <a:p>
+            <a:pPr algn="ctr"/>
+            <a:r>
+              <a:rPr lang="en-KR" sz="1400" b="1" dirty="0">
+                <a:solidFill>
+                  <a:schemeClr val="accent2"/>
+                </a:solidFill>
+                <a:latin typeface="Cascadia Code" panose="020B0609020000020004" pitchFamily="34" charset="0"/>
+                <a:ea typeface="Cascadia Code" panose="020B0609020000020004" pitchFamily="34" charset="0"/>
+                <a:cs typeface="Cascadia Code" panose="020B0609020000020004" pitchFamily="34" charset="0"/>
+              </a:rPr>
+              <a:t>post</a:t>
+            </a:r>
+          </a:p>
+        </p:txBody>
+      </p:sp>
+      <p:cxnSp>
+        <p:nvCxnSpPr>
+          <p:cNvPr id="27" name="Elbow Connector 26">
+            <a:extLst>
+              <a:ext uri="{FF2B5EF4-FFF2-40B4-BE49-F238E27FC236}">
+                <a16:creationId xmlns:a16="http://schemas.microsoft.com/office/drawing/2014/main" id="{A43240D0-D514-7689-30C6-7CEB7977A4EF}"/>
+              </a:ext>
+            </a:extLst>
+          </p:cNvPr>
+          <p:cNvCxnSpPr>
+            <a:cxnSpLocks/>
+          </p:cNvCxnSpPr>
+          <p:nvPr/>
+        </p:nvCxnSpPr>
+        <p:spPr>
+          <a:xfrm flipV="1">
+            <a:off x="6900530" y="3460859"/>
+            <a:ext cx="2565991" cy="821050"/>
+          </a:xfrm>
+          <a:prstGeom prst="bentConnector3">
+            <a:avLst>
+              <a:gd name="adj1" fmla="val 50000"/>
+            </a:avLst>
+          </a:prstGeom>
+          <a:ln w="38100">
+            <a:solidFill>
+              <a:schemeClr val="accent2"/>
+            </a:solidFill>
+            <a:headEnd type="none" w="med" len="med"/>
+            <a:tailEnd type="arrow" w="med" len="med"/>
+          </a:ln>
+        </p:spPr>
+        <p:style>
+          <a:lnRef idx="2">
+            <a:schemeClr val="accent1"/>
+          </a:lnRef>
+          <a:fillRef idx="0">
+            <a:schemeClr val="accent1"/>
+          </a:fillRef>
+          <a:effectRef idx="1">
+            <a:schemeClr val="accent1"/>
+          </a:effectRef>
+          <a:fontRef idx="minor">
+            <a:schemeClr val="tx1"/>
+          </a:fontRef>
+        </p:style>
+      </p:cxnSp>
+      <p:sp>
+        <p:nvSpPr>
+          <p:cNvPr id="29" name="TextBox 28">
+            <a:extLst>
+              <a:ext uri="{FF2B5EF4-FFF2-40B4-BE49-F238E27FC236}">
+                <a16:creationId xmlns:a16="http://schemas.microsoft.com/office/drawing/2014/main" id="{79BBC89D-DC48-AC69-76EE-135A6E11B5D3}"/>
+              </a:ext>
+            </a:extLst>
+          </p:cNvPr>
+          <p:cNvSpPr txBox="1"/>
+          <p:nvPr/>
+        </p:nvSpPr>
+        <p:spPr>
+          <a:xfrm>
+            <a:off x="8621355" y="3496152"/>
+            <a:ext cx="726367" cy="307777"/>
+          </a:xfrm>
+          <a:prstGeom prst="rect">
+            <a:avLst/>
+          </a:prstGeom>
+          <a:noFill/>
+        </p:spPr>
+        <p:txBody>
+          <a:bodyPr wrap="square" rtlCol="0">
+            <a:spAutoFit/>
+          </a:bodyPr>
+          <a:lstStyle/>
+          <a:p>
+            <a:pPr algn="ctr"/>
+            <a:r>
+              <a:rPr lang="en-KR" sz="1400" b="1" dirty="0">
+                <a:solidFill>
+                  <a:schemeClr val="accent2"/>
+                </a:solidFill>
+                <a:latin typeface="Cascadia Code" panose="020B0609020000020004" pitchFamily="34" charset="0"/>
+                <a:ea typeface="Cascadia Code" panose="020B0609020000020004" pitchFamily="34" charset="0"/>
+                <a:cs typeface="Cascadia Code" panose="020B0609020000020004" pitchFamily="34" charset="0"/>
+              </a:rPr>
+              <a:t>post</a:t>
+            </a:r>
+          </a:p>
+        </p:txBody>
+      </p:sp>
+      <p:cxnSp>
+        <p:nvCxnSpPr>
+          <p:cNvPr id="31" name="Elbow Connector 30">
+            <a:extLst>
+              <a:ext uri="{FF2B5EF4-FFF2-40B4-BE49-F238E27FC236}">
+                <a16:creationId xmlns:a16="http://schemas.microsoft.com/office/drawing/2014/main" id="{3A36B827-E176-38E8-B3B4-2C47ECF6B4B4}"/>
+              </a:ext>
+            </a:extLst>
+          </p:cNvPr>
+          <p:cNvCxnSpPr>
+            <a:cxnSpLocks/>
+          </p:cNvCxnSpPr>
+          <p:nvPr/>
+        </p:nvCxnSpPr>
+        <p:spPr>
+          <a:xfrm>
+            <a:off x="6900530" y="4446713"/>
+            <a:ext cx="1836222" cy="786978"/>
+          </a:xfrm>
+          <a:prstGeom prst="bentConnector3">
+            <a:avLst/>
+          </a:prstGeom>
+          <a:ln w="38100">
+            <a:solidFill>
+              <a:schemeClr val="accent6"/>
+            </a:solidFill>
+            <a:headEnd type="none" w="med" len="med"/>
+            <a:tailEnd type="arrow" w="med" len="med"/>
+          </a:ln>
+        </p:spPr>
+        <p:style>
+          <a:lnRef idx="2">
+            <a:schemeClr val="accent1"/>
+          </a:lnRef>
+          <a:fillRef idx="0">
+            <a:schemeClr val="accent1"/>
+          </a:fillRef>
+          <a:effectRef idx="1">
+            <a:schemeClr val="accent1"/>
+          </a:effectRef>
+          <a:fontRef idx="minor">
+            <a:schemeClr val="tx1"/>
+          </a:fontRef>
+        </p:style>
+      </p:cxnSp>
+      <p:sp>
+        <p:nvSpPr>
+          <p:cNvPr id="35" name="TextBox 34">
+            <a:extLst>
+              <a:ext uri="{FF2B5EF4-FFF2-40B4-BE49-F238E27FC236}">
+                <a16:creationId xmlns:a16="http://schemas.microsoft.com/office/drawing/2014/main" id="{7C64C252-9436-4214-EA3F-A8890E2CF065}"/>
+              </a:ext>
+            </a:extLst>
+          </p:cNvPr>
+          <p:cNvSpPr txBox="1"/>
+          <p:nvPr/>
+        </p:nvSpPr>
+        <p:spPr>
+          <a:xfrm>
+            <a:off x="7754122" y="5247719"/>
+            <a:ext cx="982630" cy="307777"/>
+          </a:xfrm>
+          <a:prstGeom prst="rect">
+            <a:avLst/>
+          </a:prstGeom>
+          <a:noFill/>
+        </p:spPr>
+        <p:txBody>
+          <a:bodyPr wrap="square" rtlCol="0">
+            <a:spAutoFit/>
+          </a:bodyPr>
+          <a:lstStyle/>
+          <a:p>
+            <a:pPr algn="ctr"/>
+            <a:r>
+              <a:rPr lang="en-KR" sz="1400" b="1" dirty="0">
+                <a:solidFill>
+                  <a:schemeClr val="accent6"/>
+                </a:solidFill>
+                <a:latin typeface="Cascadia Code" panose="020B0609020000020004" pitchFamily="34" charset="0"/>
+                <a:ea typeface="Cascadia Code" panose="020B0609020000020004" pitchFamily="34" charset="0"/>
+                <a:cs typeface="Cascadia Code" panose="020B0609020000020004" pitchFamily="34" charset="0"/>
+              </a:rPr>
+              <a:t>pattern</a:t>
+            </a:r>
+          </a:p>
+        </p:txBody>
+      </p:sp>
+      <p:sp>
+        <p:nvSpPr>
+          <p:cNvPr id="36" name="Rectangle 35">
+            <a:extLst>
+              <a:ext uri="{FF2B5EF4-FFF2-40B4-BE49-F238E27FC236}">
+                <a16:creationId xmlns:a16="http://schemas.microsoft.com/office/drawing/2014/main" id="{E1FDEDB7-8DB2-6673-27D5-00502ABC69AB}"/>
+              </a:ext>
+            </a:extLst>
+          </p:cNvPr>
+          <p:cNvSpPr/>
+          <p:nvPr/>
+        </p:nvSpPr>
+        <p:spPr>
+          <a:xfrm>
+            <a:off x="1243335" y="4265171"/>
+            <a:ext cx="1329071" cy="457200"/>
+          </a:xfrm>
+          <a:prstGeom prst="rect">
+            <a:avLst/>
+          </a:prstGeom>
+        </p:spPr>
+        <p:style>
+          <a:lnRef idx="2">
+            <a:schemeClr val="accent1">
+              <a:shade val="15000"/>
+            </a:schemeClr>
+          </a:lnRef>
+          <a:fillRef idx="1">
+            <a:schemeClr val="accent1"/>
+          </a:fillRef>
+          <a:effectRef idx="0">
+            <a:schemeClr val="accent1"/>
+          </a:effectRef>
+          <a:fontRef idx="minor">
+            <a:schemeClr val="lt1"/>
+          </a:fontRef>
+        </p:style>
+        <p:txBody>
+          <a:bodyPr rtlCol="0" anchor="ctr"/>
+          <a:lstStyle/>
+          <a:p>
+            <a:pPr algn="ctr"/>
+            <a:r>
+              <a:rPr lang="en-KR" sz="1400" dirty="0">
+                <a:latin typeface="Noto Sans KR" panose="020B0200000000000000" pitchFamily="34" charset="-128"/>
+                <a:ea typeface="Noto Sans KR" panose="020B0200000000000000" pitchFamily="34" charset="-128"/>
+              </a:rPr>
+              <a:t>Thread Init</a:t>
+            </a:r>
+          </a:p>
+        </p:txBody>
+      </p:sp>
+      <p:cxnSp>
+        <p:nvCxnSpPr>
+          <p:cNvPr id="38" name="Straight Connector 37">
+            <a:extLst>
+              <a:ext uri="{FF2B5EF4-FFF2-40B4-BE49-F238E27FC236}">
+                <a16:creationId xmlns:a16="http://schemas.microsoft.com/office/drawing/2014/main" id="{2068B926-B201-23C5-33E3-CB82B5353A00}"/>
+              </a:ext>
+            </a:extLst>
+          </p:cNvPr>
+          <p:cNvCxnSpPr/>
+          <p:nvPr/>
+        </p:nvCxnSpPr>
+        <p:spPr>
+          <a:xfrm>
+            <a:off x="1595092" y="4701773"/>
+            <a:ext cx="0" cy="1555563"/>
+          </a:xfrm>
+          <a:prstGeom prst="line">
+            <a:avLst/>
+          </a:prstGeom>
+          <a:ln w="57150">
+            <a:prstDash val="sysDash"/>
+          </a:ln>
+        </p:spPr>
+        <p:style>
+          <a:lnRef idx="2">
+            <a:schemeClr val="accent1"/>
+          </a:lnRef>
+          <a:fillRef idx="0">
+            <a:schemeClr val="accent1"/>
+          </a:fillRef>
+          <a:effectRef idx="1">
+            <a:schemeClr val="accent1"/>
+          </a:effectRef>
+          <a:fontRef idx="minor">
+            <a:schemeClr val="tx1"/>
+          </a:fontRef>
+        </p:style>
+      </p:cxnSp>
+      <p:cxnSp>
+        <p:nvCxnSpPr>
+          <p:cNvPr id="39" name="Straight Connector 38">
+            <a:extLst>
+              <a:ext uri="{FF2B5EF4-FFF2-40B4-BE49-F238E27FC236}">
+                <a16:creationId xmlns:a16="http://schemas.microsoft.com/office/drawing/2014/main" id="{347B840E-4AD7-90C1-98C9-895B7C79CA3B}"/>
+              </a:ext>
+            </a:extLst>
+          </p:cNvPr>
+          <p:cNvCxnSpPr/>
+          <p:nvPr/>
+        </p:nvCxnSpPr>
+        <p:spPr>
+          <a:xfrm>
+            <a:off x="2186641" y="4712750"/>
+            <a:ext cx="0" cy="1555563"/>
+          </a:xfrm>
+          <a:prstGeom prst="line">
+            <a:avLst/>
+          </a:prstGeom>
+          <a:ln w="57150">
+            <a:prstDash val="sysDash"/>
+          </a:ln>
+        </p:spPr>
+        <p:style>
+          <a:lnRef idx="2">
+            <a:schemeClr val="accent1"/>
+          </a:lnRef>
+          <a:fillRef idx="0">
+            <a:schemeClr val="accent1"/>
+          </a:fillRef>
+          <a:effectRef idx="1">
+            <a:schemeClr val="accent1"/>
+          </a:effectRef>
+          <a:fontRef idx="minor">
+            <a:schemeClr val="tx1"/>
+          </a:fontRef>
+        </p:style>
+      </p:cxnSp>
+      <p:cxnSp>
+        <p:nvCxnSpPr>
+          <p:cNvPr id="41" name="Straight Arrow Connector 40">
+            <a:extLst>
+              <a:ext uri="{FF2B5EF4-FFF2-40B4-BE49-F238E27FC236}">
+                <a16:creationId xmlns:a16="http://schemas.microsoft.com/office/drawing/2014/main" id="{D50113ED-D8FF-5290-CCFF-AED90EF6E52B}"/>
+              </a:ext>
+            </a:extLst>
+          </p:cNvPr>
+          <p:cNvCxnSpPr>
+            <a:stCxn id="5" idx="4"/>
+            <a:endCxn id="8" idx="0"/>
+          </p:cNvCxnSpPr>
+          <p:nvPr/>
+        </p:nvCxnSpPr>
+        <p:spPr>
+          <a:xfrm>
+            <a:off x="1907872" y="2179564"/>
+            <a:ext cx="0" cy="571151"/>
+          </a:xfrm>
+          <a:prstGeom prst="straightConnector1">
+            <a:avLst/>
+          </a:prstGeom>
+          <a:ln>
+            <a:tailEnd type="triangle"/>
+          </a:ln>
+        </p:spPr>
+        <p:style>
+          <a:lnRef idx="2">
+            <a:schemeClr val="accent1"/>
+          </a:lnRef>
+          <a:fillRef idx="0">
+            <a:schemeClr val="accent1"/>
+          </a:fillRef>
+          <a:effectRef idx="1">
+            <a:schemeClr val="accent1"/>
+          </a:effectRef>
+          <a:fontRef idx="minor">
+            <a:schemeClr val="tx1"/>
+          </a:fontRef>
+        </p:style>
+      </p:cxnSp>
+      <p:cxnSp>
+        <p:nvCxnSpPr>
+          <p:cNvPr id="44" name="Straight Arrow Connector 43">
+            <a:extLst>
+              <a:ext uri="{FF2B5EF4-FFF2-40B4-BE49-F238E27FC236}">
+                <a16:creationId xmlns:a16="http://schemas.microsoft.com/office/drawing/2014/main" id="{753D69E4-E1FF-6D0F-877B-BFCDEC6CB223}"/>
+              </a:ext>
+            </a:extLst>
+          </p:cNvPr>
+          <p:cNvCxnSpPr>
+            <a:stCxn id="8" idx="2"/>
+            <a:endCxn id="9" idx="0"/>
+          </p:cNvCxnSpPr>
+          <p:nvPr/>
+        </p:nvCxnSpPr>
+        <p:spPr>
+          <a:xfrm>
+            <a:off x="1907872" y="3207915"/>
+            <a:ext cx="0" cy="108967"/>
+          </a:xfrm>
+          <a:prstGeom prst="straightConnector1">
+            <a:avLst/>
+          </a:prstGeom>
+          <a:ln>
+            <a:tailEnd type="triangle"/>
+          </a:ln>
+        </p:spPr>
+        <p:style>
+          <a:lnRef idx="2">
+            <a:schemeClr val="accent1"/>
+          </a:lnRef>
+          <a:fillRef idx="0">
+            <a:schemeClr val="accent1"/>
+          </a:fillRef>
+          <a:effectRef idx="1">
+            <a:schemeClr val="accent1"/>
+          </a:effectRef>
+          <a:fontRef idx="minor">
+            <a:schemeClr val="tx1"/>
+          </a:fontRef>
+        </p:style>
+      </p:cxnSp>
+      <p:cxnSp>
+        <p:nvCxnSpPr>
+          <p:cNvPr id="46" name="Straight Arrow Connector 45">
+            <a:extLst>
+              <a:ext uri="{FF2B5EF4-FFF2-40B4-BE49-F238E27FC236}">
+                <a16:creationId xmlns:a16="http://schemas.microsoft.com/office/drawing/2014/main" id="{803EB8AB-1951-7140-27F6-A32D99D19D15}"/>
+              </a:ext>
+            </a:extLst>
+          </p:cNvPr>
+          <p:cNvCxnSpPr>
+            <a:stCxn id="9" idx="2"/>
+            <a:endCxn id="36" idx="0"/>
+          </p:cNvCxnSpPr>
+          <p:nvPr/>
+        </p:nvCxnSpPr>
+        <p:spPr>
+          <a:xfrm flipH="1">
+            <a:off x="1907871" y="3774082"/>
+            <a:ext cx="1" cy="491089"/>
+          </a:xfrm>
+          <a:prstGeom prst="straightConnector1">
+            <a:avLst/>
+          </a:prstGeom>
+          <a:ln>
+            <a:tailEnd type="triangle"/>
+          </a:ln>
+        </p:spPr>
+        <p:style>
+          <a:lnRef idx="2">
+            <a:schemeClr val="accent1"/>
+          </a:lnRef>
+          <a:fillRef idx="0">
+            <a:schemeClr val="accent1"/>
+          </a:fillRef>
+          <a:effectRef idx="1">
+            <a:schemeClr val="accent1"/>
+          </a:effectRef>
+          <a:fontRef idx="minor">
+            <a:schemeClr val="tx1"/>
+          </a:fontRef>
+        </p:style>
+      </p:cxnSp>
+      <p:cxnSp>
+        <p:nvCxnSpPr>
+          <p:cNvPr id="48" name="Straight Connector 47">
+            <a:extLst>
+              <a:ext uri="{FF2B5EF4-FFF2-40B4-BE49-F238E27FC236}">
+                <a16:creationId xmlns:a16="http://schemas.microsoft.com/office/drawing/2014/main" id="{F5A93828-2F17-43D0-7D90-63DEAB00A047}"/>
+              </a:ext>
+            </a:extLst>
+          </p:cNvPr>
+          <p:cNvCxnSpPr/>
+          <p:nvPr/>
+        </p:nvCxnSpPr>
+        <p:spPr>
+          <a:xfrm>
+            <a:off x="1176009" y="6309327"/>
+            <a:ext cx="1329071" cy="0"/>
+          </a:xfrm>
+          <a:prstGeom prst="line">
+            <a:avLst/>
+          </a:prstGeom>
+        </p:spPr>
+        <p:style>
+          <a:lnRef idx="2">
+            <a:schemeClr val="accent1"/>
+          </a:lnRef>
+          <a:fillRef idx="0">
+            <a:schemeClr val="accent1"/>
+          </a:fillRef>
+          <a:effectRef idx="1">
+            <a:schemeClr val="accent1"/>
+          </a:effectRef>
+          <a:fontRef idx="minor">
+            <a:schemeClr val="tx1"/>
+          </a:fontRef>
+        </p:style>
+      </p:cxnSp>
+      <p:sp>
+        <p:nvSpPr>
+          <p:cNvPr id="49" name="TextBox 48">
+            <a:extLst>
+              <a:ext uri="{FF2B5EF4-FFF2-40B4-BE49-F238E27FC236}">
+                <a16:creationId xmlns:a16="http://schemas.microsoft.com/office/drawing/2014/main" id="{7C98B061-8F73-74FC-0781-ABF80FE71CD6}"/>
+              </a:ext>
+            </a:extLst>
+          </p:cNvPr>
+          <p:cNvSpPr txBox="1"/>
+          <p:nvPr/>
+        </p:nvSpPr>
+        <p:spPr>
+          <a:xfrm>
+            <a:off x="1074950" y="6324606"/>
+            <a:ext cx="1665841" cy="369332"/>
+          </a:xfrm>
+          <a:prstGeom prst="rect">
+            <a:avLst/>
+          </a:prstGeom>
+          <a:noFill/>
+        </p:spPr>
+        <p:txBody>
+          <a:bodyPr wrap="none" rtlCol="0">
+            <a:spAutoFit/>
+          </a:bodyPr>
+          <a:lstStyle/>
+          <a:p>
+            <a:r>
+              <a:rPr lang="en-KR" dirty="0">
+                <a:latin typeface="Cascadia Code" panose="020B0609020000020004" pitchFamily="34" charset="0"/>
+                <a:ea typeface="Cascadia Code" panose="020B0609020000020004" pitchFamily="34" charset="0"/>
+                <a:cs typeface="Cascadia Code" panose="020B0609020000020004" pitchFamily="34" charset="0"/>
+              </a:rPr>
+              <a:t>DestroyView</a:t>
+            </a:r>
+          </a:p>
+        </p:txBody>
+      </p:sp>
+      <p:sp>
+        <p:nvSpPr>
+          <p:cNvPr id="52" name="TextBox 51">
+            <a:extLst>
+              <a:ext uri="{FF2B5EF4-FFF2-40B4-BE49-F238E27FC236}">
+                <a16:creationId xmlns:a16="http://schemas.microsoft.com/office/drawing/2014/main" id="{5F089482-34B1-A447-839C-4CE598E1D369}"/>
+              </a:ext>
+            </a:extLst>
+          </p:cNvPr>
+          <p:cNvSpPr txBox="1"/>
+          <p:nvPr/>
+        </p:nvSpPr>
+        <p:spPr>
+          <a:xfrm>
+            <a:off x="2995059" y="4959506"/>
+            <a:ext cx="3147015" cy="276999"/>
+          </a:xfrm>
+          <a:prstGeom prst="rect">
+            <a:avLst/>
+          </a:prstGeom>
+          <a:noFill/>
+        </p:spPr>
+        <p:txBody>
+          <a:bodyPr wrap="none" rtlCol="0">
+            <a:spAutoFit/>
+          </a:bodyPr>
+          <a:lstStyle/>
+          <a:p>
+            <a:r>
+              <a:rPr lang="en-KR" sz="1200" dirty="0">
+                <a:solidFill>
+                  <a:schemeClr val="tx1">
+                    <a:lumMod val="50000"/>
+                    <a:lumOff val="50000"/>
+                  </a:schemeClr>
+                </a:solidFill>
+                <a:latin typeface="Cascadia Code" panose="020B0609020000020004" pitchFamily="34" charset="0"/>
+                <a:ea typeface="Cascadia Code" panose="020B0609020000020004" pitchFamily="34" charset="0"/>
+                <a:cs typeface="Cascadia Code" panose="020B0609020000020004" pitchFamily="34" charset="0"/>
+              </a:rPr>
+              <a:t>Array&lt;(Int) -&gt; CombinedVibration&gt;</a:t>
+            </a:r>
+          </a:p>
+        </p:txBody>
+      </p:sp>
+      <p:cxnSp>
+        <p:nvCxnSpPr>
+          <p:cNvPr id="54" name="Straight Connector 53">
+            <a:extLst>
+              <a:ext uri="{FF2B5EF4-FFF2-40B4-BE49-F238E27FC236}">
+                <a16:creationId xmlns:a16="http://schemas.microsoft.com/office/drawing/2014/main" id="{FDBFBC59-23DA-C337-A0BE-17407F6A37F4}"/>
+              </a:ext>
+            </a:extLst>
+          </p:cNvPr>
+          <p:cNvCxnSpPr>
+            <a:cxnSpLocks/>
+          </p:cNvCxnSpPr>
+          <p:nvPr/>
+        </p:nvCxnSpPr>
+        <p:spPr>
+          <a:xfrm>
+            <a:off x="3085789" y="4974872"/>
+            <a:ext cx="3010211" cy="0"/>
+          </a:xfrm>
+          <a:prstGeom prst="line">
+            <a:avLst/>
+          </a:prstGeom>
+          <a:ln>
+            <a:solidFill>
+              <a:schemeClr val="bg2">
+                <a:lumMod val="75000"/>
+              </a:schemeClr>
+            </a:solidFill>
+          </a:ln>
+        </p:spPr>
+        <p:style>
+          <a:lnRef idx="2">
+            <a:schemeClr val="accent1"/>
+          </a:lnRef>
+          <a:fillRef idx="0">
+            <a:schemeClr val="accent1"/>
+          </a:fillRef>
+          <a:effectRef idx="1">
+            <a:schemeClr val="accent1"/>
+          </a:effectRef>
+          <a:fontRef idx="minor">
+            <a:schemeClr val="tx1"/>
+          </a:fontRef>
+        </p:style>
+      </p:cxnSp>
+      <p:sp>
+        <p:nvSpPr>
+          <p:cNvPr id="56" name="Freeform 55">
+            <a:extLst>
+              <a:ext uri="{FF2B5EF4-FFF2-40B4-BE49-F238E27FC236}">
+                <a16:creationId xmlns:a16="http://schemas.microsoft.com/office/drawing/2014/main" id="{BAC6A225-71FE-8435-C7A3-65F36A96F57F}"/>
+              </a:ext>
+            </a:extLst>
+          </p:cNvPr>
+          <p:cNvSpPr/>
+          <p:nvPr/>
+        </p:nvSpPr>
+        <p:spPr>
+          <a:xfrm>
+            <a:off x="4412512" y="4439868"/>
+            <a:ext cx="1158948" cy="546802"/>
+          </a:xfrm>
+          <a:custGeom>
+            <a:avLst/>
+            <a:gdLst>
+              <a:gd name="connsiteX0" fmla="*/ 1158948 w 1158948"/>
+              <a:gd name="connsiteY0" fmla="*/ 4541 h 546802"/>
+              <a:gd name="connsiteX1" fmla="*/ 489097 w 1158948"/>
+              <a:gd name="connsiteY1" fmla="*/ 78969 h 546802"/>
+              <a:gd name="connsiteX2" fmla="*/ 0 w 1158948"/>
+              <a:gd name="connsiteY2" fmla="*/ 546802 h 546802"/>
+            </a:gdLst>
+            <a:ahLst/>
+            <a:cxnLst>
+              <a:cxn ang="0">
+                <a:pos x="connsiteX0" y="connsiteY0"/>
+              </a:cxn>
+              <a:cxn ang="0">
+                <a:pos x="connsiteX1" y="connsiteY1"/>
+              </a:cxn>
+              <a:cxn ang="0">
+                <a:pos x="connsiteX2" y="connsiteY2"/>
+              </a:cxn>
+            </a:cxnLst>
+            <a:rect l="l" t="t" r="r" b="b"/>
+            <a:pathLst>
+              <a:path w="1158948" h="546802">
+                <a:moveTo>
+                  <a:pt x="1158948" y="4541"/>
+                </a:moveTo>
+                <a:cubicBezTo>
+                  <a:pt x="920601" y="-3434"/>
+                  <a:pt x="682255" y="-11408"/>
+                  <a:pt x="489097" y="78969"/>
+                </a:cubicBezTo>
+                <a:cubicBezTo>
+                  <a:pt x="295939" y="169346"/>
+                  <a:pt x="147969" y="358074"/>
+                  <a:pt x="0" y="546802"/>
+                </a:cubicBezTo>
+              </a:path>
+            </a:pathLst>
+          </a:custGeom>
+          <a:noFill/>
+          <a:ln>
+            <a:solidFill>
+              <a:schemeClr val="bg2">
+                <a:lumMod val="75000"/>
+              </a:schemeClr>
+            </a:solidFill>
+            <a:prstDash val="sysDash"/>
+          </a:ln>
+        </p:spPr>
+        <p:style>
+          <a:lnRef idx="2">
+            <a:schemeClr val="accent1">
+              <a:shade val="15000"/>
+            </a:schemeClr>
+          </a:lnRef>
+          <a:fillRef idx="1">
+            <a:schemeClr val="accent1"/>
+          </a:fillRef>
+          <a:effectRef idx="0">
+            <a:schemeClr val="accent1"/>
+          </a:effectRef>
+          <a:fontRef idx="minor">
+            <a:schemeClr val="lt1"/>
+          </a:fontRef>
+        </p:style>
+        <p:txBody>
+          <a:bodyPr rtlCol="0" anchor="ctr"/>
+          <a:lstStyle/>
+          <a:p>
+            <a:pPr algn="ctr"/>
+            <a:endParaRPr lang="en-KR"/>
+          </a:p>
+        </p:txBody>
+      </p:sp>
+    </p:spTree>
+    <p:extLst>
+      <p:ext uri="{BB962C8B-B14F-4D97-AF65-F5344CB8AC3E}">
+        <p14:creationId xmlns:p14="http://schemas.microsoft.com/office/powerpoint/2010/main" val="4108439407"/>
+      </p:ext>
+    </p:extLst>
+  </p:cSld>
+  <p:clrMapOvr>
+    <a:masterClrMapping/>
+  </p:clrMapOvr>
+</p:sld>
+</file>
+
+<file path=ppt/slides/slide8.xml><?xml version="1.0" encoding="utf-8"?>
+<p:sld xmlns:a="http://schemas.openxmlformats.org/drawingml/2006/main" xmlns:r="http://schemas.openxmlformats.org/officeDocument/2006/relationships" xmlns:p="http://schemas.openxmlformats.org/presentationml/2006/main">
+  <p:cSld>
+    <p:spTree>
+      <p:nvGrpSpPr>
+        <p:cNvPr id="1" name="">
+          <a:extLst>
+            <a:ext uri="{FF2B5EF4-FFF2-40B4-BE49-F238E27FC236}">
+              <a16:creationId xmlns:a16="http://schemas.microsoft.com/office/drawing/2014/main" id="{FA2DEADD-128D-C534-969A-24A9E8943CD0}"/>
+            </a:ext>
+          </a:extLst>
+        </p:cNvPr>
+        <p:cNvGrpSpPr/>
+        <p:nvPr/>
+      </p:nvGrpSpPr>
+      <p:grpSpPr>
+        <a:xfrm>
+          <a:off x="0" y="0"/>
+          <a:ext cx="0" cy="0"/>
+          <a:chOff x="0" y="0"/>
+          <a:chExt cx="0" cy="0"/>
+        </a:xfrm>
+      </p:grpSpPr>
+      <p:sp>
+        <p:nvSpPr>
+          <p:cNvPr id="4" name="Title 1">
+            <a:extLst>
+              <a:ext uri="{FF2B5EF4-FFF2-40B4-BE49-F238E27FC236}">
+                <a16:creationId xmlns:a16="http://schemas.microsoft.com/office/drawing/2014/main" id="{8FFD9C81-EB71-2560-B2CE-E6E2B9093DEE}"/>
+              </a:ext>
+            </a:extLst>
+          </p:cNvPr>
+          <p:cNvSpPr>
+            <a:spLocks noGrp="1"/>
+          </p:cNvSpPr>
+          <p:nvPr>
+            <p:ph type="title"/>
+          </p:nvPr>
+        </p:nvSpPr>
+        <p:spPr>
+          <a:xfrm>
+            <a:off x="838200" y="365125"/>
+            <a:ext cx="10515600" cy="1325563"/>
+          </a:xfrm>
+        </p:spPr>
+        <p:txBody>
+          <a:bodyPr/>
+          <a:lstStyle/>
+          <a:p>
+            <a:r>
+              <a:rPr lang="en-US" b="1" dirty="0">
+                <a:latin typeface="Avenir Next LT Pro" panose="020B0504020202020204" pitchFamily="34" charset="77"/>
+              </a:rPr>
+              <a:t>Code Implementation</a:t>
+            </a:r>
+            <a:endParaRPr lang="en-KR" b="1" dirty="0">
+              <a:latin typeface="Avenir Next LT Pro" panose="020B0504020202020204" pitchFamily="34" charset="77"/>
+            </a:endParaRPr>
+          </a:p>
+        </p:txBody>
+      </p:sp>
+      <p:sp>
+        <p:nvSpPr>
+          <p:cNvPr id="5" name="Oval 4">
+            <a:extLst>
+              <a:ext uri="{FF2B5EF4-FFF2-40B4-BE49-F238E27FC236}">
+                <a16:creationId xmlns:a16="http://schemas.microsoft.com/office/drawing/2014/main" id="{0C5E7388-AE77-B77D-9BC4-DC76FFF2ABFC}"/>
+              </a:ext>
+            </a:extLst>
+          </p:cNvPr>
+          <p:cNvSpPr/>
+          <p:nvPr/>
+        </p:nvSpPr>
+        <p:spPr>
+          <a:xfrm>
+            <a:off x="1679272" y="1722364"/>
+            <a:ext cx="457200" cy="457200"/>
+          </a:xfrm>
+          <a:prstGeom prst="ellipse">
+            <a:avLst/>
+          </a:prstGeom>
+        </p:spPr>
+        <p:style>
+          <a:lnRef idx="2">
+            <a:schemeClr val="accent1">
+              <a:shade val="15000"/>
+            </a:schemeClr>
+          </a:lnRef>
+          <a:fillRef idx="1">
+            <a:schemeClr val="accent1"/>
+          </a:fillRef>
+          <a:effectRef idx="0">
+            <a:schemeClr val="accent1"/>
+          </a:effectRef>
+          <a:fontRef idx="minor">
+            <a:schemeClr val="lt1"/>
+          </a:fontRef>
+        </p:style>
+        <p:txBody>
+          <a:bodyPr rtlCol="0" anchor="ctr"/>
+          <a:lstStyle/>
+          <a:p>
+            <a:pPr algn="ctr"/>
+            <a:endParaRPr lang="en-KR"/>
+          </a:p>
+        </p:txBody>
+      </p:sp>
+      <p:sp>
+        <p:nvSpPr>
+          <p:cNvPr id="6" name="TextBox 5">
+            <a:extLst>
+              <a:ext uri="{FF2B5EF4-FFF2-40B4-BE49-F238E27FC236}">
+                <a16:creationId xmlns:a16="http://schemas.microsoft.com/office/drawing/2014/main" id="{0E8D6D32-4A67-EA8D-6188-E274085321D8}"/>
+              </a:ext>
+            </a:extLst>
+          </p:cNvPr>
+          <p:cNvSpPr txBox="1"/>
+          <p:nvPr/>
+        </p:nvSpPr>
+        <p:spPr>
+          <a:xfrm>
+            <a:off x="2150990" y="1766298"/>
+            <a:ext cx="1531188" cy="369332"/>
+          </a:xfrm>
+          <a:prstGeom prst="rect">
+            <a:avLst/>
+          </a:prstGeom>
+          <a:noFill/>
+        </p:spPr>
+        <p:txBody>
+          <a:bodyPr wrap="none" rtlCol="0">
+            <a:spAutoFit/>
+          </a:bodyPr>
+          <a:lstStyle/>
+          <a:p>
+            <a:r>
+              <a:rPr lang="en-KR" dirty="0">
+                <a:latin typeface="Cascadia Code" panose="020B0609020000020004" pitchFamily="34" charset="0"/>
+                <a:ea typeface="Cascadia Code" panose="020B0609020000020004" pitchFamily="34" charset="0"/>
+                <a:cs typeface="Cascadia Code" panose="020B0609020000020004" pitchFamily="34" charset="0"/>
+              </a:rPr>
+              <a:t>CreateView</a:t>
+            </a:r>
+          </a:p>
+        </p:txBody>
+      </p:sp>
+      <p:sp>
+        <p:nvSpPr>
+          <p:cNvPr id="8" name="Rectangle 7">
+            <a:extLst>
+              <a:ext uri="{FF2B5EF4-FFF2-40B4-BE49-F238E27FC236}">
+                <a16:creationId xmlns:a16="http://schemas.microsoft.com/office/drawing/2014/main" id="{5EC626B5-05FA-F392-5CAC-64F145FF5214}"/>
+              </a:ext>
+            </a:extLst>
+          </p:cNvPr>
+          <p:cNvSpPr/>
+          <p:nvPr/>
+        </p:nvSpPr>
+        <p:spPr>
+          <a:xfrm>
+            <a:off x="1243336" y="2750715"/>
+            <a:ext cx="1329071" cy="457200"/>
+          </a:xfrm>
+          <a:prstGeom prst="rect">
+            <a:avLst/>
+          </a:prstGeom>
+        </p:spPr>
+        <p:style>
+          <a:lnRef idx="2">
+            <a:schemeClr val="accent1">
+              <a:shade val="15000"/>
+            </a:schemeClr>
+          </a:lnRef>
+          <a:fillRef idx="1">
+            <a:schemeClr val="accent1"/>
+          </a:fillRef>
+          <a:effectRef idx="0">
+            <a:schemeClr val="accent1"/>
+          </a:effectRef>
+          <a:fontRef idx="minor">
+            <a:schemeClr val="lt1"/>
+          </a:fontRef>
+        </p:style>
+        <p:txBody>
+          <a:bodyPr rtlCol="0" anchor="ctr"/>
+          <a:lstStyle/>
+          <a:p>
+            <a:pPr algn="ctr"/>
+            <a:r>
+              <a:rPr lang="en-KR" sz="1400" dirty="0">
+                <a:latin typeface="Noto Sans KR" panose="020B0200000000000000" pitchFamily="34" charset="-128"/>
+                <a:ea typeface="Noto Sans KR" panose="020B0200000000000000" pitchFamily="34" charset="-128"/>
+              </a:rPr>
+              <a:t>Sensor Init</a:t>
+            </a:r>
+          </a:p>
+        </p:txBody>
+      </p:sp>
+      <p:sp>
+        <p:nvSpPr>
+          <p:cNvPr id="9" name="Rectangle 8">
+            <a:extLst>
+              <a:ext uri="{FF2B5EF4-FFF2-40B4-BE49-F238E27FC236}">
+                <a16:creationId xmlns:a16="http://schemas.microsoft.com/office/drawing/2014/main" id="{94CCC7BB-61D9-E669-55F7-B057D97AF302}"/>
+              </a:ext>
+            </a:extLst>
+          </p:cNvPr>
+          <p:cNvSpPr/>
+          <p:nvPr/>
+        </p:nvSpPr>
+        <p:spPr>
+          <a:xfrm>
+            <a:off x="1243336" y="3316882"/>
+            <a:ext cx="1329071" cy="457200"/>
+          </a:xfrm>
+          <a:prstGeom prst="rect">
+            <a:avLst/>
+          </a:prstGeom>
+        </p:spPr>
+        <p:style>
+          <a:lnRef idx="2">
+            <a:schemeClr val="accent1">
+              <a:shade val="15000"/>
+            </a:schemeClr>
+          </a:lnRef>
+          <a:fillRef idx="1">
+            <a:schemeClr val="accent1"/>
+          </a:fillRef>
+          <a:effectRef idx="0">
+            <a:schemeClr val="accent1"/>
+          </a:effectRef>
+          <a:fontRef idx="minor">
+            <a:schemeClr val="lt1"/>
+          </a:fontRef>
+        </p:style>
+        <p:txBody>
+          <a:bodyPr rtlCol="0" anchor="ctr"/>
+          <a:lstStyle/>
+          <a:p>
+            <a:pPr algn="ctr"/>
+            <a:r>
+              <a:rPr lang="en-KR" sz="1400" dirty="0">
+                <a:latin typeface="Noto Sans KR" panose="020B0200000000000000" pitchFamily="34" charset="-128"/>
+                <a:ea typeface="Noto Sans KR" panose="020B0200000000000000" pitchFamily="34" charset="-128"/>
+              </a:rPr>
+              <a:t>Vibrator Init</a:t>
+            </a:r>
+          </a:p>
+        </p:txBody>
+      </p:sp>
+      <p:cxnSp>
+        <p:nvCxnSpPr>
+          <p:cNvPr id="11" name="Straight Connector 10">
+            <a:extLst>
+              <a:ext uri="{FF2B5EF4-FFF2-40B4-BE49-F238E27FC236}">
+                <a16:creationId xmlns:a16="http://schemas.microsoft.com/office/drawing/2014/main" id="{041ECBEB-534B-4ADA-5135-369F6DBA399B}"/>
+              </a:ext>
+            </a:extLst>
+          </p:cNvPr>
+          <p:cNvCxnSpPr>
+            <a:cxnSpLocks/>
+          </p:cNvCxnSpPr>
+          <p:nvPr/>
+        </p:nvCxnSpPr>
+        <p:spPr>
+          <a:xfrm>
+            <a:off x="6188149" y="3135345"/>
+            <a:ext cx="0" cy="3132968"/>
+          </a:xfrm>
+          <a:prstGeom prst="line">
+            <a:avLst/>
+          </a:prstGeom>
+        </p:spPr>
+        <p:style>
+          <a:lnRef idx="2">
+            <a:schemeClr val="accent1"/>
+          </a:lnRef>
+          <a:fillRef idx="0">
+            <a:schemeClr val="accent1"/>
+          </a:fillRef>
+          <a:effectRef idx="1">
+            <a:schemeClr val="accent1"/>
+          </a:effectRef>
+          <a:fontRef idx="minor">
+            <a:schemeClr val="tx1"/>
+          </a:fontRef>
+        </p:style>
+      </p:cxnSp>
+      <p:sp>
+        <p:nvSpPr>
+          <p:cNvPr id="14" name="TextBox 13">
+            <a:extLst>
+              <a:ext uri="{FF2B5EF4-FFF2-40B4-BE49-F238E27FC236}">
+                <a16:creationId xmlns:a16="http://schemas.microsoft.com/office/drawing/2014/main" id="{D73299E2-1C78-68F7-B419-61BF8BDC96D1}"/>
+              </a:ext>
+            </a:extLst>
+          </p:cNvPr>
+          <p:cNvSpPr txBox="1"/>
+          <p:nvPr/>
+        </p:nvSpPr>
+        <p:spPr>
+          <a:xfrm>
+            <a:off x="5158860" y="2437420"/>
+            <a:ext cx="2058577" cy="646331"/>
+          </a:xfrm>
+          <a:prstGeom prst="rect">
+            <a:avLst/>
+          </a:prstGeom>
+          <a:noFill/>
+        </p:spPr>
+        <p:txBody>
+          <a:bodyPr wrap="none" rtlCol="0">
+            <a:spAutoFit/>
+          </a:bodyPr>
+          <a:lstStyle/>
+          <a:p>
+            <a:r>
+              <a:rPr lang="en-KR" b="1" dirty="0">
+                <a:latin typeface="Noto Sans KR" panose="020B0200000000000000" pitchFamily="34" charset="-128"/>
+                <a:ea typeface="Noto Sans KR" panose="020B0200000000000000" pitchFamily="34" charset="-128"/>
+              </a:rPr>
+              <a:t>Sensor Handling</a:t>
+            </a:r>
+          </a:p>
+          <a:p>
+            <a:pPr algn="ctr"/>
+            <a:r>
+              <a:rPr lang="en-KR" dirty="0">
+                <a:latin typeface="Cascadia Code" panose="020B0609020000020004" pitchFamily="34" charset="0"/>
+                <a:ea typeface="Cascadia Code" panose="020B0609020000020004" pitchFamily="34" charset="0"/>
+                <a:cs typeface="Cascadia Code" panose="020B0609020000020004" pitchFamily="34" charset="0"/>
+              </a:rPr>
+              <a:t>Looper</a:t>
+            </a:r>
+          </a:p>
+        </p:txBody>
+      </p:sp>
+      <p:cxnSp>
+        <p:nvCxnSpPr>
+          <p:cNvPr id="16" name="Straight Connector 15">
+            <a:extLst>
+              <a:ext uri="{FF2B5EF4-FFF2-40B4-BE49-F238E27FC236}">
+                <a16:creationId xmlns:a16="http://schemas.microsoft.com/office/drawing/2014/main" id="{631C6BDF-388A-BE36-C4E5-D7D9C8517E51}"/>
+              </a:ext>
+            </a:extLst>
+          </p:cNvPr>
+          <p:cNvCxnSpPr>
+            <a:cxnSpLocks/>
+          </p:cNvCxnSpPr>
+          <p:nvPr/>
+        </p:nvCxnSpPr>
+        <p:spPr>
+          <a:xfrm>
+            <a:off x="9506963" y="3135345"/>
+            <a:ext cx="0" cy="3132968"/>
+          </a:xfrm>
+          <a:prstGeom prst="line">
+            <a:avLst/>
+          </a:prstGeom>
+        </p:spPr>
+        <p:style>
+          <a:lnRef idx="2">
+            <a:schemeClr val="accent1"/>
+          </a:lnRef>
+          <a:fillRef idx="0">
+            <a:schemeClr val="accent1"/>
+          </a:fillRef>
+          <a:effectRef idx="1">
+            <a:schemeClr val="accent1"/>
+          </a:effectRef>
+          <a:fontRef idx="minor">
+            <a:schemeClr val="tx1"/>
+          </a:fontRef>
+        </p:style>
+      </p:cxnSp>
+      <p:sp>
+        <p:nvSpPr>
+          <p:cNvPr id="17" name="TextBox 16">
+            <a:extLst>
+              <a:ext uri="{FF2B5EF4-FFF2-40B4-BE49-F238E27FC236}">
+                <a16:creationId xmlns:a16="http://schemas.microsoft.com/office/drawing/2014/main" id="{DBBC87EF-3B19-AA10-F876-76B0563444B9}"/>
+              </a:ext>
+            </a:extLst>
+          </p:cNvPr>
+          <p:cNvSpPr txBox="1"/>
+          <p:nvPr/>
+        </p:nvSpPr>
+        <p:spPr>
+          <a:xfrm>
+            <a:off x="8349434" y="2397509"/>
+            <a:ext cx="2315057" cy="646331"/>
+          </a:xfrm>
+          <a:prstGeom prst="rect">
+            <a:avLst/>
+          </a:prstGeom>
+          <a:noFill/>
+        </p:spPr>
+        <p:txBody>
+          <a:bodyPr wrap="none" rtlCol="0">
+            <a:spAutoFit/>
+          </a:bodyPr>
+          <a:lstStyle/>
+          <a:p>
+            <a:r>
+              <a:rPr lang="en-KR" b="1" dirty="0">
+                <a:latin typeface="Noto Sans KR" panose="020B0200000000000000" pitchFamily="34" charset="-128"/>
+                <a:ea typeface="Noto Sans KR" panose="020B0200000000000000" pitchFamily="34" charset="-128"/>
+              </a:rPr>
+              <a:t>Vibration Generate</a:t>
+            </a:r>
+          </a:p>
+          <a:p>
+            <a:pPr algn="ctr"/>
+            <a:r>
+              <a:rPr lang="en-KR" dirty="0">
+                <a:latin typeface="Cascadia Code" panose="020B0609020000020004" pitchFamily="34" charset="0"/>
+                <a:ea typeface="Cascadia Code" panose="020B0609020000020004" pitchFamily="34" charset="0"/>
+                <a:cs typeface="Cascadia Code" panose="020B0609020000020004" pitchFamily="34" charset="0"/>
+              </a:rPr>
+              <a:t>Looper</a:t>
+            </a:r>
+          </a:p>
+        </p:txBody>
+      </p:sp>
+      <p:sp>
+        <p:nvSpPr>
+          <p:cNvPr id="19" name="TextBox 18">
+            <a:extLst>
+              <a:ext uri="{FF2B5EF4-FFF2-40B4-BE49-F238E27FC236}">
+                <a16:creationId xmlns:a16="http://schemas.microsoft.com/office/drawing/2014/main" id="{72F374CC-CBE4-1745-6E2A-3224B8900498}"/>
+              </a:ext>
+            </a:extLst>
+          </p:cNvPr>
+          <p:cNvSpPr txBox="1"/>
+          <p:nvPr/>
+        </p:nvSpPr>
+        <p:spPr>
+          <a:xfrm>
+            <a:off x="3170640" y="3291582"/>
+            <a:ext cx="1988045" cy="338554"/>
+          </a:xfrm>
+          <a:prstGeom prst="rect">
+            <a:avLst/>
+          </a:prstGeom>
+          <a:noFill/>
+        </p:spPr>
+        <p:txBody>
+          <a:bodyPr wrap="none" rtlCol="0">
+            <a:spAutoFit/>
+          </a:bodyPr>
+          <a:lstStyle/>
+          <a:p>
+            <a:r>
+              <a:rPr lang="en-KR" sz="1600" b="1" dirty="0">
+                <a:solidFill>
+                  <a:schemeClr val="accent2"/>
+                </a:solidFill>
+                <a:latin typeface="Cascadia Code" panose="020B0609020000020004" pitchFamily="34" charset="0"/>
+                <a:ea typeface="Cascadia Code" panose="020B0609020000020004" pitchFamily="34" charset="0"/>
+                <a:cs typeface="Cascadia Code" panose="020B0609020000020004" pitchFamily="34" charset="0"/>
+              </a:rPr>
+              <a:t>onSensorChanged</a:t>
+            </a:r>
+          </a:p>
+        </p:txBody>
+      </p:sp>
+      <p:sp>
+        <p:nvSpPr>
+          <p:cNvPr id="20" name="Rectangle 19">
+            <a:extLst>
+              <a:ext uri="{FF2B5EF4-FFF2-40B4-BE49-F238E27FC236}">
+                <a16:creationId xmlns:a16="http://schemas.microsoft.com/office/drawing/2014/main" id="{6D3C98C1-9599-EB17-A431-D2A1D02A0A86}"/>
+              </a:ext>
+            </a:extLst>
+          </p:cNvPr>
+          <p:cNvSpPr/>
+          <p:nvPr/>
+        </p:nvSpPr>
+        <p:spPr>
+          <a:xfrm>
+            <a:off x="8736752" y="4087127"/>
+            <a:ext cx="1511687" cy="1251247"/>
+          </a:xfrm>
+          <a:prstGeom prst="rect">
+            <a:avLst/>
+          </a:prstGeom>
+          <a:solidFill>
+            <a:schemeClr val="accent6"/>
+          </a:solidFill>
+          <a:ln>
+            <a:solidFill>
+              <a:schemeClr val="accent6"/>
+            </a:solidFill>
+          </a:ln>
+        </p:spPr>
+        <p:style>
+          <a:lnRef idx="2">
+            <a:schemeClr val="accent1">
+              <a:shade val="15000"/>
+            </a:schemeClr>
+          </a:lnRef>
+          <a:fillRef idx="1">
+            <a:schemeClr val="accent1"/>
+          </a:fillRef>
+          <a:effectRef idx="0">
+            <a:schemeClr val="accent1"/>
+          </a:effectRef>
+          <a:fontRef idx="minor">
+            <a:schemeClr val="lt1"/>
+          </a:fontRef>
+        </p:style>
+        <p:txBody>
+          <a:bodyPr rtlCol="0" anchor="ctr"/>
+          <a:lstStyle/>
+          <a:p>
+            <a:pPr algn="ctr"/>
+            <a:r>
+              <a:rPr lang="en-KR" sz="1100" dirty="0">
+                <a:latin typeface="Cascadia Code" panose="020B0609020000020004" pitchFamily="34" charset="0"/>
+                <a:ea typeface="Cascadia Code" panose="020B0609020000020004" pitchFamily="34" charset="0"/>
+                <a:cs typeface="Cascadia Code" panose="020B0609020000020004" pitchFamily="34" charset="0"/>
+              </a:rPr>
+              <a:t>VibratorManager.</a:t>
+            </a:r>
+            <a:br>
+              <a:rPr lang="en-KR" sz="1600" dirty="0">
+                <a:latin typeface="Cascadia Code" panose="020B0609020000020004" pitchFamily="34" charset="0"/>
+                <a:ea typeface="Cascadia Code" panose="020B0609020000020004" pitchFamily="34" charset="0"/>
+                <a:cs typeface="Cascadia Code" panose="020B0609020000020004" pitchFamily="34" charset="0"/>
+              </a:rPr>
+            </a:br>
+            <a:r>
+              <a:rPr lang="en-KR" dirty="0">
+                <a:latin typeface="Cascadia Code" panose="020B0609020000020004" pitchFamily="34" charset="0"/>
+                <a:ea typeface="Cascadia Code" panose="020B0609020000020004" pitchFamily="34" charset="0"/>
+                <a:cs typeface="Cascadia Code" panose="020B0609020000020004" pitchFamily="34" charset="0"/>
+              </a:rPr>
+              <a:t>vibrate</a:t>
+            </a:r>
+          </a:p>
+        </p:txBody>
+      </p:sp>
+      <p:sp>
+        <p:nvSpPr>
+          <p:cNvPr id="21" name="Rectangle 20">
+            <a:extLst>
+              <a:ext uri="{FF2B5EF4-FFF2-40B4-BE49-F238E27FC236}">
+                <a16:creationId xmlns:a16="http://schemas.microsoft.com/office/drawing/2014/main" id="{5ACA4969-373D-A811-6836-8FB8F867E9DD}"/>
+              </a:ext>
+            </a:extLst>
+          </p:cNvPr>
+          <p:cNvSpPr/>
+          <p:nvPr/>
+        </p:nvSpPr>
+        <p:spPr>
+          <a:xfrm>
+            <a:off x="5603361" y="4087127"/>
+            <a:ext cx="1169576" cy="719172"/>
+          </a:xfrm>
+          <a:prstGeom prst="rect">
+            <a:avLst/>
+          </a:prstGeom>
+        </p:spPr>
+        <p:style>
+          <a:lnRef idx="2">
+            <a:schemeClr val="accent1">
+              <a:shade val="15000"/>
+            </a:schemeClr>
+          </a:lnRef>
+          <a:fillRef idx="1">
+            <a:schemeClr val="accent1"/>
+          </a:fillRef>
+          <a:effectRef idx="0">
+            <a:schemeClr val="accent1"/>
+          </a:effectRef>
+          <a:fontRef idx="minor">
+            <a:schemeClr val="lt1"/>
+          </a:fontRef>
+        </p:style>
+        <p:txBody>
+          <a:bodyPr rtlCol="0" anchor="ctr"/>
+          <a:lstStyle/>
+          <a:p>
+            <a:pPr algn="ctr"/>
+            <a:r>
+              <a:rPr lang="en-KR" sz="1600" dirty="0">
+                <a:solidFill>
+                  <a:schemeClr val="bg1"/>
+                </a:solidFill>
+                <a:latin typeface="Cascadia Code" panose="020B0609020000020004" pitchFamily="34" charset="0"/>
+                <a:ea typeface="Cascadia Code" panose="020B0609020000020004" pitchFamily="34" charset="0"/>
+                <a:cs typeface="Cascadia Code" panose="020B0609020000020004" pitchFamily="34" charset="0"/>
+              </a:rPr>
+              <a:t>Array&lt;&gt;</a:t>
+            </a:r>
+            <a:br>
+              <a:rPr lang="en-KR" sz="1600" dirty="0">
+                <a:solidFill>
+                  <a:schemeClr val="bg1"/>
+                </a:solidFill>
+                <a:latin typeface="Cascadia Code" panose="020B0609020000020004" pitchFamily="34" charset="0"/>
+                <a:ea typeface="Cascadia Code" panose="020B0609020000020004" pitchFamily="34" charset="0"/>
+                <a:cs typeface="Cascadia Code" panose="020B0609020000020004" pitchFamily="34" charset="0"/>
+              </a:rPr>
+            </a:br>
+            <a:r>
+              <a:rPr lang="en-KR" sz="1600" dirty="0">
+                <a:solidFill>
+                  <a:schemeClr val="bg1"/>
+                </a:solidFill>
+                <a:latin typeface="Cascadia Code" panose="020B0609020000020004" pitchFamily="34" charset="0"/>
+                <a:ea typeface="Cascadia Code" panose="020B0609020000020004" pitchFamily="34" charset="0"/>
+                <a:cs typeface="Cascadia Code" panose="020B0609020000020004" pitchFamily="34" charset="0"/>
+              </a:rPr>
+              <a:t>.forEach</a:t>
+            </a:r>
+          </a:p>
+        </p:txBody>
+      </p:sp>
+      <p:cxnSp>
+        <p:nvCxnSpPr>
+          <p:cNvPr id="23" name="Straight Arrow Connector 22">
+            <a:extLst>
+              <a:ext uri="{FF2B5EF4-FFF2-40B4-BE49-F238E27FC236}">
+                <a16:creationId xmlns:a16="http://schemas.microsoft.com/office/drawing/2014/main" id="{C9E21D7E-872E-269F-E226-8BE3F80A4899}"/>
+              </a:ext>
+            </a:extLst>
+          </p:cNvPr>
+          <p:cNvCxnSpPr>
+            <a:stCxn id="19" idx="3"/>
+          </p:cNvCxnSpPr>
+          <p:nvPr/>
+        </p:nvCxnSpPr>
+        <p:spPr>
+          <a:xfrm>
+            <a:off x="5158685" y="3460859"/>
+            <a:ext cx="937315" cy="0"/>
+          </a:xfrm>
+          <a:prstGeom prst="straightConnector1">
+            <a:avLst/>
+          </a:prstGeom>
+          <a:ln w="38100">
+            <a:solidFill>
+              <a:schemeClr val="accent2"/>
+            </a:solidFill>
+            <a:headEnd type="none" w="med" len="med"/>
+            <a:tailEnd type="arrow" w="med" len="med"/>
+          </a:ln>
+        </p:spPr>
+        <p:style>
+          <a:lnRef idx="2">
+            <a:schemeClr val="accent1"/>
+          </a:lnRef>
+          <a:fillRef idx="0">
+            <a:schemeClr val="accent1"/>
+          </a:fillRef>
+          <a:effectRef idx="1">
+            <a:schemeClr val="accent1"/>
+          </a:effectRef>
+          <a:fontRef idx="minor">
+            <a:schemeClr val="tx1"/>
+          </a:fontRef>
+        </p:style>
+      </p:cxnSp>
+      <p:sp>
+        <p:nvSpPr>
+          <p:cNvPr id="24" name="TextBox 23">
+            <a:extLst>
+              <a:ext uri="{FF2B5EF4-FFF2-40B4-BE49-F238E27FC236}">
+                <a16:creationId xmlns:a16="http://schemas.microsoft.com/office/drawing/2014/main" id="{8A038D1A-51C1-2514-D379-973146D5B294}"/>
+              </a:ext>
+            </a:extLst>
+          </p:cNvPr>
+          <p:cNvSpPr txBox="1"/>
+          <p:nvPr/>
+        </p:nvSpPr>
+        <p:spPr>
+          <a:xfrm>
+            <a:off x="5250834" y="3509164"/>
+            <a:ext cx="726367" cy="307777"/>
+          </a:xfrm>
+          <a:prstGeom prst="rect">
+            <a:avLst/>
+          </a:prstGeom>
+          <a:noFill/>
+        </p:spPr>
+        <p:txBody>
+          <a:bodyPr wrap="square" rtlCol="0">
+            <a:spAutoFit/>
+          </a:bodyPr>
+          <a:lstStyle/>
+          <a:p>
+            <a:pPr algn="ctr"/>
+            <a:r>
+              <a:rPr lang="en-KR" sz="1400" b="1" dirty="0">
+                <a:solidFill>
+                  <a:schemeClr val="accent2"/>
+                </a:solidFill>
+                <a:latin typeface="Cascadia Code" panose="020B0609020000020004" pitchFamily="34" charset="0"/>
+                <a:ea typeface="Cascadia Code" panose="020B0609020000020004" pitchFamily="34" charset="0"/>
+                <a:cs typeface="Cascadia Code" panose="020B0609020000020004" pitchFamily="34" charset="0"/>
+              </a:rPr>
+              <a:t>post</a:t>
+            </a:r>
+          </a:p>
+        </p:txBody>
+      </p:sp>
+      <p:cxnSp>
+        <p:nvCxnSpPr>
+          <p:cNvPr id="27" name="Elbow Connector 26">
+            <a:extLst>
+              <a:ext uri="{FF2B5EF4-FFF2-40B4-BE49-F238E27FC236}">
+                <a16:creationId xmlns:a16="http://schemas.microsoft.com/office/drawing/2014/main" id="{25596C1F-C55F-6194-9377-DAC229CABA87}"/>
+              </a:ext>
+            </a:extLst>
+          </p:cNvPr>
+          <p:cNvCxnSpPr>
+            <a:cxnSpLocks/>
+          </p:cNvCxnSpPr>
+          <p:nvPr/>
+        </p:nvCxnSpPr>
+        <p:spPr>
+          <a:xfrm flipV="1">
+            <a:off x="6900530" y="3460859"/>
+            <a:ext cx="2565991" cy="821050"/>
+          </a:xfrm>
+          <a:prstGeom prst="bentConnector3">
+            <a:avLst>
+              <a:gd name="adj1" fmla="val 50000"/>
+            </a:avLst>
+          </a:prstGeom>
+          <a:ln w="38100">
+            <a:solidFill>
+              <a:schemeClr val="accent2"/>
+            </a:solidFill>
+            <a:headEnd type="none" w="med" len="med"/>
+            <a:tailEnd type="arrow" w="med" len="med"/>
+          </a:ln>
+        </p:spPr>
+        <p:style>
+          <a:lnRef idx="2">
+            <a:schemeClr val="accent1"/>
+          </a:lnRef>
+          <a:fillRef idx="0">
+            <a:schemeClr val="accent1"/>
+          </a:fillRef>
+          <a:effectRef idx="1">
+            <a:schemeClr val="accent1"/>
+          </a:effectRef>
+          <a:fontRef idx="minor">
+            <a:schemeClr val="tx1"/>
+          </a:fontRef>
+        </p:style>
+      </p:cxnSp>
+      <p:sp>
+        <p:nvSpPr>
+          <p:cNvPr id="29" name="TextBox 28">
+            <a:extLst>
+              <a:ext uri="{FF2B5EF4-FFF2-40B4-BE49-F238E27FC236}">
+                <a16:creationId xmlns:a16="http://schemas.microsoft.com/office/drawing/2014/main" id="{68A037F5-A2CC-6AC7-035A-5EAFAF89EC27}"/>
+              </a:ext>
+            </a:extLst>
+          </p:cNvPr>
+          <p:cNvSpPr txBox="1"/>
+          <p:nvPr/>
+        </p:nvSpPr>
+        <p:spPr>
+          <a:xfrm>
+            <a:off x="8621355" y="3496152"/>
+            <a:ext cx="726367" cy="307777"/>
+          </a:xfrm>
+          <a:prstGeom prst="rect">
+            <a:avLst/>
+          </a:prstGeom>
+          <a:noFill/>
+        </p:spPr>
+        <p:txBody>
+          <a:bodyPr wrap="square" rtlCol="0">
+            <a:spAutoFit/>
+          </a:bodyPr>
+          <a:lstStyle/>
+          <a:p>
+            <a:pPr algn="ctr"/>
+            <a:r>
+              <a:rPr lang="en-KR" sz="1400" b="1" dirty="0">
+                <a:solidFill>
+                  <a:schemeClr val="accent2"/>
+                </a:solidFill>
+                <a:latin typeface="Cascadia Code" panose="020B0609020000020004" pitchFamily="34" charset="0"/>
+                <a:ea typeface="Cascadia Code" panose="020B0609020000020004" pitchFamily="34" charset="0"/>
+                <a:cs typeface="Cascadia Code" panose="020B0609020000020004" pitchFamily="34" charset="0"/>
+              </a:rPr>
+              <a:t>post</a:t>
+            </a:r>
+          </a:p>
+        </p:txBody>
+      </p:sp>
+      <p:cxnSp>
+        <p:nvCxnSpPr>
+          <p:cNvPr id="31" name="Elbow Connector 30">
+            <a:extLst>
+              <a:ext uri="{FF2B5EF4-FFF2-40B4-BE49-F238E27FC236}">
+                <a16:creationId xmlns:a16="http://schemas.microsoft.com/office/drawing/2014/main" id="{F80D482C-0250-6BF0-60DA-9DC066F6D2C3}"/>
+              </a:ext>
+            </a:extLst>
+          </p:cNvPr>
+          <p:cNvCxnSpPr>
+            <a:cxnSpLocks/>
+          </p:cNvCxnSpPr>
+          <p:nvPr/>
+        </p:nvCxnSpPr>
+        <p:spPr>
+          <a:xfrm>
+            <a:off x="6900530" y="4446713"/>
+            <a:ext cx="1836222" cy="786978"/>
+          </a:xfrm>
+          <a:prstGeom prst="bentConnector3">
+            <a:avLst/>
+          </a:prstGeom>
+          <a:ln w="38100">
+            <a:solidFill>
+              <a:schemeClr val="accent6"/>
+            </a:solidFill>
+            <a:headEnd type="none" w="med" len="med"/>
+            <a:tailEnd type="arrow" w="med" len="med"/>
+          </a:ln>
+        </p:spPr>
+        <p:style>
+          <a:lnRef idx="2">
+            <a:schemeClr val="accent1"/>
+          </a:lnRef>
+          <a:fillRef idx="0">
+            <a:schemeClr val="accent1"/>
+          </a:fillRef>
+          <a:effectRef idx="1">
+            <a:schemeClr val="accent1"/>
+          </a:effectRef>
+          <a:fontRef idx="minor">
+            <a:schemeClr val="tx1"/>
+          </a:fontRef>
+        </p:style>
+      </p:cxnSp>
+      <p:sp>
+        <p:nvSpPr>
+          <p:cNvPr id="35" name="TextBox 34">
+            <a:extLst>
+              <a:ext uri="{FF2B5EF4-FFF2-40B4-BE49-F238E27FC236}">
+                <a16:creationId xmlns:a16="http://schemas.microsoft.com/office/drawing/2014/main" id="{9F070CE8-993F-4E93-1E9F-8472C186C7A6}"/>
+              </a:ext>
+            </a:extLst>
+          </p:cNvPr>
+          <p:cNvSpPr txBox="1"/>
+          <p:nvPr/>
+        </p:nvSpPr>
+        <p:spPr>
+          <a:xfrm>
+            <a:off x="7754122" y="5247719"/>
+            <a:ext cx="982630" cy="307777"/>
+          </a:xfrm>
+          <a:prstGeom prst="rect">
+            <a:avLst/>
+          </a:prstGeom>
+          <a:noFill/>
+        </p:spPr>
+        <p:txBody>
+          <a:bodyPr wrap="square" rtlCol="0">
+            <a:spAutoFit/>
+          </a:bodyPr>
+          <a:lstStyle/>
+          <a:p>
+            <a:pPr algn="ctr"/>
+            <a:r>
+              <a:rPr lang="en-KR" sz="1400" b="1" dirty="0">
+                <a:solidFill>
+                  <a:schemeClr val="accent6"/>
+                </a:solidFill>
+                <a:latin typeface="Cascadia Code" panose="020B0609020000020004" pitchFamily="34" charset="0"/>
+                <a:ea typeface="Cascadia Code" panose="020B0609020000020004" pitchFamily="34" charset="0"/>
+                <a:cs typeface="Cascadia Code" panose="020B0609020000020004" pitchFamily="34" charset="0"/>
+              </a:rPr>
+              <a:t>pattern</a:t>
+            </a:r>
+          </a:p>
+        </p:txBody>
+      </p:sp>
+      <p:sp>
+        <p:nvSpPr>
+          <p:cNvPr id="36" name="Rectangle 35">
+            <a:extLst>
+              <a:ext uri="{FF2B5EF4-FFF2-40B4-BE49-F238E27FC236}">
+                <a16:creationId xmlns:a16="http://schemas.microsoft.com/office/drawing/2014/main" id="{76B9BEA5-998E-312F-84C4-0D9F9BDDB7AD}"/>
+              </a:ext>
+            </a:extLst>
+          </p:cNvPr>
+          <p:cNvSpPr/>
+          <p:nvPr/>
+        </p:nvSpPr>
+        <p:spPr>
+          <a:xfrm>
+            <a:off x="1243335" y="4265171"/>
+            <a:ext cx="1329071" cy="457200"/>
+          </a:xfrm>
+          <a:prstGeom prst="rect">
+            <a:avLst/>
+          </a:prstGeom>
+        </p:spPr>
+        <p:style>
+          <a:lnRef idx="2">
+            <a:schemeClr val="accent1">
+              <a:shade val="15000"/>
+            </a:schemeClr>
+          </a:lnRef>
+          <a:fillRef idx="1">
+            <a:schemeClr val="accent1"/>
+          </a:fillRef>
+          <a:effectRef idx="0">
+            <a:schemeClr val="accent1"/>
+          </a:effectRef>
+          <a:fontRef idx="minor">
+            <a:schemeClr val="lt1"/>
+          </a:fontRef>
+        </p:style>
+        <p:txBody>
+          <a:bodyPr rtlCol="0" anchor="ctr"/>
+          <a:lstStyle/>
+          <a:p>
+            <a:pPr algn="ctr"/>
+            <a:r>
+              <a:rPr lang="en-KR" sz="1400" dirty="0">
+                <a:latin typeface="Noto Sans KR" panose="020B0200000000000000" pitchFamily="34" charset="-128"/>
+                <a:ea typeface="Noto Sans KR" panose="020B0200000000000000" pitchFamily="34" charset="-128"/>
+              </a:rPr>
+              <a:t>Thread Init</a:t>
+            </a:r>
+          </a:p>
+        </p:txBody>
+      </p:sp>
+      <p:cxnSp>
+        <p:nvCxnSpPr>
+          <p:cNvPr id="38" name="Straight Connector 37">
+            <a:extLst>
+              <a:ext uri="{FF2B5EF4-FFF2-40B4-BE49-F238E27FC236}">
+                <a16:creationId xmlns:a16="http://schemas.microsoft.com/office/drawing/2014/main" id="{D0EA0A07-EAC9-0181-E63B-04FECB97F241}"/>
+              </a:ext>
+            </a:extLst>
+          </p:cNvPr>
+          <p:cNvCxnSpPr/>
+          <p:nvPr/>
+        </p:nvCxnSpPr>
+        <p:spPr>
+          <a:xfrm>
+            <a:off x="1595092" y="4701773"/>
+            <a:ext cx="0" cy="1555563"/>
+          </a:xfrm>
+          <a:prstGeom prst="line">
+            <a:avLst/>
+          </a:prstGeom>
+          <a:ln w="57150">
+            <a:prstDash val="sysDash"/>
+          </a:ln>
+        </p:spPr>
+        <p:style>
+          <a:lnRef idx="2">
+            <a:schemeClr val="accent1"/>
+          </a:lnRef>
+          <a:fillRef idx="0">
+            <a:schemeClr val="accent1"/>
+          </a:fillRef>
+          <a:effectRef idx="1">
+            <a:schemeClr val="accent1"/>
+          </a:effectRef>
+          <a:fontRef idx="minor">
+            <a:schemeClr val="tx1"/>
+          </a:fontRef>
+        </p:style>
+      </p:cxnSp>
+      <p:cxnSp>
+        <p:nvCxnSpPr>
+          <p:cNvPr id="39" name="Straight Connector 38">
+            <a:extLst>
+              <a:ext uri="{FF2B5EF4-FFF2-40B4-BE49-F238E27FC236}">
+                <a16:creationId xmlns:a16="http://schemas.microsoft.com/office/drawing/2014/main" id="{FF2EA1AE-08DD-F1F3-FCCE-806FDC038D5F}"/>
+              </a:ext>
+            </a:extLst>
+          </p:cNvPr>
+          <p:cNvCxnSpPr/>
+          <p:nvPr/>
+        </p:nvCxnSpPr>
+        <p:spPr>
+          <a:xfrm>
+            <a:off x="2186641" y="4712750"/>
+            <a:ext cx="0" cy="1555563"/>
+          </a:xfrm>
+          <a:prstGeom prst="line">
+            <a:avLst/>
+          </a:prstGeom>
+          <a:ln w="57150">
+            <a:prstDash val="sysDash"/>
+          </a:ln>
+        </p:spPr>
+        <p:style>
+          <a:lnRef idx="2">
+            <a:schemeClr val="accent1"/>
+          </a:lnRef>
+          <a:fillRef idx="0">
+            <a:schemeClr val="accent1"/>
+          </a:fillRef>
+          <a:effectRef idx="1">
+            <a:schemeClr val="accent1"/>
+          </a:effectRef>
+          <a:fontRef idx="minor">
+            <a:schemeClr val="tx1"/>
+          </a:fontRef>
+        </p:style>
+      </p:cxnSp>
+      <p:cxnSp>
+        <p:nvCxnSpPr>
+          <p:cNvPr id="41" name="Straight Arrow Connector 40">
+            <a:extLst>
+              <a:ext uri="{FF2B5EF4-FFF2-40B4-BE49-F238E27FC236}">
+                <a16:creationId xmlns:a16="http://schemas.microsoft.com/office/drawing/2014/main" id="{82094803-D7EA-AC1E-7157-713C69C7324C}"/>
+              </a:ext>
+            </a:extLst>
+          </p:cNvPr>
+          <p:cNvCxnSpPr>
+            <a:stCxn id="5" idx="4"/>
+            <a:endCxn id="8" idx="0"/>
+          </p:cNvCxnSpPr>
+          <p:nvPr/>
+        </p:nvCxnSpPr>
+        <p:spPr>
+          <a:xfrm>
+            <a:off x="1907872" y="2179564"/>
+            <a:ext cx="0" cy="571151"/>
+          </a:xfrm>
+          <a:prstGeom prst="straightConnector1">
+            <a:avLst/>
+          </a:prstGeom>
+          <a:ln>
+            <a:tailEnd type="triangle"/>
+          </a:ln>
+        </p:spPr>
+        <p:style>
+          <a:lnRef idx="2">
+            <a:schemeClr val="accent1"/>
+          </a:lnRef>
+          <a:fillRef idx="0">
+            <a:schemeClr val="accent1"/>
+          </a:fillRef>
+          <a:effectRef idx="1">
+            <a:schemeClr val="accent1"/>
+          </a:effectRef>
+          <a:fontRef idx="minor">
+            <a:schemeClr val="tx1"/>
+          </a:fontRef>
+        </p:style>
+      </p:cxnSp>
+      <p:cxnSp>
+        <p:nvCxnSpPr>
+          <p:cNvPr id="44" name="Straight Arrow Connector 43">
+            <a:extLst>
+              <a:ext uri="{FF2B5EF4-FFF2-40B4-BE49-F238E27FC236}">
+                <a16:creationId xmlns:a16="http://schemas.microsoft.com/office/drawing/2014/main" id="{46C5CB1E-FFC7-7981-084D-2CB5375C32F2}"/>
+              </a:ext>
+            </a:extLst>
+          </p:cNvPr>
+          <p:cNvCxnSpPr>
+            <a:stCxn id="8" idx="2"/>
+            <a:endCxn id="9" idx="0"/>
+          </p:cNvCxnSpPr>
+          <p:nvPr/>
+        </p:nvCxnSpPr>
+        <p:spPr>
+          <a:xfrm>
+            <a:off x="1907872" y="3207915"/>
+            <a:ext cx="0" cy="108967"/>
+          </a:xfrm>
+          <a:prstGeom prst="straightConnector1">
+            <a:avLst/>
+          </a:prstGeom>
+          <a:ln>
+            <a:tailEnd type="triangle"/>
+          </a:ln>
+        </p:spPr>
+        <p:style>
+          <a:lnRef idx="2">
+            <a:schemeClr val="accent1"/>
+          </a:lnRef>
+          <a:fillRef idx="0">
+            <a:schemeClr val="accent1"/>
+          </a:fillRef>
+          <a:effectRef idx="1">
+            <a:schemeClr val="accent1"/>
+          </a:effectRef>
+          <a:fontRef idx="minor">
+            <a:schemeClr val="tx1"/>
+          </a:fontRef>
+        </p:style>
+      </p:cxnSp>
+      <p:cxnSp>
+        <p:nvCxnSpPr>
+          <p:cNvPr id="46" name="Straight Arrow Connector 45">
+            <a:extLst>
+              <a:ext uri="{FF2B5EF4-FFF2-40B4-BE49-F238E27FC236}">
+                <a16:creationId xmlns:a16="http://schemas.microsoft.com/office/drawing/2014/main" id="{A0F7ECF6-FAE8-7C1B-3CB8-3CF0E2D1ADE4}"/>
+              </a:ext>
+            </a:extLst>
+          </p:cNvPr>
+          <p:cNvCxnSpPr>
+            <a:stCxn id="9" idx="2"/>
+            <a:endCxn id="36" idx="0"/>
+          </p:cNvCxnSpPr>
+          <p:nvPr/>
+        </p:nvCxnSpPr>
+        <p:spPr>
+          <a:xfrm flipH="1">
+            <a:off x="1907871" y="3774082"/>
+            <a:ext cx="1" cy="491089"/>
+          </a:xfrm>
+          <a:prstGeom prst="straightConnector1">
+            <a:avLst/>
+          </a:prstGeom>
+          <a:ln>
+            <a:tailEnd type="triangle"/>
+          </a:ln>
+        </p:spPr>
+        <p:style>
+          <a:lnRef idx="2">
+            <a:schemeClr val="accent1"/>
+          </a:lnRef>
+          <a:fillRef idx="0">
+            <a:schemeClr val="accent1"/>
+          </a:fillRef>
+          <a:effectRef idx="1">
+            <a:schemeClr val="accent1"/>
+          </a:effectRef>
+          <a:fontRef idx="minor">
+            <a:schemeClr val="tx1"/>
+          </a:fontRef>
+        </p:style>
+      </p:cxnSp>
+      <p:cxnSp>
+        <p:nvCxnSpPr>
+          <p:cNvPr id="48" name="Straight Connector 47">
+            <a:extLst>
+              <a:ext uri="{FF2B5EF4-FFF2-40B4-BE49-F238E27FC236}">
+                <a16:creationId xmlns:a16="http://schemas.microsoft.com/office/drawing/2014/main" id="{DAF32703-DFEE-1A11-0FEE-A67DEBC5C5BA}"/>
+              </a:ext>
+            </a:extLst>
+          </p:cNvPr>
+          <p:cNvCxnSpPr/>
+          <p:nvPr/>
+        </p:nvCxnSpPr>
+        <p:spPr>
+          <a:xfrm>
+            <a:off x="1176009" y="6309327"/>
+            <a:ext cx="1329071" cy="0"/>
+          </a:xfrm>
+          <a:prstGeom prst="line">
+            <a:avLst/>
+          </a:prstGeom>
+        </p:spPr>
+        <p:style>
+          <a:lnRef idx="2">
+            <a:schemeClr val="accent1"/>
+          </a:lnRef>
+          <a:fillRef idx="0">
+            <a:schemeClr val="accent1"/>
+          </a:fillRef>
+          <a:effectRef idx="1">
+            <a:schemeClr val="accent1"/>
+          </a:effectRef>
+          <a:fontRef idx="minor">
+            <a:schemeClr val="tx1"/>
+          </a:fontRef>
+        </p:style>
+      </p:cxnSp>
+      <p:sp>
+        <p:nvSpPr>
+          <p:cNvPr id="49" name="TextBox 48">
+            <a:extLst>
+              <a:ext uri="{FF2B5EF4-FFF2-40B4-BE49-F238E27FC236}">
+                <a16:creationId xmlns:a16="http://schemas.microsoft.com/office/drawing/2014/main" id="{A7E755AD-778E-7618-6679-9C5B108FBBA0}"/>
+              </a:ext>
+            </a:extLst>
+          </p:cNvPr>
+          <p:cNvSpPr txBox="1"/>
+          <p:nvPr/>
+        </p:nvSpPr>
+        <p:spPr>
+          <a:xfrm>
+            <a:off x="1074950" y="6324606"/>
+            <a:ext cx="1665841" cy="369332"/>
+          </a:xfrm>
+          <a:prstGeom prst="rect">
+            <a:avLst/>
+          </a:prstGeom>
+          <a:noFill/>
+        </p:spPr>
+        <p:txBody>
+          <a:bodyPr wrap="none" rtlCol="0">
+            <a:spAutoFit/>
+          </a:bodyPr>
+          <a:lstStyle/>
+          <a:p>
+            <a:r>
+              <a:rPr lang="en-KR" dirty="0">
+                <a:latin typeface="Cascadia Code" panose="020B0609020000020004" pitchFamily="34" charset="0"/>
+                <a:ea typeface="Cascadia Code" panose="020B0609020000020004" pitchFamily="34" charset="0"/>
+                <a:cs typeface="Cascadia Code" panose="020B0609020000020004" pitchFamily="34" charset="0"/>
+              </a:rPr>
+              <a:t>DestroyView</a:t>
+            </a:r>
+          </a:p>
+        </p:txBody>
+      </p:sp>
+      <p:sp>
+        <p:nvSpPr>
+          <p:cNvPr id="52" name="TextBox 51">
+            <a:extLst>
+              <a:ext uri="{FF2B5EF4-FFF2-40B4-BE49-F238E27FC236}">
+                <a16:creationId xmlns:a16="http://schemas.microsoft.com/office/drawing/2014/main" id="{C3B39875-6A84-29D4-6981-085B4C46B4AB}"/>
+              </a:ext>
+            </a:extLst>
+          </p:cNvPr>
+          <p:cNvSpPr txBox="1"/>
+          <p:nvPr/>
+        </p:nvSpPr>
+        <p:spPr>
+          <a:xfrm>
+            <a:off x="2952527" y="4959506"/>
+            <a:ext cx="3236784" cy="276999"/>
+          </a:xfrm>
+          <a:prstGeom prst="rect">
+            <a:avLst/>
+          </a:prstGeom>
+          <a:noFill/>
+        </p:spPr>
+        <p:txBody>
+          <a:bodyPr wrap="none" rtlCol="0">
+            <a:spAutoFit/>
+          </a:bodyPr>
+          <a:lstStyle/>
+          <a:p>
+            <a:r>
+              <a:rPr lang="en-KR" sz="1200" dirty="0">
+                <a:solidFill>
+                  <a:schemeClr val="tx1">
+                    <a:lumMod val="50000"/>
+                    <a:lumOff val="50000"/>
+                  </a:schemeClr>
+                </a:solidFill>
+                <a:latin typeface="Cascadia Code" panose="020B0609020000020004" pitchFamily="34" charset="0"/>
+                <a:ea typeface="Cascadia Code" panose="020B0609020000020004" pitchFamily="34" charset="0"/>
+                <a:cs typeface="Cascadia Code" panose="020B0609020000020004" pitchFamily="34" charset="0"/>
+              </a:rPr>
+              <a:t>Array&lt;(Int) -&gt; CombinedVibration?&gt;</a:t>
+            </a:r>
+          </a:p>
+        </p:txBody>
+      </p:sp>
+      <p:cxnSp>
+        <p:nvCxnSpPr>
+          <p:cNvPr id="54" name="Straight Connector 53">
+            <a:extLst>
+              <a:ext uri="{FF2B5EF4-FFF2-40B4-BE49-F238E27FC236}">
+                <a16:creationId xmlns:a16="http://schemas.microsoft.com/office/drawing/2014/main" id="{BAAF1177-E811-D9F7-BAB3-06BF49413569}"/>
+              </a:ext>
+            </a:extLst>
+          </p:cNvPr>
+          <p:cNvCxnSpPr>
+            <a:cxnSpLocks/>
+          </p:cNvCxnSpPr>
+          <p:nvPr/>
+        </p:nvCxnSpPr>
+        <p:spPr>
+          <a:xfrm>
+            <a:off x="3085789" y="4974872"/>
+            <a:ext cx="3010211" cy="0"/>
+          </a:xfrm>
+          <a:prstGeom prst="line">
+            <a:avLst/>
+          </a:prstGeom>
+          <a:ln>
+            <a:solidFill>
+              <a:schemeClr val="bg2">
+                <a:lumMod val="75000"/>
+              </a:schemeClr>
+            </a:solidFill>
+          </a:ln>
+        </p:spPr>
+        <p:style>
+          <a:lnRef idx="2">
+            <a:schemeClr val="accent1"/>
+          </a:lnRef>
+          <a:fillRef idx="0">
+            <a:schemeClr val="accent1"/>
+          </a:fillRef>
+          <a:effectRef idx="1">
+            <a:schemeClr val="accent1"/>
+          </a:effectRef>
+          <a:fontRef idx="minor">
+            <a:schemeClr val="tx1"/>
+          </a:fontRef>
+        </p:style>
+      </p:cxnSp>
+      <p:sp>
+        <p:nvSpPr>
+          <p:cNvPr id="56" name="Freeform 55">
+            <a:extLst>
+              <a:ext uri="{FF2B5EF4-FFF2-40B4-BE49-F238E27FC236}">
+                <a16:creationId xmlns:a16="http://schemas.microsoft.com/office/drawing/2014/main" id="{3A764C5B-B6AE-89E7-82D3-DD184002860A}"/>
+              </a:ext>
+            </a:extLst>
+          </p:cNvPr>
+          <p:cNvSpPr/>
+          <p:nvPr/>
+        </p:nvSpPr>
+        <p:spPr>
+          <a:xfrm>
+            <a:off x="4412512" y="4439868"/>
+            <a:ext cx="1158948" cy="546802"/>
+          </a:xfrm>
+          <a:custGeom>
+            <a:avLst/>
+            <a:gdLst>
+              <a:gd name="connsiteX0" fmla="*/ 1158948 w 1158948"/>
+              <a:gd name="connsiteY0" fmla="*/ 4541 h 546802"/>
+              <a:gd name="connsiteX1" fmla="*/ 489097 w 1158948"/>
+              <a:gd name="connsiteY1" fmla="*/ 78969 h 546802"/>
+              <a:gd name="connsiteX2" fmla="*/ 0 w 1158948"/>
+              <a:gd name="connsiteY2" fmla="*/ 546802 h 546802"/>
+            </a:gdLst>
+            <a:ahLst/>
+            <a:cxnLst>
+              <a:cxn ang="0">
+                <a:pos x="connsiteX0" y="connsiteY0"/>
+              </a:cxn>
+              <a:cxn ang="0">
+                <a:pos x="connsiteX1" y="connsiteY1"/>
+              </a:cxn>
+              <a:cxn ang="0">
+                <a:pos x="connsiteX2" y="connsiteY2"/>
+              </a:cxn>
+            </a:cxnLst>
+            <a:rect l="l" t="t" r="r" b="b"/>
+            <a:pathLst>
+              <a:path w="1158948" h="546802">
+                <a:moveTo>
+                  <a:pt x="1158948" y="4541"/>
+                </a:moveTo>
+                <a:cubicBezTo>
+                  <a:pt x="920601" y="-3434"/>
+                  <a:pt x="682255" y="-11408"/>
+                  <a:pt x="489097" y="78969"/>
+                </a:cubicBezTo>
+                <a:cubicBezTo>
+                  <a:pt x="295939" y="169346"/>
+                  <a:pt x="147969" y="358074"/>
+                  <a:pt x="0" y="546802"/>
+                </a:cubicBezTo>
+              </a:path>
+            </a:pathLst>
+          </a:custGeom>
+          <a:noFill/>
+          <a:ln>
+            <a:solidFill>
+              <a:schemeClr val="bg2">
+                <a:lumMod val="75000"/>
+              </a:schemeClr>
+            </a:solidFill>
+            <a:prstDash val="sysDash"/>
+          </a:ln>
+        </p:spPr>
+        <p:style>
+          <a:lnRef idx="2">
+            <a:schemeClr val="accent1">
+              <a:shade val="15000"/>
+            </a:schemeClr>
+          </a:lnRef>
+          <a:fillRef idx="1">
+            <a:schemeClr val="accent1"/>
+          </a:fillRef>
+          <a:effectRef idx="0">
+            <a:schemeClr val="accent1"/>
+          </a:effectRef>
+          <a:fontRef idx="minor">
+            <a:schemeClr val="lt1"/>
+          </a:fontRef>
+        </p:style>
+        <p:txBody>
+          <a:bodyPr rtlCol="0" anchor="ctr"/>
+          <a:lstStyle/>
+          <a:p>
+            <a:pPr algn="ctr"/>
+            <a:endParaRPr lang="en-KR"/>
+          </a:p>
+        </p:txBody>
+      </p:sp>
+    </p:spTree>
+    <p:extLst>
+      <p:ext uri="{BB962C8B-B14F-4D97-AF65-F5344CB8AC3E}">
+        <p14:creationId xmlns:p14="http://schemas.microsoft.com/office/powerpoint/2010/main" val="1014417871"/>
+      </p:ext>
+    </p:extLst>
+  </p:cSld>
+  <p:clrMapOvr>
+    <a:masterClrMapping/>
+  </p:clrMapOvr>
+</p:sld>
+</file>
+
+<file path=ppt/slides/slide9.xml><?xml version="1.0" encoding="utf-8"?>
+<p:sld xmlns:a="http://schemas.openxmlformats.org/drawingml/2006/main" xmlns:r="http://schemas.openxmlformats.org/officeDocument/2006/relationships" xmlns:p="http://schemas.openxmlformats.org/presentationml/2006/main">
+  <p:cSld>
+    <p:spTree>
+      <p:nvGrpSpPr>
+        <p:cNvPr id="1" name="">
+          <a:extLst>
+            <a:ext uri="{FF2B5EF4-FFF2-40B4-BE49-F238E27FC236}">
+              <a16:creationId xmlns:a16="http://schemas.microsoft.com/office/drawing/2014/main" id="{7D04F1D6-1867-DC07-6923-00DE3094164A}"/>
+            </a:ext>
+          </a:extLst>
+        </p:cNvPr>
+        <p:cNvGrpSpPr/>
+        <p:nvPr/>
+      </p:nvGrpSpPr>
+      <p:grpSpPr>
+        <a:xfrm>
+          <a:off x="0" y="0"/>
+          <a:ext cx="0" cy="0"/>
+          <a:chOff x="0" y="0"/>
+          <a:chExt cx="0" cy="0"/>
+        </a:xfrm>
+      </p:grpSpPr>
+      <p:sp>
+        <p:nvSpPr>
+          <p:cNvPr id="4" name="Title 1">
+            <a:extLst>
+              <a:ext uri="{FF2B5EF4-FFF2-40B4-BE49-F238E27FC236}">
+                <a16:creationId xmlns:a16="http://schemas.microsoft.com/office/drawing/2014/main" id="{3C8E8C1B-246A-8F82-7CE5-7841D715CF15}"/>
+              </a:ext>
+            </a:extLst>
+          </p:cNvPr>
+          <p:cNvSpPr>
+            <a:spLocks noGrp="1"/>
+          </p:cNvSpPr>
+          <p:nvPr>
+            <p:ph type="title"/>
+          </p:nvPr>
+        </p:nvSpPr>
+        <p:spPr>
+          <a:xfrm>
+            <a:off x="838200" y="365125"/>
+            <a:ext cx="10515600" cy="1325563"/>
+          </a:xfrm>
+        </p:spPr>
+        <p:txBody>
+          <a:bodyPr/>
+          <a:lstStyle/>
+          <a:p>
+            <a:r>
+              <a:rPr lang="en-US" b="1" dirty="0">
+                <a:latin typeface="Avenir Next LT Pro" panose="020B0504020202020204" pitchFamily="34" charset="77"/>
+              </a:rPr>
+              <a:t>Code Implementation</a:t>
+            </a:r>
+            <a:endParaRPr lang="en-KR" b="1" dirty="0">
+              <a:latin typeface="Avenir Next LT Pro" panose="020B0504020202020204" pitchFamily="34" charset="77"/>
+            </a:endParaRPr>
+          </a:p>
+        </p:txBody>
+      </p:sp>
+      <p:pic>
+        <p:nvPicPr>
+          <p:cNvPr id="7" name="Picture 6">
+            <a:extLst>
+              <a:ext uri="{FF2B5EF4-FFF2-40B4-BE49-F238E27FC236}">
+                <a16:creationId xmlns:a16="http://schemas.microsoft.com/office/drawing/2014/main" id="{CB9D403F-0BDD-1434-B741-AE7C0DD3A04D}"/>
+              </a:ext>
+            </a:extLst>
+          </p:cNvPr>
+          <p:cNvPicPr>
+            <a:picLocks noChangeAspect="1"/>
+          </p:cNvPicPr>
+          <p:nvPr/>
+        </p:nvPicPr>
+        <p:blipFill>
+          <a:blip r:embed="rId2"/>
+          <a:stretch>
+            <a:fillRect/>
+          </a:stretch>
+        </p:blipFill>
+        <p:spPr>
+          <a:xfrm>
+            <a:off x="1017061" y="1690688"/>
+            <a:ext cx="8876661" cy="4890866"/>
+          </a:xfrm>
+          <a:prstGeom prst="rect">
+            <a:avLst/>
+          </a:prstGeom>
+        </p:spPr>
+      </p:pic>
+      <p:sp>
+        <p:nvSpPr>
+          <p:cNvPr id="3" name="TextBox 2">
+            <a:extLst>
+              <a:ext uri="{FF2B5EF4-FFF2-40B4-BE49-F238E27FC236}">
+                <a16:creationId xmlns:a16="http://schemas.microsoft.com/office/drawing/2014/main" id="{BC34E4C8-22E0-DD6F-C3A4-038B65D8C968}"/>
+              </a:ext>
+            </a:extLst>
+          </p:cNvPr>
+          <p:cNvSpPr txBox="1"/>
+          <p:nvPr/>
+        </p:nvSpPr>
+        <p:spPr>
+          <a:xfrm>
+            <a:off x="8047896" y="1796902"/>
+            <a:ext cx="1782860" cy="461665"/>
+          </a:xfrm>
+          <a:prstGeom prst="rect">
+            <a:avLst/>
+          </a:prstGeom>
+          <a:noFill/>
+        </p:spPr>
+        <p:txBody>
+          <a:bodyPr wrap="none" rtlCol="0">
+            <a:spAutoFit/>
+          </a:bodyPr>
+          <a:lstStyle/>
+          <a:p>
+            <a:r>
+              <a:rPr lang="en-KR" sz="2400" b="1" dirty="0"/>
+              <a:t>Modularity!</a:t>
+            </a:r>
+          </a:p>
+        </p:txBody>
+      </p:sp>
+    </p:spTree>
+    <p:extLst>
+      <p:ext uri="{BB962C8B-B14F-4D97-AF65-F5344CB8AC3E}">
+        <p14:creationId xmlns:p14="http://schemas.microsoft.com/office/powerpoint/2010/main" val="810744337"/>
       </p:ext>
     </p:extLst>
   </p:cSld>
